--- a/2022/01/BOYD 大幅面散热板外观测量检测项目/BOYD-散热板外观检测解决方案 新版V1.0.0.1.pptx
+++ b/2022/01/BOYD 大幅面散热板外观测量检测项目/BOYD-散热板外观检测解决方案 新版V1.0.0.1.pptx
@@ -16,15 +16,19 @@
     <p:sldId id="286" r:id="rId10"/>
     <p:sldId id="287" r:id="rId11"/>
     <p:sldId id="288" r:id="rId12"/>
-    <p:sldId id="280" r:id="rId13"/>
-    <p:sldId id="285" r:id="rId14"/>
-    <p:sldId id="278" r:id="rId15"/>
-    <p:sldId id="279" r:id="rId16"/>
-    <p:sldId id="281" r:id="rId17"/>
-    <p:sldId id="282" r:id="rId18"/>
-    <p:sldId id="283" r:id="rId19"/>
-    <p:sldId id="284" r:id="rId20"/>
-    <p:sldId id="269" r:id="rId21"/>
+    <p:sldId id="289" r:id="rId13"/>
+    <p:sldId id="290" r:id="rId14"/>
+    <p:sldId id="292" r:id="rId15"/>
+    <p:sldId id="291" r:id="rId16"/>
+    <p:sldId id="280" r:id="rId17"/>
+    <p:sldId id="285" r:id="rId18"/>
+    <p:sldId id="278" r:id="rId19"/>
+    <p:sldId id="279" r:id="rId20"/>
+    <p:sldId id="281" r:id="rId21"/>
+    <p:sldId id="282" r:id="rId22"/>
+    <p:sldId id="283" r:id="rId23"/>
+    <p:sldId id="284" r:id="rId24"/>
+    <p:sldId id="269" r:id="rId25"/>
   </p:sldIdLst>
   <p:sldSz cx="12192000" cy="6858000"/>
   <p:notesSz cx="6858000" cy="9144000"/>
@@ -3126,7 +3130,7 @@
 <dgm:dataModel xmlns:dgm="http://schemas.openxmlformats.org/drawingml/2006/diagram" xmlns:a="http://schemas.openxmlformats.org/drawingml/2006/main">
   <dgm:ptLst>
     <dgm:pt modelId="{A732954E-A39D-4BCB-9EFB-4F7C341DD861}" type="doc">
-      <dgm:prSet loTypeId="urn:microsoft.com/office/officeart/2009/3/layout/SnapshotPictureList" loCatId="picture" qsTypeId="urn:microsoft.com/office/officeart/2005/8/quickstyle/simple2" qsCatId="simple" csTypeId="urn:microsoft.com/office/officeart/2005/8/colors/accent1_2" csCatId="accent1" phldr="1"/>
+      <dgm:prSet loTypeId="urn:microsoft.com/office/officeart/2009/3/layout/SnapshotPictureList" loCatId="picture" qsTypeId="urn:microsoft.com/office/officeart/2005/8/quickstyle/3d2" qsCatId="3D" csTypeId="urn:microsoft.com/office/officeart/2005/8/colors/accent1_2" csCatId="accent1" phldr="1"/>
       <dgm:spPr/>
     </dgm:pt>
     <dgm:pt modelId="{98DF6FB1-999B-41ED-91E6-6F77B00FC9D9}">
@@ -3137,14 +3141,50 @@
         <a:lstStyle/>
         <a:p>
           <a:r>
-            <a:rPr lang="zh-CN" altLang="en-US" sz="1400" dirty="0"/>
+            <a:rPr lang="zh-CN" altLang="en-US" sz="1400" b="0" cap="none" spc="0" dirty="0">
+              <a:ln w="0"/>
+              <a:solidFill>
+                <a:schemeClr val="accent1"/>
+              </a:solidFill>
+              <a:effectLst>
+                <a:outerShdw blurRad="38100" dist="25400" dir="5400000" algn="ctr" rotWithShape="0">
+                  <a:srgbClr val="6E747A">
+                    <a:alpha val="43000"/>
+                  </a:srgbClr>
+                </a:outerShdw>
+              </a:effectLst>
+            </a:rPr>
             <a:t>效果</a:t>
           </a:r>
           <a:r>
-            <a:rPr lang="en-US" altLang="zh-CN" sz="1400" dirty="0"/>
+            <a:rPr lang="en-US" altLang="zh-CN" sz="1400" b="0" cap="none" spc="0" dirty="0">
+              <a:ln w="0"/>
+              <a:solidFill>
+                <a:schemeClr val="accent1"/>
+              </a:solidFill>
+              <a:effectLst>
+                <a:outerShdw blurRad="38100" dist="25400" dir="5400000" algn="ctr" rotWithShape="0">
+                  <a:srgbClr val="6E747A">
+                    <a:alpha val="43000"/>
+                  </a:srgbClr>
+                </a:outerShdw>
+              </a:effectLst>
+            </a:rPr>
             <a:t>1</a:t>
           </a:r>
-          <a:endParaRPr lang="zh-CN" altLang="en-US" sz="1400" dirty="0"/>
+          <a:endParaRPr lang="zh-CN" altLang="en-US" sz="1400" b="0" cap="none" spc="0" dirty="0">
+            <a:ln w="0"/>
+            <a:solidFill>
+              <a:schemeClr val="accent1"/>
+            </a:solidFill>
+            <a:effectLst>
+              <a:outerShdw blurRad="38100" dist="25400" dir="5400000" algn="ctr" rotWithShape="0">
+                <a:srgbClr val="6E747A">
+                  <a:alpha val="43000"/>
+                </a:srgbClr>
+              </a:outerShdw>
+            </a:effectLst>
+          </a:endParaRPr>
         </a:p>
       </dgm:t>
     </dgm:pt>
@@ -3178,14 +3218,50 @@
         <a:lstStyle/>
         <a:p>
           <a:r>
-            <a:rPr lang="zh-CN" altLang="en-US" sz="1400" dirty="0"/>
+            <a:rPr lang="zh-CN" altLang="en-US" sz="1400" b="0" cap="none" spc="0" dirty="0">
+              <a:ln w="0"/>
+              <a:solidFill>
+                <a:schemeClr val="accent1"/>
+              </a:solidFill>
+              <a:effectLst>
+                <a:outerShdw blurRad="38100" dist="25400" dir="5400000" algn="ctr" rotWithShape="0">
+                  <a:srgbClr val="6E747A">
+                    <a:alpha val="43000"/>
+                  </a:srgbClr>
+                </a:outerShdw>
+              </a:effectLst>
+            </a:rPr>
             <a:t>效果</a:t>
           </a:r>
           <a:r>
-            <a:rPr lang="en-US" altLang="zh-CN" sz="1400" dirty="0"/>
-            <a:t>4</a:t>
+            <a:rPr lang="en-US" altLang="zh-CN" sz="1400" b="0" cap="none" spc="0" dirty="0">
+              <a:ln w="0"/>
+              <a:solidFill>
+                <a:schemeClr val="accent1"/>
+              </a:solidFill>
+              <a:effectLst>
+                <a:outerShdw blurRad="38100" dist="25400" dir="5400000" algn="ctr" rotWithShape="0">
+                  <a:srgbClr val="6E747A">
+                    <a:alpha val="43000"/>
+                  </a:srgbClr>
+                </a:outerShdw>
+              </a:effectLst>
+            </a:rPr>
+            <a:t>3</a:t>
           </a:r>
-          <a:endParaRPr lang="zh-CN" altLang="en-US" sz="900" dirty="0"/>
+          <a:endParaRPr lang="zh-CN" altLang="en-US" sz="900" b="0" cap="none" spc="0" dirty="0">
+            <a:ln w="0"/>
+            <a:solidFill>
+              <a:schemeClr val="accent1"/>
+            </a:solidFill>
+            <a:effectLst>
+              <a:outerShdw blurRad="38100" dist="25400" dir="5400000" algn="ctr" rotWithShape="0">
+                <a:srgbClr val="6E747A">
+                  <a:alpha val="43000"/>
+                </a:srgbClr>
+              </a:outerShdw>
+            </a:effectLst>
+          </a:endParaRPr>
         </a:p>
       </dgm:t>
     </dgm:pt>
@@ -3219,14 +3295,50 @@
         <a:lstStyle/>
         <a:p>
           <a:r>
-            <a:rPr lang="zh-CN" altLang="en-US" sz="1400" dirty="0"/>
+            <a:rPr lang="zh-CN" altLang="en-US" sz="1400" b="0" cap="none" spc="0" dirty="0">
+              <a:ln w="0"/>
+              <a:solidFill>
+                <a:schemeClr val="accent1"/>
+              </a:solidFill>
+              <a:effectLst>
+                <a:outerShdw blurRad="38100" dist="25400" dir="5400000" algn="ctr" rotWithShape="0">
+                  <a:srgbClr val="6E747A">
+                    <a:alpha val="43000"/>
+                  </a:srgbClr>
+                </a:outerShdw>
+              </a:effectLst>
+            </a:rPr>
             <a:t>效果</a:t>
           </a:r>
           <a:r>
-            <a:rPr lang="en-US" altLang="zh-CN" sz="1400" dirty="0"/>
+            <a:rPr lang="en-US" altLang="zh-CN" sz="1400" b="0" cap="none" spc="0" dirty="0">
+              <a:ln w="0"/>
+              <a:solidFill>
+                <a:schemeClr val="accent1"/>
+              </a:solidFill>
+              <a:effectLst>
+                <a:outerShdw blurRad="38100" dist="25400" dir="5400000" algn="ctr" rotWithShape="0">
+                  <a:srgbClr val="6E747A">
+                    <a:alpha val="43000"/>
+                  </a:srgbClr>
+                </a:outerShdw>
+              </a:effectLst>
+            </a:rPr>
             <a:t>2</a:t>
           </a:r>
-          <a:endParaRPr lang="zh-CN" altLang="en-US" sz="1400" dirty="0"/>
+          <a:endParaRPr lang="zh-CN" altLang="en-US" sz="1400" b="0" cap="none" spc="0" dirty="0">
+            <a:ln w="0"/>
+            <a:solidFill>
+              <a:schemeClr val="accent1"/>
+            </a:solidFill>
+            <a:effectLst>
+              <a:outerShdw blurRad="38100" dist="25400" dir="5400000" algn="ctr" rotWithShape="0">
+                <a:srgbClr val="6E747A">
+                  <a:alpha val="43000"/>
+                </a:srgbClr>
+              </a:outerShdw>
+            </a:effectLst>
+          </a:endParaRPr>
         </a:p>
       </dgm:t>
     </dgm:pt>
@@ -3260,14 +3372,50 @@
         <a:lstStyle/>
         <a:p>
           <a:r>
-            <a:rPr lang="zh-CN" altLang="en-US" sz="1400" dirty="0"/>
+            <a:rPr lang="zh-CN" altLang="en-US" sz="1400" b="0" cap="none" spc="0" dirty="0">
+              <a:ln w="0"/>
+              <a:solidFill>
+                <a:schemeClr val="accent1"/>
+              </a:solidFill>
+              <a:effectLst>
+                <a:outerShdw blurRad="38100" dist="25400" dir="5400000" algn="ctr" rotWithShape="0">
+                  <a:srgbClr val="6E747A">
+                    <a:alpha val="43000"/>
+                  </a:srgbClr>
+                </a:outerShdw>
+              </a:effectLst>
+            </a:rPr>
             <a:t>效果</a:t>
           </a:r>
           <a:r>
-            <a:rPr lang="en-US" altLang="zh-CN" sz="1400" dirty="0"/>
+            <a:rPr lang="en-US" altLang="zh-CN" sz="1400" b="0" cap="none" spc="0" dirty="0">
+              <a:ln w="0"/>
+              <a:solidFill>
+                <a:schemeClr val="accent1"/>
+              </a:solidFill>
+              <a:effectLst>
+                <a:outerShdw blurRad="38100" dist="25400" dir="5400000" algn="ctr" rotWithShape="0">
+                  <a:srgbClr val="6E747A">
+                    <a:alpha val="43000"/>
+                  </a:srgbClr>
+                </a:outerShdw>
+              </a:effectLst>
+            </a:rPr>
             <a:t>4</a:t>
           </a:r>
-          <a:endParaRPr lang="zh-CN" altLang="en-US" sz="1400" dirty="0"/>
+          <a:endParaRPr lang="zh-CN" altLang="en-US" sz="1400" b="0" cap="none" spc="0" dirty="0">
+            <a:ln w="0"/>
+            <a:solidFill>
+              <a:schemeClr val="accent1"/>
+            </a:solidFill>
+            <a:effectLst>
+              <a:outerShdw blurRad="38100" dist="25400" dir="5400000" algn="ctr" rotWithShape="0">
+                <a:srgbClr val="6E747A">
+                  <a:alpha val="43000"/>
+                </a:srgbClr>
+              </a:outerShdw>
+            </a:effectLst>
+          </a:endParaRPr>
         </a:p>
       </dgm:t>
     </dgm:pt>
@@ -4688,6 +4836,7 @@
           <a:noFill/>
         </a:ln>
         <a:effectLst/>
+        <a:sp3d z="-152400" prstMaterial="matte"/>
       </dsp:spPr>
       <dsp:style>
         <a:lnRef idx="0">
@@ -4731,6 +4880,7 @@
           <a:noFill/>
         </a:ln>
         <a:effectLst/>
+        <a:sp3d z="-152400" prstMaterial="matte"/>
       </dsp:spPr>
       <dsp:style>
         <a:lnRef idx="0">
@@ -4774,6 +4924,7 @@
           <a:noFill/>
         </a:ln>
         <a:effectLst/>
+        <a:sp3d z="-152400" prstMaterial="matte"/>
       </dsp:spPr>
       <dsp:style>
         <a:lnRef idx="0">
@@ -4808,28 +4959,30 @@
             <a:fillRect t="-14000" b="-14000"/>
           </a:stretch>
         </a:blipFill>
-        <a:ln w="19050" cap="flat" cmpd="sng" algn="ctr">
-          <a:solidFill>
-            <a:schemeClr val="lt1">
-              <a:hueOff val="0"/>
-              <a:satOff val="0"/>
-              <a:lumOff val="0"/>
-              <a:alphaOff val="0"/>
-            </a:schemeClr>
-          </a:solidFill>
-          <a:prstDash val="solid"/>
-          <a:miter lim="800000"/>
+        <a:ln>
+          <a:noFill/>
         </a:ln>
         <a:effectLst/>
+        <a:scene3d>
+          <a:camera prst="orthographicFront"/>
+          <a:lightRig rig="threePt" dir="t">
+            <a:rot lat="0" lon="0" rev="7500000"/>
+          </a:lightRig>
+        </a:scene3d>
+        <a:sp3d z="254000" extrusionH="63500" contourW="12700" prstMaterial="matte">
+          <a:contourClr>
+            <a:schemeClr val="lt1"/>
+          </a:contourClr>
+        </a:sp3d>
       </dsp:spPr>
       <dsp:style>
-        <a:lnRef idx="3">
+        <a:lnRef idx="0">
           <a:scrgbClr r="0" g="0" b="0"/>
         </a:lnRef>
         <a:fillRef idx="1">
           <a:scrgbClr r="0" g="0" b="0"/>
         </a:fillRef>
-        <a:effectRef idx="1">
+        <a:effectRef idx="0">
           <a:scrgbClr r="0" g="0" b="0"/>
         </a:effectRef>
         <a:fontRef idx="minor"/>
@@ -4885,14 +5038,50 @@
             <a:buNone/>
           </a:pPr>
           <a:r>
-            <a:rPr lang="zh-CN" altLang="en-US" sz="1400" kern="1200" dirty="0"/>
+            <a:rPr lang="zh-CN" altLang="en-US" sz="1400" b="0" kern="1200" cap="none" spc="0" dirty="0">
+              <a:ln w="0"/>
+              <a:solidFill>
+                <a:schemeClr val="accent1"/>
+              </a:solidFill>
+              <a:effectLst>
+                <a:outerShdw blurRad="38100" dist="25400" dir="5400000" algn="ctr" rotWithShape="0">
+                  <a:srgbClr val="6E747A">
+                    <a:alpha val="43000"/>
+                  </a:srgbClr>
+                </a:outerShdw>
+              </a:effectLst>
+            </a:rPr>
             <a:t>效果</a:t>
           </a:r>
           <a:r>
-            <a:rPr lang="en-US" altLang="zh-CN" sz="1400" kern="1200" dirty="0"/>
+            <a:rPr lang="en-US" altLang="zh-CN" sz="1400" b="0" kern="1200" cap="none" spc="0" dirty="0">
+              <a:ln w="0"/>
+              <a:solidFill>
+                <a:schemeClr val="accent1"/>
+              </a:solidFill>
+              <a:effectLst>
+                <a:outerShdw blurRad="38100" dist="25400" dir="5400000" algn="ctr" rotWithShape="0">
+                  <a:srgbClr val="6E747A">
+                    <a:alpha val="43000"/>
+                  </a:srgbClr>
+                </a:outerShdw>
+              </a:effectLst>
+            </a:rPr>
             <a:t>1</a:t>
           </a:r>
-          <a:endParaRPr lang="zh-CN" altLang="en-US" sz="1400" kern="1200" dirty="0"/>
+          <a:endParaRPr lang="zh-CN" altLang="en-US" sz="1400" b="0" kern="1200" cap="none" spc="0" dirty="0">
+            <a:ln w="0"/>
+            <a:solidFill>
+              <a:schemeClr val="accent1"/>
+            </a:solidFill>
+            <a:effectLst>
+              <a:outerShdw blurRad="38100" dist="25400" dir="5400000" algn="ctr" rotWithShape="0">
+                <a:srgbClr val="6E747A">
+                  <a:alpha val="43000"/>
+                </a:srgbClr>
+              </a:outerShdw>
+            </a:effectLst>
+          </a:endParaRPr>
         </a:p>
       </dsp:txBody>
       <dsp:txXfrm>
@@ -4961,6 +5150,7 @@
           <a:noFill/>
         </a:ln>
         <a:effectLst/>
+        <a:sp3d z="-152400" prstMaterial="matte"/>
       </dsp:spPr>
       <dsp:style>
         <a:lnRef idx="0">
@@ -4995,28 +5185,30 @@
             <a:fillRect l="-12000" r="-12000"/>
           </a:stretch>
         </a:blipFill>
-        <a:ln w="19050" cap="flat" cmpd="sng" algn="ctr">
-          <a:solidFill>
-            <a:schemeClr val="lt1">
-              <a:hueOff val="0"/>
-              <a:satOff val="0"/>
-              <a:lumOff val="0"/>
-              <a:alphaOff val="0"/>
-            </a:schemeClr>
-          </a:solidFill>
-          <a:prstDash val="solid"/>
-          <a:miter lim="800000"/>
+        <a:ln>
+          <a:noFill/>
         </a:ln>
         <a:effectLst/>
+        <a:scene3d>
+          <a:camera prst="orthographicFront"/>
+          <a:lightRig rig="threePt" dir="t">
+            <a:rot lat="0" lon="0" rev="7500000"/>
+          </a:lightRig>
+        </a:scene3d>
+        <a:sp3d z="254000" extrusionH="63500" contourW="12700" prstMaterial="matte">
+          <a:contourClr>
+            <a:schemeClr val="lt1"/>
+          </a:contourClr>
+        </a:sp3d>
       </dsp:spPr>
       <dsp:style>
-        <a:lnRef idx="3">
+        <a:lnRef idx="0">
           <a:scrgbClr r="0" g="0" b="0"/>
         </a:lnRef>
         <a:fillRef idx="1">
           <a:scrgbClr r="0" g="0" b="0"/>
         </a:fillRef>
-        <a:effectRef idx="1">
+        <a:effectRef idx="0">
           <a:scrgbClr r="0" g="0" b="0"/>
         </a:effectRef>
         <a:fontRef idx="minor"/>
@@ -5072,14 +5264,50 @@
             <a:buNone/>
           </a:pPr>
           <a:r>
-            <a:rPr lang="zh-CN" altLang="en-US" sz="1400" kern="1200" dirty="0"/>
+            <a:rPr lang="zh-CN" altLang="en-US" sz="1400" b="0" kern="1200" cap="none" spc="0" dirty="0">
+              <a:ln w="0"/>
+              <a:solidFill>
+                <a:schemeClr val="accent1"/>
+              </a:solidFill>
+              <a:effectLst>
+                <a:outerShdw blurRad="38100" dist="25400" dir="5400000" algn="ctr" rotWithShape="0">
+                  <a:srgbClr val="6E747A">
+                    <a:alpha val="43000"/>
+                  </a:srgbClr>
+                </a:outerShdw>
+              </a:effectLst>
+            </a:rPr>
             <a:t>效果</a:t>
           </a:r>
           <a:r>
-            <a:rPr lang="en-US" altLang="zh-CN" sz="1400" kern="1200" dirty="0"/>
-            <a:t>4</a:t>
+            <a:rPr lang="en-US" altLang="zh-CN" sz="1400" b="0" kern="1200" cap="none" spc="0" dirty="0">
+              <a:ln w="0"/>
+              <a:solidFill>
+                <a:schemeClr val="accent1"/>
+              </a:solidFill>
+              <a:effectLst>
+                <a:outerShdw blurRad="38100" dist="25400" dir="5400000" algn="ctr" rotWithShape="0">
+                  <a:srgbClr val="6E747A">
+                    <a:alpha val="43000"/>
+                  </a:srgbClr>
+                </a:outerShdw>
+              </a:effectLst>
+            </a:rPr>
+            <a:t>3</a:t>
           </a:r>
-          <a:endParaRPr lang="zh-CN" altLang="en-US" sz="900" kern="1200" dirty="0"/>
+          <a:endParaRPr lang="zh-CN" altLang="en-US" sz="900" b="0" kern="1200" cap="none" spc="0" dirty="0">
+            <a:ln w="0"/>
+            <a:solidFill>
+              <a:schemeClr val="accent1"/>
+            </a:solidFill>
+            <a:effectLst>
+              <a:outerShdw blurRad="38100" dist="25400" dir="5400000" algn="ctr" rotWithShape="0">
+                <a:srgbClr val="6E747A">
+                  <a:alpha val="43000"/>
+                </a:srgbClr>
+              </a:outerShdw>
+            </a:effectLst>
+          </a:endParaRPr>
         </a:p>
       </dsp:txBody>
       <dsp:txXfrm>
@@ -5139,28 +5367,30 @@
             <a:fillRect l="-2000" r="-2000"/>
           </a:stretch>
         </a:blipFill>
-        <a:ln w="19050" cap="flat" cmpd="sng" algn="ctr">
-          <a:solidFill>
-            <a:schemeClr val="lt1">
-              <a:hueOff val="0"/>
-              <a:satOff val="0"/>
-              <a:lumOff val="0"/>
-              <a:alphaOff val="0"/>
-            </a:schemeClr>
-          </a:solidFill>
-          <a:prstDash val="solid"/>
-          <a:miter lim="800000"/>
+        <a:ln>
+          <a:noFill/>
         </a:ln>
         <a:effectLst/>
+        <a:scene3d>
+          <a:camera prst="orthographicFront"/>
+          <a:lightRig rig="threePt" dir="t">
+            <a:rot lat="0" lon="0" rev="7500000"/>
+          </a:lightRig>
+        </a:scene3d>
+        <a:sp3d z="254000" extrusionH="63500" contourW="12700" prstMaterial="matte">
+          <a:contourClr>
+            <a:schemeClr val="lt1"/>
+          </a:contourClr>
+        </a:sp3d>
       </dsp:spPr>
       <dsp:style>
-        <a:lnRef idx="3">
+        <a:lnRef idx="0">
           <a:scrgbClr r="0" g="0" b="0"/>
         </a:lnRef>
         <a:fillRef idx="1">
           <a:scrgbClr r="0" g="0" b="0"/>
         </a:fillRef>
-        <a:effectRef idx="1">
+        <a:effectRef idx="0">
           <a:scrgbClr r="0" g="0" b="0"/>
         </a:effectRef>
         <a:fontRef idx="minor"/>
@@ -5216,14 +5446,50 @@
             <a:buNone/>
           </a:pPr>
           <a:r>
-            <a:rPr lang="zh-CN" altLang="en-US" sz="1400" kern="1200" dirty="0"/>
+            <a:rPr lang="zh-CN" altLang="en-US" sz="1400" b="0" kern="1200" cap="none" spc="0" dirty="0">
+              <a:ln w="0"/>
+              <a:solidFill>
+                <a:schemeClr val="accent1"/>
+              </a:solidFill>
+              <a:effectLst>
+                <a:outerShdw blurRad="38100" dist="25400" dir="5400000" algn="ctr" rotWithShape="0">
+                  <a:srgbClr val="6E747A">
+                    <a:alpha val="43000"/>
+                  </a:srgbClr>
+                </a:outerShdw>
+              </a:effectLst>
+            </a:rPr>
             <a:t>效果</a:t>
           </a:r>
           <a:r>
-            <a:rPr lang="en-US" altLang="zh-CN" sz="1400" kern="1200" dirty="0"/>
+            <a:rPr lang="en-US" altLang="zh-CN" sz="1400" b="0" kern="1200" cap="none" spc="0" dirty="0">
+              <a:ln w="0"/>
+              <a:solidFill>
+                <a:schemeClr val="accent1"/>
+              </a:solidFill>
+              <a:effectLst>
+                <a:outerShdw blurRad="38100" dist="25400" dir="5400000" algn="ctr" rotWithShape="0">
+                  <a:srgbClr val="6E747A">
+                    <a:alpha val="43000"/>
+                  </a:srgbClr>
+                </a:outerShdw>
+              </a:effectLst>
+            </a:rPr>
             <a:t>2</a:t>
           </a:r>
-          <a:endParaRPr lang="zh-CN" altLang="en-US" sz="1400" kern="1200" dirty="0"/>
+          <a:endParaRPr lang="zh-CN" altLang="en-US" sz="1400" b="0" kern="1200" cap="none" spc="0" dirty="0">
+            <a:ln w="0"/>
+            <a:solidFill>
+              <a:schemeClr val="accent1"/>
+            </a:solidFill>
+            <a:effectLst>
+              <a:outerShdw blurRad="38100" dist="25400" dir="5400000" algn="ctr" rotWithShape="0">
+                <a:srgbClr val="6E747A">
+                  <a:alpha val="43000"/>
+                </a:srgbClr>
+              </a:outerShdw>
+            </a:effectLst>
+          </a:endParaRPr>
         </a:p>
       </dsp:txBody>
       <dsp:txXfrm>
@@ -5283,28 +5549,30 @@
             <a:fillRect l="-4000" r="-4000"/>
           </a:stretch>
         </a:blipFill>
-        <a:ln w="19050" cap="flat" cmpd="sng" algn="ctr">
-          <a:solidFill>
-            <a:schemeClr val="lt1">
-              <a:hueOff val="0"/>
-              <a:satOff val="0"/>
-              <a:lumOff val="0"/>
-              <a:alphaOff val="0"/>
-            </a:schemeClr>
-          </a:solidFill>
-          <a:prstDash val="solid"/>
-          <a:miter lim="800000"/>
+        <a:ln>
+          <a:noFill/>
         </a:ln>
         <a:effectLst/>
+        <a:scene3d>
+          <a:camera prst="orthographicFront"/>
+          <a:lightRig rig="threePt" dir="t">
+            <a:rot lat="0" lon="0" rev="7500000"/>
+          </a:lightRig>
+        </a:scene3d>
+        <a:sp3d z="254000" extrusionH="63500" contourW="12700" prstMaterial="matte">
+          <a:contourClr>
+            <a:schemeClr val="lt1"/>
+          </a:contourClr>
+        </a:sp3d>
       </dsp:spPr>
       <dsp:style>
-        <a:lnRef idx="3">
+        <a:lnRef idx="0">
           <a:scrgbClr r="0" g="0" b="0"/>
         </a:lnRef>
         <a:fillRef idx="1">
           <a:scrgbClr r="0" g="0" b="0"/>
         </a:fillRef>
-        <a:effectRef idx="1">
+        <a:effectRef idx="0">
           <a:scrgbClr r="0" g="0" b="0"/>
         </a:effectRef>
         <a:fontRef idx="minor"/>
@@ -5360,14 +5628,50 @@
             <a:buNone/>
           </a:pPr>
           <a:r>
-            <a:rPr lang="zh-CN" altLang="en-US" sz="1400" kern="1200" dirty="0"/>
+            <a:rPr lang="zh-CN" altLang="en-US" sz="1400" b="0" kern="1200" cap="none" spc="0" dirty="0">
+              <a:ln w="0"/>
+              <a:solidFill>
+                <a:schemeClr val="accent1"/>
+              </a:solidFill>
+              <a:effectLst>
+                <a:outerShdw blurRad="38100" dist="25400" dir="5400000" algn="ctr" rotWithShape="0">
+                  <a:srgbClr val="6E747A">
+                    <a:alpha val="43000"/>
+                  </a:srgbClr>
+                </a:outerShdw>
+              </a:effectLst>
+            </a:rPr>
             <a:t>效果</a:t>
           </a:r>
           <a:r>
-            <a:rPr lang="en-US" altLang="zh-CN" sz="1400" kern="1200" dirty="0"/>
+            <a:rPr lang="en-US" altLang="zh-CN" sz="1400" b="0" kern="1200" cap="none" spc="0" dirty="0">
+              <a:ln w="0"/>
+              <a:solidFill>
+                <a:schemeClr val="accent1"/>
+              </a:solidFill>
+              <a:effectLst>
+                <a:outerShdw blurRad="38100" dist="25400" dir="5400000" algn="ctr" rotWithShape="0">
+                  <a:srgbClr val="6E747A">
+                    <a:alpha val="43000"/>
+                  </a:srgbClr>
+                </a:outerShdw>
+              </a:effectLst>
+            </a:rPr>
             <a:t>4</a:t>
           </a:r>
-          <a:endParaRPr lang="zh-CN" altLang="en-US" sz="1400" kern="1200" dirty="0"/>
+          <a:endParaRPr lang="zh-CN" altLang="en-US" sz="1400" b="0" kern="1200" cap="none" spc="0" dirty="0">
+            <a:ln w="0"/>
+            <a:solidFill>
+              <a:schemeClr val="accent1"/>
+            </a:solidFill>
+            <a:effectLst>
+              <a:outerShdw blurRad="38100" dist="25400" dir="5400000" algn="ctr" rotWithShape="0">
+                <a:srgbClr val="6E747A">
+                  <a:alpha val="43000"/>
+                </a:srgbClr>
+              </a:outerShdw>
+            </a:effectLst>
+          </a:endParaRPr>
         </a:p>
       </dsp:txBody>
       <dsp:txXfrm>
@@ -7931,11 +8235,11 @@
 </file>
 
 <file path=ppt/diagrams/quickStyle2.xml><?xml version="1.0" encoding="utf-8"?>
-<dgm:styleDef xmlns:dgm="http://schemas.openxmlformats.org/drawingml/2006/diagram" xmlns:a="http://schemas.openxmlformats.org/drawingml/2006/main" uniqueId="urn:microsoft.com/office/officeart/2005/8/quickstyle/simple2">
+<dgm:styleDef xmlns:dgm="http://schemas.openxmlformats.org/drawingml/2006/diagram" xmlns:a="http://schemas.openxmlformats.org/drawingml/2006/main" uniqueId="urn:microsoft.com/office/officeart/2005/8/quickstyle/3d2">
   <dgm:title val=""/>
   <dgm:desc val=""/>
   <dgm:catLst>
-    <dgm:cat type="simple" pri="10200"/>
+    <dgm:cat type="3D" pri="11200"/>
   </dgm:catLst>
   <dgm:scene3d>
     <a:camera prst="orthographicFront"/>
@@ -7944,18 +8248,22 @@
   <dgm:styleLbl name="node0">
     <dgm:scene3d>
       <a:camera prst="orthographicFront"/>
-      <a:lightRig rig="threePt" dir="t"/>
+      <a:lightRig rig="threePt" dir="t">
+        <a:rot lat="0" lon="0" rev="7500000"/>
+      </a:lightRig>
     </dgm:scene3d>
-    <dgm:sp3d/>
+    <dgm:sp3d prstMaterial="plastic">
+      <a:bevelT w="127000" h="25400" prst="relaxedInset"/>
+    </dgm:sp3d>
     <dgm:txPr/>
     <dgm:style>
-      <a:lnRef idx="3">
+      <a:lnRef idx="0">
         <a:scrgbClr r="0" g="0" b="0"/>
       </a:lnRef>
-      <a:fillRef idx="1">
+      <a:fillRef idx="3">
         <a:scrgbClr r="0" g="0" b="0"/>
       </a:fillRef>
-      <a:effectRef idx="1">
+      <a:effectRef idx="2">
         <a:scrgbClr r="0" g="0" b="0"/>
       </a:effectRef>
       <a:fontRef idx="minor">
@@ -7966,18 +8274,22 @@
   <dgm:styleLbl name="lnNode1">
     <dgm:scene3d>
       <a:camera prst="orthographicFront"/>
-      <a:lightRig rig="threePt" dir="t"/>
+      <a:lightRig rig="threePt" dir="t">
+        <a:rot lat="0" lon="0" rev="7500000"/>
+      </a:lightRig>
     </dgm:scene3d>
-    <dgm:sp3d/>
+    <dgm:sp3d prstMaterial="plastic">
+      <a:bevelT w="127000" h="25400" prst="relaxedInset"/>
+    </dgm:sp3d>
     <dgm:txPr/>
     <dgm:style>
-      <a:lnRef idx="3">
+      <a:lnRef idx="1">
         <a:scrgbClr r="0" g="0" b="0"/>
       </a:lnRef>
-      <a:fillRef idx="1">
+      <a:fillRef idx="3">
         <a:scrgbClr r="0" g="0" b="0"/>
       </a:fillRef>
-      <a:effectRef idx="1">
+      <a:effectRef idx="2">
         <a:scrgbClr r="0" g="0" b="0"/>
       </a:effectRef>
       <a:fontRef idx="minor">
@@ -7988,18 +8300,22 @@
   <dgm:styleLbl name="vennNode1">
     <dgm:scene3d>
       <a:camera prst="orthographicFront"/>
-      <a:lightRig rig="threePt" dir="t"/>
+      <a:lightRig rig="threePt" dir="t">
+        <a:rot lat="0" lon="0" rev="7500000"/>
+      </a:lightRig>
     </dgm:scene3d>
-    <dgm:sp3d/>
+    <dgm:sp3d prstMaterial="plastic">
+      <a:bevelT w="127000" h="25400" prst="relaxedInset"/>
+    </dgm:sp3d>
     <dgm:txPr/>
     <dgm:style>
-      <a:lnRef idx="3">
+      <a:lnRef idx="0">
         <a:scrgbClr r="0" g="0" b="0"/>
       </a:lnRef>
-      <a:fillRef idx="1">
+      <a:fillRef idx="3">
         <a:scrgbClr r="0" g="0" b="0"/>
       </a:fillRef>
-      <a:effectRef idx="0">
+      <a:effectRef idx="2">
         <a:scrgbClr r="0" g="0" b="0"/>
       </a:effectRef>
       <a:fontRef idx="minor">
@@ -8007,21 +8323,25 @@
       </a:fontRef>
     </dgm:style>
   </dgm:styleLbl>
-  <dgm:styleLbl name="alignNode1">
+  <dgm:styleLbl name="alingNode1">
     <dgm:scene3d>
       <a:camera prst="orthographicFront"/>
-      <a:lightRig rig="threePt" dir="t"/>
+      <a:lightRig rig="threePt" dir="t">
+        <a:rot lat="0" lon="0" rev="7500000"/>
+      </a:lightRig>
     </dgm:scene3d>
-    <dgm:sp3d/>
+    <dgm:sp3d prstMaterial="plastic">
+      <a:bevelT w="127000" h="25400" prst="relaxedInset"/>
+    </dgm:sp3d>
     <dgm:txPr/>
     <dgm:style>
-      <a:lnRef idx="2">
+      <a:lnRef idx="0">
         <a:scrgbClr r="0" g="0" b="0"/>
       </a:lnRef>
-      <a:fillRef idx="1">
+      <a:fillRef idx="3">
         <a:scrgbClr r="0" g="0" b="0"/>
       </a:fillRef>
-      <a:effectRef idx="1">
+      <a:effectRef idx="2">
         <a:scrgbClr r="0" g="0" b="0"/>
       </a:effectRef>
       <a:fontRef idx="minor">
@@ -8032,18 +8352,22 @@
   <dgm:styleLbl name="node1">
     <dgm:scene3d>
       <a:camera prst="orthographicFront"/>
-      <a:lightRig rig="threePt" dir="t"/>
+      <a:lightRig rig="threePt" dir="t">
+        <a:rot lat="0" lon="0" rev="7500000"/>
+      </a:lightRig>
     </dgm:scene3d>
-    <dgm:sp3d/>
+    <dgm:sp3d prstMaterial="plastic">
+      <a:bevelT w="127000" h="25400" prst="relaxedInset"/>
+    </dgm:sp3d>
     <dgm:txPr/>
     <dgm:style>
-      <a:lnRef idx="3">
+      <a:lnRef idx="0">
         <a:scrgbClr r="0" g="0" b="0"/>
       </a:lnRef>
-      <a:fillRef idx="1">
+      <a:fillRef idx="3">
         <a:scrgbClr r="0" g="0" b="0"/>
       </a:fillRef>
-      <a:effectRef idx="1">
+      <a:effectRef idx="2">
         <a:scrgbClr r="0" g="0" b="0"/>
       </a:effectRef>
       <a:fontRef idx="minor">
@@ -8054,18 +8378,22 @@
   <dgm:styleLbl name="node2">
     <dgm:scene3d>
       <a:camera prst="orthographicFront"/>
-      <a:lightRig rig="threePt" dir="t"/>
+      <a:lightRig rig="threePt" dir="t">
+        <a:rot lat="0" lon="0" rev="7500000"/>
+      </a:lightRig>
     </dgm:scene3d>
-    <dgm:sp3d/>
+    <dgm:sp3d prstMaterial="plastic">
+      <a:bevelT w="127000" h="25400" prst="relaxedInset"/>
+    </dgm:sp3d>
     <dgm:txPr/>
     <dgm:style>
-      <a:lnRef idx="3">
+      <a:lnRef idx="0">
         <a:scrgbClr r="0" g="0" b="0"/>
       </a:lnRef>
-      <a:fillRef idx="1">
+      <a:fillRef idx="3">
         <a:scrgbClr r="0" g="0" b="0"/>
       </a:fillRef>
-      <a:effectRef idx="1">
+      <a:effectRef idx="2">
         <a:scrgbClr r="0" g="0" b="0"/>
       </a:effectRef>
       <a:fontRef idx="minor">
@@ -8076,18 +8404,22 @@
   <dgm:styleLbl name="node3">
     <dgm:scene3d>
       <a:camera prst="orthographicFront"/>
-      <a:lightRig rig="threePt" dir="t"/>
+      <a:lightRig rig="threePt" dir="t">
+        <a:rot lat="0" lon="0" rev="7500000"/>
+      </a:lightRig>
     </dgm:scene3d>
-    <dgm:sp3d/>
+    <dgm:sp3d prstMaterial="plastic">
+      <a:bevelT w="127000" h="25400" prst="relaxedInset"/>
+    </dgm:sp3d>
     <dgm:txPr/>
     <dgm:style>
-      <a:lnRef idx="3">
+      <a:lnRef idx="0">
         <a:scrgbClr r="0" g="0" b="0"/>
       </a:lnRef>
-      <a:fillRef idx="1">
+      <a:fillRef idx="3">
         <a:scrgbClr r="0" g="0" b="0"/>
       </a:fillRef>
-      <a:effectRef idx="1">
+      <a:effectRef idx="2">
         <a:scrgbClr r="0" g="0" b="0"/>
       </a:effectRef>
       <a:fontRef idx="minor">
@@ -8098,18 +8430,22 @@
   <dgm:styleLbl name="node4">
     <dgm:scene3d>
       <a:camera prst="orthographicFront"/>
-      <a:lightRig rig="threePt" dir="t"/>
+      <a:lightRig rig="threePt" dir="t">
+        <a:rot lat="0" lon="0" rev="7500000"/>
+      </a:lightRig>
     </dgm:scene3d>
-    <dgm:sp3d/>
+    <dgm:sp3d prstMaterial="plastic">
+      <a:bevelT w="127000" h="25400" prst="relaxedInset"/>
+    </dgm:sp3d>
     <dgm:txPr/>
     <dgm:style>
-      <a:lnRef idx="3">
+      <a:lnRef idx="0">
         <a:scrgbClr r="0" g="0" b="0"/>
       </a:lnRef>
-      <a:fillRef idx="1">
+      <a:fillRef idx="3">
         <a:scrgbClr r="0" g="0" b="0"/>
       </a:fillRef>
-      <a:effectRef idx="1">
+      <a:effectRef idx="2">
         <a:scrgbClr r="0" g="0" b="0"/>
       </a:effectRef>
       <a:fontRef idx="minor">
@@ -8120,18 +8456,25 @@
   <dgm:styleLbl name="fgImgPlace1">
     <dgm:scene3d>
       <a:camera prst="orthographicFront"/>
-      <a:lightRig rig="threePt" dir="t"/>
+      <a:lightRig rig="threePt" dir="t">
+        <a:rot lat="0" lon="0" rev="7500000"/>
+      </a:lightRig>
     </dgm:scene3d>
-    <dgm:sp3d/>
+    <dgm:sp3d z="152400" extrusionH="63500" prstMaterial="matte">
+      <a:bevelT w="50800" h="19050" prst="relaxedInset"/>
+      <a:contourClr>
+        <a:schemeClr val="bg1"/>
+      </a:contourClr>
+    </dgm:sp3d>
     <dgm:txPr/>
     <dgm:style>
-      <a:lnRef idx="3">
+      <a:lnRef idx="0">
         <a:scrgbClr r="0" g="0" b="0"/>
       </a:lnRef>
       <a:fillRef idx="1">
         <a:scrgbClr r="0" g="0" b="0"/>
       </a:fillRef>
-      <a:effectRef idx="1">
+      <a:effectRef idx="0">
         <a:scrgbClr r="0" g="0" b="0"/>
       </a:effectRef>
       <a:fontRef idx="minor"/>
@@ -8140,18 +8483,24 @@
   <dgm:styleLbl name="alignImgPlace1">
     <dgm:scene3d>
       <a:camera prst="orthographicFront"/>
-      <a:lightRig rig="threePt" dir="t"/>
+      <a:lightRig rig="threePt" dir="t">
+        <a:rot lat="0" lon="0" rev="7500000"/>
+      </a:lightRig>
     </dgm:scene3d>
-    <dgm:sp3d/>
+    <dgm:sp3d z="254000" extrusionH="63500" contourW="12700" prstMaterial="matte">
+      <a:contourClr>
+        <a:schemeClr val="lt1"/>
+      </a:contourClr>
+    </dgm:sp3d>
     <dgm:txPr/>
     <dgm:style>
-      <a:lnRef idx="3">
+      <a:lnRef idx="0">
         <a:scrgbClr r="0" g="0" b="0"/>
       </a:lnRef>
       <a:fillRef idx="1">
         <a:scrgbClr r="0" g="0" b="0"/>
       </a:fillRef>
-      <a:effectRef idx="1">
+      <a:effectRef idx="0">
         <a:scrgbClr r="0" g="0" b="0"/>
       </a:effectRef>
       <a:fontRef idx="minor"/>
@@ -8160,18 +8509,24 @@
   <dgm:styleLbl name="bgImgPlace1">
     <dgm:scene3d>
       <a:camera prst="orthographicFront"/>
-      <a:lightRig rig="threePt" dir="t"/>
+      <a:lightRig rig="threePt" dir="t">
+        <a:rot lat="0" lon="0" rev="7500000"/>
+      </a:lightRig>
     </dgm:scene3d>
-    <dgm:sp3d/>
+    <dgm:sp3d z="-152400" extrusionH="63500" contourW="12700" prstMaterial="matte">
+      <a:contourClr>
+        <a:schemeClr val="lt1"/>
+      </a:contourClr>
+    </dgm:sp3d>
     <dgm:txPr/>
     <dgm:style>
-      <a:lnRef idx="3">
+      <a:lnRef idx="0">
         <a:scrgbClr r="0" g="0" b="0"/>
       </a:lnRef>
       <a:fillRef idx="1">
         <a:scrgbClr r="0" g="0" b="0"/>
       </a:fillRef>
-      <a:effectRef idx="1">
+      <a:effectRef idx="0">
         <a:scrgbClr r="0" g="0" b="0"/>
       </a:effectRef>
       <a:fontRef idx="minor"/>
@@ -8180,9 +8535,16 @@
   <dgm:styleLbl name="sibTrans2D1">
     <dgm:scene3d>
       <a:camera prst="orthographicFront"/>
-      <a:lightRig rig="threePt" dir="t"/>
+      <a:lightRig rig="threePt" dir="t">
+        <a:rot lat="0" lon="0" rev="7500000"/>
+      </a:lightRig>
     </dgm:scene3d>
-    <dgm:sp3d/>
+    <dgm:sp3d z="-70000" extrusionH="63500" prstMaterial="matte">
+      <a:bevelT w="25400" h="6350" prst="relaxedInset"/>
+      <a:contourClr>
+        <a:schemeClr val="bg1"/>
+      </a:contourClr>
+    </dgm:sp3d>
     <dgm:txPr/>
     <dgm:style>
       <a:lnRef idx="0">
@@ -8191,7 +8553,7 @@
       <a:fillRef idx="1">
         <a:scrgbClr r="0" g="0" b="0"/>
       </a:fillRef>
-      <a:effectRef idx="1">
+      <a:effectRef idx="2">
         <a:scrgbClr r="0" g="0" b="0"/>
       </a:effectRef>
       <a:fontRef idx="minor">
@@ -8202,9 +8564,16 @@
   <dgm:styleLbl name="fgSibTrans2D1">
     <dgm:scene3d>
       <a:camera prst="orthographicFront"/>
-      <a:lightRig rig="threePt" dir="t"/>
+      <a:lightRig rig="threePt" dir="t">
+        <a:rot lat="0" lon="0" rev="7500000"/>
+      </a:lightRig>
     </dgm:scene3d>
-    <dgm:sp3d/>
+    <dgm:sp3d z="152400" extrusionH="63500" prstMaterial="matte">
+      <a:bevelT w="25400" h="6350" prst="relaxedInset"/>
+      <a:contourClr>
+        <a:schemeClr val="bg1"/>
+      </a:contourClr>
+    </dgm:sp3d>
     <dgm:txPr/>
     <dgm:style>
       <a:lnRef idx="0">
@@ -8213,7 +8582,7 @@
       <a:fillRef idx="1">
         <a:scrgbClr r="0" g="0" b="0"/>
       </a:fillRef>
-      <a:effectRef idx="1">
+      <a:effectRef idx="2">
         <a:scrgbClr r="0" g="0" b="0"/>
       </a:effectRef>
       <a:fontRef idx="minor">
@@ -8224,9 +8593,16 @@
   <dgm:styleLbl name="bgSibTrans2D1">
     <dgm:scene3d>
       <a:camera prst="orthographicFront"/>
-      <a:lightRig rig="threePt" dir="t"/>
+      <a:lightRig rig="threePt" dir="t">
+        <a:rot lat="0" lon="0" rev="7500000"/>
+      </a:lightRig>
     </dgm:scene3d>
-    <dgm:sp3d/>
+    <dgm:sp3d z="-152400" extrusionH="63500" prstMaterial="matte">
+      <a:bevelT w="25400" h="6350" prst="relaxedInset"/>
+      <a:contourClr>
+        <a:schemeClr val="bg1"/>
+      </a:contourClr>
+    </dgm:sp3d>
     <dgm:txPr/>
     <dgm:style>
       <a:lnRef idx="0">
@@ -8235,7 +8611,7 @@
       <a:fillRef idx="1">
         <a:scrgbClr r="0" g="0" b="0"/>
       </a:fillRef>
-      <a:effectRef idx="1">
+      <a:effectRef idx="2">
         <a:scrgbClr r="0" g="0" b="0"/>
       </a:effectRef>
       <a:fontRef idx="minor">
@@ -8246,9 +8622,11 @@
   <dgm:styleLbl name="sibTrans1D1">
     <dgm:scene3d>
       <a:camera prst="orthographicFront"/>
-      <a:lightRig rig="threePt" dir="t"/>
+      <a:lightRig rig="threePt" dir="t">
+        <a:rot lat="0" lon="0" rev="7500000"/>
+      </a:lightRig>
     </dgm:scene3d>
-    <dgm:sp3d/>
+    <dgm:sp3d z="-40000" prstMaterial="matte"/>
     <dgm:txPr/>
     <dgm:style>
       <a:lnRef idx="1">
@@ -8266,9 +8644,11 @@
   <dgm:styleLbl name="callout">
     <dgm:scene3d>
       <a:camera prst="orthographicFront"/>
-      <a:lightRig rig="threePt" dir="t"/>
+      <a:lightRig rig="threePt" dir="t">
+        <a:rot lat="0" lon="0" rev="7500000"/>
+      </a:lightRig>
     </dgm:scene3d>
-    <dgm:sp3d/>
+    <dgm:sp3d z="127000" prstMaterial="matte"/>
     <dgm:txPr/>
     <dgm:style>
       <a:lnRef idx="2">
@@ -8277,7 +8657,7 @@
       <a:fillRef idx="1">
         <a:scrgbClr r="0" g="0" b="0"/>
       </a:fillRef>
-      <a:effectRef idx="1">
+      <a:effectRef idx="0">
         <a:scrgbClr r="0" g="0" b="0"/>
       </a:effectRef>
       <a:fontRef idx="minor"/>
@@ -8286,18 +8666,22 @@
   <dgm:styleLbl name="asst0">
     <dgm:scene3d>
       <a:camera prst="orthographicFront"/>
-      <a:lightRig rig="threePt" dir="t"/>
+      <a:lightRig rig="threePt" dir="t">
+        <a:rot lat="0" lon="0" rev="7500000"/>
+      </a:lightRig>
     </dgm:scene3d>
-    <dgm:sp3d/>
+    <dgm:sp3d prstMaterial="plastic">
+      <a:bevelT w="127000" h="25400" prst="relaxedInset"/>
+    </dgm:sp3d>
     <dgm:txPr/>
     <dgm:style>
-      <a:lnRef idx="3">
+      <a:lnRef idx="0">
         <a:scrgbClr r="0" g="0" b="0"/>
       </a:lnRef>
-      <a:fillRef idx="1">
+      <a:fillRef idx="3">
         <a:scrgbClr r="0" g="0" b="0"/>
       </a:fillRef>
-      <a:effectRef idx="1">
+      <a:effectRef idx="2">
         <a:scrgbClr r="0" g="0" b="0"/>
       </a:effectRef>
       <a:fontRef idx="minor">
@@ -8308,18 +8692,22 @@
   <dgm:styleLbl name="asst1">
     <dgm:scene3d>
       <a:camera prst="orthographicFront"/>
-      <a:lightRig rig="threePt" dir="t"/>
+      <a:lightRig rig="threePt" dir="t">
+        <a:rot lat="0" lon="0" rev="7500000"/>
+      </a:lightRig>
     </dgm:scene3d>
-    <dgm:sp3d/>
+    <dgm:sp3d prstMaterial="plastic">
+      <a:bevelT w="127000" h="25400" prst="relaxedInset"/>
+    </dgm:sp3d>
     <dgm:txPr/>
     <dgm:style>
-      <a:lnRef idx="3">
+      <a:lnRef idx="0">
         <a:scrgbClr r="0" g="0" b="0"/>
       </a:lnRef>
-      <a:fillRef idx="1">
+      <a:fillRef idx="3">
         <a:scrgbClr r="0" g="0" b="0"/>
       </a:fillRef>
-      <a:effectRef idx="1">
+      <a:effectRef idx="2">
         <a:scrgbClr r="0" g="0" b="0"/>
       </a:effectRef>
       <a:fontRef idx="minor">
@@ -8330,18 +8718,22 @@
   <dgm:styleLbl name="asst2">
     <dgm:scene3d>
       <a:camera prst="orthographicFront"/>
-      <a:lightRig rig="threePt" dir="t"/>
+      <a:lightRig rig="threePt" dir="t">
+        <a:rot lat="0" lon="0" rev="7500000"/>
+      </a:lightRig>
     </dgm:scene3d>
-    <dgm:sp3d/>
+    <dgm:sp3d prstMaterial="plastic">
+      <a:bevelT w="127000" h="25400" prst="relaxedInset"/>
+    </dgm:sp3d>
     <dgm:txPr/>
     <dgm:style>
-      <a:lnRef idx="3">
+      <a:lnRef idx="0">
         <a:scrgbClr r="0" g="0" b="0"/>
       </a:lnRef>
-      <a:fillRef idx="1">
+      <a:fillRef idx="3">
         <a:scrgbClr r="0" g="0" b="0"/>
       </a:fillRef>
-      <a:effectRef idx="1">
+      <a:effectRef idx="2">
         <a:scrgbClr r="0" g="0" b="0"/>
       </a:effectRef>
       <a:fontRef idx="minor">
@@ -8352,40 +8744,22 @@
   <dgm:styleLbl name="asst3">
     <dgm:scene3d>
       <a:camera prst="orthographicFront"/>
-      <a:lightRig rig="threePt" dir="t"/>
+      <a:lightRig rig="threePt" dir="t">
+        <a:rot lat="0" lon="0" rev="7500000"/>
+      </a:lightRig>
     </dgm:scene3d>
-    <dgm:sp3d/>
+    <dgm:sp3d prstMaterial="plastic">
+      <a:bevelT w="127000" h="25400" prst="relaxedInset"/>
+    </dgm:sp3d>
     <dgm:txPr/>
     <dgm:style>
-      <a:lnRef idx="3">
+      <a:lnRef idx="0">
         <a:scrgbClr r="0" g="0" b="0"/>
       </a:lnRef>
-      <a:fillRef idx="1">
+      <a:fillRef idx="3">
         <a:scrgbClr r="0" g="0" b="0"/>
       </a:fillRef>
-      <a:effectRef idx="1">
-        <a:scrgbClr r="0" g="0" b="0"/>
-      </a:effectRef>
-      <a:fontRef idx="minor">
-        <a:schemeClr val="lt1"/>
-      </a:fontRef>
-    </dgm:style>
-  </dgm:styleLbl>
-  <dgm:styleLbl name="asst4">
-    <dgm:scene3d>
-      <a:camera prst="orthographicFront"/>
-      <a:lightRig rig="threePt" dir="t"/>
-    </dgm:scene3d>
-    <dgm:sp3d/>
-    <dgm:txPr/>
-    <dgm:style>
-      <a:lnRef idx="3">
-        <a:scrgbClr r="0" g="0" b="0"/>
-      </a:lnRef>
-      <a:fillRef idx="1">
-        <a:scrgbClr r="0" g="0" b="0"/>
-      </a:fillRef>
-      <a:effectRef idx="1">
+      <a:effectRef idx="2">
         <a:scrgbClr r="0" g="0" b="0"/>
       </a:effectRef>
       <a:fontRef idx="minor">
@@ -8396,18 +8770,25 @@
   <dgm:styleLbl name="parChTrans2D1">
     <dgm:scene3d>
       <a:camera prst="orthographicFront"/>
-      <a:lightRig rig="threePt" dir="t"/>
+      <a:lightRig rig="threePt" dir="t">
+        <a:rot lat="0" lon="0" rev="7500000"/>
+      </a:lightRig>
     </dgm:scene3d>
-    <dgm:sp3d/>
+    <dgm:sp3d extrusionH="63500" prstMaterial="matte">
+      <a:bevelT w="50800" h="19050" prst="relaxedInset"/>
+      <a:contourClr>
+        <a:schemeClr val="bg1"/>
+      </a:contourClr>
+    </dgm:sp3d>
     <dgm:txPr/>
     <dgm:style>
-      <a:lnRef idx="3">
+      <a:lnRef idx="0">
         <a:scrgbClr r="0" g="0" b="0"/>
       </a:lnRef>
       <a:fillRef idx="1">
         <a:scrgbClr r="0" g="0" b="0"/>
       </a:fillRef>
-      <a:effectRef idx="1">
+      <a:effectRef idx="2">
         <a:scrgbClr r="0" g="0" b="0"/>
       </a:effectRef>
       <a:fontRef idx="minor">
@@ -8418,18 +8799,25 @@
   <dgm:styleLbl name="parChTrans2D2">
     <dgm:scene3d>
       <a:camera prst="orthographicFront"/>
-      <a:lightRig rig="threePt" dir="t"/>
+      <a:lightRig rig="threePt" dir="t">
+        <a:rot lat="0" lon="0" rev="7500000"/>
+      </a:lightRig>
     </dgm:scene3d>
-    <dgm:sp3d/>
+    <dgm:sp3d extrusionH="63500" prstMaterial="matte">
+      <a:bevelT w="50800" h="19050" prst="relaxedInset"/>
+      <a:contourClr>
+        <a:schemeClr val="bg1"/>
+      </a:contourClr>
+    </dgm:sp3d>
     <dgm:txPr/>
     <dgm:style>
-      <a:lnRef idx="3">
+      <a:lnRef idx="0">
         <a:scrgbClr r="0" g="0" b="0"/>
       </a:lnRef>
       <a:fillRef idx="1">
         <a:scrgbClr r="0" g="0" b="0"/>
       </a:fillRef>
-      <a:effectRef idx="1">
+      <a:effectRef idx="0">
         <a:scrgbClr r="0" g="0" b="0"/>
       </a:effectRef>
       <a:fontRef idx="minor">
@@ -8440,15 +8828,19 @@
   <dgm:styleLbl name="parChTrans2D3">
     <dgm:scene3d>
       <a:camera prst="orthographicFront"/>
-      <a:lightRig rig="threePt" dir="t"/>
+      <a:lightRig rig="threePt" dir="t">
+        <a:rot lat="0" lon="0" rev="7500000"/>
+      </a:lightRig>
     </dgm:scene3d>
-    <dgm:sp3d/>
+    <dgm:sp3d z="60000" prstMaterial="flat">
+      <a:bevelT w="120900" h="88900"/>
+    </dgm:sp3d>
     <dgm:txPr/>
     <dgm:style>
-      <a:lnRef idx="3">
+      <a:lnRef idx="0">
         <a:scrgbClr r="0" g="0" b="0"/>
       </a:lnRef>
-      <a:fillRef idx="1">
+      <a:fillRef idx="3">
         <a:scrgbClr r="0" g="0" b="0"/>
       </a:fillRef>
       <a:effectRef idx="1">
@@ -8462,15 +8854,19 @@
   <dgm:styleLbl name="parChTrans2D4">
     <dgm:scene3d>
       <a:camera prst="orthographicFront"/>
-      <a:lightRig rig="threePt" dir="t"/>
+      <a:lightRig rig="threePt" dir="t">
+        <a:rot lat="0" lon="0" rev="7500000"/>
+      </a:lightRig>
     </dgm:scene3d>
-    <dgm:sp3d/>
+    <dgm:sp3d z="60000" prstMaterial="flat">
+      <a:bevelT w="120900" h="88900"/>
+    </dgm:sp3d>
     <dgm:txPr/>
     <dgm:style>
-      <a:lnRef idx="3">
+      <a:lnRef idx="0">
         <a:scrgbClr r="0" g="0" b="0"/>
       </a:lnRef>
-      <a:fillRef idx="1">
+      <a:fillRef idx="3">
         <a:scrgbClr r="0" g="0" b="0"/>
       </a:fillRef>
       <a:effectRef idx="1">
@@ -8484,9 +8880,11 @@
   <dgm:styleLbl name="parChTrans1D1">
     <dgm:scene3d>
       <a:camera prst="orthographicFront"/>
-      <a:lightRig rig="threePt" dir="t"/>
+      <a:lightRig rig="threePt" dir="t">
+        <a:rot lat="0" lon="0" rev="7500000"/>
+      </a:lightRig>
     </dgm:scene3d>
-    <dgm:sp3d/>
+    <dgm:sp3d z="-40000" prstMaterial="matte"/>
     <dgm:txPr/>
     <dgm:style>
       <a:lnRef idx="2">
@@ -8504,9 +8902,11 @@
   <dgm:styleLbl name="parChTrans1D2">
     <dgm:scene3d>
       <a:camera prst="orthographicFront"/>
-      <a:lightRig rig="threePt" dir="t"/>
+      <a:lightRig rig="threePt" dir="t">
+        <a:rot lat="0" lon="0" rev="7500000"/>
+      </a:lightRig>
     </dgm:scene3d>
-    <dgm:sp3d/>
+    <dgm:sp3d z="-40000" prstMaterial="matte"/>
     <dgm:txPr/>
     <dgm:style>
       <a:lnRef idx="2">
@@ -8524,9 +8924,11 @@
   <dgm:styleLbl name="parChTrans1D3">
     <dgm:scene3d>
       <a:camera prst="orthographicFront"/>
-      <a:lightRig rig="threePt" dir="t"/>
+      <a:lightRig rig="threePt" dir="t">
+        <a:rot lat="0" lon="0" rev="7500000"/>
+      </a:lightRig>
     </dgm:scene3d>
-    <dgm:sp3d/>
+    <dgm:sp3d z="-40000" prstMaterial="matte"/>
     <dgm:txPr/>
     <dgm:style>
       <a:lnRef idx="2">
@@ -8544,9 +8946,11 @@
   <dgm:styleLbl name="parChTrans1D4">
     <dgm:scene3d>
       <a:camera prst="orthographicFront"/>
-      <a:lightRig rig="threePt" dir="t"/>
+      <a:lightRig rig="threePt" dir="t">
+        <a:rot lat="0" lon="0" rev="7500000"/>
+      </a:lightRig>
     </dgm:scene3d>
-    <dgm:sp3d/>
+    <dgm:sp3d z="-40000" prstMaterial="matte"/>
     <dgm:txPr/>
     <dgm:style>
       <a:lnRef idx="2">
@@ -8564,18 +8968,25 @@
   <dgm:styleLbl name="fgAcc1">
     <dgm:scene3d>
       <a:camera prst="orthographicFront"/>
-      <a:lightRig rig="threePt" dir="t"/>
+      <a:lightRig rig="threePt" dir="t">
+        <a:rot lat="0" lon="0" rev="7500000"/>
+      </a:lightRig>
     </dgm:scene3d>
-    <dgm:sp3d/>
+    <dgm:sp3d z="152400" extrusionH="63500" prstMaterial="dkEdge">
+      <a:bevelT w="135400" h="16350" prst="relaxedInset"/>
+      <a:contourClr>
+        <a:schemeClr val="bg1"/>
+      </a:contourClr>
+    </dgm:sp3d>
     <dgm:txPr/>
     <dgm:style>
-      <a:lnRef idx="2">
+      <a:lnRef idx="1">
         <a:scrgbClr r="0" g="0" b="0"/>
       </a:lnRef>
       <a:fillRef idx="1">
         <a:scrgbClr r="0" g="0" b="0"/>
       </a:fillRef>
-      <a:effectRef idx="0">
+      <a:effectRef idx="2">
         <a:scrgbClr r="0" g="0" b="0"/>
       </a:effectRef>
       <a:fontRef idx="minor"/>
@@ -8584,18 +8995,25 @@
   <dgm:styleLbl name="conFgAcc1">
     <dgm:scene3d>
       <a:camera prst="orthographicFront"/>
-      <a:lightRig rig="threePt" dir="t"/>
+      <a:lightRig rig="threePt" dir="t">
+        <a:rot lat="0" lon="0" rev="7500000"/>
+      </a:lightRig>
     </dgm:scene3d>
-    <dgm:sp3d/>
+    <dgm:sp3d z="152400" extrusionH="63500" prstMaterial="dkEdge">
+      <a:bevelT w="135400" h="16350" prst="relaxedInset"/>
+      <a:contourClr>
+        <a:schemeClr val="bg1"/>
+      </a:contourClr>
+    </dgm:sp3d>
     <dgm:txPr/>
     <dgm:style>
-      <a:lnRef idx="2">
+      <a:lnRef idx="1">
         <a:scrgbClr r="0" g="0" b="0"/>
       </a:lnRef>
       <a:fillRef idx="1">
         <a:scrgbClr r="0" g="0" b="0"/>
       </a:fillRef>
-      <a:effectRef idx="0">
+      <a:effectRef idx="2">
         <a:scrgbClr r="0" g="0" b="0"/>
       </a:effectRef>
       <a:fontRef idx="minor"/>
@@ -8604,18 +9022,25 @@
   <dgm:styleLbl name="alignAcc1">
     <dgm:scene3d>
       <a:camera prst="orthographicFront"/>
-      <a:lightRig rig="threePt" dir="t"/>
+      <a:lightRig rig="threePt" dir="t">
+        <a:rot lat="0" lon="0" rev="7500000"/>
+      </a:lightRig>
     </dgm:scene3d>
-    <dgm:sp3d/>
+    <dgm:sp3d extrusionH="190500" prstMaterial="dkEdge">
+      <a:bevelT w="135400" h="16350" prst="relaxedInset"/>
+      <a:contourClr>
+        <a:schemeClr val="bg1"/>
+      </a:contourClr>
+    </dgm:sp3d>
     <dgm:txPr/>
     <dgm:style>
-      <a:lnRef idx="2">
+      <a:lnRef idx="1">
         <a:scrgbClr r="0" g="0" b="0"/>
       </a:lnRef>
       <a:fillRef idx="1">
         <a:scrgbClr r="0" g="0" b="0"/>
       </a:fillRef>
-      <a:effectRef idx="0">
+      <a:effectRef idx="2">
         <a:scrgbClr r="0" g="0" b="0"/>
       </a:effectRef>
       <a:fontRef idx="minor"/>
@@ -8624,9 +9049,13 @@
   <dgm:styleLbl name="trAlignAcc1">
     <dgm:scene3d>
       <a:camera prst="orthographicFront"/>
-      <a:lightRig rig="threePt" dir="t"/>
+      <a:lightRig rig="threePt" dir="t">
+        <a:rot lat="0" lon="0" rev="7500000"/>
+      </a:lightRig>
     </dgm:scene3d>
-    <dgm:sp3d/>
+    <dgm:sp3d prstMaterial="plastic">
+      <a:bevelT w="127000" h="35400"/>
+    </dgm:sp3d>
     <dgm:txPr/>
     <dgm:style>
       <a:lnRef idx="1">
@@ -8635,21 +9064,30 @@
       <a:fillRef idx="1">
         <a:scrgbClr r="0" g="0" b="0"/>
       </a:fillRef>
-      <a:effectRef idx="0">
+      <a:effectRef idx="2">
         <a:scrgbClr r="0" g="0" b="0"/>
       </a:effectRef>
-      <a:fontRef idx="minor"/>
+      <a:fontRef idx="minor">
+        <a:schemeClr val="lt1"/>
+      </a:fontRef>
     </dgm:style>
   </dgm:styleLbl>
   <dgm:styleLbl name="bgAcc1">
     <dgm:scene3d>
       <a:camera prst="orthographicFront"/>
-      <a:lightRig rig="threePt" dir="t"/>
+      <a:lightRig rig="threePt" dir="t">
+        <a:rot lat="0" lon="0" rev="7500000"/>
+      </a:lightRig>
     </dgm:scene3d>
-    <dgm:sp3d/>
+    <dgm:sp3d z="-152400" extrusionH="63500" prstMaterial="dkEdge">
+      <a:bevelT w="124450" h="16350" prst="relaxedInset"/>
+      <a:contourClr>
+        <a:schemeClr val="bg1"/>
+      </a:contourClr>
+    </dgm:sp3d>
     <dgm:txPr/>
     <dgm:style>
-      <a:lnRef idx="2">
+      <a:lnRef idx="1">
         <a:scrgbClr r="0" g="0" b="0"/>
       </a:lnRef>
       <a:fillRef idx="1">
@@ -8664,18 +9102,25 @@
   <dgm:styleLbl name="solidFgAcc1">
     <dgm:scene3d>
       <a:camera prst="orthographicFront"/>
-      <a:lightRig rig="threePt" dir="t"/>
+      <a:lightRig rig="threePt" dir="t">
+        <a:rot lat="0" lon="0" rev="7500000"/>
+      </a:lightRig>
     </dgm:scene3d>
-    <dgm:sp3d/>
+    <dgm:sp3d z="152400" extrusionH="63500" prstMaterial="dkEdge">
+      <a:bevelT w="120800" h="19050" prst="relaxedInset"/>
+      <a:contourClr>
+        <a:schemeClr val="bg1"/>
+      </a:contourClr>
+    </dgm:sp3d>
     <dgm:txPr/>
     <dgm:style>
-      <a:lnRef idx="2">
+      <a:lnRef idx="1">
         <a:scrgbClr r="0" g="0" b="0"/>
       </a:lnRef>
       <a:fillRef idx="1">
         <a:scrgbClr r="0" g="0" b="0"/>
       </a:fillRef>
-      <a:effectRef idx="0">
+      <a:effectRef idx="2">
         <a:scrgbClr r="0" g="0" b="0"/>
       </a:effectRef>
       <a:fontRef idx="minor"/>
@@ -8684,18 +9129,25 @@
   <dgm:styleLbl name="solidAlignAcc1">
     <dgm:scene3d>
       <a:camera prst="orthographicFront"/>
-      <a:lightRig rig="threePt" dir="t"/>
+      <a:lightRig rig="threePt" dir="t">
+        <a:rot lat="0" lon="0" rev="7500000"/>
+      </a:lightRig>
     </dgm:scene3d>
-    <dgm:sp3d/>
+    <dgm:sp3d extrusionH="190500" prstMaterial="dkEdge">
+      <a:bevelT w="120650" h="38100" prst="relaxedInset"/>
+      <a:contourClr>
+        <a:schemeClr val="bg1"/>
+      </a:contourClr>
+    </dgm:sp3d>
     <dgm:txPr/>
     <dgm:style>
-      <a:lnRef idx="2">
+      <a:lnRef idx="1">
         <a:scrgbClr r="0" g="0" b="0"/>
       </a:lnRef>
       <a:fillRef idx="1">
         <a:scrgbClr r="0" g="0" b="0"/>
       </a:fillRef>
-      <a:effectRef idx="0">
+      <a:effectRef idx="2">
         <a:scrgbClr r="0" g="0" b="0"/>
       </a:effectRef>
       <a:fontRef idx="minor"/>
@@ -8704,12 +9156,19 @@
   <dgm:styleLbl name="solidBgAcc1">
     <dgm:scene3d>
       <a:camera prst="orthographicFront"/>
-      <a:lightRig rig="threePt" dir="t"/>
+      <a:lightRig rig="threePt" dir="t">
+        <a:rot lat="0" lon="0" rev="7500000"/>
+      </a:lightRig>
     </dgm:scene3d>
-    <dgm:sp3d/>
+    <dgm:sp3d z="-152400" extrusionH="63500" prstMaterial="dkEdge">
+      <a:bevelT w="144450" h="36350" prst="relaxedInset"/>
+      <a:contourClr>
+        <a:schemeClr val="bg1"/>
+      </a:contourClr>
+    </dgm:sp3d>
     <dgm:txPr/>
     <dgm:style>
-      <a:lnRef idx="2">
+      <a:lnRef idx="1">
         <a:scrgbClr r="0" g="0" b="0"/>
       </a:lnRef>
       <a:fillRef idx="1">
@@ -8724,12 +9183,19 @@
   <dgm:styleLbl name="fgAccFollowNode1">
     <dgm:scene3d>
       <a:camera prst="orthographicFront"/>
-      <a:lightRig rig="threePt" dir="t"/>
+      <a:lightRig rig="threePt" dir="t">
+        <a:rot lat="0" lon="0" rev="7500000"/>
+      </a:lightRig>
     </dgm:scene3d>
-    <dgm:sp3d/>
+    <dgm:sp3d z="152400" extrusionH="63500" prstMaterial="dkEdge">
+      <a:bevelT w="125400" h="36350" prst="relaxedInset"/>
+      <a:contourClr>
+        <a:schemeClr val="bg1"/>
+      </a:contourClr>
+    </dgm:sp3d>
     <dgm:txPr/>
     <dgm:style>
-      <a:lnRef idx="2">
+      <a:lnRef idx="1">
         <a:scrgbClr r="0" g="0" b="0"/>
       </a:lnRef>
       <a:fillRef idx="1">
@@ -8744,18 +9210,26 @@
   <dgm:styleLbl name="alignAccFollowNode1">
     <dgm:scene3d>
       <a:camera prst="orthographicFront"/>
-      <a:lightRig rig="threePt" dir="t"/>
+      <a:lightRig rig="threePt" dir="t">
+        <a:rot lat="0" lon="0" rev="7500000"/>
+      </a:lightRig>
     </dgm:scene3d>
-    <dgm:sp3d/>
+    <dgm:sp3d extrusionH="190500" prstMaterial="dkEdge">
+      <a:bevelT w="120650" h="38100" prst="relaxedInset"/>
+      <a:bevelB w="120650" h="57150" prst="relaxedInset"/>
+      <a:contourClr>
+        <a:schemeClr val="bg1"/>
+      </a:contourClr>
+    </dgm:sp3d>
     <dgm:txPr/>
     <dgm:style>
-      <a:lnRef idx="2">
+      <a:lnRef idx="1">
         <a:scrgbClr r="0" g="0" b="0"/>
       </a:lnRef>
       <a:fillRef idx="1">
         <a:scrgbClr r="0" g="0" b="0"/>
       </a:fillRef>
-      <a:effectRef idx="0">
+      <a:effectRef idx="2">
         <a:scrgbClr r="0" g="0" b="0"/>
       </a:effectRef>
       <a:fontRef idx="minor"/>
@@ -8764,18 +9238,25 @@
   <dgm:styleLbl name="bgAccFollowNode1">
     <dgm:scene3d>
       <a:camera prst="orthographicFront"/>
-      <a:lightRig rig="threePt" dir="t"/>
+      <a:lightRig rig="threePt" dir="t">
+        <a:rot lat="0" lon="0" rev="7500000"/>
+      </a:lightRig>
     </dgm:scene3d>
-    <dgm:sp3d/>
+    <dgm:sp3d z="-152400" extrusionH="63500" prstMaterial="dkEdge">
+      <a:bevelT w="144450" h="36350" prst="relaxedInset"/>
+      <a:contourClr>
+        <a:schemeClr val="bg1"/>
+      </a:contourClr>
+    </dgm:sp3d>
     <dgm:txPr/>
     <dgm:style>
-      <a:lnRef idx="2">
+      <a:lnRef idx="1">
         <a:scrgbClr r="0" g="0" b="0"/>
       </a:lnRef>
       <a:fillRef idx="1">
         <a:scrgbClr r="0" g="0" b="0"/>
       </a:fillRef>
-      <a:effectRef idx="0">
+      <a:effectRef idx="2">
         <a:scrgbClr r="0" g="0" b="0"/>
       </a:effectRef>
       <a:fontRef idx="minor"/>
@@ -8784,18 +9265,25 @@
   <dgm:styleLbl name="fgAcc0">
     <dgm:scene3d>
       <a:camera prst="orthographicFront"/>
-      <a:lightRig rig="threePt" dir="t"/>
+      <a:lightRig rig="threePt" dir="t">
+        <a:rot lat="0" lon="0" rev="7500000"/>
+      </a:lightRig>
     </dgm:scene3d>
-    <dgm:sp3d/>
+    <dgm:sp3d z="152400" extrusionH="63500" prstMaterial="dkEdge">
+      <a:bevelT w="125400" h="36350" prst="relaxedInset"/>
+      <a:contourClr>
+        <a:schemeClr val="bg1"/>
+      </a:contourClr>
+    </dgm:sp3d>
     <dgm:txPr/>
     <dgm:style>
-      <a:lnRef idx="2">
+      <a:lnRef idx="1">
         <a:scrgbClr r="0" g="0" b="0"/>
       </a:lnRef>
       <a:fillRef idx="1">
         <a:scrgbClr r="0" g="0" b="0"/>
       </a:fillRef>
-      <a:effectRef idx="0">
+      <a:effectRef idx="2">
         <a:scrgbClr r="0" g="0" b="0"/>
       </a:effectRef>
       <a:fontRef idx="minor"/>
@@ -8804,18 +9292,25 @@
   <dgm:styleLbl name="fgAcc2">
     <dgm:scene3d>
       <a:camera prst="orthographicFront"/>
-      <a:lightRig rig="threePt" dir="t"/>
+      <a:lightRig rig="threePt" dir="t">
+        <a:rot lat="0" lon="0" rev="7500000"/>
+      </a:lightRig>
     </dgm:scene3d>
-    <dgm:sp3d/>
+    <dgm:sp3d z="152400" extrusionH="63500" prstMaterial="dkEdge">
+      <a:bevelT w="125400" h="36350" prst="relaxedInset"/>
+      <a:contourClr>
+        <a:schemeClr val="bg1"/>
+      </a:contourClr>
+    </dgm:sp3d>
     <dgm:txPr/>
     <dgm:style>
-      <a:lnRef idx="2">
+      <a:lnRef idx="1">
         <a:scrgbClr r="0" g="0" b="0"/>
       </a:lnRef>
       <a:fillRef idx="1">
         <a:scrgbClr r="0" g="0" b="0"/>
       </a:fillRef>
-      <a:effectRef idx="0">
+      <a:effectRef idx="2">
         <a:scrgbClr r="0" g="0" b="0"/>
       </a:effectRef>
       <a:fontRef idx="minor"/>
@@ -8824,18 +9319,25 @@
   <dgm:styleLbl name="fgAcc3">
     <dgm:scene3d>
       <a:camera prst="orthographicFront"/>
-      <a:lightRig rig="threePt" dir="t"/>
+      <a:lightRig rig="threePt" dir="t">
+        <a:rot lat="0" lon="0" rev="7500000"/>
+      </a:lightRig>
     </dgm:scene3d>
-    <dgm:sp3d/>
+    <dgm:sp3d z="152400" extrusionH="63500" prstMaterial="dkEdge">
+      <a:bevelT w="125400" h="36350" prst="relaxedInset"/>
+      <a:contourClr>
+        <a:schemeClr val="bg1"/>
+      </a:contourClr>
+    </dgm:sp3d>
     <dgm:txPr/>
     <dgm:style>
-      <a:lnRef idx="2">
+      <a:lnRef idx="1">
         <a:scrgbClr r="0" g="0" b="0"/>
       </a:lnRef>
       <a:fillRef idx="1">
         <a:scrgbClr r="0" g="0" b="0"/>
       </a:fillRef>
-      <a:effectRef idx="0">
+      <a:effectRef idx="2">
         <a:scrgbClr r="0" g="0" b="0"/>
       </a:effectRef>
       <a:fontRef idx="minor"/>
@@ -8844,18 +9346,25 @@
   <dgm:styleLbl name="fgAcc4">
     <dgm:scene3d>
       <a:camera prst="orthographicFront"/>
-      <a:lightRig rig="threePt" dir="t"/>
+      <a:lightRig rig="threePt" dir="t">
+        <a:rot lat="0" lon="0" rev="7500000"/>
+      </a:lightRig>
     </dgm:scene3d>
-    <dgm:sp3d/>
+    <dgm:sp3d z="152400" extrusionH="63500" prstMaterial="dkEdge">
+      <a:bevelT w="125400" h="36350" prst="relaxedInset"/>
+      <a:contourClr>
+        <a:schemeClr val="bg1"/>
+      </a:contourClr>
+    </dgm:sp3d>
     <dgm:txPr/>
     <dgm:style>
-      <a:lnRef idx="2">
+      <a:lnRef idx="1">
         <a:scrgbClr r="0" g="0" b="0"/>
       </a:lnRef>
       <a:fillRef idx="1">
         <a:scrgbClr r="0" g="0" b="0"/>
       </a:fillRef>
-      <a:effectRef idx="0">
+      <a:effectRef idx="2">
         <a:scrgbClr r="0" g="0" b="0"/>
       </a:effectRef>
       <a:fontRef idx="minor"/>
@@ -8864,15 +9373,22 @@
   <dgm:styleLbl name="bgShp">
     <dgm:scene3d>
       <a:camera prst="orthographicFront"/>
-      <a:lightRig rig="threePt" dir="t"/>
+      <a:lightRig rig="threePt" dir="t">
+        <a:rot lat="0" lon="0" rev="7500000"/>
+      </a:lightRig>
     </dgm:scene3d>
-    <dgm:sp3d/>
+    <dgm:sp3d z="-152400" extrusionH="63500" prstMaterial="matte">
+      <a:bevelT w="144450" h="6350" prst="relaxedInset"/>
+      <a:contourClr>
+        <a:schemeClr val="bg1"/>
+      </a:contourClr>
+    </dgm:sp3d>
     <dgm:txPr/>
     <dgm:style>
       <a:lnRef idx="0">
         <a:scrgbClr r="0" g="0" b="0"/>
       </a:lnRef>
-      <a:fillRef idx="1">
+      <a:fillRef idx="3">
         <a:scrgbClr r="0" g="0" b="0"/>
       </a:fillRef>
       <a:effectRef idx="0">
@@ -8884,9 +9400,14 @@
   <dgm:styleLbl name="dkBgShp">
     <dgm:scene3d>
       <a:camera prst="orthographicFront"/>
-      <a:lightRig rig="threePt" dir="t"/>
+      <a:lightRig rig="threePt" dir="t">
+        <a:rot lat="0" lon="0" rev="7500000"/>
+      </a:lightRig>
     </dgm:scene3d>
-    <dgm:sp3d/>
+    <dgm:sp3d prstMaterial="plastic">
+      <a:bevelT w="127000" h="25400" prst="relaxedInset"/>
+      <a:bevelB w="88900" h="121750" prst="angle"/>
+    </dgm:sp3d>
     <dgm:txPr/>
     <dgm:style>
       <a:lnRef idx="0">
@@ -8895,10 +9416,12 @@
       <a:fillRef idx="1">
         <a:scrgbClr r="0" g="0" b="0"/>
       </a:fillRef>
-      <a:effectRef idx="0">
+      <a:effectRef idx="2">
         <a:scrgbClr r="0" g="0" b="0"/>
       </a:effectRef>
-      <a:fontRef idx="minor"/>
+      <a:fontRef idx="minor">
+        <a:schemeClr val="lt1"/>
+      </a:fontRef>
     </dgm:style>
   </dgm:styleLbl>
   <dgm:styleLbl name="trBgShp">
@@ -8906,7 +9429,7 @@
       <a:camera prst="orthographicFront"/>
       <a:lightRig rig="threePt" dir="t"/>
     </dgm:scene3d>
-    <dgm:sp3d/>
+    <dgm:sp3d z="-152400" prstMaterial="matte"/>
     <dgm:txPr/>
     <dgm:style>
       <a:lnRef idx="0">
@@ -8924,21 +9447,30 @@
   <dgm:styleLbl name="fgShp">
     <dgm:scene3d>
       <a:camera prst="orthographicFront"/>
-      <a:lightRig rig="threePt" dir="t"/>
+      <a:lightRig rig="threePt" dir="t">
+        <a:rot lat="0" lon="0" rev="7500000"/>
+      </a:lightRig>
     </dgm:scene3d>
-    <dgm:sp3d/>
+    <dgm:sp3d z="152400" extrusionH="63500" prstMaterial="matte">
+      <a:bevelT w="50800" h="19050" prst="relaxedInset"/>
+      <a:contourClr>
+        <a:schemeClr val="bg1"/>
+      </a:contourClr>
+    </dgm:sp3d>
     <dgm:txPr/>
     <dgm:style>
-      <a:lnRef idx="3">
+      <a:lnRef idx="0">
         <a:scrgbClr r="0" g="0" b="0"/>
       </a:lnRef>
       <a:fillRef idx="1">
         <a:scrgbClr r="0" g="0" b="0"/>
       </a:fillRef>
-      <a:effectRef idx="1">
+      <a:effectRef idx="2">
         <a:scrgbClr r="0" g="0" b="0"/>
       </a:effectRef>
-      <a:fontRef idx="minor"/>
+      <a:fontRef idx="minor">
+        <a:schemeClr val="lt1"/>
+      </a:fontRef>
     </dgm:style>
   </dgm:styleLbl>
   <dgm:styleLbl name="revTx">
@@ -18420,47 +18952,12 @@
           <a:chExt cx="0" cy="0"/>
         </a:xfrm>
       </p:grpSpPr>
-      <p:sp>
-        <p:nvSpPr>
-          <p:cNvPr id="2" name="标题 1"/>
-          <p:cNvSpPr>
-            <a:spLocks noGrp="1"/>
-          </p:cNvSpPr>
-          <p:nvPr>
-            <p:ph type="title"/>
-          </p:nvPr>
-        </p:nvSpPr>
-        <p:spPr/>
-        <p:txBody>
-          <a:bodyPr/>
-          <a:lstStyle/>
-          <a:p>
-            <a:r>
-              <a:rPr lang="zh-CN" altLang="en-US" dirty="0"/>
-              <a:t>硬件设计</a:t>
-            </a:r>
-            <a:r>
-              <a:rPr lang="en-US" altLang="zh-CN" dirty="0"/>
-              <a:t>|</a:t>
-            </a:r>
-            <a:r>
-              <a:rPr lang="zh-CN" altLang="en-US" dirty="0"/>
-              <a:t>关键介绍</a:t>
-            </a:r>
-            <a:r>
-              <a:rPr lang="en-US" altLang="zh-CN" dirty="0"/>
-              <a:t>1</a:t>
-            </a:r>
-            <a:endParaRPr lang="zh-CN" altLang="en-US" dirty="0"/>
-          </a:p>
-        </p:txBody>
-      </p:sp>
       <p:pic>
         <p:nvPicPr>
-          <p:cNvPr id="6" name="图片 5">
+          <p:cNvPr id="15" name="图片 14">
             <a:extLst>
               <a:ext uri="{FF2B5EF4-FFF2-40B4-BE49-F238E27FC236}">
-                <a16:creationId xmlns:a16="http://schemas.microsoft.com/office/drawing/2014/main" id="{F4C35A1B-4D71-49A6-B1D6-F7BEBA3F1439}"/>
+                <a16:creationId xmlns:a16="http://schemas.microsoft.com/office/drawing/2014/main" id="{CC263A07-C0E2-4874-84D5-99BD664A0198}"/>
               </a:ext>
             </a:extLst>
           </p:cNvPr>
@@ -18477,8 +18974,8 @@
         </p:blipFill>
         <p:spPr>
           <a:xfrm>
-            <a:off x="6242026" y="1468120"/>
-            <a:ext cx="3588385" cy="4304665"/>
+            <a:off x="2428663" y="1370393"/>
+            <a:ext cx="3040960" cy="5046684"/>
           </a:xfrm>
           <a:prstGeom prst="rect">
             <a:avLst/>
@@ -18487,10 +18984,10 @@
       </p:pic>
       <p:pic>
         <p:nvPicPr>
-          <p:cNvPr id="7" name="图片 6">
+          <p:cNvPr id="14" name="图片 13">
             <a:extLst>
               <a:ext uri="{FF2B5EF4-FFF2-40B4-BE49-F238E27FC236}">
-                <a16:creationId xmlns:a16="http://schemas.microsoft.com/office/drawing/2014/main" id="{41BC97DB-3D65-4951-A5E5-72870C28F678}"/>
+                <a16:creationId xmlns:a16="http://schemas.microsoft.com/office/drawing/2014/main" id="{BB2BC908-F26A-4B6F-9A94-EA563FDA96BA}"/>
               </a:ext>
             </a:extLst>
           </p:cNvPr>
@@ -18507,14 +19004,49 @@
         </p:blipFill>
         <p:spPr>
           <a:xfrm>
-            <a:off x="1778466" y="1468119"/>
-            <a:ext cx="4019426" cy="4304665"/>
+            <a:off x="6342110" y="1380548"/>
+            <a:ext cx="3545399" cy="5036529"/>
           </a:xfrm>
           <a:prstGeom prst="rect">
             <a:avLst/>
           </a:prstGeom>
         </p:spPr>
       </p:pic>
+      <p:sp>
+        <p:nvSpPr>
+          <p:cNvPr id="2" name="标题 1"/>
+          <p:cNvSpPr>
+            <a:spLocks noGrp="1"/>
+          </p:cNvSpPr>
+          <p:nvPr>
+            <p:ph type="title"/>
+          </p:nvPr>
+        </p:nvSpPr>
+        <p:spPr/>
+        <p:txBody>
+          <a:bodyPr/>
+          <a:lstStyle/>
+          <a:p>
+            <a:r>
+              <a:rPr lang="zh-CN" altLang="en-US" dirty="0"/>
+              <a:t>硬件设计</a:t>
+            </a:r>
+            <a:r>
+              <a:rPr lang="en-US" altLang="zh-CN" dirty="0"/>
+              <a:t>|</a:t>
+            </a:r>
+            <a:r>
+              <a:rPr lang="zh-CN" altLang="en-US" dirty="0"/>
+              <a:t>功能介绍</a:t>
+            </a:r>
+            <a:r>
+              <a:rPr lang="en-US" altLang="zh-CN" dirty="0"/>
+              <a:t>2</a:t>
+            </a:r>
+            <a:endParaRPr lang="zh-CN" altLang="en-US" dirty="0"/>
+          </a:p>
+        </p:txBody>
+      </p:sp>
       <p:sp>
         <p:nvSpPr>
           <p:cNvPr id="22" name="标注: 线形 21">
@@ -18536,8 +19068,8 @@
             <a:avLst>
               <a:gd name="adj1" fmla="val 47143"/>
               <a:gd name="adj2" fmla="val 102626"/>
-              <a:gd name="adj3" fmla="val 127642"/>
-              <a:gd name="adj4" fmla="val 254700"/>
+              <a:gd name="adj3" fmla="val 61393"/>
+              <a:gd name="adj4" fmla="val 222587"/>
             </a:avLst>
           </a:prstGeom>
         </p:spPr>
@@ -18592,8 +19124,8 @@
             <a:avLst>
               <a:gd name="adj1" fmla="val 47143"/>
               <a:gd name="adj2" fmla="val 102626"/>
-              <a:gd name="adj3" fmla="val 156034"/>
-              <a:gd name="adj4" fmla="val 225404"/>
+              <a:gd name="adj3" fmla="val 199569"/>
+              <a:gd name="adj4" fmla="val 227658"/>
             </a:avLst>
           </a:prstGeom>
         </p:spPr>
@@ -18644,8 +19176,8 @@
             <a:avLst>
               <a:gd name="adj1" fmla="val 47143"/>
               <a:gd name="adj2" fmla="val 102626"/>
-              <a:gd name="adj3" fmla="val 42465"/>
-              <a:gd name="adj4" fmla="val 240052"/>
+              <a:gd name="adj3" fmla="val 103035"/>
+              <a:gd name="adj4" fmla="val 201742"/>
             </a:avLst>
           </a:prstGeom>
         </p:spPr>
@@ -18696,8 +19228,8 @@
             <a:avLst>
               <a:gd name="adj1" fmla="val 47143"/>
               <a:gd name="adj2" fmla="val 102626"/>
-              <a:gd name="adj3" fmla="val 163606"/>
-              <a:gd name="adj4" fmla="val 241742"/>
+              <a:gd name="adj3" fmla="val 50036"/>
+              <a:gd name="adj4" fmla="val 249630"/>
             </a:avLst>
           </a:prstGeom>
         </p:spPr>
@@ -18722,8 +19254,21 @@
             <a:pPr algn="ctr"/>
             <a:r>
               <a:rPr lang="zh-CN" altLang="en-US" sz="1400" dirty="0"/>
-              <a:t>通规、止规规格视觉检测</a:t>
-            </a:r>
+              <a:t>激光笔</a:t>
+            </a:r>
+            <a:r>
+              <a:rPr lang="en-US" altLang="zh-CN" sz="1400" dirty="0"/>
+              <a:t>(</a:t>
+            </a:r>
+            <a:r>
+              <a:rPr lang="zh-CN" altLang="en-US" sz="1400" dirty="0"/>
+              <a:t>红光预览</a:t>
+            </a:r>
+            <a:r>
+              <a:rPr lang="en-US" altLang="zh-CN" sz="1400" dirty="0"/>
+              <a:t>)</a:t>
+            </a:r>
+            <a:endParaRPr lang="zh-CN" altLang="en-US" sz="1400" dirty="0"/>
           </a:p>
         </p:txBody>
       </p:sp>
@@ -18748,8 +19293,8 @@
             <a:avLst>
               <a:gd name="adj1" fmla="val 52822"/>
               <a:gd name="adj2" fmla="val -109"/>
-              <a:gd name="adj3" fmla="val 167393"/>
-              <a:gd name="adj4" fmla="val -181167"/>
+              <a:gd name="adj3" fmla="val 180643"/>
+              <a:gd name="adj4" fmla="val -71137"/>
             </a:avLst>
           </a:prstGeom>
         </p:spPr>
@@ -18804,8 +19349,8 @@
             <a:avLst>
               <a:gd name="adj1" fmla="val 52822"/>
               <a:gd name="adj2" fmla="val -109"/>
-              <a:gd name="adj3" fmla="val 133322"/>
-              <a:gd name="adj4" fmla="val -157459"/>
+              <a:gd name="adj3" fmla="val 341533"/>
+              <a:gd name="adj4" fmla="val -141046"/>
             </a:avLst>
           </a:prstGeom>
         </p:spPr>
@@ -18856,8 +19401,8 @@
             <a:avLst>
               <a:gd name="adj1" fmla="val 52822"/>
               <a:gd name="adj2" fmla="val -109"/>
-              <a:gd name="adj3" fmla="val 339641"/>
-              <a:gd name="adj4" fmla="val -216425"/>
+              <a:gd name="adj3" fmla="val 608423"/>
+              <a:gd name="adj4" fmla="val -224936"/>
             </a:avLst>
           </a:prstGeom>
         </p:spPr>
@@ -18883,58 +19428,6 @@
             <a:r>
               <a:rPr lang="zh-CN" altLang="en-US" sz="1400" dirty="0"/>
               <a:t>测试产品放置位</a:t>
-            </a:r>
-          </a:p>
-        </p:txBody>
-      </p:sp>
-      <p:sp>
-        <p:nvSpPr>
-          <p:cNvPr id="29" name="标注: 线形 28">
-            <a:extLst>
-              <a:ext uri="{FF2B5EF4-FFF2-40B4-BE49-F238E27FC236}">
-                <a16:creationId xmlns:a16="http://schemas.microsoft.com/office/drawing/2014/main" id="{0B0CEC5A-F332-4C97-8DB2-0F59981B4F19}"/>
-              </a:ext>
-            </a:extLst>
-          </p:cNvPr>
-          <p:cNvSpPr/>
-          <p:nvPr/>
-        </p:nvSpPr>
-        <p:spPr>
-          <a:xfrm>
-            <a:off x="10516732" y="3645015"/>
-            <a:ext cx="1379989" cy="443198"/>
-          </a:xfrm>
-          <a:prstGeom prst="borderCallout1">
-            <a:avLst>
-              <a:gd name="adj1" fmla="val 52822"/>
-              <a:gd name="adj2" fmla="val -109"/>
-              <a:gd name="adj3" fmla="val 216607"/>
-              <a:gd name="adj4" fmla="val -151379"/>
-            </a:avLst>
-          </a:prstGeom>
-        </p:spPr>
-        <p:style>
-          <a:lnRef idx="2">
-            <a:schemeClr val="accent1"/>
-          </a:lnRef>
-          <a:fillRef idx="1">
-            <a:schemeClr val="lt1"/>
-          </a:fillRef>
-          <a:effectRef idx="0">
-            <a:schemeClr val="accent1"/>
-          </a:effectRef>
-          <a:fontRef idx="minor">
-            <a:schemeClr val="dk1"/>
-          </a:fontRef>
-        </p:style>
-        <p:txBody>
-          <a:bodyPr rtlCol="0" anchor="ctr"/>
-          <a:lstStyle/>
-          <a:p>
-            <a:pPr algn="ctr"/>
-            <a:r>
-              <a:rPr lang="zh-CN" altLang="en-US" sz="1400" dirty="0"/>
-              <a:t>纳米涂层玻璃</a:t>
             </a:r>
           </a:p>
         </p:txBody>
@@ -18960,8 +19453,8 @@
             <a:avLst>
               <a:gd name="adj1" fmla="val 52822"/>
               <a:gd name="adj2" fmla="val -109"/>
-              <a:gd name="adj3" fmla="val 137108"/>
-              <a:gd name="adj4" fmla="val -186637"/>
+              <a:gd name="adj3" fmla="val 415355"/>
+              <a:gd name="adj4" fmla="val -159281"/>
             </a:avLst>
           </a:prstGeom>
         </p:spPr>
@@ -18992,6 +19485,71 @@
               <a:rPr lang="zh-CN" altLang="en-US" sz="1400" dirty="0"/>
               <a:t>轴光源</a:t>
             </a:r>
+          </a:p>
+        </p:txBody>
+      </p:sp>
+      <p:sp>
+        <p:nvSpPr>
+          <p:cNvPr id="16" name="标注: 线形 15">
+            <a:extLst>
+              <a:ext uri="{FF2B5EF4-FFF2-40B4-BE49-F238E27FC236}">
+                <a16:creationId xmlns:a16="http://schemas.microsoft.com/office/drawing/2014/main" id="{DD3C91C2-5375-4FC1-89CE-4CA380AD10A6}"/>
+              </a:ext>
+            </a:extLst>
+          </p:cNvPr>
+          <p:cNvSpPr/>
+          <p:nvPr/>
+        </p:nvSpPr>
+        <p:spPr>
+          <a:xfrm>
+            <a:off x="134225" y="4309142"/>
+            <a:ext cx="1489046" cy="682307"/>
+          </a:xfrm>
+          <a:prstGeom prst="borderCallout1">
+            <a:avLst>
+              <a:gd name="adj1" fmla="val 47143"/>
+              <a:gd name="adj2" fmla="val 102626"/>
+              <a:gd name="adj3" fmla="val 211268"/>
+              <a:gd name="adj4" fmla="val 250757"/>
+            </a:avLst>
+          </a:prstGeom>
+        </p:spPr>
+        <p:style>
+          <a:lnRef idx="2">
+            <a:schemeClr val="accent1"/>
+          </a:lnRef>
+          <a:fillRef idx="1">
+            <a:schemeClr val="lt1"/>
+          </a:fillRef>
+          <a:effectRef idx="0">
+            <a:schemeClr val="accent1"/>
+          </a:effectRef>
+          <a:fontRef idx="minor">
+            <a:schemeClr val="dk1"/>
+          </a:fontRef>
+        </p:style>
+        <p:txBody>
+          <a:bodyPr rtlCol="0" anchor="ctr"/>
+          <a:lstStyle/>
+          <a:p>
+            <a:pPr algn="ctr"/>
+            <a:r>
+              <a:rPr lang="zh-CN" altLang="en-US" sz="1400" dirty="0"/>
+              <a:t>通规、止规规格视觉检测</a:t>
+            </a:r>
+            <a:r>
+              <a:rPr lang="en-US" altLang="zh-CN" sz="1400" dirty="0"/>
+              <a:t>(</a:t>
+            </a:r>
+            <a:r>
+              <a:rPr lang="zh-CN" altLang="en-US" sz="1400" dirty="0"/>
+              <a:t>更换通止规视觉复判</a:t>
+            </a:r>
+            <a:r>
+              <a:rPr lang="en-US" altLang="zh-CN" sz="1400" dirty="0"/>
+              <a:t>)</a:t>
+            </a:r>
+            <a:endParaRPr lang="zh-CN" altLang="en-US" sz="1400" dirty="0"/>
           </a:p>
         </p:txBody>
       </p:sp>
@@ -19050,22 +19608,17 @@
             </a:r>
             <a:r>
               <a:rPr lang="zh-CN" altLang="en-US" dirty="0"/>
-              <a:t>关键介绍</a:t>
-            </a:r>
-            <a:r>
-              <a:rPr lang="en-US" altLang="zh-CN" dirty="0"/>
-              <a:t>2</a:t>
-            </a:r>
-            <a:endParaRPr lang="zh-CN" altLang="en-US" dirty="0"/>
+              <a:t>产品治具安装说明</a:t>
+            </a:r>
           </a:p>
         </p:txBody>
       </p:sp>
       <p:pic>
         <p:nvPicPr>
-          <p:cNvPr id="14" name="图片 13">
+          <p:cNvPr id="9" name="图片 8">
             <a:extLst>
               <a:ext uri="{FF2B5EF4-FFF2-40B4-BE49-F238E27FC236}">
-                <a16:creationId xmlns:a16="http://schemas.microsoft.com/office/drawing/2014/main" id="{E882C0F2-3EA1-4D07-8BE6-190C05C48EAF}"/>
+                <a16:creationId xmlns:a16="http://schemas.microsoft.com/office/drawing/2014/main" id="{31295CBB-3F14-4267-A87D-CF330EAC1555}"/>
               </a:ext>
             </a:extLst>
           </p:cNvPr>
@@ -19082,38 +19635,8 @@
         </p:blipFill>
         <p:spPr>
           <a:xfrm>
-            <a:off x="6694147" y="1317124"/>
-            <a:ext cx="2835745" cy="4969975"/>
-          </a:xfrm>
-          <a:prstGeom prst="rect">
-            <a:avLst/>
-          </a:prstGeom>
-        </p:spPr>
-      </p:pic>
-      <p:pic>
-        <p:nvPicPr>
-          <p:cNvPr id="15" name="图片 14">
-            <a:extLst>
-              <a:ext uri="{FF2B5EF4-FFF2-40B4-BE49-F238E27FC236}">
-                <a16:creationId xmlns:a16="http://schemas.microsoft.com/office/drawing/2014/main" id="{73699F40-8259-4923-8894-47FBC9B6EBD5}"/>
-              </a:ext>
-            </a:extLst>
-          </p:cNvPr>
-          <p:cNvPicPr>
-            <a:picLocks noChangeAspect="1"/>
-          </p:cNvPicPr>
-          <p:nvPr/>
-        </p:nvPicPr>
-        <p:blipFill>
-          <a:blip r:embed="rId3"/>
-          <a:stretch>
-            <a:fillRect/>
-          </a:stretch>
-        </p:blipFill>
-        <p:spPr>
-          <a:xfrm>
-            <a:off x="424437" y="1317124"/>
-            <a:ext cx="5068570" cy="4966335"/>
+            <a:off x="2464230" y="1460476"/>
+            <a:ext cx="6835343" cy="4549275"/>
           </a:xfrm>
           <a:prstGeom prst="rect">
             <a:avLst/>
@@ -19122,10 +19645,10 @@
       </p:pic>
       <p:sp>
         <p:nvSpPr>
-          <p:cNvPr id="8" name="箭头: 右 7">
+          <p:cNvPr id="19" name="标注: 线形 18">
             <a:extLst>
               <a:ext uri="{FF2B5EF4-FFF2-40B4-BE49-F238E27FC236}">
-                <a16:creationId xmlns:a16="http://schemas.microsoft.com/office/drawing/2014/main" id="{27B920DD-44E4-4508-9C24-E8C6AFAB9E2F}"/>
+                <a16:creationId xmlns:a16="http://schemas.microsoft.com/office/drawing/2014/main" id="{C855ED09-B7DF-468E-92BC-3E7EDE0513F1}"/>
               </a:ext>
             </a:extLst>
           </p:cNvPr>
@@ -19134,66 +19657,15 @@
         </p:nvSpPr>
         <p:spPr>
           <a:xfrm>
-            <a:off x="4886325" y="3207401"/>
-            <a:ext cx="1807822" cy="443198"/>
-          </a:xfrm>
-          <a:prstGeom prst="rightArrow">
-            <a:avLst/>
-          </a:prstGeom>
-        </p:spPr>
-        <p:style>
-          <a:lnRef idx="0">
-            <a:schemeClr val="accent5"/>
-          </a:lnRef>
-          <a:fillRef idx="3">
-            <a:schemeClr val="accent5"/>
-          </a:fillRef>
-          <a:effectRef idx="3">
-            <a:schemeClr val="accent5"/>
-          </a:effectRef>
-          <a:fontRef idx="minor">
-            <a:schemeClr val="lt1"/>
-          </a:fontRef>
-        </p:style>
-        <p:txBody>
-          <a:bodyPr rtlCol="0" anchor="ctr"/>
-          <a:lstStyle/>
-          <a:p>
-            <a:pPr algn="ctr"/>
-            <a:r>
-              <a:rPr lang="zh-CN" altLang="en-US" sz="1200" dirty="0">
-                <a:solidFill>
-                  <a:schemeClr val="tx1"/>
-                </a:solidFill>
-              </a:rPr>
-              <a:t>通规、止规规格检测</a:t>
-            </a:r>
-          </a:p>
-        </p:txBody>
-      </p:sp>
-      <p:sp>
-        <p:nvSpPr>
-          <p:cNvPr id="31" name="标注: 线形 30">
-            <a:extLst>
-              <a:ext uri="{FF2B5EF4-FFF2-40B4-BE49-F238E27FC236}">
-                <a16:creationId xmlns:a16="http://schemas.microsoft.com/office/drawing/2014/main" id="{04F9DAD0-C46A-44C6-A109-0AB942CE8CF7}"/>
-              </a:ext>
-            </a:extLst>
-          </p:cNvPr>
-          <p:cNvSpPr/>
-          <p:nvPr/>
-        </p:nvSpPr>
-        <p:spPr>
-          <a:xfrm>
-            <a:off x="10516735" y="1479947"/>
-            <a:ext cx="1529856" cy="443198"/>
+            <a:off x="416128" y="3291916"/>
+            <a:ext cx="1489046" cy="443198"/>
           </a:xfrm>
           <a:prstGeom prst="borderCallout1">
             <a:avLst>
-              <a:gd name="adj1" fmla="val 52822"/>
-              <a:gd name="adj2" fmla="val -109"/>
-              <a:gd name="adj3" fmla="val 104929"/>
-              <a:gd name="adj4" fmla="val -170498"/>
+              <a:gd name="adj1" fmla="val 47143"/>
+              <a:gd name="adj2" fmla="val 102626"/>
+              <a:gd name="adj3" fmla="val 207141"/>
+              <a:gd name="adj4" fmla="val 273854"/>
             </a:avLst>
           </a:prstGeom>
         </p:spPr>
@@ -19217,22 +19689,23 @@
           <a:p>
             <a:pPr algn="ctr"/>
             <a:r>
+              <a:rPr lang="zh-CN" altLang="en-US" sz="1400" dirty="0"/>
+              <a:t>上下料工位</a:t>
+            </a:r>
+            <a:r>
               <a:rPr lang="en-US" altLang="zh-CN" sz="1400" dirty="0"/>
-              <a:t>Z2</a:t>
-            </a:r>
-            <a:r>
-              <a:rPr lang="zh-CN" altLang="en-US" sz="1400" dirty="0"/>
-              <a:t>轴</a:t>
-            </a:r>
+              <a:t>1</a:t>
+            </a:r>
+            <a:endParaRPr lang="zh-CN" altLang="en-US" sz="1400" dirty="0"/>
           </a:p>
         </p:txBody>
       </p:sp>
       <p:sp>
         <p:nvSpPr>
-          <p:cNvPr id="33" name="标注: 线形 32">
+          <p:cNvPr id="21" name="标注: 线形 20">
             <a:extLst>
               <a:ext uri="{FF2B5EF4-FFF2-40B4-BE49-F238E27FC236}">
-                <a16:creationId xmlns:a16="http://schemas.microsoft.com/office/drawing/2014/main" id="{6BA37C09-D0E6-4010-9486-BFB0F0EE298E}"/>
+                <a16:creationId xmlns:a16="http://schemas.microsoft.com/office/drawing/2014/main" id="{5644C3CF-987B-40C6-AF0B-D4AE39AEB96D}"/>
               </a:ext>
             </a:extLst>
           </p:cNvPr>
@@ -19241,15 +19714,15 @@
         </p:nvSpPr>
         <p:spPr>
           <a:xfrm>
-            <a:off x="10516733" y="2281806"/>
-            <a:ext cx="1529857" cy="1065401"/>
+            <a:off x="10395883" y="3291916"/>
+            <a:ext cx="1379989" cy="443198"/>
           </a:xfrm>
           <a:prstGeom prst="borderCallout1">
             <a:avLst>
               <a:gd name="adj1" fmla="val 52822"/>
               <a:gd name="adj2" fmla="val -109"/>
-              <a:gd name="adj3" fmla="val 99411"/>
-              <a:gd name="adj4" fmla="val -160045"/>
+              <a:gd name="adj3" fmla="val 214714"/>
+              <a:gd name="adj4" fmla="val -289982"/>
             </a:avLst>
           </a:prstGeom>
         </p:spPr>
@@ -19271,21 +19744,20 @@
           <a:bodyPr rtlCol="0" anchor="ctr"/>
           <a:lstStyle/>
           <a:p>
-            <a:r>
-              <a:rPr lang="zh-CN" altLang="en-US" sz="1400" dirty="0">
-                <a:sym typeface="+mn-ea"/>
-              </a:rPr>
-              <a:t>通规及止规通过伺服扭矩大小对牙孔进行良品与不良品的识别</a:t>
+            <a:pPr algn="ctr"/>
+            <a:r>
+              <a:rPr lang="zh-CN" altLang="en-US" sz="1400" dirty="0"/>
+              <a:t>产品定位直角</a:t>
             </a:r>
           </a:p>
         </p:txBody>
       </p:sp>
       <p:sp>
         <p:nvSpPr>
-          <p:cNvPr id="34" name="标注: 线形 33">
+          <p:cNvPr id="22" name="标注: 线形 21">
             <a:extLst>
               <a:ext uri="{FF2B5EF4-FFF2-40B4-BE49-F238E27FC236}">
-                <a16:creationId xmlns:a16="http://schemas.microsoft.com/office/drawing/2014/main" id="{5FC93149-0D72-4D2C-BFC8-64C51228A668}"/>
+                <a16:creationId xmlns:a16="http://schemas.microsoft.com/office/drawing/2014/main" id="{B5B8EFC5-6AEF-4512-ACC6-9F09EBE74B53}"/>
               </a:ext>
             </a:extLst>
           </p:cNvPr>
@@ -19294,15 +19766,15 @@
         </p:nvSpPr>
         <p:spPr>
           <a:xfrm>
-            <a:off x="10536573" y="3705868"/>
-            <a:ext cx="1510017" cy="1350627"/>
+            <a:off x="416128" y="3914099"/>
+            <a:ext cx="1489046" cy="443198"/>
           </a:xfrm>
           <a:prstGeom prst="borderCallout1">
             <a:avLst>
-              <a:gd name="adj1" fmla="val 52822"/>
-              <a:gd name="adj2" fmla="val -109"/>
-              <a:gd name="adj3" fmla="val 95100"/>
-              <a:gd name="adj4" fmla="val -155101"/>
+              <a:gd name="adj1" fmla="val 47143"/>
+              <a:gd name="adj2" fmla="val 102626"/>
+              <a:gd name="adj3" fmla="val 262034"/>
+              <a:gd name="adj4" fmla="val 417517"/>
             </a:avLst>
           </a:prstGeom>
         </p:spPr>
@@ -19324,11 +19796,239 @@
           <a:bodyPr rtlCol="0" anchor="ctr"/>
           <a:lstStyle/>
           <a:p>
-            <a:r>
-              <a:rPr lang="zh-CN" altLang="en-US" sz="1400" dirty="0">
-                <a:sym typeface="+mn-ea"/>
-              </a:rPr>
-              <a:t>止规及通规规格检测视觉对通规及止规的规格进行识别是否为当前产品的通规及止规</a:t>
+            <a:pPr algn="ctr"/>
+            <a:r>
+              <a:rPr lang="zh-CN" altLang="en-US" sz="1400" dirty="0"/>
+              <a:t>上下料工位</a:t>
+            </a:r>
+            <a:r>
+              <a:rPr lang="en-US" altLang="zh-CN" sz="1400" dirty="0"/>
+              <a:t>2</a:t>
+            </a:r>
+            <a:endParaRPr lang="zh-CN" altLang="en-US" sz="1400" dirty="0"/>
+          </a:p>
+        </p:txBody>
+      </p:sp>
+      <p:sp>
+        <p:nvSpPr>
+          <p:cNvPr id="23" name="标注: 线形 22">
+            <a:extLst>
+              <a:ext uri="{FF2B5EF4-FFF2-40B4-BE49-F238E27FC236}">
+                <a16:creationId xmlns:a16="http://schemas.microsoft.com/office/drawing/2014/main" id="{53B881C5-AD5A-4DCE-A209-B487B53FF0AE}"/>
+              </a:ext>
+            </a:extLst>
+          </p:cNvPr>
+          <p:cNvSpPr/>
+          <p:nvPr/>
+        </p:nvSpPr>
+        <p:spPr>
+          <a:xfrm>
+            <a:off x="10395883" y="3914099"/>
+            <a:ext cx="1379989" cy="443198"/>
+          </a:xfrm>
+          <a:prstGeom prst="borderCallout1">
+            <a:avLst>
+              <a:gd name="adj1" fmla="val 52822"/>
+              <a:gd name="adj2" fmla="val -109"/>
+              <a:gd name="adj3" fmla="val 190106"/>
+              <a:gd name="adj4" fmla="val -150773"/>
+            </a:avLst>
+          </a:prstGeom>
+        </p:spPr>
+        <p:style>
+          <a:lnRef idx="2">
+            <a:schemeClr val="accent1"/>
+          </a:lnRef>
+          <a:fillRef idx="1">
+            <a:schemeClr val="lt1"/>
+          </a:fillRef>
+          <a:effectRef idx="0">
+            <a:schemeClr val="accent1"/>
+          </a:effectRef>
+          <a:fontRef idx="minor">
+            <a:schemeClr val="dk1"/>
+          </a:fontRef>
+        </p:style>
+        <p:txBody>
+          <a:bodyPr rtlCol="0" anchor="ctr"/>
+          <a:lstStyle/>
+          <a:p>
+            <a:pPr algn="ctr"/>
+            <a:r>
+              <a:rPr lang="zh-CN" altLang="en-US" sz="1400" dirty="0"/>
+              <a:t>产品定位气缸</a:t>
+            </a:r>
+          </a:p>
+        </p:txBody>
+      </p:sp>
+      <p:sp>
+        <p:nvSpPr>
+          <p:cNvPr id="24" name="标注: 线形 23">
+            <a:extLst>
+              <a:ext uri="{FF2B5EF4-FFF2-40B4-BE49-F238E27FC236}">
+                <a16:creationId xmlns:a16="http://schemas.microsoft.com/office/drawing/2014/main" id="{B8E7A832-AEBB-4B91-BCD9-81BC575ED132}"/>
+              </a:ext>
+            </a:extLst>
+          </p:cNvPr>
+          <p:cNvSpPr/>
+          <p:nvPr/>
+        </p:nvSpPr>
+        <p:spPr>
+          <a:xfrm>
+            <a:off x="416128" y="4536282"/>
+            <a:ext cx="1489046" cy="443198"/>
+          </a:xfrm>
+          <a:prstGeom prst="borderCallout1">
+            <a:avLst>
+              <a:gd name="adj1" fmla="val 47143"/>
+              <a:gd name="adj2" fmla="val 102626"/>
+              <a:gd name="adj3" fmla="val 95465"/>
+              <a:gd name="adj4" fmla="val 210193"/>
+            </a:avLst>
+          </a:prstGeom>
+        </p:spPr>
+        <p:style>
+          <a:lnRef idx="2">
+            <a:schemeClr val="accent1"/>
+          </a:lnRef>
+          <a:fillRef idx="1">
+            <a:schemeClr val="lt1"/>
+          </a:fillRef>
+          <a:effectRef idx="0">
+            <a:schemeClr val="accent1"/>
+          </a:effectRef>
+          <a:fontRef idx="minor">
+            <a:schemeClr val="dk1"/>
+          </a:fontRef>
+        </p:style>
+        <p:txBody>
+          <a:bodyPr rtlCol="0" anchor="ctr"/>
+          <a:lstStyle/>
+          <a:p>
+            <a:pPr algn="ctr"/>
+            <a:r>
+              <a:rPr lang="zh-CN" altLang="en-US" sz="1400" dirty="0"/>
+              <a:t>工位</a:t>
+            </a:r>
+            <a:r>
+              <a:rPr lang="en-US" altLang="zh-CN" sz="1400" dirty="0"/>
+              <a:t>1</a:t>
+            </a:r>
+            <a:r>
+              <a:rPr lang="zh-CN" altLang="en-US" sz="1400" dirty="0"/>
+              <a:t>非通用性治具安装板</a:t>
+            </a:r>
+          </a:p>
+        </p:txBody>
+      </p:sp>
+      <p:sp>
+        <p:nvSpPr>
+          <p:cNvPr id="25" name="标注: 线形 24">
+            <a:extLst>
+              <a:ext uri="{FF2B5EF4-FFF2-40B4-BE49-F238E27FC236}">
+                <a16:creationId xmlns:a16="http://schemas.microsoft.com/office/drawing/2014/main" id="{E9EB5B13-664B-4B08-844F-8CA10B27FB3D}"/>
+              </a:ext>
+            </a:extLst>
+          </p:cNvPr>
+          <p:cNvSpPr/>
+          <p:nvPr/>
+        </p:nvSpPr>
+        <p:spPr>
+          <a:xfrm>
+            <a:off x="416128" y="5158465"/>
+            <a:ext cx="1489046" cy="443198"/>
+          </a:xfrm>
+          <a:prstGeom prst="borderCallout1">
+            <a:avLst>
+              <a:gd name="adj1" fmla="val 47143"/>
+              <a:gd name="adj2" fmla="val 102626"/>
+              <a:gd name="adj3" fmla="val 42465"/>
+              <a:gd name="adj4" fmla="val 398925"/>
+            </a:avLst>
+          </a:prstGeom>
+        </p:spPr>
+        <p:style>
+          <a:lnRef idx="2">
+            <a:schemeClr val="accent1"/>
+          </a:lnRef>
+          <a:fillRef idx="1">
+            <a:schemeClr val="lt1"/>
+          </a:fillRef>
+          <a:effectRef idx="0">
+            <a:schemeClr val="accent1"/>
+          </a:effectRef>
+          <a:fontRef idx="minor">
+            <a:schemeClr val="dk1"/>
+          </a:fontRef>
+        </p:style>
+        <p:txBody>
+          <a:bodyPr rtlCol="0" anchor="ctr"/>
+          <a:lstStyle/>
+          <a:p>
+            <a:pPr algn="ctr"/>
+            <a:r>
+              <a:rPr lang="zh-CN" altLang="en-US" sz="1400" dirty="0"/>
+              <a:t>工位</a:t>
+            </a:r>
+            <a:r>
+              <a:rPr lang="en-US" altLang="zh-CN" sz="1400" dirty="0"/>
+              <a:t>2</a:t>
+            </a:r>
+            <a:r>
+              <a:rPr lang="zh-CN" altLang="en-US" sz="1400" dirty="0"/>
+              <a:t>非通用性治具安装板</a:t>
+            </a:r>
+          </a:p>
+        </p:txBody>
+      </p:sp>
+      <p:sp>
+        <p:nvSpPr>
+          <p:cNvPr id="26" name="标注: 线形 25">
+            <a:extLst>
+              <a:ext uri="{FF2B5EF4-FFF2-40B4-BE49-F238E27FC236}">
+                <a16:creationId xmlns:a16="http://schemas.microsoft.com/office/drawing/2014/main" id="{C59778BA-7D6E-472E-9EB6-3357699A4461}"/>
+              </a:ext>
+            </a:extLst>
+          </p:cNvPr>
+          <p:cNvSpPr/>
+          <p:nvPr/>
+        </p:nvSpPr>
+        <p:spPr>
+          <a:xfrm>
+            <a:off x="10395883" y="4536282"/>
+            <a:ext cx="1379989" cy="443198"/>
+          </a:xfrm>
+          <a:prstGeom prst="borderCallout1">
+            <a:avLst>
+              <a:gd name="adj1" fmla="val 52822"/>
+              <a:gd name="adj2" fmla="val -109"/>
+              <a:gd name="adj3" fmla="val 195785"/>
+              <a:gd name="adj4" fmla="val -239527"/>
+            </a:avLst>
+          </a:prstGeom>
+        </p:spPr>
+        <p:style>
+          <a:lnRef idx="2">
+            <a:schemeClr val="accent1"/>
+          </a:lnRef>
+          <a:fillRef idx="1">
+            <a:schemeClr val="lt1"/>
+          </a:fillRef>
+          <a:effectRef idx="0">
+            <a:schemeClr val="accent1"/>
+          </a:effectRef>
+          <a:fontRef idx="minor">
+            <a:schemeClr val="dk1"/>
+          </a:fontRef>
+        </p:style>
+        <p:txBody>
+          <a:bodyPr rtlCol="0" anchor="ctr"/>
+          <a:lstStyle/>
+          <a:p>
+            <a:pPr algn="ctr"/>
+            <a:r>
+              <a:rPr lang="zh-CN" altLang="en-US" sz="1400" dirty="0"/>
+              <a:t>产品定位气缸</a:t>
             </a:r>
           </a:p>
         </p:txBody>
@@ -19388,7 +20088,1812 @@
             </a:r>
             <a:r>
               <a:rPr lang="zh-CN" altLang="en-US" dirty="0"/>
-              <a:t>光学</a:t>
+              <a:t>通止规部分说明</a:t>
+            </a:r>
+          </a:p>
+        </p:txBody>
+      </p:sp>
+      <p:pic>
+        <p:nvPicPr>
+          <p:cNvPr id="11" name="图片 10">
+            <a:extLst>
+              <a:ext uri="{FF2B5EF4-FFF2-40B4-BE49-F238E27FC236}">
+                <a16:creationId xmlns:a16="http://schemas.microsoft.com/office/drawing/2014/main" id="{4F9DEAF1-5CEA-4836-BA00-70E9D80B1530}"/>
+              </a:ext>
+            </a:extLst>
+          </p:cNvPr>
+          <p:cNvPicPr>
+            <a:picLocks noChangeAspect="1"/>
+          </p:cNvPicPr>
+          <p:nvPr/>
+        </p:nvPicPr>
+        <p:blipFill>
+          <a:blip r:embed="rId2"/>
+          <a:stretch>
+            <a:fillRect/>
+          </a:stretch>
+        </p:blipFill>
+        <p:spPr>
+          <a:xfrm>
+            <a:off x="2610531" y="1311547"/>
+            <a:ext cx="6551487" cy="5233504"/>
+          </a:xfrm>
+          <a:prstGeom prst="rect">
+            <a:avLst/>
+          </a:prstGeom>
+        </p:spPr>
+      </p:pic>
+      <p:sp>
+        <p:nvSpPr>
+          <p:cNvPr id="27" name="标注: 线形 26">
+            <a:extLst>
+              <a:ext uri="{FF2B5EF4-FFF2-40B4-BE49-F238E27FC236}">
+                <a16:creationId xmlns:a16="http://schemas.microsoft.com/office/drawing/2014/main" id="{9E2D9FE8-3FD3-47BE-833B-394A60141FFB}"/>
+              </a:ext>
+            </a:extLst>
+          </p:cNvPr>
+          <p:cNvSpPr/>
+          <p:nvPr/>
+        </p:nvSpPr>
+        <p:spPr>
+          <a:xfrm>
+            <a:off x="323849" y="3418514"/>
+            <a:ext cx="1664342" cy="933275"/>
+          </a:xfrm>
+          <a:prstGeom prst="borderCallout1">
+            <a:avLst>
+              <a:gd name="adj1" fmla="val 47143"/>
+              <a:gd name="adj2" fmla="val 102626"/>
+              <a:gd name="adj3" fmla="val 104194"/>
+              <a:gd name="adj4" fmla="val 202484"/>
+            </a:avLst>
+          </a:prstGeom>
+        </p:spPr>
+        <p:style>
+          <a:lnRef idx="2">
+            <a:schemeClr val="accent1"/>
+          </a:lnRef>
+          <a:fillRef idx="1">
+            <a:schemeClr val="lt1"/>
+          </a:fillRef>
+          <a:effectRef idx="0">
+            <a:schemeClr val="accent1"/>
+          </a:effectRef>
+          <a:fontRef idx="minor">
+            <a:schemeClr val="dk1"/>
+          </a:fontRef>
+        </p:style>
+        <p:txBody>
+          <a:bodyPr rtlCol="0" anchor="ctr"/>
+          <a:lstStyle/>
+          <a:p>
+            <a:r>
+              <a:rPr lang="zh-CN" altLang="en-US" sz="1400" dirty="0"/>
+              <a:t>通止规库</a:t>
+            </a:r>
+            <a:r>
+              <a:rPr lang="en-US" altLang="zh-CN" sz="1400" dirty="0"/>
+              <a:t>:</a:t>
+            </a:r>
+            <a:r>
+              <a:rPr lang="zh-CN" altLang="en-US" sz="1400" dirty="0"/>
+              <a:t>通过伺服电机传动旋转，进行指定规格的通止规更换</a:t>
+            </a:r>
+          </a:p>
+        </p:txBody>
+      </p:sp>
+      <p:sp>
+        <p:nvSpPr>
+          <p:cNvPr id="28" name="标注: 线形 27">
+            <a:extLst>
+              <a:ext uri="{FF2B5EF4-FFF2-40B4-BE49-F238E27FC236}">
+                <a16:creationId xmlns:a16="http://schemas.microsoft.com/office/drawing/2014/main" id="{6BB44347-978A-40AE-AA96-0F8031133B11}"/>
+              </a:ext>
+            </a:extLst>
+          </p:cNvPr>
+          <p:cNvSpPr/>
+          <p:nvPr/>
+        </p:nvSpPr>
+        <p:spPr>
+          <a:xfrm>
+            <a:off x="10102268" y="2265028"/>
+            <a:ext cx="1659097" cy="1073790"/>
+          </a:xfrm>
+          <a:prstGeom prst="borderCallout1">
+            <a:avLst>
+              <a:gd name="adj1" fmla="val 52822"/>
+              <a:gd name="adj2" fmla="val -109"/>
+              <a:gd name="adj3" fmla="val 90831"/>
+              <a:gd name="adj4" fmla="val -136433"/>
+            </a:avLst>
+          </a:prstGeom>
+        </p:spPr>
+        <p:style>
+          <a:lnRef idx="2">
+            <a:schemeClr val="accent1"/>
+          </a:lnRef>
+          <a:fillRef idx="1">
+            <a:schemeClr val="lt1"/>
+          </a:fillRef>
+          <a:effectRef idx="0">
+            <a:schemeClr val="accent1"/>
+          </a:effectRef>
+          <a:fontRef idx="minor">
+            <a:schemeClr val="dk1"/>
+          </a:fontRef>
+        </p:style>
+        <p:txBody>
+          <a:bodyPr rtlCol="0" anchor="ctr"/>
+          <a:lstStyle/>
+          <a:p>
+            <a:r>
+              <a:rPr lang="zh-CN" altLang="en-US" sz="1400" dirty="0"/>
+              <a:t>通规、止规</a:t>
+            </a:r>
+            <a:r>
+              <a:rPr lang="en-US" altLang="zh-CN" sz="1400" dirty="0"/>
+              <a:t>:</a:t>
+            </a:r>
+            <a:r>
+              <a:rPr lang="zh-CN" altLang="en-US" sz="1400" dirty="0"/>
+              <a:t>通过伺服扭矩大小对牙孔进行良品与不良品的识别</a:t>
+            </a:r>
+          </a:p>
+        </p:txBody>
+      </p:sp>
+      <p:sp>
+        <p:nvSpPr>
+          <p:cNvPr id="29" name="标注: 线形 28">
+            <a:extLst>
+              <a:ext uri="{FF2B5EF4-FFF2-40B4-BE49-F238E27FC236}">
+                <a16:creationId xmlns:a16="http://schemas.microsoft.com/office/drawing/2014/main" id="{42AEB582-2CF4-4E76-8EA8-1D3DABD21FFB}"/>
+              </a:ext>
+            </a:extLst>
+          </p:cNvPr>
+          <p:cNvSpPr/>
+          <p:nvPr/>
+        </p:nvSpPr>
+        <p:spPr>
+          <a:xfrm>
+            <a:off x="10102267" y="3519183"/>
+            <a:ext cx="1659097" cy="675312"/>
+          </a:xfrm>
+          <a:prstGeom prst="borderCallout1">
+            <a:avLst>
+              <a:gd name="adj1" fmla="val 52822"/>
+              <a:gd name="adj2" fmla="val -109"/>
+              <a:gd name="adj3" fmla="val 38269"/>
+              <a:gd name="adj4" fmla="val -118736"/>
+            </a:avLst>
+          </a:prstGeom>
+        </p:spPr>
+        <p:style>
+          <a:lnRef idx="2">
+            <a:schemeClr val="accent1"/>
+          </a:lnRef>
+          <a:fillRef idx="1">
+            <a:schemeClr val="lt1"/>
+          </a:fillRef>
+          <a:effectRef idx="0">
+            <a:schemeClr val="accent1"/>
+          </a:effectRef>
+          <a:fontRef idx="minor">
+            <a:schemeClr val="dk1"/>
+          </a:fontRef>
+        </p:style>
+        <p:txBody>
+          <a:bodyPr rtlCol="0" anchor="ctr"/>
+          <a:lstStyle/>
+          <a:p>
+            <a:r>
+              <a:rPr lang="zh-CN" altLang="en-US" sz="1400" dirty="0"/>
+              <a:t>激光笔</a:t>
+            </a:r>
+            <a:r>
+              <a:rPr lang="en-US" altLang="zh-CN" sz="1400" dirty="0"/>
+              <a:t>:</a:t>
+            </a:r>
+            <a:r>
+              <a:rPr lang="zh-CN" altLang="en-US" sz="1400" dirty="0"/>
+              <a:t>对不良位置进行红光预览</a:t>
+            </a:r>
+          </a:p>
+        </p:txBody>
+      </p:sp>
+      <p:sp>
+        <p:nvSpPr>
+          <p:cNvPr id="30" name="标注: 线形 29">
+            <a:extLst>
+              <a:ext uri="{FF2B5EF4-FFF2-40B4-BE49-F238E27FC236}">
+                <a16:creationId xmlns:a16="http://schemas.microsoft.com/office/drawing/2014/main" id="{45B63F0C-89A8-4740-B205-14C83C9355EB}"/>
+              </a:ext>
+            </a:extLst>
+          </p:cNvPr>
+          <p:cNvSpPr/>
+          <p:nvPr/>
+        </p:nvSpPr>
+        <p:spPr>
+          <a:xfrm>
+            <a:off x="10102266" y="5106100"/>
+            <a:ext cx="1659097" cy="959140"/>
+          </a:xfrm>
+          <a:prstGeom prst="borderCallout1">
+            <a:avLst>
+              <a:gd name="adj1" fmla="val 52822"/>
+              <a:gd name="adj2" fmla="val -109"/>
+              <a:gd name="adj3" fmla="val 97884"/>
+              <a:gd name="adj4" fmla="val -105589"/>
+            </a:avLst>
+          </a:prstGeom>
+        </p:spPr>
+        <p:style>
+          <a:lnRef idx="2">
+            <a:schemeClr val="accent1"/>
+          </a:lnRef>
+          <a:fillRef idx="1">
+            <a:schemeClr val="lt1"/>
+          </a:fillRef>
+          <a:effectRef idx="0">
+            <a:schemeClr val="accent1"/>
+          </a:effectRef>
+          <a:fontRef idx="minor">
+            <a:schemeClr val="dk1"/>
+          </a:fontRef>
+        </p:style>
+        <p:txBody>
+          <a:bodyPr rtlCol="0" anchor="ctr"/>
+          <a:lstStyle/>
+          <a:p>
+            <a:r>
+              <a:rPr lang="zh-CN" altLang="en-US" sz="1400" dirty="0"/>
+              <a:t>通规、止规规格检测</a:t>
+            </a:r>
+            <a:r>
+              <a:rPr lang="en-US" altLang="zh-CN" sz="1400" dirty="0"/>
+              <a:t>:</a:t>
+            </a:r>
+            <a:r>
+              <a:rPr lang="zh-CN" altLang="en-US" sz="1400" b="1" dirty="0">
+                <a:solidFill>
+                  <a:srgbClr val="FF0000"/>
+                </a:solidFill>
+              </a:rPr>
+              <a:t>规格更换</a:t>
+            </a:r>
+            <a:r>
+              <a:rPr lang="zh-CN" altLang="en-US" sz="1400" dirty="0"/>
+              <a:t>、</a:t>
+            </a:r>
+            <a:r>
+              <a:rPr lang="zh-CN" altLang="en-US" sz="1400" b="1" dirty="0">
+                <a:solidFill>
+                  <a:srgbClr val="FF0000"/>
+                </a:solidFill>
+              </a:rPr>
+              <a:t>开机启动</a:t>
+            </a:r>
+            <a:r>
+              <a:rPr lang="zh-CN" altLang="en-US" sz="1400" dirty="0"/>
+              <a:t>，会用视觉进行识别是否合规</a:t>
+            </a:r>
+          </a:p>
+        </p:txBody>
+      </p:sp>
+    </p:spTree>
+    <p:extLst>
+      <p:ext uri="{BB962C8B-B14F-4D97-AF65-F5344CB8AC3E}">
+        <p14:creationId xmlns:p14="http://schemas.microsoft.com/office/powerpoint/2010/main" val="842473846"/>
+      </p:ext>
+    </p:extLst>
+  </p:cSld>
+  <p:clrMapOvr>
+    <a:masterClrMapping/>
+  </p:clrMapOvr>
+</p:sld>
+</file>
+
+<file path=ppt/slides/slide13.xml><?xml version="1.0" encoding="utf-8"?>
+<p:sld xmlns:a="http://schemas.openxmlformats.org/drawingml/2006/main" xmlns:r="http://schemas.openxmlformats.org/officeDocument/2006/relationships" xmlns:p="http://schemas.openxmlformats.org/presentationml/2006/main">
+  <p:cSld>
+    <p:spTree>
+      <p:nvGrpSpPr>
+        <p:cNvPr id="1" name=""/>
+        <p:cNvGrpSpPr/>
+        <p:nvPr/>
+      </p:nvGrpSpPr>
+      <p:grpSpPr>
+        <a:xfrm>
+          <a:off x="0" y="0"/>
+          <a:ext cx="0" cy="0"/>
+          <a:chOff x="0" y="0"/>
+          <a:chExt cx="0" cy="0"/>
+        </a:xfrm>
+      </p:grpSpPr>
+      <p:sp>
+        <p:nvSpPr>
+          <p:cNvPr id="2" name="标题 1"/>
+          <p:cNvSpPr>
+            <a:spLocks noGrp="1"/>
+          </p:cNvSpPr>
+          <p:nvPr>
+            <p:ph type="title"/>
+          </p:nvPr>
+        </p:nvSpPr>
+        <p:spPr/>
+        <p:txBody>
+          <a:bodyPr/>
+          <a:lstStyle/>
+          <a:p>
+            <a:r>
+              <a:rPr lang="zh-CN" altLang="en-US" dirty="0"/>
+              <a:t>硬件设计</a:t>
+            </a:r>
+            <a:r>
+              <a:rPr lang="en-US" altLang="zh-CN" dirty="0"/>
+              <a:t>|</a:t>
+            </a:r>
+            <a:r>
+              <a:rPr lang="zh-CN" altLang="en-US" dirty="0"/>
+              <a:t>通止规连接方式说明</a:t>
+            </a:r>
+          </a:p>
+        </p:txBody>
+      </p:sp>
+      <p:pic>
+        <p:nvPicPr>
+          <p:cNvPr id="25" name="图片 24">
+            <a:extLst>
+              <a:ext uri="{FF2B5EF4-FFF2-40B4-BE49-F238E27FC236}">
+                <a16:creationId xmlns:a16="http://schemas.microsoft.com/office/drawing/2014/main" id="{EF462A94-24E7-4B04-9836-C41E06ED62F0}"/>
+              </a:ext>
+            </a:extLst>
+          </p:cNvPr>
+          <p:cNvPicPr>
+            <a:picLocks noChangeAspect="1"/>
+          </p:cNvPicPr>
+          <p:nvPr/>
+        </p:nvPicPr>
+        <p:blipFill>
+          <a:blip r:embed="rId2"/>
+          <a:stretch>
+            <a:fillRect/>
+          </a:stretch>
+        </p:blipFill>
+        <p:spPr>
+          <a:xfrm>
+            <a:off x="1351176" y="1358754"/>
+            <a:ext cx="2927985" cy="4782185"/>
+          </a:xfrm>
+          <a:prstGeom prst="rect">
+            <a:avLst/>
+          </a:prstGeom>
+        </p:spPr>
+      </p:pic>
+      <p:sp>
+        <p:nvSpPr>
+          <p:cNvPr id="26" name="标注: 线形 25">
+            <a:extLst>
+              <a:ext uri="{FF2B5EF4-FFF2-40B4-BE49-F238E27FC236}">
+                <a16:creationId xmlns:a16="http://schemas.microsoft.com/office/drawing/2014/main" id="{142D3536-B394-4A27-9FB9-3E4CECF4D109}"/>
+              </a:ext>
+            </a:extLst>
+          </p:cNvPr>
+          <p:cNvSpPr/>
+          <p:nvPr/>
+        </p:nvSpPr>
+        <p:spPr>
+          <a:xfrm>
+            <a:off x="5148227" y="1769814"/>
+            <a:ext cx="1659097" cy="443198"/>
+          </a:xfrm>
+          <a:prstGeom prst="borderCallout1">
+            <a:avLst>
+              <a:gd name="adj1" fmla="val 52822"/>
+              <a:gd name="adj2" fmla="val -109"/>
+              <a:gd name="adj3" fmla="val 236585"/>
+              <a:gd name="adj4" fmla="val -191042"/>
+            </a:avLst>
+          </a:prstGeom>
+        </p:spPr>
+        <p:style>
+          <a:lnRef idx="2">
+            <a:schemeClr val="accent1"/>
+          </a:lnRef>
+          <a:fillRef idx="1">
+            <a:schemeClr val="lt1"/>
+          </a:fillRef>
+          <a:effectRef idx="0">
+            <a:schemeClr val="accent1"/>
+          </a:effectRef>
+          <a:fontRef idx="minor">
+            <a:schemeClr val="dk1"/>
+          </a:fontRef>
+        </p:style>
+        <p:txBody>
+          <a:bodyPr rtlCol="0" anchor="ctr"/>
+          <a:lstStyle/>
+          <a:p>
+            <a:pPr algn="ctr"/>
+            <a:endParaRPr lang="en-US" altLang="zh-CN" sz="1400" dirty="0"/>
+          </a:p>
+          <a:p>
+            <a:pPr algn="ctr"/>
+            <a:r>
+              <a:rPr lang="zh-CN" altLang="en-US" sz="1400" dirty="0"/>
+              <a:t>万向节接头</a:t>
+            </a:r>
+            <a:endParaRPr lang="en-US" altLang="zh-CN" sz="1400" dirty="0"/>
+          </a:p>
+          <a:p>
+            <a:endParaRPr lang="zh-CN" altLang="en-US" sz="1400" dirty="0"/>
+          </a:p>
+        </p:txBody>
+      </p:sp>
+      <p:pic>
+        <p:nvPicPr>
+          <p:cNvPr id="31" name="图片 30">
+            <a:extLst>
+              <a:ext uri="{FF2B5EF4-FFF2-40B4-BE49-F238E27FC236}">
+                <a16:creationId xmlns:a16="http://schemas.microsoft.com/office/drawing/2014/main" id="{96832F64-6FE2-462B-94D5-65D527733860}"/>
+              </a:ext>
+            </a:extLst>
+          </p:cNvPr>
+          <p:cNvPicPr>
+            <a:picLocks noChangeAspect="1"/>
+          </p:cNvPicPr>
+          <p:nvPr/>
+        </p:nvPicPr>
+        <p:blipFill>
+          <a:blip r:embed="rId3"/>
+          <a:stretch>
+            <a:fillRect/>
+          </a:stretch>
+        </p:blipFill>
+        <p:spPr>
+          <a:xfrm>
+            <a:off x="8693018" y="1358754"/>
+            <a:ext cx="1105517" cy="1252756"/>
+          </a:xfrm>
+          <a:prstGeom prst="rect">
+            <a:avLst/>
+          </a:prstGeom>
+        </p:spPr>
+      </p:pic>
+      <p:sp>
+        <p:nvSpPr>
+          <p:cNvPr id="32" name="标注: 线形 31">
+            <a:extLst>
+              <a:ext uri="{FF2B5EF4-FFF2-40B4-BE49-F238E27FC236}">
+                <a16:creationId xmlns:a16="http://schemas.microsoft.com/office/drawing/2014/main" id="{54FF43BE-FDFD-42AA-AE38-6D50C4A5CD75}"/>
+              </a:ext>
+            </a:extLst>
+          </p:cNvPr>
+          <p:cNvSpPr/>
+          <p:nvPr/>
+        </p:nvSpPr>
+        <p:spPr>
+          <a:xfrm>
+            <a:off x="5148226" y="3283694"/>
+            <a:ext cx="1659097" cy="443198"/>
+          </a:xfrm>
+          <a:prstGeom prst="borderCallout1">
+            <a:avLst>
+              <a:gd name="adj1" fmla="val 52822"/>
+              <a:gd name="adj2" fmla="val -109"/>
+              <a:gd name="adj3" fmla="val 105980"/>
+              <a:gd name="adj4" fmla="val -166771"/>
+            </a:avLst>
+          </a:prstGeom>
+        </p:spPr>
+        <p:style>
+          <a:lnRef idx="2">
+            <a:schemeClr val="accent1"/>
+          </a:lnRef>
+          <a:fillRef idx="1">
+            <a:schemeClr val="lt1"/>
+          </a:fillRef>
+          <a:effectRef idx="0">
+            <a:schemeClr val="accent1"/>
+          </a:effectRef>
+          <a:fontRef idx="minor">
+            <a:schemeClr val="dk1"/>
+          </a:fontRef>
+        </p:style>
+        <p:txBody>
+          <a:bodyPr rtlCol="0" anchor="ctr"/>
+          <a:lstStyle/>
+          <a:p>
+            <a:pPr algn="ctr"/>
+            <a:r>
+              <a:rPr lang="zh-CN" altLang="en-US" sz="1400" dirty="0"/>
+              <a:t>向心关节轴承</a:t>
+            </a:r>
+          </a:p>
+        </p:txBody>
+      </p:sp>
+      <p:pic>
+        <p:nvPicPr>
+          <p:cNvPr id="33" name="图片 32">
+            <a:extLst>
+              <a:ext uri="{FF2B5EF4-FFF2-40B4-BE49-F238E27FC236}">
+                <a16:creationId xmlns:a16="http://schemas.microsoft.com/office/drawing/2014/main" id="{DF82A1E4-4D3A-439A-AA13-2BB7EE06831A}"/>
+              </a:ext>
+            </a:extLst>
+          </p:cNvPr>
+          <p:cNvPicPr>
+            <a:picLocks noChangeAspect="1"/>
+          </p:cNvPicPr>
+          <p:nvPr/>
+        </p:nvPicPr>
+        <p:blipFill>
+          <a:blip r:embed="rId4"/>
+          <a:stretch>
+            <a:fillRect/>
+          </a:stretch>
+        </p:blipFill>
+        <p:spPr>
+          <a:xfrm>
+            <a:off x="8118585" y="2960404"/>
+            <a:ext cx="2376805" cy="1087755"/>
+          </a:xfrm>
+          <a:prstGeom prst="rect">
+            <a:avLst/>
+          </a:prstGeom>
+        </p:spPr>
+      </p:pic>
+      <p:sp>
+        <p:nvSpPr>
+          <p:cNvPr id="34" name="标注: 线形 33">
+            <a:extLst>
+              <a:ext uri="{FF2B5EF4-FFF2-40B4-BE49-F238E27FC236}">
+                <a16:creationId xmlns:a16="http://schemas.microsoft.com/office/drawing/2014/main" id="{5C96A044-7096-4986-A374-512CE48936EC}"/>
+              </a:ext>
+            </a:extLst>
+          </p:cNvPr>
+          <p:cNvSpPr/>
+          <p:nvPr/>
+        </p:nvSpPr>
+        <p:spPr>
+          <a:xfrm>
+            <a:off x="5148226" y="4793976"/>
+            <a:ext cx="1659097" cy="443198"/>
+          </a:xfrm>
+          <a:prstGeom prst="borderCallout1">
+            <a:avLst>
+              <a:gd name="adj1" fmla="val 52822"/>
+              <a:gd name="adj2" fmla="val -109"/>
+              <a:gd name="adj3" fmla="val -177944"/>
+              <a:gd name="adj4" fmla="val -169299"/>
+            </a:avLst>
+          </a:prstGeom>
+        </p:spPr>
+        <p:style>
+          <a:lnRef idx="2">
+            <a:schemeClr val="accent1"/>
+          </a:lnRef>
+          <a:fillRef idx="1">
+            <a:schemeClr val="lt1"/>
+          </a:fillRef>
+          <a:effectRef idx="0">
+            <a:schemeClr val="accent1"/>
+          </a:effectRef>
+          <a:fontRef idx="minor">
+            <a:schemeClr val="dk1"/>
+          </a:fontRef>
+        </p:style>
+        <p:txBody>
+          <a:bodyPr rtlCol="0" anchor="ctr"/>
+          <a:lstStyle/>
+          <a:p>
+            <a:pPr algn="ctr"/>
+            <a:r>
+              <a:rPr lang="zh-CN" altLang="en-US" sz="1400" dirty="0"/>
+              <a:t>向心关节轴承</a:t>
+            </a:r>
+          </a:p>
+        </p:txBody>
+      </p:sp>
+      <p:pic>
+        <p:nvPicPr>
+          <p:cNvPr id="35" name="图片 34">
+            <a:extLst>
+              <a:ext uri="{FF2B5EF4-FFF2-40B4-BE49-F238E27FC236}">
+                <a16:creationId xmlns:a16="http://schemas.microsoft.com/office/drawing/2014/main" id="{09D359BC-8451-4AF1-9692-E886C2D24506}"/>
+              </a:ext>
+            </a:extLst>
+          </p:cNvPr>
+          <p:cNvPicPr>
+            <a:picLocks noChangeAspect="1"/>
+          </p:cNvPicPr>
+          <p:nvPr/>
+        </p:nvPicPr>
+        <p:blipFill>
+          <a:blip r:embed="rId5"/>
+          <a:stretch>
+            <a:fillRect/>
+          </a:stretch>
+        </p:blipFill>
+        <p:spPr>
+          <a:xfrm>
+            <a:off x="8318293" y="4682200"/>
+            <a:ext cx="1977390" cy="666750"/>
+          </a:xfrm>
+          <a:prstGeom prst="rect">
+            <a:avLst/>
+          </a:prstGeom>
+        </p:spPr>
+      </p:pic>
+      <p:sp>
+        <p:nvSpPr>
+          <p:cNvPr id="3" name="箭头: 右 2">
+            <a:extLst>
+              <a:ext uri="{FF2B5EF4-FFF2-40B4-BE49-F238E27FC236}">
+                <a16:creationId xmlns:a16="http://schemas.microsoft.com/office/drawing/2014/main" id="{857E893F-EACB-4167-88F6-8B21E99099A9}"/>
+              </a:ext>
+            </a:extLst>
+          </p:cNvPr>
+          <p:cNvSpPr/>
+          <p:nvPr/>
+        </p:nvSpPr>
+        <p:spPr>
+          <a:xfrm>
+            <a:off x="6925916" y="1871192"/>
+            <a:ext cx="1275127" cy="227880"/>
+          </a:xfrm>
+          <a:prstGeom prst="rightArrow">
+            <a:avLst/>
+          </a:prstGeom>
+        </p:spPr>
+        <p:style>
+          <a:lnRef idx="1">
+            <a:schemeClr val="accent5"/>
+          </a:lnRef>
+          <a:fillRef idx="2">
+            <a:schemeClr val="accent5"/>
+          </a:fillRef>
+          <a:effectRef idx="1">
+            <a:schemeClr val="accent5"/>
+          </a:effectRef>
+          <a:fontRef idx="minor">
+            <a:schemeClr val="dk1"/>
+          </a:fontRef>
+        </p:style>
+        <p:txBody>
+          <a:bodyPr rtlCol="0" anchor="ctr"/>
+          <a:lstStyle/>
+          <a:p>
+            <a:pPr algn="ctr"/>
+            <a:endParaRPr lang="zh-CN" altLang="en-US"/>
+          </a:p>
+        </p:txBody>
+      </p:sp>
+      <p:sp>
+        <p:nvSpPr>
+          <p:cNvPr id="36" name="箭头: 右 35">
+            <a:extLst>
+              <a:ext uri="{FF2B5EF4-FFF2-40B4-BE49-F238E27FC236}">
+                <a16:creationId xmlns:a16="http://schemas.microsoft.com/office/drawing/2014/main" id="{07F14769-4C93-4CF4-ADFD-1F824A1F6977}"/>
+              </a:ext>
+            </a:extLst>
+          </p:cNvPr>
+          <p:cNvSpPr/>
+          <p:nvPr/>
+        </p:nvSpPr>
+        <p:spPr>
+          <a:xfrm>
+            <a:off x="6925916" y="3389841"/>
+            <a:ext cx="1275127" cy="227880"/>
+          </a:xfrm>
+          <a:prstGeom prst="rightArrow">
+            <a:avLst/>
+          </a:prstGeom>
+        </p:spPr>
+        <p:style>
+          <a:lnRef idx="1">
+            <a:schemeClr val="accent5"/>
+          </a:lnRef>
+          <a:fillRef idx="2">
+            <a:schemeClr val="accent5"/>
+          </a:fillRef>
+          <a:effectRef idx="1">
+            <a:schemeClr val="accent5"/>
+          </a:effectRef>
+          <a:fontRef idx="minor">
+            <a:schemeClr val="dk1"/>
+          </a:fontRef>
+        </p:style>
+        <p:txBody>
+          <a:bodyPr rtlCol="0" anchor="ctr"/>
+          <a:lstStyle/>
+          <a:p>
+            <a:pPr algn="ctr"/>
+            <a:endParaRPr lang="zh-CN" altLang="en-US"/>
+          </a:p>
+        </p:txBody>
+      </p:sp>
+      <p:sp>
+        <p:nvSpPr>
+          <p:cNvPr id="37" name="箭头: 右 36">
+            <a:extLst>
+              <a:ext uri="{FF2B5EF4-FFF2-40B4-BE49-F238E27FC236}">
+                <a16:creationId xmlns:a16="http://schemas.microsoft.com/office/drawing/2014/main" id="{65A4FED0-8FA3-4437-AC0D-712171A49143}"/>
+              </a:ext>
+            </a:extLst>
+          </p:cNvPr>
+          <p:cNvSpPr/>
+          <p:nvPr/>
+        </p:nvSpPr>
+        <p:spPr>
+          <a:xfrm>
+            <a:off x="6925916" y="4908490"/>
+            <a:ext cx="1275127" cy="227880"/>
+          </a:xfrm>
+          <a:prstGeom prst="rightArrow">
+            <a:avLst/>
+          </a:prstGeom>
+        </p:spPr>
+        <p:style>
+          <a:lnRef idx="1">
+            <a:schemeClr val="accent5"/>
+          </a:lnRef>
+          <a:fillRef idx="2">
+            <a:schemeClr val="accent5"/>
+          </a:fillRef>
+          <a:effectRef idx="1">
+            <a:schemeClr val="accent5"/>
+          </a:effectRef>
+          <a:fontRef idx="minor">
+            <a:schemeClr val="dk1"/>
+          </a:fontRef>
+        </p:style>
+        <p:txBody>
+          <a:bodyPr rtlCol="0" anchor="ctr"/>
+          <a:lstStyle/>
+          <a:p>
+            <a:pPr algn="ctr"/>
+            <a:endParaRPr lang="zh-CN" altLang="en-US"/>
+          </a:p>
+        </p:txBody>
+      </p:sp>
+    </p:spTree>
+    <p:extLst>
+      <p:ext uri="{BB962C8B-B14F-4D97-AF65-F5344CB8AC3E}">
+        <p14:creationId xmlns:p14="http://schemas.microsoft.com/office/powerpoint/2010/main" val="2560587056"/>
+      </p:ext>
+    </p:extLst>
+  </p:cSld>
+  <p:clrMapOvr>
+    <a:masterClrMapping/>
+  </p:clrMapOvr>
+</p:sld>
+</file>
+
+<file path=ppt/slides/slide14.xml><?xml version="1.0" encoding="utf-8"?>
+<p:sld xmlns:a="http://schemas.openxmlformats.org/drawingml/2006/main" xmlns:r="http://schemas.openxmlformats.org/officeDocument/2006/relationships" xmlns:p="http://schemas.openxmlformats.org/presentationml/2006/main">
+  <p:cSld>
+    <p:spTree>
+      <p:nvGrpSpPr>
+        <p:cNvPr id="1" name=""/>
+        <p:cNvGrpSpPr/>
+        <p:nvPr/>
+      </p:nvGrpSpPr>
+      <p:grpSpPr>
+        <a:xfrm>
+          <a:off x="0" y="0"/>
+          <a:ext cx="0" cy="0"/>
+          <a:chOff x="0" y="0"/>
+          <a:chExt cx="0" cy="0"/>
+        </a:xfrm>
+      </p:grpSpPr>
+      <p:sp>
+        <p:nvSpPr>
+          <p:cNvPr id="2" name="标题 1"/>
+          <p:cNvSpPr>
+            <a:spLocks noGrp="1"/>
+          </p:cNvSpPr>
+          <p:nvPr>
+            <p:ph type="title"/>
+          </p:nvPr>
+        </p:nvSpPr>
+        <p:spPr/>
+        <p:txBody>
+          <a:bodyPr/>
+          <a:lstStyle/>
+          <a:p>
+            <a:r>
+              <a:rPr lang="zh-CN" altLang="en-US" dirty="0"/>
+              <a:t>硬件设计</a:t>
+            </a:r>
+            <a:r>
+              <a:rPr lang="en-US" altLang="zh-CN" dirty="0"/>
+              <a:t>|</a:t>
+            </a:r>
+            <a:r>
+              <a:rPr lang="zh-CN" altLang="en-US" dirty="0"/>
+              <a:t>通止规换规说明</a:t>
+            </a:r>
+          </a:p>
+        </p:txBody>
+      </p:sp>
+      <p:pic>
+        <p:nvPicPr>
+          <p:cNvPr id="10" name="图片 9">
+            <a:extLst>
+              <a:ext uri="{FF2B5EF4-FFF2-40B4-BE49-F238E27FC236}">
+                <a16:creationId xmlns:a16="http://schemas.microsoft.com/office/drawing/2014/main" id="{FE41603E-D5C0-434B-9CD6-25ACC1CF9A94}"/>
+              </a:ext>
+            </a:extLst>
+          </p:cNvPr>
+          <p:cNvPicPr>
+            <a:picLocks noChangeAspect="1"/>
+          </p:cNvPicPr>
+          <p:nvPr/>
+        </p:nvPicPr>
+        <p:blipFill>
+          <a:blip r:embed="rId2"/>
+          <a:stretch>
+            <a:fillRect/>
+          </a:stretch>
+        </p:blipFill>
+        <p:spPr>
+          <a:xfrm>
+            <a:off x="3505736" y="1262364"/>
+            <a:ext cx="4382770" cy="4063365"/>
+          </a:xfrm>
+          <a:prstGeom prst="rect">
+            <a:avLst/>
+          </a:prstGeom>
+        </p:spPr>
+      </p:pic>
+      <p:sp>
+        <p:nvSpPr>
+          <p:cNvPr id="11" name="流程图: 可选过程 10">
+            <a:extLst>
+              <a:ext uri="{FF2B5EF4-FFF2-40B4-BE49-F238E27FC236}">
+                <a16:creationId xmlns:a16="http://schemas.microsoft.com/office/drawing/2014/main" id="{D315124D-2D59-4B26-8DEB-630B457D8444}"/>
+              </a:ext>
+            </a:extLst>
+          </p:cNvPr>
+          <p:cNvSpPr/>
+          <p:nvPr/>
+        </p:nvSpPr>
+        <p:spPr>
+          <a:xfrm>
+            <a:off x="1562362" y="5704607"/>
+            <a:ext cx="1023553" cy="712470"/>
+          </a:xfrm>
+          <a:prstGeom prst="flowChartAlternateProcess">
+            <a:avLst/>
+          </a:prstGeom>
+        </p:spPr>
+        <p:style>
+          <a:lnRef idx="1">
+            <a:schemeClr val="accent5"/>
+          </a:lnRef>
+          <a:fillRef idx="2">
+            <a:schemeClr val="accent5"/>
+          </a:fillRef>
+          <a:effectRef idx="1">
+            <a:schemeClr val="accent5"/>
+          </a:effectRef>
+          <a:fontRef idx="minor">
+            <a:schemeClr val="dk1"/>
+          </a:fontRef>
+        </p:style>
+        <p:txBody>
+          <a:bodyPr rtlCol="0" anchor="ctr"/>
+          <a:lstStyle/>
+          <a:p>
+            <a:pPr algn="ctr"/>
+            <a:r>
+              <a:rPr lang="zh-CN" altLang="en-US" sz="1000" dirty="0">
+                <a:sym typeface="+mn-ea"/>
+              </a:rPr>
+              <a:t>当一款产品有多种牙孔时</a:t>
+            </a:r>
+          </a:p>
+        </p:txBody>
+      </p:sp>
+      <p:sp>
+        <p:nvSpPr>
+          <p:cNvPr id="12" name="燕尾形 47">
+            <a:extLst>
+              <a:ext uri="{FF2B5EF4-FFF2-40B4-BE49-F238E27FC236}">
+                <a16:creationId xmlns:a16="http://schemas.microsoft.com/office/drawing/2014/main" id="{68ADE3EE-0D9F-4119-AFC8-8E82B556060B}"/>
+              </a:ext>
+            </a:extLst>
+          </p:cNvPr>
+          <p:cNvSpPr/>
+          <p:nvPr/>
+        </p:nvSpPr>
+        <p:spPr>
+          <a:xfrm>
+            <a:off x="2930566" y="5927683"/>
+            <a:ext cx="755267" cy="255260"/>
+          </a:xfrm>
+          <a:prstGeom prst="chevron">
+            <a:avLst/>
+          </a:prstGeom>
+        </p:spPr>
+        <p:style>
+          <a:lnRef idx="1">
+            <a:schemeClr val="accent6"/>
+          </a:lnRef>
+          <a:fillRef idx="3">
+            <a:schemeClr val="accent6"/>
+          </a:fillRef>
+          <a:effectRef idx="2">
+            <a:schemeClr val="accent6"/>
+          </a:effectRef>
+          <a:fontRef idx="minor">
+            <a:schemeClr val="lt1"/>
+          </a:fontRef>
+        </p:style>
+        <p:txBody>
+          <a:bodyPr rtlCol="0" anchor="ctr"/>
+          <a:lstStyle/>
+          <a:p>
+            <a:pPr algn="ctr"/>
+            <a:r>
+              <a:rPr lang="en-US" altLang="zh-CN" dirty="0"/>
+              <a:t>1</a:t>
+            </a:r>
+          </a:p>
+        </p:txBody>
+      </p:sp>
+      <p:sp>
+        <p:nvSpPr>
+          <p:cNvPr id="15" name="流程图: 可选过程 14">
+            <a:extLst>
+              <a:ext uri="{FF2B5EF4-FFF2-40B4-BE49-F238E27FC236}">
+                <a16:creationId xmlns:a16="http://schemas.microsoft.com/office/drawing/2014/main" id="{8B0D61FE-6984-435F-8F9C-E85E6026FEAB}"/>
+              </a:ext>
+            </a:extLst>
+          </p:cNvPr>
+          <p:cNvSpPr/>
+          <p:nvPr/>
+        </p:nvSpPr>
+        <p:spPr>
+          <a:xfrm>
+            <a:off x="4030485" y="5704607"/>
+            <a:ext cx="1023553" cy="712470"/>
+          </a:xfrm>
+          <a:prstGeom prst="flowChartAlternateProcess">
+            <a:avLst/>
+          </a:prstGeom>
+        </p:spPr>
+        <p:style>
+          <a:lnRef idx="1">
+            <a:schemeClr val="accent5"/>
+          </a:lnRef>
+          <a:fillRef idx="2">
+            <a:schemeClr val="accent5"/>
+          </a:fillRef>
+          <a:effectRef idx="1">
+            <a:schemeClr val="accent5"/>
+          </a:effectRef>
+          <a:fontRef idx="minor">
+            <a:schemeClr val="dk1"/>
+          </a:fontRef>
+        </p:style>
+        <p:txBody>
+          <a:bodyPr rtlCol="0" anchor="ctr"/>
+          <a:lstStyle/>
+          <a:p>
+            <a:pPr algn="ctr"/>
+            <a:r>
+              <a:rPr lang="zh-CN" altLang="en-US" sz="1000" dirty="0">
+                <a:sym typeface="+mn-ea"/>
+              </a:rPr>
+              <a:t>通止规夹头至通止规库进行换通止规</a:t>
+            </a:r>
+          </a:p>
+        </p:txBody>
+      </p:sp>
+      <p:sp>
+        <p:nvSpPr>
+          <p:cNvPr id="21" name="流程图: 可选过程 20">
+            <a:extLst>
+              <a:ext uri="{FF2B5EF4-FFF2-40B4-BE49-F238E27FC236}">
+                <a16:creationId xmlns:a16="http://schemas.microsoft.com/office/drawing/2014/main" id="{0D40A377-909F-4FBB-86E7-F0A2E68A93F6}"/>
+              </a:ext>
+            </a:extLst>
+          </p:cNvPr>
+          <p:cNvSpPr/>
+          <p:nvPr/>
+        </p:nvSpPr>
+        <p:spPr>
+          <a:xfrm>
+            <a:off x="6498608" y="5704607"/>
+            <a:ext cx="1023553" cy="712470"/>
+          </a:xfrm>
+          <a:prstGeom prst="flowChartAlternateProcess">
+            <a:avLst/>
+          </a:prstGeom>
+        </p:spPr>
+        <p:style>
+          <a:lnRef idx="1">
+            <a:schemeClr val="accent5"/>
+          </a:lnRef>
+          <a:fillRef idx="2">
+            <a:schemeClr val="accent5"/>
+          </a:fillRef>
+          <a:effectRef idx="1">
+            <a:schemeClr val="accent5"/>
+          </a:effectRef>
+          <a:fontRef idx="minor">
+            <a:schemeClr val="dk1"/>
+          </a:fontRef>
+        </p:style>
+        <p:txBody>
+          <a:bodyPr rtlCol="0" anchor="ctr"/>
+          <a:lstStyle/>
+          <a:p>
+            <a:pPr algn="ctr"/>
+            <a:r>
+              <a:rPr lang="zh-CN" altLang="en-US" sz="1000" dirty="0">
+                <a:sym typeface="+mn-ea"/>
+              </a:rPr>
+              <a:t>通止规转盘旋转至需换的通止规位进行进行更换</a:t>
+            </a:r>
+          </a:p>
+        </p:txBody>
+      </p:sp>
+      <p:sp>
+        <p:nvSpPr>
+          <p:cNvPr id="23" name="流程图: 可选过程 22">
+            <a:extLst>
+              <a:ext uri="{FF2B5EF4-FFF2-40B4-BE49-F238E27FC236}">
+                <a16:creationId xmlns:a16="http://schemas.microsoft.com/office/drawing/2014/main" id="{4BE460C4-083F-4123-8805-E5E3690F2A69}"/>
+              </a:ext>
+            </a:extLst>
+          </p:cNvPr>
+          <p:cNvSpPr/>
+          <p:nvPr/>
+        </p:nvSpPr>
+        <p:spPr>
+          <a:xfrm>
+            <a:off x="8966730" y="5699078"/>
+            <a:ext cx="1023553" cy="712470"/>
+          </a:xfrm>
+          <a:prstGeom prst="flowChartAlternateProcess">
+            <a:avLst/>
+          </a:prstGeom>
+        </p:spPr>
+        <p:style>
+          <a:lnRef idx="1">
+            <a:schemeClr val="accent5"/>
+          </a:lnRef>
+          <a:fillRef idx="2">
+            <a:schemeClr val="accent5"/>
+          </a:fillRef>
+          <a:effectRef idx="1">
+            <a:schemeClr val="accent5"/>
+          </a:effectRef>
+          <a:fontRef idx="minor">
+            <a:schemeClr val="dk1"/>
+          </a:fontRef>
+        </p:style>
+        <p:txBody>
+          <a:bodyPr rtlCol="0" anchor="ctr"/>
+          <a:lstStyle/>
+          <a:p>
+            <a:pPr algn="ctr"/>
+            <a:r>
+              <a:rPr lang="zh-CN" altLang="en-US" sz="1000" dirty="0">
+                <a:sym typeface="+mn-ea"/>
+              </a:rPr>
+              <a:t>进行检测，完成后需更换时继续进行更换</a:t>
+            </a:r>
+          </a:p>
+        </p:txBody>
+      </p:sp>
+      <p:sp>
+        <p:nvSpPr>
+          <p:cNvPr id="24" name="标注: 线形 23">
+            <a:extLst>
+              <a:ext uri="{FF2B5EF4-FFF2-40B4-BE49-F238E27FC236}">
+                <a16:creationId xmlns:a16="http://schemas.microsoft.com/office/drawing/2014/main" id="{A9731395-85DB-43D3-8C96-17393C248FB1}"/>
+              </a:ext>
+            </a:extLst>
+          </p:cNvPr>
+          <p:cNvSpPr/>
+          <p:nvPr/>
+        </p:nvSpPr>
+        <p:spPr>
+          <a:xfrm>
+            <a:off x="978191" y="1849010"/>
+            <a:ext cx="1489046" cy="443198"/>
+          </a:xfrm>
+          <a:prstGeom prst="borderCallout1">
+            <a:avLst>
+              <a:gd name="adj1" fmla="val 47143"/>
+              <a:gd name="adj2" fmla="val 102626"/>
+              <a:gd name="adj3" fmla="val 207141"/>
+              <a:gd name="adj4" fmla="val 253573"/>
+            </a:avLst>
+          </a:prstGeom>
+        </p:spPr>
+        <p:style>
+          <a:lnRef idx="2">
+            <a:schemeClr val="accent1"/>
+          </a:lnRef>
+          <a:fillRef idx="1">
+            <a:schemeClr val="lt1"/>
+          </a:fillRef>
+          <a:effectRef idx="0">
+            <a:schemeClr val="accent1"/>
+          </a:effectRef>
+          <a:fontRef idx="minor">
+            <a:schemeClr val="dk1"/>
+          </a:fontRef>
+        </p:style>
+        <p:txBody>
+          <a:bodyPr rtlCol="0" anchor="ctr"/>
+          <a:lstStyle/>
+          <a:p>
+            <a:pPr algn="ctr"/>
+            <a:r>
+              <a:rPr lang="zh-CN" altLang="en-US" sz="1400" dirty="0"/>
+              <a:t>通止规换规位</a:t>
+            </a:r>
+          </a:p>
+        </p:txBody>
+      </p:sp>
+      <p:sp>
+        <p:nvSpPr>
+          <p:cNvPr id="25" name="标注: 线形 24">
+            <a:extLst>
+              <a:ext uri="{FF2B5EF4-FFF2-40B4-BE49-F238E27FC236}">
+                <a16:creationId xmlns:a16="http://schemas.microsoft.com/office/drawing/2014/main" id="{798A6325-0F86-4D2A-AD34-660170443772}"/>
+              </a:ext>
+            </a:extLst>
+          </p:cNvPr>
+          <p:cNvSpPr/>
+          <p:nvPr/>
+        </p:nvSpPr>
+        <p:spPr>
+          <a:xfrm>
+            <a:off x="978191" y="2546694"/>
+            <a:ext cx="1489046" cy="443198"/>
+          </a:xfrm>
+          <a:prstGeom prst="borderCallout1">
+            <a:avLst>
+              <a:gd name="adj1" fmla="val 47143"/>
+              <a:gd name="adj2" fmla="val 102626"/>
+              <a:gd name="adj3" fmla="val 89786"/>
+              <a:gd name="adj4" fmla="val 336390"/>
+            </a:avLst>
+          </a:prstGeom>
+        </p:spPr>
+        <p:style>
+          <a:lnRef idx="2">
+            <a:schemeClr val="accent1"/>
+          </a:lnRef>
+          <a:fillRef idx="1">
+            <a:schemeClr val="lt1"/>
+          </a:fillRef>
+          <a:effectRef idx="0">
+            <a:schemeClr val="accent1"/>
+          </a:effectRef>
+          <a:fontRef idx="minor">
+            <a:schemeClr val="dk1"/>
+          </a:fontRef>
+        </p:style>
+        <p:txBody>
+          <a:bodyPr rtlCol="0" anchor="ctr"/>
+          <a:lstStyle/>
+          <a:p>
+            <a:pPr algn="ctr"/>
+            <a:r>
+              <a:rPr lang="zh-CN" altLang="en-US" sz="1400" dirty="0"/>
+              <a:t>通止规换规位</a:t>
+            </a:r>
+          </a:p>
+        </p:txBody>
+      </p:sp>
+      <p:sp>
+        <p:nvSpPr>
+          <p:cNvPr id="26" name="标注: 线形 25">
+            <a:extLst>
+              <a:ext uri="{FF2B5EF4-FFF2-40B4-BE49-F238E27FC236}">
+                <a16:creationId xmlns:a16="http://schemas.microsoft.com/office/drawing/2014/main" id="{99D5C96C-DB36-4A2D-B9CF-C7E2DC3821FA}"/>
+              </a:ext>
+            </a:extLst>
+          </p:cNvPr>
+          <p:cNvSpPr/>
+          <p:nvPr/>
+        </p:nvSpPr>
+        <p:spPr>
+          <a:xfrm>
+            <a:off x="9456316" y="1849010"/>
+            <a:ext cx="1379989" cy="443198"/>
+          </a:xfrm>
+          <a:prstGeom prst="borderCallout1">
+            <a:avLst>
+              <a:gd name="adj1" fmla="val 52822"/>
+              <a:gd name="adj2" fmla="val -109"/>
+              <a:gd name="adj3" fmla="val 207142"/>
+              <a:gd name="adj4" fmla="val -144086"/>
+            </a:avLst>
+          </a:prstGeom>
+        </p:spPr>
+        <p:style>
+          <a:lnRef idx="2">
+            <a:schemeClr val="accent1"/>
+          </a:lnRef>
+          <a:fillRef idx="1">
+            <a:schemeClr val="lt1"/>
+          </a:fillRef>
+          <a:effectRef idx="0">
+            <a:schemeClr val="accent1"/>
+          </a:effectRef>
+          <a:fontRef idx="minor">
+            <a:schemeClr val="dk1"/>
+          </a:fontRef>
+        </p:style>
+        <p:txBody>
+          <a:bodyPr rtlCol="0" anchor="ctr"/>
+          <a:lstStyle/>
+          <a:p>
+            <a:pPr algn="ctr"/>
+            <a:r>
+              <a:rPr lang="zh-CN" altLang="en-US" sz="1400" dirty="0"/>
+              <a:t>通止规原点位</a:t>
+            </a:r>
+          </a:p>
+        </p:txBody>
+      </p:sp>
+      <p:sp>
+        <p:nvSpPr>
+          <p:cNvPr id="27" name="标注: 线形 26">
+            <a:extLst>
+              <a:ext uri="{FF2B5EF4-FFF2-40B4-BE49-F238E27FC236}">
+                <a16:creationId xmlns:a16="http://schemas.microsoft.com/office/drawing/2014/main" id="{B8C3DC6D-D7A9-4AE7-A0FD-425378391C2F}"/>
+              </a:ext>
+            </a:extLst>
+          </p:cNvPr>
+          <p:cNvSpPr/>
+          <p:nvPr/>
+        </p:nvSpPr>
+        <p:spPr>
+          <a:xfrm>
+            <a:off x="978191" y="3244377"/>
+            <a:ext cx="1489046" cy="714779"/>
+          </a:xfrm>
+          <a:prstGeom prst="borderCallout1">
+            <a:avLst>
+              <a:gd name="adj1" fmla="val 47143"/>
+              <a:gd name="adj2" fmla="val 102626"/>
+              <a:gd name="adj3" fmla="val 118978"/>
+              <a:gd name="adj4" fmla="val 242599"/>
+            </a:avLst>
+          </a:prstGeom>
+        </p:spPr>
+        <p:style>
+          <a:lnRef idx="2">
+            <a:schemeClr val="accent1"/>
+          </a:lnRef>
+          <a:fillRef idx="1">
+            <a:schemeClr val="lt1"/>
+          </a:fillRef>
+          <a:effectRef idx="0">
+            <a:schemeClr val="accent1"/>
+          </a:effectRef>
+          <a:fontRef idx="minor">
+            <a:schemeClr val="dk1"/>
+          </a:fontRef>
+        </p:style>
+        <p:txBody>
+          <a:bodyPr rtlCol="0" anchor="ctr"/>
+          <a:lstStyle/>
+          <a:p>
+            <a:r>
+              <a:rPr lang="zh-CN" altLang="en-US" sz="1400" dirty="0"/>
+              <a:t>通止规刀库通过伺服传动所需通止规</a:t>
+            </a:r>
+          </a:p>
+        </p:txBody>
+      </p:sp>
+      <p:sp>
+        <p:nvSpPr>
+          <p:cNvPr id="28" name="燕尾形 47">
+            <a:extLst>
+              <a:ext uri="{FF2B5EF4-FFF2-40B4-BE49-F238E27FC236}">
+                <a16:creationId xmlns:a16="http://schemas.microsoft.com/office/drawing/2014/main" id="{CDA36E74-A586-4DFD-A135-77D29982E0C3}"/>
+              </a:ext>
+            </a:extLst>
+          </p:cNvPr>
+          <p:cNvSpPr/>
+          <p:nvPr/>
+        </p:nvSpPr>
+        <p:spPr>
+          <a:xfrm>
+            <a:off x="5398689" y="5927683"/>
+            <a:ext cx="755267" cy="255260"/>
+          </a:xfrm>
+          <a:prstGeom prst="chevron">
+            <a:avLst/>
+          </a:prstGeom>
+        </p:spPr>
+        <p:style>
+          <a:lnRef idx="1">
+            <a:schemeClr val="accent6"/>
+          </a:lnRef>
+          <a:fillRef idx="3">
+            <a:schemeClr val="accent6"/>
+          </a:fillRef>
+          <a:effectRef idx="2">
+            <a:schemeClr val="accent6"/>
+          </a:effectRef>
+          <a:fontRef idx="minor">
+            <a:schemeClr val="lt1"/>
+          </a:fontRef>
+        </p:style>
+        <p:txBody>
+          <a:bodyPr rtlCol="0" anchor="ctr"/>
+          <a:lstStyle/>
+          <a:p>
+            <a:pPr algn="ctr"/>
+            <a:r>
+              <a:rPr lang="en-US" altLang="zh-CN" dirty="0"/>
+              <a:t>2</a:t>
+            </a:r>
+          </a:p>
+        </p:txBody>
+      </p:sp>
+      <p:sp>
+        <p:nvSpPr>
+          <p:cNvPr id="29" name="燕尾形 47">
+            <a:extLst>
+              <a:ext uri="{FF2B5EF4-FFF2-40B4-BE49-F238E27FC236}">
+                <a16:creationId xmlns:a16="http://schemas.microsoft.com/office/drawing/2014/main" id="{5710FCBC-DA28-494B-B217-FE310C102939}"/>
+              </a:ext>
+            </a:extLst>
+          </p:cNvPr>
+          <p:cNvSpPr/>
+          <p:nvPr/>
+        </p:nvSpPr>
+        <p:spPr>
+          <a:xfrm>
+            <a:off x="7870366" y="5927683"/>
+            <a:ext cx="755267" cy="255260"/>
+          </a:xfrm>
+          <a:prstGeom prst="chevron">
+            <a:avLst/>
+          </a:prstGeom>
+        </p:spPr>
+        <p:style>
+          <a:lnRef idx="1">
+            <a:schemeClr val="accent6"/>
+          </a:lnRef>
+          <a:fillRef idx="3">
+            <a:schemeClr val="accent6"/>
+          </a:fillRef>
+          <a:effectRef idx="2">
+            <a:schemeClr val="accent6"/>
+          </a:effectRef>
+          <a:fontRef idx="minor">
+            <a:schemeClr val="lt1"/>
+          </a:fontRef>
+        </p:style>
+        <p:txBody>
+          <a:bodyPr rtlCol="0" anchor="ctr"/>
+          <a:lstStyle/>
+          <a:p>
+            <a:pPr algn="ctr"/>
+            <a:r>
+              <a:rPr lang="en-US" altLang="zh-CN" dirty="0"/>
+              <a:t>3</a:t>
+            </a:r>
+          </a:p>
+        </p:txBody>
+      </p:sp>
+    </p:spTree>
+    <p:extLst>
+      <p:ext uri="{BB962C8B-B14F-4D97-AF65-F5344CB8AC3E}">
+        <p14:creationId xmlns:p14="http://schemas.microsoft.com/office/powerpoint/2010/main" val="140003726"/>
+      </p:ext>
+    </p:extLst>
+  </p:cSld>
+  <p:clrMapOvr>
+    <a:masterClrMapping/>
+  </p:clrMapOvr>
+</p:sld>
+</file>
+
+<file path=ppt/slides/slide15.xml><?xml version="1.0" encoding="utf-8"?>
+<p:sld xmlns:a="http://schemas.openxmlformats.org/drawingml/2006/main" xmlns:r="http://schemas.openxmlformats.org/officeDocument/2006/relationships" xmlns:p="http://schemas.openxmlformats.org/presentationml/2006/main">
+  <p:cSld>
+    <p:spTree>
+      <p:nvGrpSpPr>
+        <p:cNvPr id="1" name=""/>
+        <p:cNvGrpSpPr/>
+        <p:nvPr/>
+      </p:nvGrpSpPr>
+      <p:grpSpPr>
+        <a:xfrm>
+          <a:off x="0" y="0"/>
+          <a:ext cx="0" cy="0"/>
+          <a:chOff x="0" y="0"/>
+          <a:chExt cx="0" cy="0"/>
+        </a:xfrm>
+      </p:grpSpPr>
+      <p:sp>
+        <p:nvSpPr>
+          <p:cNvPr id="2" name="标题 1"/>
+          <p:cNvSpPr>
+            <a:spLocks noGrp="1"/>
+          </p:cNvSpPr>
+          <p:nvPr>
+            <p:ph type="title"/>
+          </p:nvPr>
+        </p:nvSpPr>
+        <p:spPr/>
+        <p:txBody>
+          <a:bodyPr/>
+          <a:lstStyle/>
+          <a:p>
+            <a:r>
+              <a:rPr lang="zh-CN" altLang="en-US" dirty="0"/>
+              <a:t>硬件设计</a:t>
+            </a:r>
+            <a:r>
+              <a:rPr lang="en-US" altLang="zh-CN" dirty="0"/>
+              <a:t>|</a:t>
+            </a:r>
+            <a:r>
+              <a:rPr lang="zh-CN" altLang="en-US" dirty="0"/>
+              <a:t>通止规库说明</a:t>
+            </a:r>
+          </a:p>
+        </p:txBody>
+      </p:sp>
+      <p:grpSp>
+        <p:nvGrpSpPr>
+          <p:cNvPr id="4" name="组合 3">
+            <a:extLst>
+              <a:ext uri="{FF2B5EF4-FFF2-40B4-BE49-F238E27FC236}">
+                <a16:creationId xmlns:a16="http://schemas.microsoft.com/office/drawing/2014/main" id="{F621447A-1361-482A-A67D-1E47D30354CB}"/>
+              </a:ext>
+            </a:extLst>
+          </p:cNvPr>
+          <p:cNvGrpSpPr/>
+          <p:nvPr/>
+        </p:nvGrpSpPr>
+        <p:grpSpPr>
+          <a:xfrm>
+            <a:off x="2329677" y="1410768"/>
+            <a:ext cx="8193338" cy="4554721"/>
+            <a:chOff x="1911276" y="1862355"/>
+            <a:chExt cx="8193338" cy="4554721"/>
+          </a:xfrm>
+        </p:grpSpPr>
+        <p:pic>
+          <p:nvPicPr>
+            <p:cNvPr id="13" name="图片 12">
+              <a:extLst>
+                <a:ext uri="{FF2B5EF4-FFF2-40B4-BE49-F238E27FC236}">
+                  <a16:creationId xmlns:a16="http://schemas.microsoft.com/office/drawing/2014/main" id="{D1F838DA-1F30-47E3-9D9C-2017ABE0B6A5}"/>
+                </a:ext>
+              </a:extLst>
+            </p:cNvPr>
+            <p:cNvPicPr>
+              <a:picLocks noChangeAspect="1"/>
+            </p:cNvPicPr>
+            <p:nvPr/>
+          </p:nvPicPr>
+          <p:blipFill>
+            <a:blip r:embed="rId2"/>
+            <a:stretch>
+              <a:fillRect/>
+            </a:stretch>
+          </p:blipFill>
+          <p:spPr>
+            <a:xfrm>
+              <a:off x="1911276" y="1862355"/>
+              <a:ext cx="8193338" cy="4554721"/>
+            </a:xfrm>
+            <a:prstGeom prst="rect">
+              <a:avLst/>
+            </a:prstGeom>
+          </p:spPr>
+        </p:pic>
+        <p:pic>
+          <p:nvPicPr>
+            <p:cNvPr id="14" name="图片 13">
+              <a:extLst>
+                <a:ext uri="{FF2B5EF4-FFF2-40B4-BE49-F238E27FC236}">
+                  <a16:creationId xmlns:a16="http://schemas.microsoft.com/office/drawing/2014/main" id="{341922DC-5DF9-4B46-8A75-5E81190240E1}"/>
+                </a:ext>
+              </a:extLst>
+            </p:cNvPr>
+            <p:cNvPicPr>
+              <a:picLocks noChangeAspect="1"/>
+            </p:cNvPicPr>
+            <p:nvPr/>
+          </p:nvPicPr>
+          <p:blipFill>
+            <a:blip r:embed="rId3"/>
+            <a:stretch>
+              <a:fillRect/>
+            </a:stretch>
+          </p:blipFill>
+          <p:spPr>
+            <a:xfrm>
+              <a:off x="4763838" y="1862356"/>
+              <a:ext cx="1977390" cy="666750"/>
+            </a:xfrm>
+            <a:prstGeom prst="rect">
+              <a:avLst/>
+            </a:prstGeom>
+          </p:spPr>
+        </p:pic>
+      </p:grpSp>
+      <p:sp>
+        <p:nvSpPr>
+          <p:cNvPr id="16" name="标注: 线形 15">
+            <a:extLst>
+              <a:ext uri="{FF2B5EF4-FFF2-40B4-BE49-F238E27FC236}">
+                <a16:creationId xmlns:a16="http://schemas.microsoft.com/office/drawing/2014/main" id="{DE9436D8-014A-4BFA-8D19-19E7F4157072}"/>
+              </a:ext>
+            </a:extLst>
+          </p:cNvPr>
+          <p:cNvSpPr/>
+          <p:nvPr/>
+        </p:nvSpPr>
+        <p:spPr>
+          <a:xfrm>
+            <a:off x="323849" y="1991623"/>
+            <a:ext cx="1489046" cy="443198"/>
+          </a:xfrm>
+          <a:prstGeom prst="borderCallout1">
+            <a:avLst>
+              <a:gd name="adj1" fmla="val 47143"/>
+              <a:gd name="adj2" fmla="val 102626"/>
+              <a:gd name="adj3" fmla="val 153968"/>
+              <a:gd name="adj4" fmla="val 242285"/>
+            </a:avLst>
+          </a:prstGeom>
+        </p:spPr>
+        <p:style>
+          <a:lnRef idx="2">
+            <a:schemeClr val="accent1"/>
+          </a:lnRef>
+          <a:fillRef idx="1">
+            <a:schemeClr val="lt1"/>
+          </a:fillRef>
+          <a:effectRef idx="0">
+            <a:schemeClr val="accent1"/>
+          </a:effectRef>
+          <a:fontRef idx="minor">
+            <a:schemeClr val="dk1"/>
+          </a:fontRef>
+        </p:style>
+        <p:txBody>
+          <a:bodyPr rtlCol="0" anchor="ctr"/>
+          <a:lstStyle/>
+          <a:p>
+            <a:pPr algn="ctr"/>
+            <a:r>
+              <a:rPr lang="zh-CN" altLang="en-US" sz="1400" dirty="0"/>
+              <a:t>通止规夹头</a:t>
+            </a:r>
+          </a:p>
+        </p:txBody>
+      </p:sp>
+      <p:sp>
+        <p:nvSpPr>
+          <p:cNvPr id="17" name="标注: 线形 16">
+            <a:extLst>
+              <a:ext uri="{FF2B5EF4-FFF2-40B4-BE49-F238E27FC236}">
+                <a16:creationId xmlns:a16="http://schemas.microsoft.com/office/drawing/2014/main" id="{2522F196-18DB-479A-B273-915206372060}"/>
+              </a:ext>
+            </a:extLst>
+          </p:cNvPr>
+          <p:cNvSpPr/>
+          <p:nvPr/>
+        </p:nvSpPr>
+        <p:spPr>
+          <a:xfrm>
+            <a:off x="323849" y="2746003"/>
+            <a:ext cx="1489046" cy="443198"/>
+          </a:xfrm>
+          <a:prstGeom prst="borderCallout1">
+            <a:avLst>
+              <a:gd name="adj1" fmla="val 47143"/>
+              <a:gd name="adj2" fmla="val 102626"/>
+              <a:gd name="adj3" fmla="val 117862"/>
+              <a:gd name="adj4" fmla="val 287319"/>
+            </a:avLst>
+          </a:prstGeom>
+        </p:spPr>
+        <p:style>
+          <a:lnRef idx="2">
+            <a:schemeClr val="accent1"/>
+          </a:lnRef>
+          <a:fillRef idx="1">
+            <a:schemeClr val="lt1"/>
+          </a:fillRef>
+          <a:effectRef idx="0">
+            <a:schemeClr val="accent1"/>
+          </a:effectRef>
+          <a:fontRef idx="minor">
+            <a:schemeClr val="dk1"/>
+          </a:fontRef>
+        </p:style>
+        <p:txBody>
+          <a:bodyPr rtlCol="0" anchor="ctr"/>
+          <a:lstStyle/>
+          <a:p>
+            <a:pPr algn="ctr"/>
+            <a:r>
+              <a:rPr lang="zh-CN" altLang="en-US" sz="1400" dirty="0"/>
+              <a:t>通止规转盘</a:t>
+            </a:r>
+          </a:p>
+        </p:txBody>
+      </p:sp>
+      <p:sp>
+        <p:nvSpPr>
+          <p:cNvPr id="18" name="标注: 线形 17">
+            <a:extLst>
+              <a:ext uri="{FF2B5EF4-FFF2-40B4-BE49-F238E27FC236}">
+                <a16:creationId xmlns:a16="http://schemas.microsoft.com/office/drawing/2014/main" id="{53A90718-C0A1-47A4-867F-F09E5C41CECA}"/>
+              </a:ext>
+            </a:extLst>
+          </p:cNvPr>
+          <p:cNvSpPr/>
+          <p:nvPr/>
+        </p:nvSpPr>
+        <p:spPr>
+          <a:xfrm>
+            <a:off x="323849" y="3500383"/>
+            <a:ext cx="1489046" cy="443198"/>
+          </a:xfrm>
+          <a:prstGeom prst="borderCallout1">
+            <a:avLst>
+              <a:gd name="adj1" fmla="val 47143"/>
+              <a:gd name="adj2" fmla="val 102626"/>
+              <a:gd name="adj3" fmla="val 135056"/>
+              <a:gd name="adj4" fmla="val 303182"/>
+            </a:avLst>
+          </a:prstGeom>
+        </p:spPr>
+        <p:style>
+          <a:lnRef idx="2">
+            <a:schemeClr val="accent1"/>
+          </a:lnRef>
+          <a:fillRef idx="1">
+            <a:schemeClr val="lt1"/>
+          </a:fillRef>
+          <a:effectRef idx="0">
+            <a:schemeClr val="accent1"/>
+          </a:effectRef>
+          <a:fontRef idx="minor">
+            <a:schemeClr val="dk1"/>
+          </a:fontRef>
+        </p:style>
+        <p:txBody>
+          <a:bodyPr rtlCol="0" anchor="ctr"/>
+          <a:lstStyle/>
+          <a:p>
+            <a:pPr algn="ctr"/>
+            <a:r>
+              <a:rPr lang="zh-CN" altLang="en-US" sz="1400" dirty="0"/>
+              <a:t>同步轮</a:t>
+            </a:r>
+          </a:p>
+        </p:txBody>
+      </p:sp>
+      <p:sp>
+        <p:nvSpPr>
+          <p:cNvPr id="19" name="标注: 线形 18">
+            <a:extLst>
+              <a:ext uri="{FF2B5EF4-FFF2-40B4-BE49-F238E27FC236}">
+                <a16:creationId xmlns:a16="http://schemas.microsoft.com/office/drawing/2014/main" id="{45054063-AFE4-46E4-B49C-48E616F8F290}"/>
+              </a:ext>
+            </a:extLst>
+          </p:cNvPr>
+          <p:cNvSpPr/>
+          <p:nvPr/>
+        </p:nvSpPr>
+        <p:spPr>
+          <a:xfrm>
+            <a:off x="323849" y="4254763"/>
+            <a:ext cx="1489046" cy="443198"/>
+          </a:xfrm>
+          <a:prstGeom prst="borderCallout1">
+            <a:avLst>
+              <a:gd name="adj1" fmla="val 47143"/>
+              <a:gd name="adj2" fmla="val 102626"/>
+              <a:gd name="adj3" fmla="val 25019"/>
+              <a:gd name="adj4" fmla="val 316999"/>
+            </a:avLst>
+          </a:prstGeom>
+        </p:spPr>
+        <p:style>
+          <a:lnRef idx="2">
+            <a:schemeClr val="accent1"/>
+          </a:lnRef>
+          <a:fillRef idx="1">
+            <a:schemeClr val="lt1"/>
+          </a:fillRef>
+          <a:effectRef idx="0">
+            <a:schemeClr val="accent1"/>
+          </a:effectRef>
+          <a:fontRef idx="minor">
+            <a:schemeClr val="dk1"/>
+          </a:fontRef>
+        </p:style>
+        <p:txBody>
+          <a:bodyPr rtlCol="0" anchor="ctr"/>
+          <a:lstStyle/>
+          <a:p>
+            <a:pPr algn="ctr"/>
+            <a:r>
+              <a:rPr lang="zh-CN" altLang="en-US" sz="1400" dirty="0"/>
+              <a:t>通止规转盘</a:t>
+            </a:r>
+          </a:p>
+        </p:txBody>
+      </p:sp>
+    </p:spTree>
+    <p:extLst>
+      <p:ext uri="{BB962C8B-B14F-4D97-AF65-F5344CB8AC3E}">
+        <p14:creationId xmlns:p14="http://schemas.microsoft.com/office/powerpoint/2010/main" val="2427251457"/>
+      </p:ext>
+    </p:extLst>
+  </p:cSld>
+  <p:clrMapOvr>
+    <a:masterClrMapping/>
+  </p:clrMapOvr>
+</p:sld>
+</file>
+
+<file path=ppt/slides/slide16.xml><?xml version="1.0" encoding="utf-8"?>
+<p:sld xmlns:a="http://schemas.openxmlformats.org/drawingml/2006/main" xmlns:r="http://schemas.openxmlformats.org/officeDocument/2006/relationships" xmlns:p="http://schemas.openxmlformats.org/presentationml/2006/main">
+  <p:cSld>
+    <p:spTree>
+      <p:nvGrpSpPr>
+        <p:cNvPr id="1" name=""/>
+        <p:cNvGrpSpPr/>
+        <p:nvPr/>
+      </p:nvGrpSpPr>
+      <p:grpSpPr>
+        <a:xfrm>
+          <a:off x="0" y="0"/>
+          <a:ext cx="0" cy="0"/>
+          <a:chOff x="0" y="0"/>
+          <a:chExt cx="0" cy="0"/>
+        </a:xfrm>
+      </p:grpSpPr>
+      <p:sp>
+        <p:nvSpPr>
+          <p:cNvPr id="2" name="标题 1"/>
+          <p:cNvSpPr>
+            <a:spLocks noGrp="1"/>
+          </p:cNvSpPr>
+          <p:nvPr>
+            <p:ph type="title"/>
+          </p:nvPr>
+        </p:nvSpPr>
+        <p:spPr/>
+        <p:txBody>
+          <a:bodyPr/>
+          <a:lstStyle/>
+          <a:p>
+            <a:r>
+              <a:rPr lang="zh-CN" altLang="en-US" dirty="0"/>
+              <a:t>硬件设计</a:t>
+            </a:r>
+            <a:r>
+              <a:rPr lang="en-US" altLang="zh-CN" dirty="0"/>
+              <a:t>|</a:t>
+            </a:r>
+            <a:r>
+              <a:rPr lang="zh-CN" altLang="en-US" dirty="0"/>
+              <a:t>光学安装说明</a:t>
             </a:r>
           </a:p>
         </p:txBody>
@@ -19437,8 +21942,8 @@
         </p:nvSpPr>
         <p:spPr>
           <a:xfrm rot="10800000" flipV="1">
-            <a:off x="1008380" y="4324985"/>
-            <a:ext cx="3841750" cy="203200"/>
+            <a:off x="1544436" y="4324985"/>
+            <a:ext cx="2834617" cy="203200"/>
           </a:xfrm>
           <a:prstGeom prst="roundRect">
             <a:avLst/>
@@ -19733,7 +22238,7 @@
         </p:nvSpPr>
         <p:spPr>
           <a:xfrm>
-            <a:off x="1130509" y="4683323"/>
+            <a:off x="1939999" y="4718476"/>
             <a:ext cx="641201" cy="287258"/>
           </a:xfrm>
           <a:prstGeom prst="rect">
@@ -21110,8 +23615,8 @@
         </p:nvSpPr>
         <p:spPr>
           <a:xfrm>
-            <a:off x="2599873" y="5979160"/>
-            <a:ext cx="487313" cy="287258"/>
+            <a:off x="2513312" y="5979160"/>
+            <a:ext cx="660437" cy="287258"/>
           </a:xfrm>
           <a:prstGeom prst="rect">
             <a:avLst/>
@@ -21181,7 +23686,7 @@
                 <a:latin typeface="+mn-ea"/>
                 <a:sym typeface="Helvetica Neue Medium" panose="02000503000000020004"/>
               </a:rPr>
-              <a:t>166mm</a:t>
+              <a:t>620mm</a:t>
             </a:r>
           </a:p>
         </p:txBody>
@@ -21200,7 +23705,7 @@
         </p:nvCxnSpPr>
         <p:spPr>
           <a:xfrm flipH="1">
-            <a:off x="1643380" y="5140325"/>
+            <a:off x="3950355" y="5140325"/>
             <a:ext cx="9525" cy="488315"/>
           </a:xfrm>
           <a:prstGeom prst="straightConnector1">
@@ -21244,7 +23749,7 @@
         </p:nvCxnSpPr>
         <p:spPr>
           <a:xfrm flipH="1">
-            <a:off x="1550670" y="5125720"/>
+            <a:off x="3857645" y="5125720"/>
             <a:ext cx="248920" cy="9525"/>
           </a:xfrm>
           <a:prstGeom prst="line">
@@ -21286,7 +23791,7 @@
         </p:nvCxnSpPr>
         <p:spPr>
           <a:xfrm flipH="1">
-            <a:off x="1560195" y="5633720"/>
+            <a:off x="3867170" y="5633720"/>
             <a:ext cx="259080" cy="0"/>
           </a:xfrm>
           <a:prstGeom prst="line">
@@ -21328,7 +23833,7 @@
         </p:nvSpPr>
         <p:spPr>
           <a:xfrm>
-            <a:off x="1142585" y="5252283"/>
+            <a:off x="4105577" y="5240853"/>
             <a:ext cx="410369" cy="287258"/>
           </a:xfrm>
           <a:prstGeom prst="rect">
@@ -22030,6 +24535,39 @@
               </a:rPr>
               <a:t>定制高亮线光</a:t>
             </a:r>
+            <a:r>
+              <a:rPr lang="en-US" altLang="zh-CN" sz="1200" dirty="0">
+                <a:solidFill>
+                  <a:schemeClr val="tx1"/>
+                </a:solidFill>
+                <a:latin typeface="+mn-ea"/>
+              </a:rPr>
+              <a:t>(</a:t>
+            </a:r>
+            <a:r>
+              <a:rPr lang="zh-CN" altLang="en-US" sz="1200" dirty="0">
+                <a:solidFill>
+                  <a:schemeClr val="tx1"/>
+                </a:solidFill>
+                <a:latin typeface="+mn-ea"/>
+              </a:rPr>
+              <a:t>位置固定</a:t>
+            </a:r>
+            <a:r>
+              <a:rPr lang="en-US" altLang="zh-CN" sz="1200" dirty="0">
+                <a:solidFill>
+                  <a:schemeClr val="tx1"/>
+                </a:solidFill>
+                <a:latin typeface="+mn-ea"/>
+              </a:rPr>
+              <a:t>)</a:t>
+            </a:r>
+            <a:endParaRPr lang="zh-CN" altLang="en-US" sz="1200" dirty="0">
+              <a:solidFill>
+                <a:schemeClr val="tx1"/>
+              </a:solidFill>
+              <a:latin typeface="+mn-ea"/>
+            </a:endParaRPr>
           </a:p>
         </p:txBody>
       </p:sp>
@@ -22084,6 +24622,67 @@
           </a:p>
         </p:txBody>
       </p:sp>
+      <p:sp>
+        <p:nvSpPr>
+          <p:cNvPr id="49" name="标注: 线形 48">
+            <a:extLst>
+              <a:ext uri="{FF2B5EF4-FFF2-40B4-BE49-F238E27FC236}">
+                <a16:creationId xmlns:a16="http://schemas.microsoft.com/office/drawing/2014/main" id="{916D2842-DA18-4C36-9B47-29DA02BA32F4}"/>
+              </a:ext>
+            </a:extLst>
+          </p:cNvPr>
+          <p:cNvSpPr/>
+          <p:nvPr/>
+        </p:nvSpPr>
+        <p:spPr>
+          <a:xfrm>
+            <a:off x="317211" y="4383954"/>
+            <a:ext cx="1101952" cy="576727"/>
+          </a:xfrm>
+          <a:prstGeom prst="borderCallout1">
+            <a:avLst>
+              <a:gd name="adj1" fmla="val 52611"/>
+              <a:gd name="adj2" fmla="val 97755"/>
+              <a:gd name="adj3" fmla="val 14662"/>
+              <a:gd name="adj4" fmla="val 115018"/>
+            </a:avLst>
+          </a:prstGeom>
+          <a:solidFill>
+            <a:schemeClr val="bg1"/>
+          </a:solidFill>
+        </p:spPr>
+        <p:style>
+          <a:lnRef idx="2">
+            <a:schemeClr val="accent1">
+              <a:shade val="50000"/>
+            </a:schemeClr>
+          </a:lnRef>
+          <a:fillRef idx="1">
+            <a:schemeClr val="accent1"/>
+          </a:fillRef>
+          <a:effectRef idx="0">
+            <a:schemeClr val="accent1"/>
+          </a:effectRef>
+          <a:fontRef idx="minor">
+            <a:schemeClr val="lt1"/>
+          </a:fontRef>
+        </p:style>
+        <p:txBody>
+          <a:bodyPr rtlCol="0" anchor="ctr"/>
+          <a:lstStyle/>
+          <a:p>
+            <a:r>
+              <a:rPr lang="zh-CN" altLang="en-US" sz="1200" dirty="0">
+                <a:solidFill>
+                  <a:schemeClr val="tx1"/>
+                </a:solidFill>
+                <a:latin typeface="+mn-ea"/>
+              </a:rPr>
+              <a:t>产品放置在治具中，利用气缸定位</a:t>
+            </a:r>
+          </a:p>
+        </p:txBody>
+      </p:sp>
     </p:spTree>
     <p:extLst>
       <p:ext uri="{BB962C8B-B14F-4D97-AF65-F5344CB8AC3E}">
@@ -22097,7 +24696,7 @@
 </p:sld>
 </file>
 
-<file path=ppt/slides/slide13.xml><?xml version="1.0" encoding="utf-8"?>
+<file path=ppt/slides/slide17.xml><?xml version="1.0" encoding="utf-8"?>
 <p:sld xmlns:a="http://schemas.openxmlformats.org/drawingml/2006/main" xmlns:r="http://schemas.openxmlformats.org/officeDocument/2006/relationships" xmlns:p="http://schemas.openxmlformats.org/presentationml/2006/main">
   <p:cSld>
     <p:spTree>
@@ -22157,7 +24756,7 @@
           <p:nvPr>
             <p:extLst>
               <p:ext uri="{D42A27DB-BD31-4B8C-83A1-F6EECF244321}">
-                <p14:modId xmlns:p14="http://schemas.microsoft.com/office/powerpoint/2010/main" val="1949740953"/>
+                <p14:modId xmlns:p14="http://schemas.microsoft.com/office/powerpoint/2010/main" val="4158716433"/>
               </p:ext>
             </p:extLst>
           </p:nvPr>
@@ -22185,7 +24784,7 @@
 </p:sld>
 </file>
 
-<file path=ppt/slides/slide14.xml><?xml version="1.0" encoding="utf-8"?>
+<file path=ppt/slides/slide18.xml><?xml version="1.0" encoding="utf-8"?>
 <p:sld xmlns:a="http://schemas.openxmlformats.org/drawingml/2006/main" xmlns:r="http://schemas.openxmlformats.org/officeDocument/2006/relationships" xmlns:p="http://schemas.openxmlformats.org/presentationml/2006/main">
   <p:cSld>
     <p:spTree>
@@ -22318,7 +24917,7 @@
 </p:sld>
 </file>
 
-<file path=ppt/slides/slide15.xml><?xml version="1.0" encoding="utf-8"?>
+<file path=ppt/slides/slide19.xml><?xml version="1.0" encoding="utf-8"?>
 <p:sld xmlns:a="http://schemas.openxmlformats.org/drawingml/2006/main" xmlns:r="http://schemas.openxmlformats.org/officeDocument/2006/relationships" xmlns:p="http://schemas.openxmlformats.org/presentationml/2006/main">
   <p:cSld>
     <p:spTree>
@@ -23507,7 +26106,332 @@
 </p:sld>
 </file>
 
-<file path=ppt/slides/slide16.xml><?xml version="1.0" encoding="utf-8"?>
+<file path=ppt/slides/slide2.xml><?xml version="1.0" encoding="utf-8"?>
+<p:sld xmlns:a="http://schemas.openxmlformats.org/drawingml/2006/main" xmlns:r="http://schemas.openxmlformats.org/officeDocument/2006/relationships" xmlns:p="http://schemas.openxmlformats.org/presentationml/2006/main">
+  <p:cSld>
+    <p:spTree>
+      <p:nvGrpSpPr>
+        <p:cNvPr id="1" name=""/>
+        <p:cNvGrpSpPr/>
+        <p:nvPr/>
+      </p:nvGrpSpPr>
+      <p:grpSpPr>
+        <a:xfrm>
+          <a:off x="0" y="0"/>
+          <a:ext cx="0" cy="0"/>
+          <a:chOff x="0" y="0"/>
+          <a:chExt cx="0" cy="0"/>
+        </a:xfrm>
+      </p:grpSpPr>
+      <p:sp>
+        <p:nvSpPr>
+          <p:cNvPr id="4" name="文本占位符 3"/>
+          <p:cNvSpPr>
+            <a:spLocks noGrp="1"/>
+          </p:cNvSpPr>
+          <p:nvPr>
+            <p:ph type="body" sz="quarter" idx="10"/>
+          </p:nvPr>
+        </p:nvSpPr>
+        <p:spPr/>
+        <p:txBody>
+          <a:bodyPr>
+            <a:normAutofit/>
+          </a:bodyPr>
+          <a:lstStyle/>
+          <a:p>
+            <a:endParaRPr lang="zh-CN" altLang="en-US" dirty="0"/>
+          </a:p>
+        </p:txBody>
+      </p:sp>
+      <p:sp>
+        <p:nvSpPr>
+          <p:cNvPr id="5" name="文本占位符 4"/>
+          <p:cNvSpPr>
+            <a:spLocks noGrp="1"/>
+          </p:cNvSpPr>
+          <p:nvPr>
+            <p:ph type="body" sz="quarter" idx="11"/>
+          </p:nvPr>
+        </p:nvSpPr>
+        <p:spPr>
+          <a:xfrm>
+            <a:off x="7164965" y="3938288"/>
+            <a:ext cx="1640702" cy="307793"/>
+          </a:xfrm>
+        </p:spPr>
+        <p:txBody>
+          <a:bodyPr>
+            <a:noAutofit/>
+          </a:bodyPr>
+          <a:lstStyle/>
+          <a:p>
+            <a:r>
+              <a:rPr lang="zh-CN" altLang="en-US" sz="2400" dirty="0"/>
+              <a:t>关于思谋</a:t>
+            </a:r>
+          </a:p>
+        </p:txBody>
+      </p:sp>
+      <p:sp>
+        <p:nvSpPr>
+          <p:cNvPr id="7" name="文本占位符 6"/>
+          <p:cNvSpPr>
+            <a:spLocks noGrp="1"/>
+          </p:cNvSpPr>
+          <p:nvPr>
+            <p:ph type="body" sz="quarter" idx="13"/>
+          </p:nvPr>
+        </p:nvSpPr>
+        <p:spPr/>
+        <p:txBody>
+          <a:bodyPr>
+            <a:normAutofit/>
+          </a:bodyPr>
+          <a:lstStyle/>
+          <a:p>
+            <a:endParaRPr lang="zh-CN" altLang="en-US" dirty="0"/>
+          </a:p>
+        </p:txBody>
+      </p:sp>
+      <p:sp>
+        <p:nvSpPr>
+          <p:cNvPr id="8" name="文本占位符 7"/>
+          <p:cNvSpPr>
+            <a:spLocks noGrp="1"/>
+          </p:cNvSpPr>
+          <p:nvPr>
+            <p:ph type="body" sz="quarter" idx="14"/>
+          </p:nvPr>
+        </p:nvSpPr>
+        <p:spPr>
+          <a:xfrm>
+            <a:off x="7164965" y="4791017"/>
+            <a:ext cx="1640702" cy="307793"/>
+          </a:xfrm>
+        </p:spPr>
+        <p:txBody>
+          <a:bodyPr>
+            <a:noAutofit/>
+          </a:bodyPr>
+          <a:lstStyle/>
+          <a:p>
+            <a:r>
+              <a:rPr lang="zh-CN" altLang="en-US" sz="2400" dirty="0"/>
+              <a:t>项目需求</a:t>
+            </a:r>
+          </a:p>
+        </p:txBody>
+      </p:sp>
+      <p:sp>
+        <p:nvSpPr>
+          <p:cNvPr id="10" name="文本占位符 9"/>
+          <p:cNvSpPr>
+            <a:spLocks noGrp="1"/>
+          </p:cNvSpPr>
+          <p:nvPr>
+            <p:ph type="body" sz="quarter" idx="16"/>
+          </p:nvPr>
+        </p:nvSpPr>
+        <p:spPr/>
+        <p:txBody>
+          <a:bodyPr>
+            <a:normAutofit/>
+          </a:bodyPr>
+          <a:lstStyle/>
+          <a:p>
+            <a:endParaRPr lang="zh-CN" altLang="en-US" dirty="0"/>
+          </a:p>
+        </p:txBody>
+      </p:sp>
+      <p:sp>
+        <p:nvSpPr>
+          <p:cNvPr id="11" name="文本占位符 10"/>
+          <p:cNvSpPr>
+            <a:spLocks noGrp="1"/>
+          </p:cNvSpPr>
+          <p:nvPr>
+            <p:ph type="body" sz="quarter" idx="17"/>
+          </p:nvPr>
+        </p:nvSpPr>
+        <p:spPr>
+          <a:xfrm>
+            <a:off x="7164965" y="5641161"/>
+            <a:ext cx="1640702" cy="307793"/>
+          </a:xfrm>
+        </p:spPr>
+        <p:txBody>
+          <a:bodyPr>
+            <a:noAutofit/>
+          </a:bodyPr>
+          <a:lstStyle/>
+          <a:p>
+            <a:r>
+              <a:rPr lang="zh-CN" altLang="en-US" sz="2400" dirty="0"/>
+              <a:t>硬件设计</a:t>
+            </a:r>
+          </a:p>
+        </p:txBody>
+      </p:sp>
+      <p:sp>
+        <p:nvSpPr>
+          <p:cNvPr id="13" name="文本占位符 12"/>
+          <p:cNvSpPr>
+            <a:spLocks noGrp="1"/>
+          </p:cNvSpPr>
+          <p:nvPr>
+            <p:ph type="body" sz="quarter" idx="19"/>
+          </p:nvPr>
+        </p:nvSpPr>
+        <p:spPr/>
+        <p:txBody>
+          <a:bodyPr>
+            <a:normAutofit/>
+          </a:bodyPr>
+          <a:lstStyle/>
+          <a:p>
+            <a:endParaRPr lang="zh-CN" altLang="en-US" dirty="0"/>
+          </a:p>
+        </p:txBody>
+      </p:sp>
+      <p:sp>
+        <p:nvSpPr>
+          <p:cNvPr id="14" name="文本占位符 13"/>
+          <p:cNvSpPr>
+            <a:spLocks noGrp="1"/>
+          </p:cNvSpPr>
+          <p:nvPr>
+            <p:ph type="body" sz="quarter" idx="20"/>
+          </p:nvPr>
+        </p:nvSpPr>
+        <p:spPr>
+          <a:xfrm>
+            <a:off x="9979124" y="3931109"/>
+            <a:ext cx="1640702" cy="307793"/>
+          </a:xfrm>
+        </p:spPr>
+        <p:txBody>
+          <a:bodyPr>
+            <a:noAutofit/>
+          </a:bodyPr>
+          <a:lstStyle/>
+          <a:p>
+            <a:r>
+              <a:rPr lang="zh-CN" altLang="en-US" sz="2400" dirty="0"/>
+              <a:t>软件原型</a:t>
+            </a:r>
+          </a:p>
+        </p:txBody>
+      </p:sp>
+      <p:sp>
+        <p:nvSpPr>
+          <p:cNvPr id="16" name="文本占位符 15"/>
+          <p:cNvSpPr>
+            <a:spLocks noGrp="1"/>
+          </p:cNvSpPr>
+          <p:nvPr>
+            <p:ph type="body" sz="quarter" idx="22"/>
+          </p:nvPr>
+        </p:nvSpPr>
+        <p:spPr/>
+        <p:txBody>
+          <a:bodyPr>
+            <a:normAutofit/>
+          </a:bodyPr>
+          <a:lstStyle/>
+          <a:p>
+            <a:endParaRPr lang="zh-CN" altLang="en-US" dirty="0"/>
+          </a:p>
+        </p:txBody>
+      </p:sp>
+      <p:sp>
+        <p:nvSpPr>
+          <p:cNvPr id="17" name="文本占位符 16"/>
+          <p:cNvSpPr>
+            <a:spLocks noGrp="1"/>
+          </p:cNvSpPr>
+          <p:nvPr>
+            <p:ph type="body" sz="quarter" idx="23"/>
+          </p:nvPr>
+        </p:nvSpPr>
+        <p:spPr>
+          <a:xfrm>
+            <a:off x="9979124" y="4791016"/>
+            <a:ext cx="1640702" cy="307793"/>
+          </a:xfrm>
+        </p:spPr>
+        <p:txBody>
+          <a:bodyPr>
+            <a:noAutofit/>
+          </a:bodyPr>
+          <a:lstStyle/>
+          <a:p>
+            <a:r>
+              <a:rPr lang="zh-CN" altLang="en-US" sz="2400" dirty="0"/>
+              <a:t>样机逻辑</a:t>
+            </a:r>
+          </a:p>
+        </p:txBody>
+      </p:sp>
+      <p:sp>
+        <p:nvSpPr>
+          <p:cNvPr id="19" name="文本占位符 18"/>
+          <p:cNvSpPr>
+            <a:spLocks noGrp="1"/>
+          </p:cNvSpPr>
+          <p:nvPr>
+            <p:ph type="body" sz="quarter" idx="25"/>
+          </p:nvPr>
+        </p:nvSpPr>
+        <p:spPr/>
+        <p:txBody>
+          <a:bodyPr>
+            <a:normAutofit/>
+          </a:bodyPr>
+          <a:lstStyle/>
+          <a:p>
+            <a:endParaRPr lang="zh-CN" altLang="en-US" dirty="0"/>
+          </a:p>
+        </p:txBody>
+      </p:sp>
+      <p:sp>
+        <p:nvSpPr>
+          <p:cNvPr id="20" name="文本占位符 19"/>
+          <p:cNvSpPr>
+            <a:spLocks noGrp="1"/>
+          </p:cNvSpPr>
+          <p:nvPr>
+            <p:ph type="body" sz="quarter" idx="26"/>
+          </p:nvPr>
+        </p:nvSpPr>
+        <p:spPr>
+          <a:xfrm>
+            <a:off x="9979124" y="5641161"/>
+            <a:ext cx="1640702" cy="307793"/>
+          </a:xfrm>
+        </p:spPr>
+        <p:txBody>
+          <a:bodyPr>
+            <a:noAutofit/>
+          </a:bodyPr>
+          <a:lstStyle/>
+          <a:p>
+            <a:r>
+              <a:rPr lang="zh-CN" altLang="en-US" sz="2400" dirty="0"/>
+              <a:t>技术优势</a:t>
+            </a:r>
+          </a:p>
+        </p:txBody>
+      </p:sp>
+    </p:spTree>
+  </p:cSld>
+  <p:clrMapOvr>
+    <a:masterClrMapping/>
+  </p:clrMapOvr>
+</p:sld>
+</file>
+
+<file path=ppt/slides/slide20.xml><?xml version="1.0" encoding="utf-8"?>
 <p:sld xmlns:a="http://schemas.openxmlformats.org/drawingml/2006/main" xmlns:r="http://schemas.openxmlformats.org/officeDocument/2006/relationships" xmlns:p="http://schemas.openxmlformats.org/presentationml/2006/main">
   <p:cSld>
     <p:spTree>
@@ -23640,7 +26564,7 @@
 </p:sld>
 </file>
 
-<file path=ppt/slides/slide17.xml><?xml version="1.0" encoding="utf-8"?>
+<file path=ppt/slides/slide21.xml><?xml version="1.0" encoding="utf-8"?>
 <p:sld xmlns:a="http://schemas.openxmlformats.org/drawingml/2006/main" xmlns:r="http://schemas.openxmlformats.org/officeDocument/2006/relationships" xmlns:p="http://schemas.openxmlformats.org/presentationml/2006/main">
   <p:cSld>
     <p:spTree>
@@ -23752,7 +26676,7 @@
           <a:p>
             <a:pPr algn="ctr"/>
             <a:r>
-              <a:rPr lang="en-US" altLang="zh-CN" sz="1000"/>
+              <a:rPr lang="en-US" altLang="zh-CN" sz="1000" dirty="0"/>
               <a:t>Y1</a:t>
             </a:r>
           </a:p>
@@ -23801,7 +26725,7 @@
           <a:p>
             <a:pPr algn="ctr"/>
             <a:r>
-              <a:rPr lang="en-US" altLang="zh-CN" sz="1000"/>
+              <a:rPr lang="en-US" altLang="zh-CN" sz="1000" dirty="0"/>
               <a:t>Y2</a:t>
             </a:r>
           </a:p>
@@ -23850,7 +26774,7 @@
           <a:p>
             <a:pPr algn="ctr"/>
             <a:r>
-              <a:rPr lang="en-US" altLang="zh-CN" sz="1000"/>
+              <a:rPr lang="en-US" altLang="zh-CN" sz="1000" dirty="0"/>
               <a:t>X1</a:t>
             </a:r>
           </a:p>
@@ -23899,7 +26823,7 @@
           <a:p>
             <a:pPr algn="ctr"/>
             <a:r>
-              <a:rPr lang="en-US" altLang="zh-CN" sz="1000"/>
+              <a:rPr lang="en-US" altLang="zh-CN" sz="1000" dirty="0"/>
               <a:t>X2</a:t>
             </a:r>
           </a:p>
@@ -23948,7 +26872,7 @@
           <a:p>
             <a:pPr algn="ctr"/>
             <a:r>
-              <a:rPr lang="en-US" sz="1000">
+              <a:rPr lang="en-US" sz="1000" dirty="0">
                 <a:sym typeface="+mn-ea"/>
               </a:rPr>
               <a:t>Z1</a:t>
@@ -23959,7 +26883,7 @@
               </a:rPr>
               <a:t>轴视觉</a:t>
             </a:r>
-            <a:endParaRPr lang="en-US" altLang="zh-CN" sz="1000"/>
+            <a:endParaRPr lang="en-US" altLang="zh-CN" sz="1000" dirty="0"/>
           </a:p>
         </p:txBody>
       </p:sp>
@@ -24006,7 +26930,7 @@
           <a:p>
             <a:pPr algn="ctr"/>
             <a:r>
-              <a:rPr lang="en-US" sz="1000">
+              <a:rPr lang="en-US" sz="1000" dirty="0">
                 <a:sym typeface="+mn-ea"/>
               </a:rPr>
               <a:t>Z2</a:t>
@@ -24017,7 +26941,7 @@
               </a:rPr>
               <a:t>轴通规及止规</a:t>
             </a:r>
-            <a:endParaRPr lang="en-US" altLang="zh-CN" sz="1000">
+            <a:endParaRPr lang="en-US" altLang="zh-CN" sz="1000" dirty="0">
               <a:sym typeface="+mn-ea"/>
             </a:endParaRPr>
           </a:p>
@@ -24117,7 +27041,7 @@
 </p:sld>
 </file>
 
-<file path=ppt/slides/slide18.xml><?xml version="1.0" encoding="utf-8"?>
+<file path=ppt/slides/slide22.xml><?xml version="1.0" encoding="utf-8"?>
 <p:sld xmlns:a="http://schemas.openxmlformats.org/drawingml/2006/main" xmlns:r="http://schemas.openxmlformats.org/officeDocument/2006/relationships" xmlns:p="http://schemas.openxmlformats.org/presentationml/2006/main">
   <p:cSld>
     <p:spTree>
@@ -24250,7 +27174,7 @@
 </p:sld>
 </file>
 
-<file path=ppt/slides/slide19.xml><?xml version="1.0" encoding="utf-8"?>
+<file path=ppt/slides/slide23.xml><?xml version="1.0" encoding="utf-8"?>
 <p:sld xmlns:a="http://schemas.openxmlformats.org/drawingml/2006/main" xmlns:r="http://schemas.openxmlformats.org/officeDocument/2006/relationships" xmlns:p="http://schemas.openxmlformats.org/presentationml/2006/main">
   <p:cSld>
     <p:spTree>
@@ -24338,332 +27262,7 @@
 </p:sld>
 </file>
 
-<file path=ppt/slides/slide2.xml><?xml version="1.0" encoding="utf-8"?>
-<p:sld xmlns:a="http://schemas.openxmlformats.org/drawingml/2006/main" xmlns:r="http://schemas.openxmlformats.org/officeDocument/2006/relationships" xmlns:p="http://schemas.openxmlformats.org/presentationml/2006/main">
-  <p:cSld>
-    <p:spTree>
-      <p:nvGrpSpPr>
-        <p:cNvPr id="1" name=""/>
-        <p:cNvGrpSpPr/>
-        <p:nvPr/>
-      </p:nvGrpSpPr>
-      <p:grpSpPr>
-        <a:xfrm>
-          <a:off x="0" y="0"/>
-          <a:ext cx="0" cy="0"/>
-          <a:chOff x="0" y="0"/>
-          <a:chExt cx="0" cy="0"/>
-        </a:xfrm>
-      </p:grpSpPr>
-      <p:sp>
-        <p:nvSpPr>
-          <p:cNvPr id="4" name="文本占位符 3"/>
-          <p:cNvSpPr>
-            <a:spLocks noGrp="1"/>
-          </p:cNvSpPr>
-          <p:nvPr>
-            <p:ph type="body" sz="quarter" idx="10"/>
-          </p:nvPr>
-        </p:nvSpPr>
-        <p:spPr/>
-        <p:txBody>
-          <a:bodyPr>
-            <a:normAutofit/>
-          </a:bodyPr>
-          <a:lstStyle/>
-          <a:p>
-            <a:endParaRPr lang="zh-CN" altLang="en-US" dirty="0"/>
-          </a:p>
-        </p:txBody>
-      </p:sp>
-      <p:sp>
-        <p:nvSpPr>
-          <p:cNvPr id="5" name="文本占位符 4"/>
-          <p:cNvSpPr>
-            <a:spLocks noGrp="1"/>
-          </p:cNvSpPr>
-          <p:nvPr>
-            <p:ph type="body" sz="quarter" idx="11"/>
-          </p:nvPr>
-        </p:nvSpPr>
-        <p:spPr>
-          <a:xfrm>
-            <a:off x="7164965" y="3938288"/>
-            <a:ext cx="1640702" cy="307793"/>
-          </a:xfrm>
-        </p:spPr>
-        <p:txBody>
-          <a:bodyPr>
-            <a:noAutofit/>
-          </a:bodyPr>
-          <a:lstStyle/>
-          <a:p>
-            <a:r>
-              <a:rPr lang="zh-CN" altLang="en-US" sz="2400" dirty="0"/>
-              <a:t>关于思谋</a:t>
-            </a:r>
-          </a:p>
-        </p:txBody>
-      </p:sp>
-      <p:sp>
-        <p:nvSpPr>
-          <p:cNvPr id="7" name="文本占位符 6"/>
-          <p:cNvSpPr>
-            <a:spLocks noGrp="1"/>
-          </p:cNvSpPr>
-          <p:nvPr>
-            <p:ph type="body" sz="quarter" idx="13"/>
-          </p:nvPr>
-        </p:nvSpPr>
-        <p:spPr/>
-        <p:txBody>
-          <a:bodyPr>
-            <a:normAutofit/>
-          </a:bodyPr>
-          <a:lstStyle/>
-          <a:p>
-            <a:endParaRPr lang="zh-CN" altLang="en-US" dirty="0"/>
-          </a:p>
-        </p:txBody>
-      </p:sp>
-      <p:sp>
-        <p:nvSpPr>
-          <p:cNvPr id="8" name="文本占位符 7"/>
-          <p:cNvSpPr>
-            <a:spLocks noGrp="1"/>
-          </p:cNvSpPr>
-          <p:nvPr>
-            <p:ph type="body" sz="quarter" idx="14"/>
-          </p:nvPr>
-        </p:nvSpPr>
-        <p:spPr>
-          <a:xfrm>
-            <a:off x="7164965" y="4791017"/>
-            <a:ext cx="1640702" cy="307793"/>
-          </a:xfrm>
-        </p:spPr>
-        <p:txBody>
-          <a:bodyPr>
-            <a:noAutofit/>
-          </a:bodyPr>
-          <a:lstStyle/>
-          <a:p>
-            <a:r>
-              <a:rPr lang="zh-CN" altLang="en-US" sz="2400" dirty="0"/>
-              <a:t>项目需求</a:t>
-            </a:r>
-          </a:p>
-        </p:txBody>
-      </p:sp>
-      <p:sp>
-        <p:nvSpPr>
-          <p:cNvPr id="10" name="文本占位符 9"/>
-          <p:cNvSpPr>
-            <a:spLocks noGrp="1"/>
-          </p:cNvSpPr>
-          <p:nvPr>
-            <p:ph type="body" sz="quarter" idx="16"/>
-          </p:nvPr>
-        </p:nvSpPr>
-        <p:spPr/>
-        <p:txBody>
-          <a:bodyPr>
-            <a:normAutofit/>
-          </a:bodyPr>
-          <a:lstStyle/>
-          <a:p>
-            <a:endParaRPr lang="zh-CN" altLang="en-US" dirty="0"/>
-          </a:p>
-        </p:txBody>
-      </p:sp>
-      <p:sp>
-        <p:nvSpPr>
-          <p:cNvPr id="11" name="文本占位符 10"/>
-          <p:cNvSpPr>
-            <a:spLocks noGrp="1"/>
-          </p:cNvSpPr>
-          <p:nvPr>
-            <p:ph type="body" sz="quarter" idx="17"/>
-          </p:nvPr>
-        </p:nvSpPr>
-        <p:spPr>
-          <a:xfrm>
-            <a:off x="7164965" y="5641161"/>
-            <a:ext cx="1640702" cy="307793"/>
-          </a:xfrm>
-        </p:spPr>
-        <p:txBody>
-          <a:bodyPr>
-            <a:noAutofit/>
-          </a:bodyPr>
-          <a:lstStyle/>
-          <a:p>
-            <a:r>
-              <a:rPr lang="zh-CN" altLang="en-US" sz="2400" dirty="0"/>
-              <a:t>硬件设计</a:t>
-            </a:r>
-          </a:p>
-        </p:txBody>
-      </p:sp>
-      <p:sp>
-        <p:nvSpPr>
-          <p:cNvPr id="13" name="文本占位符 12"/>
-          <p:cNvSpPr>
-            <a:spLocks noGrp="1"/>
-          </p:cNvSpPr>
-          <p:nvPr>
-            <p:ph type="body" sz="quarter" idx="19"/>
-          </p:nvPr>
-        </p:nvSpPr>
-        <p:spPr/>
-        <p:txBody>
-          <a:bodyPr>
-            <a:normAutofit/>
-          </a:bodyPr>
-          <a:lstStyle/>
-          <a:p>
-            <a:endParaRPr lang="zh-CN" altLang="en-US" dirty="0"/>
-          </a:p>
-        </p:txBody>
-      </p:sp>
-      <p:sp>
-        <p:nvSpPr>
-          <p:cNvPr id="14" name="文本占位符 13"/>
-          <p:cNvSpPr>
-            <a:spLocks noGrp="1"/>
-          </p:cNvSpPr>
-          <p:nvPr>
-            <p:ph type="body" sz="quarter" idx="20"/>
-          </p:nvPr>
-        </p:nvSpPr>
-        <p:spPr>
-          <a:xfrm>
-            <a:off x="9979124" y="3931109"/>
-            <a:ext cx="1640702" cy="307793"/>
-          </a:xfrm>
-        </p:spPr>
-        <p:txBody>
-          <a:bodyPr>
-            <a:noAutofit/>
-          </a:bodyPr>
-          <a:lstStyle/>
-          <a:p>
-            <a:r>
-              <a:rPr lang="zh-CN" altLang="en-US" sz="2400" dirty="0"/>
-              <a:t>软件原型</a:t>
-            </a:r>
-          </a:p>
-        </p:txBody>
-      </p:sp>
-      <p:sp>
-        <p:nvSpPr>
-          <p:cNvPr id="16" name="文本占位符 15"/>
-          <p:cNvSpPr>
-            <a:spLocks noGrp="1"/>
-          </p:cNvSpPr>
-          <p:nvPr>
-            <p:ph type="body" sz="quarter" idx="22"/>
-          </p:nvPr>
-        </p:nvSpPr>
-        <p:spPr/>
-        <p:txBody>
-          <a:bodyPr>
-            <a:normAutofit/>
-          </a:bodyPr>
-          <a:lstStyle/>
-          <a:p>
-            <a:endParaRPr lang="zh-CN" altLang="en-US" dirty="0"/>
-          </a:p>
-        </p:txBody>
-      </p:sp>
-      <p:sp>
-        <p:nvSpPr>
-          <p:cNvPr id="17" name="文本占位符 16"/>
-          <p:cNvSpPr>
-            <a:spLocks noGrp="1"/>
-          </p:cNvSpPr>
-          <p:nvPr>
-            <p:ph type="body" sz="quarter" idx="23"/>
-          </p:nvPr>
-        </p:nvSpPr>
-        <p:spPr>
-          <a:xfrm>
-            <a:off x="9979124" y="4791016"/>
-            <a:ext cx="1640702" cy="307793"/>
-          </a:xfrm>
-        </p:spPr>
-        <p:txBody>
-          <a:bodyPr>
-            <a:noAutofit/>
-          </a:bodyPr>
-          <a:lstStyle/>
-          <a:p>
-            <a:r>
-              <a:rPr lang="zh-CN" altLang="en-US" sz="2400" dirty="0"/>
-              <a:t>样机逻辑</a:t>
-            </a:r>
-          </a:p>
-        </p:txBody>
-      </p:sp>
-      <p:sp>
-        <p:nvSpPr>
-          <p:cNvPr id="19" name="文本占位符 18"/>
-          <p:cNvSpPr>
-            <a:spLocks noGrp="1"/>
-          </p:cNvSpPr>
-          <p:nvPr>
-            <p:ph type="body" sz="quarter" idx="25"/>
-          </p:nvPr>
-        </p:nvSpPr>
-        <p:spPr/>
-        <p:txBody>
-          <a:bodyPr>
-            <a:normAutofit/>
-          </a:bodyPr>
-          <a:lstStyle/>
-          <a:p>
-            <a:endParaRPr lang="zh-CN" altLang="en-US" dirty="0"/>
-          </a:p>
-        </p:txBody>
-      </p:sp>
-      <p:sp>
-        <p:nvSpPr>
-          <p:cNvPr id="20" name="文本占位符 19"/>
-          <p:cNvSpPr>
-            <a:spLocks noGrp="1"/>
-          </p:cNvSpPr>
-          <p:nvPr>
-            <p:ph type="body" sz="quarter" idx="26"/>
-          </p:nvPr>
-        </p:nvSpPr>
-        <p:spPr>
-          <a:xfrm>
-            <a:off x="9979124" y="5641161"/>
-            <a:ext cx="1640702" cy="307793"/>
-          </a:xfrm>
-        </p:spPr>
-        <p:txBody>
-          <a:bodyPr>
-            <a:noAutofit/>
-          </a:bodyPr>
-          <a:lstStyle/>
-          <a:p>
-            <a:r>
-              <a:rPr lang="zh-CN" altLang="en-US" sz="2400" dirty="0"/>
-              <a:t>技术优势</a:t>
-            </a:r>
-          </a:p>
-        </p:txBody>
-      </p:sp>
-    </p:spTree>
-  </p:cSld>
-  <p:clrMapOvr>
-    <a:masterClrMapping/>
-  </p:clrMapOvr>
-</p:sld>
-</file>
-
-<file path=ppt/slides/slide20.xml><?xml version="1.0" encoding="utf-8"?>
+<file path=ppt/slides/slide24.xml><?xml version="1.0" encoding="utf-8"?>
 <p:sld xmlns:a="http://schemas.openxmlformats.org/drawingml/2006/main" xmlns:r="http://schemas.openxmlformats.org/officeDocument/2006/relationships" xmlns:p="http://schemas.openxmlformats.org/presentationml/2006/main">
   <p:cSld>
     <p:spTree>
@@ -26603,13 +29202,10 @@
                 <a:ea typeface="微软雅黑" panose="020B0503020204020204" pitchFamily="34" charset="-122"/>
                 <a:sym typeface="+mn-ea"/>
               </a:rPr>
-              <a:t>、单个螺柱效率：</a:t>
-            </a:r>
-            <a:r>
-              <a:rPr lang="en-US" altLang="zh-CN" sz="1600" dirty="0">
-                <a:solidFill>
-                  <a:schemeClr val="tx1"/>
-                </a:solidFill>
+              <a:t>、检测</a:t>
+            </a:r>
+            <a:r>
+              <a:rPr lang="zh-CN" altLang="en-US" sz="1600" dirty="0">
                 <a:effectLst>
                   <a:outerShdw blurRad="38100" dist="19050" dir="2700000" algn="tl" rotWithShape="0">
                     <a:schemeClr val="dk1">
@@ -26620,107 +29216,10 @@
                 <a:ea typeface="微软雅黑" panose="020B0503020204020204" pitchFamily="34" charset="-122"/>
                 <a:sym typeface="+mn-ea"/>
               </a:rPr>
-              <a:t>≤2秒一颗螺柱</a:t>
-            </a:r>
-          </a:p>
-          <a:p>
-            <a:pPr>
-              <a:lnSpc>
-                <a:spcPct val="150000"/>
-              </a:lnSpc>
-            </a:pPr>
+              <a:t>效率：通规</a:t>
+            </a:r>
             <a:r>
               <a:rPr lang="en-US" altLang="zh-CN" sz="1600" dirty="0">
-                <a:solidFill>
-                  <a:schemeClr val="tx1"/>
-                </a:solidFill>
-                <a:effectLst>
-                  <a:outerShdw blurRad="38100" dist="19050" dir="2700000" algn="tl" rotWithShape="0">
-                    <a:schemeClr val="dk1">
-                      <a:alpha val="40000"/>
-                    </a:schemeClr>
-                  </a:outerShdw>
-                </a:effectLst>
-                <a:ea typeface="微软雅黑" panose="020B0503020204020204" pitchFamily="34" charset="-122"/>
-              </a:rPr>
-              <a:t>3</a:t>
-            </a:r>
-            <a:r>
-              <a:rPr lang="zh-CN" altLang="en-US" sz="1600" dirty="0">
-                <a:solidFill>
-                  <a:schemeClr val="tx1"/>
-                </a:solidFill>
-                <a:effectLst>
-                  <a:outerShdw blurRad="38100" dist="19050" dir="2700000" algn="tl" rotWithShape="0">
-                    <a:schemeClr val="dk1">
-                      <a:alpha val="40000"/>
-                    </a:schemeClr>
-                  </a:outerShdw>
-                </a:effectLst>
-                <a:ea typeface="微软雅黑" panose="020B0503020204020204" pitchFamily="34" charset="-122"/>
-              </a:rPr>
-              <a:t>、作业人员：</a:t>
-            </a:r>
-            <a:r>
-              <a:rPr lang="en-US" altLang="zh-CN" sz="1600" dirty="0">
-                <a:solidFill>
-                  <a:schemeClr val="tx1"/>
-                </a:solidFill>
-                <a:effectLst>
-                  <a:outerShdw blurRad="38100" dist="19050" dir="2700000" algn="tl" rotWithShape="0">
-                    <a:schemeClr val="dk1">
-                      <a:alpha val="40000"/>
-                    </a:schemeClr>
-                  </a:outerShdw>
-                </a:effectLst>
-                <a:ea typeface="微软雅黑" panose="020B0503020204020204" pitchFamily="34" charset="-122"/>
-              </a:rPr>
-              <a:t>1</a:t>
-            </a:r>
-            <a:r>
-              <a:rPr lang="zh-CN" altLang="en-US" sz="1600" dirty="0">
-                <a:solidFill>
-                  <a:schemeClr val="tx1"/>
-                </a:solidFill>
-                <a:effectLst>
-                  <a:outerShdw blurRad="38100" dist="19050" dir="2700000" algn="tl" rotWithShape="0">
-                    <a:schemeClr val="dk1">
-                      <a:alpha val="40000"/>
-                    </a:schemeClr>
-                  </a:outerShdw>
-                </a:effectLst>
-                <a:ea typeface="微软雅黑" panose="020B0503020204020204" pitchFamily="34" charset="-122"/>
-              </a:rPr>
-              <a:t>名</a:t>
-            </a:r>
-          </a:p>
-          <a:p>
-            <a:pPr>
-              <a:lnSpc>
-                <a:spcPct val="150000"/>
-              </a:lnSpc>
-            </a:pPr>
-            <a:r>
-              <a:rPr lang="en-US" altLang="zh-CN" sz="1600" dirty="0">
-                <a:solidFill>
-                  <a:schemeClr val="tx1"/>
-                </a:solidFill>
-                <a:effectLst>
-                  <a:outerShdw blurRad="38100" dist="19050" dir="2700000" algn="tl" rotWithShape="0">
-                    <a:schemeClr val="dk1">
-                      <a:alpha val="40000"/>
-                    </a:schemeClr>
-                  </a:outerShdw>
-                </a:effectLst>
-                <a:ea typeface="微软雅黑" panose="020B0503020204020204" pitchFamily="34" charset="-122"/>
-              </a:rPr>
-              <a:t>4</a:t>
-            </a:r>
-            <a:r>
-              <a:rPr lang="zh-CN" altLang="zh-CN" sz="1600" dirty="0">
-                <a:solidFill>
-                  <a:schemeClr val="tx1"/>
-                </a:solidFill>
                 <a:effectLst>
                   <a:outerShdw blurRad="38100" dist="19050" dir="2700000" algn="tl" rotWithShape="0">
                     <a:schemeClr val="dk1">
@@ -26731,13 +29230,10 @@
                 <a:ea typeface="微软雅黑" panose="020B0503020204020204" pitchFamily="34" charset="-122"/>
                 <a:sym typeface="+mn-ea"/>
               </a:rPr>
-              <a:t>、</a:t>
+              <a:t>6</a:t>
             </a:r>
             <a:r>
               <a:rPr lang="zh-CN" altLang="en-US" sz="1600" dirty="0">
-                <a:solidFill>
-                  <a:schemeClr val="tx1"/>
-                </a:solidFill>
                 <a:effectLst>
                   <a:outerShdw blurRad="38100" dist="19050" dir="2700000" algn="tl" rotWithShape="0">
                     <a:schemeClr val="dk1">
@@ -26748,7 +29244,91 @@
                 <a:ea typeface="微软雅黑" panose="020B0503020204020204" pitchFamily="34" charset="-122"/>
                 <a:sym typeface="+mn-ea"/>
               </a:rPr>
-              <a:t>上料方式：人工上料</a:t>
+              <a:t>秒</a:t>
+            </a:r>
+            <a:r>
+              <a:rPr lang="en-US" altLang="zh-CN" sz="1600" dirty="0">
+                <a:effectLst>
+                  <a:outerShdw blurRad="38100" dist="19050" dir="2700000" algn="tl" rotWithShape="0">
+                    <a:schemeClr val="dk1">
+                      <a:alpha val="40000"/>
+                    </a:schemeClr>
+                  </a:outerShdw>
+                </a:effectLst>
+                <a:ea typeface="微软雅黑" panose="020B0503020204020204" pitchFamily="34" charset="-122"/>
+                <a:sym typeface="+mn-ea"/>
+              </a:rPr>
+              <a:t>/</a:t>
+            </a:r>
+            <a:r>
+              <a:rPr lang="zh-CN" altLang="en-US" sz="1600" dirty="0">
+                <a:effectLst>
+                  <a:outerShdw blurRad="38100" dist="19050" dir="2700000" algn="tl" rotWithShape="0">
+                    <a:schemeClr val="dk1">
+                      <a:alpha val="40000"/>
+                    </a:schemeClr>
+                  </a:outerShdw>
+                </a:effectLst>
+                <a:ea typeface="微软雅黑" panose="020B0503020204020204" pitchFamily="34" charset="-122"/>
+                <a:sym typeface="+mn-ea"/>
+              </a:rPr>
+              <a:t>位置，止规</a:t>
+            </a:r>
+            <a:r>
+              <a:rPr lang="en-US" altLang="zh-CN" sz="1600" dirty="0">
+                <a:effectLst>
+                  <a:outerShdw blurRad="38100" dist="19050" dir="2700000" algn="tl" rotWithShape="0">
+                    <a:schemeClr val="dk1">
+                      <a:alpha val="40000"/>
+                    </a:schemeClr>
+                  </a:outerShdw>
+                </a:effectLst>
+                <a:ea typeface="微软雅黑" panose="020B0503020204020204" pitchFamily="34" charset="-122"/>
+                <a:sym typeface="+mn-ea"/>
+              </a:rPr>
+              <a:t>3</a:t>
+            </a:r>
+            <a:r>
+              <a:rPr lang="zh-CN" altLang="en-US" sz="1600" dirty="0">
+                <a:effectLst>
+                  <a:outerShdw blurRad="38100" dist="19050" dir="2700000" algn="tl" rotWithShape="0">
+                    <a:schemeClr val="dk1">
+                      <a:alpha val="40000"/>
+                    </a:schemeClr>
+                  </a:outerShdw>
+                </a:effectLst>
+                <a:ea typeface="微软雅黑" panose="020B0503020204020204" pitchFamily="34" charset="-122"/>
+                <a:sym typeface="+mn-ea"/>
+              </a:rPr>
+              <a:t>秒</a:t>
+            </a:r>
+            <a:r>
+              <a:rPr lang="en-US" altLang="zh-CN" sz="1600" dirty="0">
+                <a:effectLst>
+                  <a:outerShdw blurRad="38100" dist="19050" dir="2700000" algn="tl" rotWithShape="0">
+                    <a:schemeClr val="dk1">
+                      <a:alpha val="40000"/>
+                    </a:schemeClr>
+                  </a:outerShdw>
+                </a:effectLst>
+                <a:ea typeface="微软雅黑" panose="020B0503020204020204" pitchFamily="34" charset="-122"/>
+                <a:sym typeface="+mn-ea"/>
+              </a:rPr>
+              <a:t>/</a:t>
+            </a:r>
+            <a:r>
+              <a:rPr lang="zh-CN" altLang="en-US" sz="1600" dirty="0">
+                <a:effectLst>
+                  <a:outerShdw blurRad="38100" dist="19050" dir="2700000" algn="tl" rotWithShape="0">
+                    <a:schemeClr val="dk1">
+                      <a:alpha val="40000"/>
+                    </a:schemeClr>
+                  </a:outerShdw>
+                </a:effectLst>
+                <a:ea typeface="微软雅黑" panose="020B0503020204020204" pitchFamily="34" charset="-122"/>
+                <a:sym typeface="+mn-ea"/>
+              </a:rPr>
+              <a:t>位置</a:t>
             </a:r>
             <a:endParaRPr lang="en-US" altLang="zh-CN" sz="1600" dirty="0">
               <a:solidFill>
@@ -26785,6 +29365,148 @@
                 </a:effectLst>
                 <a:ea typeface="微软雅黑" panose="020B0503020204020204" pitchFamily="34" charset="-122"/>
               </a:rPr>
+              <a:t>3</a:t>
+            </a:r>
+            <a:r>
+              <a:rPr lang="zh-CN" altLang="en-US" sz="1600" dirty="0">
+                <a:solidFill>
+                  <a:schemeClr val="tx1"/>
+                </a:solidFill>
+                <a:effectLst>
+                  <a:outerShdw blurRad="38100" dist="19050" dir="2700000" algn="tl" rotWithShape="0">
+                    <a:schemeClr val="dk1">
+                      <a:alpha val="40000"/>
+                    </a:schemeClr>
+                  </a:outerShdw>
+                </a:effectLst>
+                <a:ea typeface="微软雅黑" panose="020B0503020204020204" pitchFamily="34" charset="-122"/>
+              </a:rPr>
+              <a:t>、作业人员：</a:t>
+            </a:r>
+            <a:r>
+              <a:rPr lang="en-US" altLang="zh-CN" sz="1600" dirty="0">
+                <a:solidFill>
+                  <a:schemeClr val="tx1"/>
+                </a:solidFill>
+                <a:effectLst>
+                  <a:outerShdw blurRad="38100" dist="19050" dir="2700000" algn="tl" rotWithShape="0">
+                    <a:schemeClr val="dk1">
+                      <a:alpha val="40000"/>
+                    </a:schemeClr>
+                  </a:outerShdw>
+                </a:effectLst>
+                <a:ea typeface="微软雅黑" panose="020B0503020204020204" pitchFamily="34" charset="-122"/>
+              </a:rPr>
+              <a:t>1</a:t>
+            </a:r>
+            <a:r>
+              <a:rPr lang="zh-CN" altLang="en-US" sz="1600" dirty="0">
+                <a:solidFill>
+                  <a:schemeClr val="tx1"/>
+                </a:solidFill>
+                <a:effectLst>
+                  <a:outerShdw blurRad="38100" dist="19050" dir="2700000" algn="tl" rotWithShape="0">
+                    <a:schemeClr val="dk1">
+                      <a:alpha val="40000"/>
+                    </a:schemeClr>
+                  </a:outerShdw>
+                </a:effectLst>
+                <a:ea typeface="微软雅黑" panose="020B0503020204020204" pitchFamily="34" charset="-122"/>
+              </a:rPr>
+              <a:t>名</a:t>
+            </a:r>
+          </a:p>
+          <a:p>
+            <a:pPr>
+              <a:lnSpc>
+                <a:spcPct val="150000"/>
+              </a:lnSpc>
+            </a:pPr>
+            <a:r>
+              <a:rPr lang="en-US" altLang="zh-CN" sz="1600" dirty="0">
+                <a:solidFill>
+                  <a:schemeClr val="tx1"/>
+                </a:solidFill>
+                <a:effectLst>
+                  <a:outerShdw blurRad="38100" dist="19050" dir="2700000" algn="tl" rotWithShape="0">
+                    <a:schemeClr val="dk1">
+                      <a:alpha val="40000"/>
+                    </a:schemeClr>
+                  </a:outerShdw>
+                </a:effectLst>
+                <a:ea typeface="微软雅黑" panose="020B0503020204020204" pitchFamily="34" charset="-122"/>
+              </a:rPr>
+              <a:t>4</a:t>
+            </a:r>
+            <a:r>
+              <a:rPr lang="zh-CN" altLang="zh-CN" sz="1600" dirty="0">
+                <a:solidFill>
+                  <a:schemeClr val="tx1"/>
+                </a:solidFill>
+                <a:effectLst>
+                  <a:outerShdw blurRad="38100" dist="19050" dir="2700000" algn="tl" rotWithShape="0">
+                    <a:schemeClr val="dk1">
+                      <a:alpha val="40000"/>
+                    </a:schemeClr>
+                  </a:outerShdw>
+                </a:effectLst>
+                <a:ea typeface="微软雅黑" panose="020B0503020204020204" pitchFamily="34" charset="-122"/>
+                <a:sym typeface="+mn-ea"/>
+              </a:rPr>
+              <a:t>、</a:t>
+            </a:r>
+            <a:r>
+              <a:rPr lang="zh-CN" altLang="en-US" sz="1600" dirty="0">
+                <a:solidFill>
+                  <a:schemeClr val="tx1"/>
+                </a:solidFill>
+                <a:effectLst>
+                  <a:outerShdw blurRad="38100" dist="19050" dir="2700000" algn="tl" rotWithShape="0">
+                    <a:schemeClr val="dk1">
+                      <a:alpha val="40000"/>
+                    </a:schemeClr>
+                  </a:outerShdw>
+                </a:effectLst>
+                <a:ea typeface="微软雅黑" panose="020B0503020204020204" pitchFamily="34" charset="-122"/>
+                <a:sym typeface="+mn-ea"/>
+              </a:rPr>
+              <a:t>上料方式：人工上料</a:t>
+            </a:r>
+            <a:endParaRPr lang="en-US" altLang="zh-CN" sz="1600" dirty="0">
+              <a:solidFill>
+                <a:schemeClr val="tx1"/>
+              </a:solidFill>
+              <a:effectLst>
+                <a:outerShdw blurRad="38100" dist="19050" dir="2700000" algn="tl" rotWithShape="0">
+                  <a:schemeClr val="dk1">
+                    <a:alpha val="40000"/>
+                  </a:schemeClr>
+                </a:outerShdw>
+              </a:effectLst>
+              <a:ea typeface="微软雅黑" panose="020B0503020204020204" pitchFamily="34" charset="-122"/>
+              <a:sym typeface="+mn-ea"/>
+            </a:endParaRPr>
+          </a:p>
+          <a:p>
+            <a:pPr>
+              <a:lnSpc>
+                <a:spcPct val="150000"/>
+              </a:lnSpc>
+            </a:pPr>
+            <a:r>
+              <a:rPr lang="en-US" altLang="zh-CN" sz="1600" dirty="0">
+                <a:solidFill>
+                  <a:schemeClr val="tx1"/>
+                </a:solidFill>
+                <a:effectLst>
+                  <a:outerShdw blurRad="38100" dist="19050" dir="2700000" algn="tl" rotWithShape="0">
+                    <a:schemeClr val="dk1">
+                      <a:alpha val="40000"/>
+                    </a:schemeClr>
+                  </a:outerShdw>
+                </a:effectLst>
+                <a:ea typeface="微软雅黑" panose="020B0503020204020204" pitchFamily="34" charset="-122"/>
+              </a:rPr>
               <a:t>5</a:t>
             </a:r>
             <a:r>
@@ -27026,17 +29748,17 @@
                 <a:ea typeface="微软雅黑" panose="020B0503020204020204" pitchFamily="34" charset="-122"/>
                 <a:sym typeface="+mn-ea"/>
               </a:rPr>
-              <a:t>L1800*W1660*H2000</a:t>
+              <a:t>L2200*W1800*H2000</a:t>
             </a:r>
           </a:p>
         </p:txBody>
       </p:sp>
       <p:pic>
         <p:nvPicPr>
-          <p:cNvPr id="5" name="图片 4">
+          <p:cNvPr id="7" name="图片 6">
             <a:extLst>
               <a:ext uri="{FF2B5EF4-FFF2-40B4-BE49-F238E27FC236}">
-                <a16:creationId xmlns:a16="http://schemas.microsoft.com/office/drawing/2014/main" id="{67ED3627-C35F-44EA-BA27-E87960F1ABC5}"/>
+                <a16:creationId xmlns:a16="http://schemas.microsoft.com/office/drawing/2014/main" id="{56031C8B-2592-4259-B917-6B05F48A2BE7}"/>
               </a:ext>
             </a:extLst>
           </p:cNvPr>
@@ -27046,21 +29768,15 @@
           <p:nvPr/>
         </p:nvPicPr>
         <p:blipFill>
-          <a:blip r:embed="rId2">
-            <a:extLst>
-              <a:ext uri="{28A0092B-C50C-407E-A947-70E740481C1C}">
-                <a14:useLocalDpi xmlns:a14="http://schemas.microsoft.com/office/drawing/2010/main" val="0"/>
-              </a:ext>
-            </a:extLst>
-          </a:blip>
+          <a:blip r:embed="rId2"/>
           <a:stretch>
             <a:fillRect/>
           </a:stretch>
         </p:blipFill>
         <p:spPr>
           <a:xfrm>
-            <a:off x="5972586" y="797938"/>
-            <a:ext cx="5430622" cy="5110691"/>
+            <a:off x="5707614" y="1046107"/>
+            <a:ext cx="5394960" cy="5539740"/>
           </a:xfrm>
           <a:prstGeom prst="rect">
             <a:avLst/>
@@ -27097,42 +29813,12 @@
           <a:chExt cx="0" cy="0"/>
         </a:xfrm>
       </p:grpSpPr>
-      <p:sp>
-        <p:nvSpPr>
-          <p:cNvPr id="2" name="标题 1"/>
-          <p:cNvSpPr>
-            <a:spLocks noGrp="1"/>
-          </p:cNvSpPr>
-          <p:nvPr>
-            <p:ph type="title"/>
-          </p:nvPr>
-        </p:nvSpPr>
-        <p:spPr/>
-        <p:txBody>
-          <a:bodyPr/>
-          <a:lstStyle/>
-          <a:p>
-            <a:r>
-              <a:rPr lang="zh-CN" altLang="en-US" dirty="0"/>
-              <a:t>硬件设计</a:t>
-            </a:r>
-            <a:r>
-              <a:rPr lang="en-US" altLang="zh-CN" dirty="0"/>
-              <a:t>|</a:t>
-            </a:r>
-            <a:r>
-              <a:rPr lang="zh-CN" altLang="en-US" dirty="0"/>
-              <a:t>功能介绍</a:t>
-            </a:r>
-          </a:p>
-        </p:txBody>
-      </p:sp>
       <p:pic>
         <p:nvPicPr>
-          <p:cNvPr id="6" name="图片 5">
+          <p:cNvPr id="17" name="图片 16">
             <a:extLst>
               <a:ext uri="{FF2B5EF4-FFF2-40B4-BE49-F238E27FC236}">
-                <a16:creationId xmlns:a16="http://schemas.microsoft.com/office/drawing/2014/main" id="{D2735B8F-CD7E-4618-9FC1-DCA93B3005C0}"/>
+                <a16:creationId xmlns:a16="http://schemas.microsoft.com/office/drawing/2014/main" id="{BB5D3846-FA43-4260-ADD2-04132A7E8C0B}"/>
               </a:ext>
             </a:extLst>
           </p:cNvPr>
@@ -27149,14 +29835,49 @@
         </p:blipFill>
         <p:spPr>
           <a:xfrm>
-            <a:off x="2340249" y="884121"/>
-            <a:ext cx="6700520" cy="5956300"/>
+            <a:off x="2575420" y="1285887"/>
+            <a:ext cx="5538109" cy="5292000"/>
           </a:xfrm>
           <a:prstGeom prst="rect">
             <a:avLst/>
           </a:prstGeom>
         </p:spPr>
       </p:pic>
+      <p:sp>
+        <p:nvSpPr>
+          <p:cNvPr id="2" name="标题 1"/>
+          <p:cNvSpPr>
+            <a:spLocks noGrp="1"/>
+          </p:cNvSpPr>
+          <p:nvPr>
+            <p:ph type="title"/>
+          </p:nvPr>
+        </p:nvSpPr>
+        <p:spPr/>
+        <p:txBody>
+          <a:bodyPr/>
+          <a:lstStyle/>
+          <a:p>
+            <a:r>
+              <a:rPr lang="zh-CN" altLang="en-US" dirty="0"/>
+              <a:t>硬件设计</a:t>
+            </a:r>
+            <a:r>
+              <a:rPr lang="en-US" altLang="zh-CN" dirty="0"/>
+              <a:t>|</a:t>
+            </a:r>
+            <a:r>
+              <a:rPr lang="zh-CN" altLang="en-US" dirty="0"/>
+              <a:t>功能介绍</a:t>
+            </a:r>
+            <a:r>
+              <a:rPr lang="en-US" altLang="zh-CN" dirty="0"/>
+              <a:t>1</a:t>
+            </a:r>
+            <a:endParaRPr lang="zh-CN" altLang="en-US" dirty="0"/>
+          </a:p>
+        </p:txBody>
+      </p:sp>
       <p:sp>
         <p:nvSpPr>
           <p:cNvPr id="19" name="标注: 线形 18">
@@ -27178,8 +29899,8 @@
             <a:avLst>
               <a:gd name="adj1" fmla="val 47143"/>
               <a:gd name="adj2" fmla="val 102626"/>
-              <a:gd name="adj3" fmla="val 174963"/>
-              <a:gd name="adj4" fmla="val 278408"/>
+              <a:gd name="adj3" fmla="val 205248"/>
+              <a:gd name="adj4" fmla="val 237071"/>
             </a:avLst>
           </a:prstGeom>
         </p:spPr>
@@ -27230,8 +29951,8 @@
             <a:avLst>
               <a:gd name="adj1" fmla="val 47143"/>
               <a:gd name="adj2" fmla="val 102626"/>
-              <a:gd name="adj3" fmla="val 193891"/>
-              <a:gd name="adj4" fmla="val 296037"/>
+              <a:gd name="adj3" fmla="val 256354"/>
+              <a:gd name="adj4" fmla="val 292390"/>
             </a:avLst>
           </a:prstGeom>
         </p:spPr>
@@ -27283,7 +30004,7 @@
               <a:gd name="adj1" fmla="val 47143"/>
               <a:gd name="adj2" fmla="val 102626"/>
               <a:gd name="adj3" fmla="val 197677"/>
-              <a:gd name="adj4" fmla="val 311235"/>
+              <a:gd name="adj4" fmla="val 257740"/>
             </a:avLst>
           </a:prstGeom>
         </p:spPr>
@@ -27342,8 +30063,8 @@
             <a:avLst>
               <a:gd name="adj1" fmla="val 47143"/>
               <a:gd name="adj2" fmla="val 102626"/>
-              <a:gd name="adj3" fmla="val 68964"/>
-              <a:gd name="adj4" fmla="val 221265"/>
+              <a:gd name="adj3" fmla="val 108713"/>
+              <a:gd name="adj4" fmla="val 233423"/>
             </a:avLst>
           </a:prstGeom>
         </p:spPr>
@@ -27394,8 +30115,8 @@
             <a:avLst>
               <a:gd name="adj1" fmla="val 47143"/>
               <a:gd name="adj2" fmla="val 102626"/>
-              <a:gd name="adj3" fmla="val -27571"/>
-              <a:gd name="adj4" fmla="val 243149"/>
+              <a:gd name="adj3" fmla="val 14071"/>
+              <a:gd name="adj4" fmla="val 248620"/>
             </a:avLst>
           </a:prstGeom>
         </p:spPr>
@@ -27446,8 +30167,8 @@
             <a:avLst>
               <a:gd name="adj1" fmla="val 47143"/>
               <a:gd name="adj2" fmla="val 102626"/>
-              <a:gd name="adj3" fmla="val -6750"/>
-              <a:gd name="adj4" fmla="val 206675"/>
+              <a:gd name="adj3" fmla="val 23535"/>
+              <a:gd name="adj4" fmla="val 181143"/>
             </a:avLst>
           </a:prstGeom>
         </p:spPr>
@@ -27498,8 +30219,8 @@
             <a:avLst>
               <a:gd name="adj1" fmla="val 52822"/>
               <a:gd name="adj2" fmla="val -109"/>
-              <a:gd name="adj3" fmla="val 108715"/>
-              <a:gd name="adj4" fmla="val -144693"/>
+              <a:gd name="adj3" fmla="val 86001"/>
+              <a:gd name="adj4" fmla="val -165970"/>
             </a:avLst>
           </a:prstGeom>
         </p:spPr>
@@ -27550,8 +30271,8 @@
             <a:avLst>
               <a:gd name="adj1" fmla="val 52822"/>
               <a:gd name="adj2" fmla="val -109"/>
-              <a:gd name="adj3" fmla="val 36787"/>
-              <a:gd name="adj4" fmla="val -166577"/>
+              <a:gd name="adj3" fmla="val 27323"/>
+              <a:gd name="adj4" fmla="val -179951"/>
             </a:avLst>
           </a:prstGeom>
         </p:spPr>
@@ -27606,8 +30327,8 @@
             <a:avLst>
               <a:gd name="adj1" fmla="val 52822"/>
               <a:gd name="adj2" fmla="val -109"/>
-              <a:gd name="adj3" fmla="val -59747"/>
-              <a:gd name="adj4" fmla="val -148948"/>
+              <a:gd name="adj3" fmla="val -55961"/>
+              <a:gd name="adj4" fmla="val -182991"/>
             </a:avLst>
           </a:prstGeom>
         </p:spPr>
@@ -27658,8 +30379,8 @@
             <a:avLst>
               <a:gd name="adj1" fmla="val 52822"/>
               <a:gd name="adj2" fmla="val -109"/>
-              <a:gd name="adj3" fmla="val -105175"/>
-              <a:gd name="adj4" fmla="val -177519"/>
+              <a:gd name="adj3" fmla="val -50283"/>
+              <a:gd name="adj4" fmla="val -102747"/>
             </a:avLst>
           </a:prstGeom>
         </p:spPr>
@@ -27684,7 +30405,7 @@
             <a:pPr algn="ctr"/>
             <a:r>
               <a:rPr lang="zh-CN" altLang="en-US" sz="1400" dirty="0"/>
-              <a:t>通规、止规</a:t>
+              <a:t>通规、止规库</a:t>
             </a:r>
           </a:p>
         </p:txBody>
@@ -27770,8 +30491,8 @@
             <a:avLst>
               <a:gd name="adj1" fmla="val 52822"/>
               <a:gd name="adj2" fmla="val -109"/>
-              <a:gd name="adj3" fmla="val -139246"/>
-              <a:gd name="adj4" fmla="val -206091"/>
+              <a:gd name="adj3" fmla="val -107068"/>
+              <a:gd name="adj4" fmla="val -192109"/>
             </a:avLst>
           </a:prstGeom>
         </p:spPr>
@@ -27822,8 +30543,8 @@
             <a:avLst>
               <a:gd name="adj1" fmla="val 47143"/>
               <a:gd name="adj2" fmla="val 102626"/>
-              <a:gd name="adj3" fmla="val -214961"/>
-              <a:gd name="adj4" fmla="val 310018"/>
+              <a:gd name="adj3" fmla="val -184676"/>
+              <a:gd name="adj4" fmla="val 332510"/>
             </a:avLst>
           </a:prstGeom>
         </p:spPr>

--- a/2022/01/BOYD 大幅面散热板外观测量检测项目/BOYD-散热板外观检测解决方案 新版V1.0.0.1.pptx
+++ b/2022/01/BOYD 大幅面散热板外观测量检测项目/BOYD-散热板外观检测解决方案 新版V1.0.0.1.pptx
@@ -27,7 +27,7 @@
     <p:sldId id="281" r:id="rId21"/>
     <p:sldId id="282" r:id="rId22"/>
     <p:sldId id="283" r:id="rId23"/>
-    <p:sldId id="284" r:id="rId24"/>
+    <p:sldId id="293" r:id="rId24"/>
     <p:sldId id="269" r:id="rId25"/>
   </p:sldIdLst>
   <p:sldSz cx="12192000" cy="6858000"/>
@@ -1629,881 +1629,6 @@
 </dgm:colorsDef>
 </file>
 
-<file path=ppt/diagrams/colors3.xml><?xml version="1.0" encoding="utf-8"?>
-<dgm:colorsDef xmlns:dgm="http://schemas.openxmlformats.org/drawingml/2006/diagram" xmlns:a="http://schemas.openxmlformats.org/drawingml/2006/main" uniqueId="urn:microsoft.com/office/officeart/2005/8/colors/accent5_3">
-  <dgm:title val=""/>
-  <dgm:desc val=""/>
-  <dgm:catLst>
-    <dgm:cat type="accent5" pri="11300"/>
-  </dgm:catLst>
-  <dgm:styleLbl name="node0">
-    <dgm:fillClrLst meth="repeat">
-      <a:schemeClr val="accent5">
-        <a:shade val="80000"/>
-      </a:schemeClr>
-    </dgm:fillClrLst>
-    <dgm:linClrLst meth="repeat">
-      <a:schemeClr val="lt1"/>
-    </dgm:linClrLst>
-    <dgm:effectClrLst/>
-    <dgm:txLinClrLst/>
-    <dgm:txFillClrLst/>
-    <dgm:txEffectClrLst/>
-  </dgm:styleLbl>
-  <dgm:styleLbl name="node1">
-    <dgm:fillClrLst>
-      <a:schemeClr val="accent5">
-        <a:shade val="80000"/>
-      </a:schemeClr>
-      <a:schemeClr val="accent5">
-        <a:tint val="70000"/>
-      </a:schemeClr>
-    </dgm:fillClrLst>
-    <dgm:linClrLst meth="repeat">
-      <a:schemeClr val="lt1"/>
-    </dgm:linClrLst>
-    <dgm:effectClrLst/>
-    <dgm:txLinClrLst/>
-    <dgm:txFillClrLst/>
-    <dgm:txEffectClrLst/>
-  </dgm:styleLbl>
-  <dgm:styleLbl name="alignNode1">
-    <dgm:fillClrLst>
-      <a:schemeClr val="accent5">
-        <a:shade val="80000"/>
-      </a:schemeClr>
-      <a:schemeClr val="accent5">
-        <a:tint val="70000"/>
-      </a:schemeClr>
-    </dgm:fillClrLst>
-    <dgm:linClrLst>
-      <a:schemeClr val="accent5">
-        <a:shade val="80000"/>
-      </a:schemeClr>
-      <a:schemeClr val="accent5">
-        <a:tint val="70000"/>
-      </a:schemeClr>
-    </dgm:linClrLst>
-    <dgm:effectClrLst/>
-    <dgm:txLinClrLst/>
-    <dgm:txFillClrLst/>
-    <dgm:txEffectClrLst/>
-  </dgm:styleLbl>
-  <dgm:styleLbl name="lnNode1">
-    <dgm:fillClrLst>
-      <a:schemeClr val="accent5">
-        <a:shade val="80000"/>
-      </a:schemeClr>
-      <a:schemeClr val="accent5">
-        <a:tint val="70000"/>
-      </a:schemeClr>
-    </dgm:fillClrLst>
-    <dgm:linClrLst meth="repeat">
-      <a:schemeClr val="lt1"/>
-    </dgm:linClrLst>
-    <dgm:effectClrLst/>
-    <dgm:txLinClrLst/>
-    <dgm:txFillClrLst/>
-    <dgm:txEffectClrLst/>
-  </dgm:styleLbl>
-  <dgm:styleLbl name="vennNode1">
-    <dgm:fillClrLst>
-      <a:schemeClr val="accent5">
-        <a:shade val="80000"/>
-        <a:alpha val="50000"/>
-      </a:schemeClr>
-      <a:schemeClr val="accent5">
-        <a:tint val="70000"/>
-        <a:alpha val="50000"/>
-      </a:schemeClr>
-    </dgm:fillClrLst>
-    <dgm:linClrLst meth="repeat">
-      <a:schemeClr val="lt1"/>
-    </dgm:linClrLst>
-    <dgm:effectClrLst/>
-    <dgm:txLinClrLst/>
-    <dgm:txFillClrLst/>
-    <dgm:txEffectClrLst/>
-  </dgm:styleLbl>
-  <dgm:styleLbl name="node2">
-    <dgm:fillClrLst>
-      <a:schemeClr val="accent5">
-        <a:tint val="99000"/>
-      </a:schemeClr>
-    </dgm:fillClrLst>
-    <dgm:linClrLst meth="repeat">
-      <a:schemeClr val="lt1"/>
-    </dgm:linClrLst>
-    <dgm:effectClrLst/>
-    <dgm:txLinClrLst/>
-    <dgm:txFillClrLst/>
-    <dgm:txEffectClrLst/>
-  </dgm:styleLbl>
-  <dgm:styleLbl name="node3">
-    <dgm:fillClrLst>
-      <a:schemeClr val="accent5">
-        <a:tint val="80000"/>
-      </a:schemeClr>
-    </dgm:fillClrLst>
-    <dgm:linClrLst meth="repeat">
-      <a:schemeClr val="lt1"/>
-    </dgm:linClrLst>
-    <dgm:effectClrLst/>
-    <dgm:txLinClrLst/>
-    <dgm:txFillClrLst/>
-    <dgm:txEffectClrLst/>
-  </dgm:styleLbl>
-  <dgm:styleLbl name="node4">
-    <dgm:fillClrLst>
-      <a:schemeClr val="accent5">
-        <a:tint val="70000"/>
-      </a:schemeClr>
-    </dgm:fillClrLst>
-    <dgm:linClrLst meth="repeat">
-      <a:schemeClr val="lt1"/>
-    </dgm:linClrLst>
-    <dgm:effectClrLst/>
-    <dgm:txLinClrLst/>
-    <dgm:txFillClrLst/>
-    <dgm:txEffectClrLst/>
-  </dgm:styleLbl>
-  <dgm:styleLbl name="fgImgPlace1">
-    <dgm:fillClrLst>
-      <a:schemeClr val="accent5">
-        <a:tint val="50000"/>
-      </a:schemeClr>
-      <a:schemeClr val="accent5">
-        <a:tint val="20000"/>
-      </a:schemeClr>
-    </dgm:fillClrLst>
-    <dgm:linClrLst meth="repeat">
-      <a:schemeClr val="lt1"/>
-    </dgm:linClrLst>
-    <dgm:effectClrLst/>
-    <dgm:txLinClrLst/>
-    <dgm:txFillClrLst meth="repeat">
-      <a:schemeClr val="lt1"/>
-    </dgm:txFillClrLst>
-    <dgm:txEffectClrLst/>
-  </dgm:styleLbl>
-  <dgm:styleLbl name="alignImgPlace1">
-    <dgm:fillClrLst>
-      <a:schemeClr val="accent5">
-        <a:tint val="50000"/>
-      </a:schemeClr>
-      <a:schemeClr val="accent5">
-        <a:tint val="20000"/>
-      </a:schemeClr>
-    </dgm:fillClrLst>
-    <dgm:linClrLst meth="repeat">
-      <a:schemeClr val="lt1"/>
-    </dgm:linClrLst>
-    <dgm:effectClrLst/>
-    <dgm:txLinClrLst/>
-    <dgm:txFillClrLst meth="repeat">
-      <a:schemeClr val="lt1"/>
-    </dgm:txFillClrLst>
-    <dgm:txEffectClrLst/>
-  </dgm:styleLbl>
-  <dgm:styleLbl name="bgImgPlace1">
-    <dgm:fillClrLst>
-      <a:schemeClr val="accent5">
-        <a:tint val="50000"/>
-      </a:schemeClr>
-      <a:schemeClr val="accent5">
-        <a:tint val="20000"/>
-      </a:schemeClr>
-    </dgm:fillClrLst>
-    <dgm:linClrLst meth="repeat">
-      <a:schemeClr val="lt1"/>
-    </dgm:linClrLst>
-    <dgm:effectClrLst/>
-    <dgm:txLinClrLst/>
-    <dgm:txFillClrLst meth="repeat">
-      <a:schemeClr val="lt1"/>
-    </dgm:txFillClrLst>
-    <dgm:txEffectClrLst/>
-  </dgm:styleLbl>
-  <dgm:styleLbl name="sibTrans2D1">
-    <dgm:fillClrLst>
-      <a:schemeClr val="accent5">
-        <a:shade val="90000"/>
-      </a:schemeClr>
-      <a:schemeClr val="accent5">
-        <a:tint val="70000"/>
-      </a:schemeClr>
-    </dgm:fillClrLst>
-    <dgm:linClrLst>
-      <a:schemeClr val="accent5">
-        <a:shade val="90000"/>
-      </a:schemeClr>
-      <a:schemeClr val="accent5">
-        <a:tint val="70000"/>
-      </a:schemeClr>
-    </dgm:linClrLst>
-    <dgm:effectClrLst/>
-    <dgm:txLinClrLst/>
-    <dgm:txFillClrLst/>
-    <dgm:txEffectClrLst/>
-  </dgm:styleLbl>
-  <dgm:styleLbl name="fgSibTrans2D1">
-    <dgm:fillClrLst>
-      <a:schemeClr val="accent5">
-        <a:shade val="90000"/>
-      </a:schemeClr>
-      <a:schemeClr val="accent5">
-        <a:tint val="70000"/>
-      </a:schemeClr>
-    </dgm:fillClrLst>
-    <dgm:linClrLst>
-      <a:schemeClr val="accent5">
-        <a:shade val="90000"/>
-      </a:schemeClr>
-      <a:schemeClr val="accent5">
-        <a:tint val="70000"/>
-      </a:schemeClr>
-    </dgm:linClrLst>
-    <dgm:effectClrLst/>
-    <dgm:txLinClrLst/>
-    <dgm:txFillClrLst meth="repeat">
-      <a:schemeClr val="lt1"/>
-    </dgm:txFillClrLst>
-    <dgm:txEffectClrLst/>
-  </dgm:styleLbl>
-  <dgm:styleLbl name="bgSibTrans2D1">
-    <dgm:fillClrLst>
-      <a:schemeClr val="accent5">
-        <a:shade val="90000"/>
-      </a:schemeClr>
-      <a:schemeClr val="accent5">
-        <a:tint val="70000"/>
-      </a:schemeClr>
-    </dgm:fillClrLst>
-    <dgm:linClrLst>
-      <a:schemeClr val="accent5">
-        <a:shade val="90000"/>
-      </a:schemeClr>
-      <a:schemeClr val="accent5">
-        <a:tint val="70000"/>
-      </a:schemeClr>
-    </dgm:linClrLst>
-    <dgm:effectClrLst/>
-    <dgm:txLinClrLst/>
-    <dgm:txFillClrLst meth="repeat">
-      <a:schemeClr val="lt1"/>
-    </dgm:txFillClrLst>
-    <dgm:txEffectClrLst/>
-  </dgm:styleLbl>
-  <dgm:styleLbl name="sibTrans1D1">
-    <dgm:fillClrLst>
-      <a:schemeClr val="accent5">
-        <a:shade val="90000"/>
-      </a:schemeClr>
-      <a:schemeClr val="accent5">
-        <a:tint val="70000"/>
-      </a:schemeClr>
-    </dgm:fillClrLst>
-    <dgm:linClrLst>
-      <a:schemeClr val="accent5">
-        <a:shade val="90000"/>
-      </a:schemeClr>
-      <a:schemeClr val="accent5">
-        <a:tint val="70000"/>
-      </a:schemeClr>
-    </dgm:linClrLst>
-    <dgm:effectClrLst/>
-    <dgm:txLinClrLst/>
-    <dgm:txFillClrLst meth="repeat">
-      <a:schemeClr val="tx1"/>
-    </dgm:txFillClrLst>
-    <dgm:txEffectClrLst/>
-  </dgm:styleLbl>
-  <dgm:styleLbl name="callout">
-    <dgm:fillClrLst meth="repeat">
-      <a:schemeClr val="accent5"/>
-    </dgm:fillClrLst>
-    <dgm:linClrLst meth="repeat">
-      <a:schemeClr val="accent5"/>
-    </dgm:linClrLst>
-    <dgm:effectClrLst/>
-    <dgm:txLinClrLst/>
-    <dgm:txFillClrLst meth="repeat">
-      <a:schemeClr val="tx1"/>
-    </dgm:txFillClrLst>
-    <dgm:txEffectClrLst/>
-  </dgm:styleLbl>
-  <dgm:styleLbl name="asst0">
-    <dgm:fillClrLst meth="repeat">
-      <a:schemeClr val="accent5">
-        <a:shade val="80000"/>
-      </a:schemeClr>
-    </dgm:fillClrLst>
-    <dgm:linClrLst meth="repeat">
-      <a:schemeClr val="lt1"/>
-    </dgm:linClrLst>
-    <dgm:effectClrLst/>
-    <dgm:txLinClrLst/>
-    <dgm:txFillClrLst/>
-    <dgm:txEffectClrLst/>
-  </dgm:styleLbl>
-  <dgm:styleLbl name="asst1">
-    <dgm:fillClrLst meth="repeat">
-      <a:schemeClr val="accent5">
-        <a:shade val="80000"/>
-      </a:schemeClr>
-    </dgm:fillClrLst>
-    <dgm:linClrLst meth="repeat">
-      <a:schemeClr val="lt1"/>
-    </dgm:linClrLst>
-    <dgm:effectClrLst/>
-    <dgm:txLinClrLst/>
-    <dgm:txFillClrLst/>
-    <dgm:txEffectClrLst/>
-  </dgm:styleLbl>
-  <dgm:styleLbl name="asst2">
-    <dgm:fillClrLst>
-      <a:schemeClr val="accent5">
-        <a:tint val="99000"/>
-      </a:schemeClr>
-    </dgm:fillClrLst>
-    <dgm:linClrLst meth="repeat">
-      <a:schemeClr val="lt1"/>
-    </dgm:linClrLst>
-    <dgm:effectClrLst/>
-    <dgm:txLinClrLst/>
-    <dgm:txFillClrLst/>
-    <dgm:txEffectClrLst/>
-  </dgm:styleLbl>
-  <dgm:styleLbl name="asst3">
-    <dgm:fillClrLst>
-      <a:schemeClr val="accent5">
-        <a:tint val="80000"/>
-      </a:schemeClr>
-    </dgm:fillClrLst>
-    <dgm:linClrLst meth="repeat">
-      <a:schemeClr val="lt1"/>
-    </dgm:linClrLst>
-    <dgm:effectClrLst/>
-    <dgm:txLinClrLst/>
-    <dgm:txFillClrLst/>
-    <dgm:txEffectClrLst/>
-  </dgm:styleLbl>
-  <dgm:styleLbl name="asst4">
-    <dgm:fillClrLst>
-      <a:schemeClr val="accent5">
-        <a:tint val="70000"/>
-      </a:schemeClr>
-    </dgm:fillClrLst>
-    <dgm:linClrLst meth="repeat">
-      <a:schemeClr val="lt1"/>
-    </dgm:linClrLst>
-    <dgm:effectClrLst/>
-    <dgm:txLinClrLst/>
-    <dgm:txFillClrLst/>
-    <dgm:txEffectClrLst/>
-  </dgm:styleLbl>
-  <dgm:styleLbl name="parChTrans2D1">
-    <dgm:fillClrLst meth="repeat">
-      <a:schemeClr val="accent5">
-        <a:tint val="60000"/>
-      </a:schemeClr>
-    </dgm:fillClrLst>
-    <dgm:linClrLst meth="repeat">
-      <a:schemeClr val="accent5">
-        <a:tint val="60000"/>
-      </a:schemeClr>
-    </dgm:linClrLst>
-    <dgm:effectClrLst/>
-    <dgm:txLinClrLst/>
-    <dgm:txFillClrLst meth="repeat">
-      <a:schemeClr val="lt1"/>
-    </dgm:txFillClrLst>
-    <dgm:txEffectClrLst/>
-  </dgm:styleLbl>
-  <dgm:styleLbl name="parChTrans2D2">
-    <dgm:fillClrLst meth="repeat">
-      <a:schemeClr val="accent5">
-        <a:tint val="90000"/>
-      </a:schemeClr>
-    </dgm:fillClrLst>
-    <dgm:linClrLst meth="repeat">
-      <a:schemeClr val="accent5">
-        <a:tint val="90000"/>
-      </a:schemeClr>
-    </dgm:linClrLst>
-    <dgm:effectClrLst/>
-    <dgm:txLinClrLst/>
-    <dgm:txFillClrLst/>
-    <dgm:txEffectClrLst/>
-  </dgm:styleLbl>
-  <dgm:styleLbl name="parChTrans2D3">
-    <dgm:fillClrLst meth="repeat">
-      <a:schemeClr val="accent5">
-        <a:tint val="70000"/>
-      </a:schemeClr>
-    </dgm:fillClrLst>
-    <dgm:linClrLst meth="repeat">
-      <a:schemeClr val="accent5">
-        <a:tint val="70000"/>
-      </a:schemeClr>
-    </dgm:linClrLst>
-    <dgm:effectClrLst/>
-    <dgm:txLinClrLst/>
-    <dgm:txFillClrLst/>
-    <dgm:txEffectClrLst/>
-  </dgm:styleLbl>
-  <dgm:styleLbl name="parChTrans2D4">
-    <dgm:fillClrLst meth="repeat">
-      <a:schemeClr val="accent5">
-        <a:tint val="50000"/>
-      </a:schemeClr>
-    </dgm:fillClrLst>
-    <dgm:linClrLst meth="repeat">
-      <a:schemeClr val="accent5">
-        <a:tint val="50000"/>
-      </a:schemeClr>
-    </dgm:linClrLst>
-    <dgm:effectClrLst/>
-    <dgm:txLinClrLst/>
-    <dgm:txFillClrLst meth="repeat">
-      <a:schemeClr val="lt1"/>
-    </dgm:txFillClrLst>
-    <dgm:txEffectClrLst/>
-  </dgm:styleLbl>
-  <dgm:styleLbl name="parChTrans1D1">
-    <dgm:fillClrLst meth="repeat">
-      <a:schemeClr val="accent5">
-        <a:shade val="80000"/>
-      </a:schemeClr>
-    </dgm:fillClrLst>
-    <dgm:linClrLst meth="repeat">
-      <a:schemeClr val="accent5">
-        <a:shade val="80000"/>
-      </a:schemeClr>
-    </dgm:linClrLst>
-    <dgm:effectClrLst/>
-    <dgm:txLinClrLst/>
-    <dgm:txFillClrLst meth="repeat">
-      <a:schemeClr val="tx1"/>
-    </dgm:txFillClrLst>
-    <dgm:txEffectClrLst/>
-  </dgm:styleLbl>
-  <dgm:styleLbl name="parChTrans1D2">
-    <dgm:fillClrLst meth="repeat">
-      <a:schemeClr val="accent5">
-        <a:tint val="99000"/>
-      </a:schemeClr>
-    </dgm:fillClrLst>
-    <dgm:linClrLst meth="repeat">
-      <a:schemeClr val="accent5">
-        <a:tint val="99000"/>
-      </a:schemeClr>
-    </dgm:linClrLst>
-    <dgm:effectClrLst/>
-    <dgm:txLinClrLst/>
-    <dgm:txFillClrLst meth="repeat">
-      <a:schemeClr val="tx1"/>
-    </dgm:txFillClrLst>
-    <dgm:txEffectClrLst/>
-  </dgm:styleLbl>
-  <dgm:styleLbl name="parChTrans1D3">
-    <dgm:fillClrLst meth="repeat">
-      <a:schemeClr val="accent5">
-        <a:tint val="80000"/>
-      </a:schemeClr>
-    </dgm:fillClrLst>
-    <dgm:linClrLst meth="repeat">
-      <a:schemeClr val="accent5">
-        <a:tint val="80000"/>
-      </a:schemeClr>
-    </dgm:linClrLst>
-    <dgm:effectClrLst/>
-    <dgm:txLinClrLst/>
-    <dgm:txFillClrLst meth="repeat">
-      <a:schemeClr val="tx1"/>
-    </dgm:txFillClrLst>
-    <dgm:txEffectClrLst/>
-  </dgm:styleLbl>
-  <dgm:styleLbl name="parChTrans1D4">
-    <dgm:fillClrLst meth="repeat">
-      <a:schemeClr val="accent5">
-        <a:tint val="70000"/>
-      </a:schemeClr>
-    </dgm:fillClrLst>
-    <dgm:linClrLst meth="repeat">
-      <a:schemeClr val="accent5">
-        <a:tint val="70000"/>
-      </a:schemeClr>
-    </dgm:linClrLst>
-    <dgm:effectClrLst/>
-    <dgm:txLinClrLst/>
-    <dgm:txFillClrLst meth="repeat">
-      <a:schemeClr val="tx1"/>
-    </dgm:txFillClrLst>
-    <dgm:txEffectClrLst/>
-  </dgm:styleLbl>
-  <dgm:styleLbl name="fgAcc1">
-    <dgm:fillClrLst meth="repeat">
-      <a:schemeClr val="lt1">
-        <a:alpha val="90000"/>
-      </a:schemeClr>
-    </dgm:fillClrLst>
-    <dgm:linClrLst>
-      <a:schemeClr val="accent5">
-        <a:shade val="80000"/>
-      </a:schemeClr>
-      <a:schemeClr val="accent5">
-        <a:tint val="70000"/>
-      </a:schemeClr>
-    </dgm:linClrLst>
-    <dgm:effectClrLst/>
-    <dgm:txLinClrLst/>
-    <dgm:txFillClrLst meth="repeat">
-      <a:schemeClr val="dk1"/>
-    </dgm:txFillClrLst>
-    <dgm:txEffectClrLst/>
-  </dgm:styleLbl>
-  <dgm:styleLbl name="conFgAcc1">
-    <dgm:fillClrLst meth="repeat">
-      <a:schemeClr val="lt1">
-        <a:alpha val="90000"/>
-      </a:schemeClr>
-    </dgm:fillClrLst>
-    <dgm:linClrLst>
-      <a:schemeClr val="accent5">
-        <a:shade val="80000"/>
-      </a:schemeClr>
-      <a:schemeClr val="accent5">
-        <a:tint val="70000"/>
-      </a:schemeClr>
-    </dgm:linClrLst>
-    <dgm:effectClrLst/>
-    <dgm:txLinClrLst/>
-    <dgm:txFillClrLst meth="repeat">
-      <a:schemeClr val="dk1"/>
-    </dgm:txFillClrLst>
-    <dgm:txEffectClrLst/>
-  </dgm:styleLbl>
-  <dgm:styleLbl name="alignAcc1">
-    <dgm:fillClrLst meth="repeat">
-      <a:schemeClr val="lt1">
-        <a:alpha val="90000"/>
-      </a:schemeClr>
-    </dgm:fillClrLst>
-    <dgm:linClrLst>
-      <a:schemeClr val="accent5">
-        <a:shade val="80000"/>
-      </a:schemeClr>
-      <a:schemeClr val="accent5">
-        <a:tint val="70000"/>
-      </a:schemeClr>
-    </dgm:linClrLst>
-    <dgm:effectClrLst/>
-    <dgm:txLinClrLst/>
-    <dgm:txFillClrLst meth="repeat">
-      <a:schemeClr val="dk1"/>
-    </dgm:txFillClrLst>
-    <dgm:txEffectClrLst/>
-  </dgm:styleLbl>
-  <dgm:styleLbl name="trAlignAcc1">
-    <dgm:fillClrLst meth="repeat">
-      <a:schemeClr val="lt1">
-        <a:alpha val="40000"/>
-      </a:schemeClr>
-    </dgm:fillClrLst>
-    <dgm:linClrLst meth="repeat">
-      <a:schemeClr val="accent5"/>
-    </dgm:linClrLst>
-    <dgm:effectClrLst/>
-    <dgm:txLinClrLst/>
-    <dgm:txFillClrLst meth="repeat">
-      <a:schemeClr val="dk1"/>
-    </dgm:txFillClrLst>
-    <dgm:txEffectClrLst/>
-  </dgm:styleLbl>
-  <dgm:styleLbl name="bgAcc1">
-    <dgm:fillClrLst meth="repeat">
-      <a:schemeClr val="lt1">
-        <a:alpha val="90000"/>
-      </a:schemeClr>
-    </dgm:fillClrLst>
-    <dgm:linClrLst>
-      <a:schemeClr val="accent5">
-        <a:shade val="80000"/>
-      </a:schemeClr>
-      <a:schemeClr val="accent5">
-        <a:tint val="70000"/>
-      </a:schemeClr>
-    </dgm:linClrLst>
-    <dgm:effectClrLst/>
-    <dgm:txLinClrLst/>
-    <dgm:txFillClrLst meth="repeat">
-      <a:schemeClr val="dk1"/>
-    </dgm:txFillClrLst>
-    <dgm:txEffectClrLst/>
-  </dgm:styleLbl>
-  <dgm:styleLbl name="solidFgAcc1">
-    <dgm:fillClrLst meth="repeat">
-      <a:schemeClr val="lt1"/>
-    </dgm:fillClrLst>
-    <dgm:linClrLst>
-      <a:schemeClr val="accent5">
-        <a:shade val="80000"/>
-      </a:schemeClr>
-      <a:schemeClr val="accent5">
-        <a:tint val="70000"/>
-      </a:schemeClr>
-    </dgm:linClrLst>
-    <dgm:effectClrLst/>
-    <dgm:txLinClrLst/>
-    <dgm:txFillClrLst meth="repeat">
-      <a:schemeClr val="dk1"/>
-    </dgm:txFillClrLst>
-    <dgm:txEffectClrLst/>
-  </dgm:styleLbl>
-  <dgm:styleLbl name="solidAlignAcc1">
-    <dgm:fillClrLst meth="repeat">
-      <a:schemeClr val="lt1"/>
-    </dgm:fillClrLst>
-    <dgm:linClrLst meth="repeat">
-      <a:schemeClr val="accent5"/>
-    </dgm:linClrLst>
-    <dgm:effectClrLst/>
-    <dgm:txLinClrLst/>
-    <dgm:txFillClrLst meth="repeat">
-      <a:schemeClr val="dk1"/>
-    </dgm:txFillClrLst>
-    <dgm:txEffectClrLst/>
-  </dgm:styleLbl>
-  <dgm:styleLbl name="solidBgAcc1">
-    <dgm:fillClrLst meth="repeat">
-      <a:schemeClr val="lt1"/>
-    </dgm:fillClrLst>
-    <dgm:linClrLst meth="repeat">
-      <a:schemeClr val="accent5"/>
-    </dgm:linClrLst>
-    <dgm:effectClrLst/>
-    <dgm:txLinClrLst/>
-    <dgm:txFillClrLst meth="repeat">
-      <a:schemeClr val="dk1"/>
-    </dgm:txFillClrLst>
-    <dgm:txEffectClrLst/>
-  </dgm:styleLbl>
-  <dgm:styleLbl name="fgAccFollowNode1">
-    <dgm:fillClrLst meth="repeat">
-      <a:schemeClr val="accent5">
-        <a:alpha val="90000"/>
-        <a:tint val="40000"/>
-      </a:schemeClr>
-    </dgm:fillClrLst>
-    <dgm:linClrLst meth="repeat">
-      <a:schemeClr val="accent5">
-        <a:alpha val="90000"/>
-        <a:tint val="40000"/>
-      </a:schemeClr>
-    </dgm:linClrLst>
-    <dgm:effectClrLst/>
-    <dgm:txLinClrLst/>
-    <dgm:txFillClrLst meth="repeat">
-      <a:schemeClr val="dk1"/>
-    </dgm:txFillClrLst>
-    <dgm:txEffectClrLst/>
-  </dgm:styleLbl>
-  <dgm:styleLbl name="alignAccFollowNode1">
-    <dgm:fillClrLst meth="repeat">
-      <a:schemeClr val="accent5">
-        <a:alpha val="90000"/>
-        <a:tint val="40000"/>
-      </a:schemeClr>
-    </dgm:fillClrLst>
-    <dgm:linClrLst meth="repeat">
-      <a:schemeClr val="accent5">
-        <a:alpha val="90000"/>
-        <a:tint val="40000"/>
-      </a:schemeClr>
-    </dgm:linClrLst>
-    <dgm:effectClrLst/>
-    <dgm:txLinClrLst/>
-    <dgm:txFillClrLst meth="repeat">
-      <a:schemeClr val="dk1"/>
-    </dgm:txFillClrLst>
-    <dgm:txEffectClrLst/>
-  </dgm:styleLbl>
-  <dgm:styleLbl name="bgAccFollowNode1">
-    <dgm:fillClrLst meth="repeat">
-      <a:schemeClr val="accent5">
-        <a:alpha val="90000"/>
-        <a:tint val="40000"/>
-      </a:schemeClr>
-    </dgm:fillClrLst>
-    <dgm:linClrLst meth="repeat">
-      <a:schemeClr val="lt1"/>
-    </dgm:linClrLst>
-    <dgm:effectClrLst/>
-    <dgm:txLinClrLst/>
-    <dgm:txFillClrLst meth="repeat">
-      <a:schemeClr val="dk1"/>
-    </dgm:txFillClrLst>
-    <dgm:txEffectClrLst/>
-  </dgm:styleLbl>
-  <dgm:styleLbl name="fgAcc0">
-    <dgm:fillClrLst meth="repeat">
-      <a:schemeClr val="lt1">
-        <a:alpha val="90000"/>
-      </a:schemeClr>
-    </dgm:fillClrLst>
-    <dgm:linClrLst meth="repeat">
-      <a:schemeClr val="accent5">
-        <a:shade val="80000"/>
-      </a:schemeClr>
-    </dgm:linClrLst>
-    <dgm:effectClrLst/>
-    <dgm:txLinClrLst/>
-    <dgm:txFillClrLst meth="repeat">
-      <a:schemeClr val="dk1"/>
-    </dgm:txFillClrLst>
-    <dgm:txEffectClrLst/>
-  </dgm:styleLbl>
-  <dgm:styleLbl name="fgAcc2">
-    <dgm:fillClrLst meth="repeat">
-      <a:schemeClr val="lt1">
-        <a:alpha val="90000"/>
-      </a:schemeClr>
-    </dgm:fillClrLst>
-    <dgm:linClrLst meth="repeat">
-      <a:schemeClr val="accent5">
-        <a:tint val="99000"/>
-      </a:schemeClr>
-    </dgm:linClrLst>
-    <dgm:effectClrLst/>
-    <dgm:txLinClrLst/>
-    <dgm:txFillClrLst meth="repeat">
-      <a:schemeClr val="dk1"/>
-    </dgm:txFillClrLst>
-    <dgm:txEffectClrLst/>
-  </dgm:styleLbl>
-  <dgm:styleLbl name="fgAcc3">
-    <dgm:fillClrLst meth="repeat">
-      <a:schemeClr val="lt1">
-        <a:alpha val="90000"/>
-      </a:schemeClr>
-    </dgm:fillClrLst>
-    <dgm:linClrLst meth="repeat">
-      <a:schemeClr val="accent5">
-        <a:tint val="80000"/>
-      </a:schemeClr>
-    </dgm:linClrLst>
-    <dgm:effectClrLst/>
-    <dgm:txLinClrLst/>
-    <dgm:txFillClrLst meth="repeat">
-      <a:schemeClr val="dk1"/>
-    </dgm:txFillClrLst>
-    <dgm:txEffectClrLst/>
-  </dgm:styleLbl>
-  <dgm:styleLbl name="fgAcc4">
-    <dgm:fillClrLst meth="repeat">
-      <a:schemeClr val="lt1">
-        <a:alpha val="90000"/>
-      </a:schemeClr>
-    </dgm:fillClrLst>
-    <dgm:linClrLst meth="repeat">
-      <a:schemeClr val="accent5">
-        <a:tint val="70000"/>
-      </a:schemeClr>
-    </dgm:linClrLst>
-    <dgm:effectClrLst/>
-    <dgm:txLinClrLst/>
-    <dgm:txFillClrLst meth="repeat">
-      <a:schemeClr val="dk1"/>
-    </dgm:txFillClrLst>
-    <dgm:txEffectClrLst/>
-  </dgm:styleLbl>
-  <dgm:styleLbl name="bgShp">
-    <dgm:fillClrLst meth="repeat">
-      <a:schemeClr val="accent5">
-        <a:tint val="40000"/>
-      </a:schemeClr>
-    </dgm:fillClrLst>
-    <dgm:linClrLst meth="repeat">
-      <a:schemeClr val="dk1"/>
-    </dgm:linClrLst>
-    <dgm:effectClrLst/>
-    <dgm:txLinClrLst/>
-    <dgm:txFillClrLst meth="repeat">
-      <a:schemeClr val="dk1"/>
-    </dgm:txFillClrLst>
-    <dgm:txEffectClrLst/>
-  </dgm:styleLbl>
-  <dgm:styleLbl name="dkBgShp">
-    <dgm:fillClrLst meth="repeat">
-      <a:schemeClr val="accent5">
-        <a:shade val="90000"/>
-      </a:schemeClr>
-    </dgm:fillClrLst>
-    <dgm:linClrLst meth="repeat">
-      <a:schemeClr val="dk1"/>
-    </dgm:linClrLst>
-    <dgm:effectClrLst/>
-    <dgm:txLinClrLst/>
-    <dgm:txFillClrLst meth="repeat">
-      <a:schemeClr val="lt1"/>
-    </dgm:txFillClrLst>
-    <dgm:txEffectClrLst/>
-  </dgm:styleLbl>
-  <dgm:styleLbl name="trBgShp">
-    <dgm:fillClrLst meth="repeat">
-      <a:schemeClr val="accent5">
-        <a:tint val="50000"/>
-        <a:alpha val="40000"/>
-      </a:schemeClr>
-    </dgm:fillClrLst>
-    <dgm:linClrLst meth="repeat">
-      <a:schemeClr val="accent5"/>
-    </dgm:linClrLst>
-    <dgm:effectClrLst/>
-    <dgm:txLinClrLst/>
-    <dgm:txFillClrLst meth="repeat">
-      <a:schemeClr val="lt1"/>
-    </dgm:txFillClrLst>
-    <dgm:txEffectClrLst/>
-  </dgm:styleLbl>
-  <dgm:styleLbl name="fgShp">
-    <dgm:fillClrLst meth="repeat">
-      <a:schemeClr val="accent5">
-        <a:tint val="40000"/>
-      </a:schemeClr>
-    </dgm:fillClrLst>
-    <dgm:linClrLst meth="repeat">
-      <a:schemeClr val="lt1"/>
-    </dgm:linClrLst>
-    <dgm:effectClrLst/>
-    <dgm:txLinClrLst/>
-    <dgm:txFillClrLst meth="repeat">
-      <a:schemeClr val="dk1"/>
-    </dgm:txFillClrLst>
-    <dgm:txEffectClrLst/>
-  </dgm:styleLbl>
-  <dgm:styleLbl name="revTx">
-    <dgm:fillClrLst meth="repeat">
-      <a:schemeClr val="lt1">
-        <a:alpha val="0"/>
-      </a:schemeClr>
-    </dgm:fillClrLst>
-    <dgm:linClrLst meth="repeat">
-      <a:schemeClr val="dk1">
-        <a:alpha val="0"/>
-      </a:schemeClr>
-    </dgm:linClrLst>
-    <dgm:effectClrLst/>
-    <dgm:txLinClrLst/>
-    <dgm:txFillClrLst meth="repeat">
-      <a:schemeClr val="tx1"/>
-    </dgm:txFillClrLst>
-    <dgm:txEffectClrLst/>
-  </dgm:styleLbl>
-</dgm:colorsDef>
-</file>
-
 <file path=ppt/diagrams/data1.xml><?xml version="1.0" encoding="utf-8"?>
 <dgm:dataModel xmlns:dgm="http://schemas.openxmlformats.org/drawingml/2006/diagram" xmlns:a="http://schemas.openxmlformats.org/drawingml/2006/main">
   <dgm:ptLst>
@@ -3674,342 +2799,6 @@
     <dgm:cxn modelId="{99FE2C7A-1812-4307-911E-F0BECABB9E43}" type="presParOf" srcId="{539039B2-BA15-47F4-ADF4-57DCF4873949}" destId="{C4805395-92E7-4DC6-BCC2-C69ADCBB5581}" srcOrd="2" destOrd="0" presId="urn:microsoft.com/office/officeart/2009/3/layout/SnapshotPictureList"/>
     <dgm:cxn modelId="{7B14E115-2B34-450C-89C4-BC9532D37783}" type="presParOf" srcId="{539039B2-BA15-47F4-ADF4-57DCF4873949}" destId="{BC7B8D63-3560-4255-9069-53079F7421BC}" srcOrd="3" destOrd="0" presId="urn:microsoft.com/office/officeart/2009/3/layout/SnapshotPictureList"/>
     <dgm:cxn modelId="{D39BF93C-35D7-497E-8A93-35B36CD05B43}" type="presParOf" srcId="{539039B2-BA15-47F4-ADF4-57DCF4873949}" destId="{65D97FF0-07D5-4D9A-82D6-E711C760F7A6}" srcOrd="4" destOrd="0" presId="urn:microsoft.com/office/officeart/2009/3/layout/SnapshotPictureList"/>
-  </dgm:cxnLst>
-  <dgm:bg/>
-  <dgm:whole/>
-  <dgm:extLst>
-    <a:ext uri="http://schemas.microsoft.com/office/drawing/2008/diagram">
-      <dsp:dataModelExt xmlns:dsp="http://schemas.microsoft.com/office/drawing/2008/diagram" relId="rId6" minVer="http://schemas.openxmlformats.org/drawingml/2006/diagram"/>
-    </a:ext>
-  </dgm:extLst>
-</dgm:dataModel>
-</file>
-
-<file path=ppt/diagrams/data3.xml><?xml version="1.0" encoding="utf-8"?>
-<dgm:dataModel xmlns:dgm="http://schemas.openxmlformats.org/drawingml/2006/diagram" xmlns:a="http://schemas.openxmlformats.org/drawingml/2006/main">
-  <dgm:ptLst>
-    <dgm:pt modelId="{B12D25EB-1480-4FBB-A2A0-EB1379363C8B}" type="doc">
-      <dgm:prSet loTypeId="urn:microsoft.com/office/officeart/2005/8/layout/vList4" loCatId="list" qsTypeId="urn:microsoft.com/office/officeart/2005/8/quickstyle/simple3" qsCatId="simple" csTypeId="urn:microsoft.com/office/officeart/2005/8/colors/accent5_3" csCatId="accent5" phldr="1"/>
-      <dgm:spPr/>
-    </dgm:pt>
-    <dgm:pt modelId="{16DDBA8E-5A08-4609-9360-F715D535E8CC}">
-      <dgm:prSet phldrT="[文本]" custT="1"/>
-      <dgm:spPr/>
-      <dgm:t>
-        <a:bodyPr/>
-        <a:lstStyle/>
-        <a:p>
-          <a:r>
-            <a:rPr lang="zh-CN" altLang="en-US" sz="1400" b="1" dirty="0"/>
-            <a:t>设备简介</a:t>
-          </a:r>
-          <a:endParaRPr lang="en-US" altLang="en-US" sz="1400" b="1" dirty="0"/>
-        </a:p>
-        <a:p>
-          <a:r>
-            <a:rPr lang="en-US" altLang="en-US" sz="1200" dirty="0"/>
-            <a:t>IC</a:t>
-          </a:r>
-          <a:r>
-            <a:rPr lang="zh-CN" altLang="en-US" sz="1200" dirty="0"/>
-            <a:t>载板大靶面三次元高精度测量机，基于光学影像测量系统，配合高精度运动机构和花岗岩龙门式底座，实现了测量精度、速度、稳定的完美结合；依托高精度图像分析算法与闪测原理，在测量范围内，不同位置、任意姿态摆放工件，设备都可自动定位测量对象、匹配模板、测量评价、生成报表，实现快速精准测噩。
-设备采用高远心度的双侧远心镜头和高分辨率线阵扫描相机，搭配分辨率</a:t>
-          </a:r>
-          <a:r>
-            <a:rPr lang="en-US" altLang="en-US" sz="1200" dirty="0"/>
-            <a:t>0.1 m</a:t>
-          </a:r>
-          <a:r>
-            <a:rPr lang="zh-CN" altLang="en-US" sz="1200" dirty="0"/>
-            <a:t>的光栅系统，以微米级的检测精度和</a:t>
-          </a:r>
-          <a:r>
-            <a:rPr lang="en-US" altLang="en-US" sz="1200" dirty="0"/>
-            <a:t>200mm/s</a:t>
-          </a:r>
-          <a:r>
-            <a:rPr lang="zh-CN" altLang="en-US" sz="1200" dirty="0"/>
-            <a:t>的检测速度，对大靶面</a:t>
-          </a:r>
-          <a:r>
-            <a:rPr lang="en-US" altLang="en-US" sz="1200" dirty="0"/>
-            <a:t>IC</a:t>
-          </a:r>
-          <a:r>
-            <a:rPr lang="zh-CN" altLang="en-US" sz="1200" dirty="0"/>
-            <a:t>载板实现精度高、速度快的高质量检测。同时，设备可对在测量视野内的任意多个同规格产品同时进行测量，全面助力企业产线的智造转型。</a:t>
-          </a:r>
-        </a:p>
-      </dgm:t>
-    </dgm:pt>
-    <dgm:pt modelId="{F46792CF-B8CE-4F23-A40C-786B4FC26AB0}" type="parTrans" cxnId="{F3BCB782-DB10-48E3-A92D-0A639B62F322}">
-      <dgm:prSet/>
-      <dgm:spPr/>
-      <dgm:t>
-        <a:bodyPr/>
-        <a:lstStyle/>
-        <a:p>
-          <a:endParaRPr lang="zh-CN" altLang="en-US"/>
-        </a:p>
-      </dgm:t>
-    </dgm:pt>
-    <dgm:pt modelId="{006E442E-E5B3-4E98-8392-42362DEC2F7C}" type="sibTrans" cxnId="{F3BCB782-DB10-48E3-A92D-0A639B62F322}">
-      <dgm:prSet/>
-      <dgm:spPr/>
-      <dgm:t>
-        <a:bodyPr/>
-        <a:lstStyle/>
-        <a:p>
-          <a:endParaRPr lang="zh-CN" altLang="en-US"/>
-        </a:p>
-      </dgm:t>
-    </dgm:pt>
-    <dgm:pt modelId="{DD883F81-9DB3-47E9-B672-D62836DDF78D}">
-      <dgm:prSet phldrT="[文本]" custT="1"/>
-      <dgm:spPr/>
-      <dgm:t>
-        <a:bodyPr/>
-        <a:lstStyle/>
-        <a:p>
-          <a:r>
-            <a:rPr lang="zh-CN" altLang="en-US" sz="1400" b="1" dirty="0"/>
-            <a:t>性能优势</a:t>
-          </a:r>
-          <a:endParaRPr lang="en-US" altLang="zh-CN" sz="1400" b="1" dirty="0"/>
-        </a:p>
-        <a:p>
-          <a:r>
-            <a:rPr lang="en-US" altLang="zh-CN" sz="1200" dirty="0"/>
-            <a:t>1.</a:t>
-          </a:r>
-          <a:r>
-            <a:rPr lang="zh-CN" altLang="en-US" sz="1200" dirty="0"/>
-            <a:t>采用高精度运动结构、花岗岩龙门式底座，保证设备高稳定性。</a:t>
-          </a:r>
-          <a:endParaRPr lang="en-US" altLang="zh-CN" sz="1200" dirty="0"/>
-        </a:p>
-        <a:p>
-          <a:r>
-            <a:rPr lang="en-US" altLang="zh-CN" sz="1200" dirty="0"/>
-            <a:t>2.</a:t>
-          </a:r>
-          <a:r>
-            <a:rPr lang="zh-CN" altLang="zh-CN" sz="1200" dirty="0"/>
-            <a:t>超大测量行程</a:t>
-          </a:r>
-          <a:r>
-            <a:rPr lang="en-US" altLang="zh-CN" sz="1200" dirty="0"/>
-            <a:t>(620x540mm-920x840mm), </a:t>
-          </a:r>
-          <a:r>
-            <a:rPr lang="zh-CN" altLang="zh-CN" sz="1200" dirty="0"/>
-            <a:t>测量速度</a:t>
-          </a:r>
-          <a:r>
-            <a:rPr lang="en-US" altLang="zh-CN" sz="1200" dirty="0"/>
-            <a:t>200mm/s, </a:t>
-          </a:r>
-          <a:r>
-            <a:rPr lang="zh-CN" altLang="zh-CN" sz="1200" dirty="0"/>
-            <a:t>移动速度</a:t>
-          </a:r>
-          <a:r>
-            <a:rPr lang="en-US" altLang="zh-CN" sz="1200" dirty="0"/>
-            <a:t>500mm/s</a:t>
-          </a:r>
-          <a:r>
-            <a:rPr lang="zh-CN" altLang="zh-CN" sz="1200" dirty="0"/>
-            <a:t>。</a:t>
-          </a:r>
-          <a:endParaRPr lang="en-US" altLang="zh-CN" sz="1200" dirty="0"/>
-        </a:p>
-        <a:p>
-          <a:r>
-            <a:rPr lang="en-US" altLang="zh-CN" sz="1200" dirty="0"/>
-            <a:t>3.</a:t>
-          </a:r>
-          <a:r>
-            <a:rPr lang="zh-CN" altLang="zh-CN" sz="1200" dirty="0"/>
-            <a:t>支持</a:t>
-          </a:r>
-          <a:r>
-            <a:rPr lang="en-US" altLang="zh-CN" sz="1200" dirty="0"/>
-            <a:t>2D</a:t>
-          </a:r>
-          <a:r>
-            <a:rPr lang="zh-CN" altLang="zh-CN" sz="1200" dirty="0"/>
-            <a:t>、</a:t>
-          </a:r>
-          <a:r>
-            <a:rPr lang="en-US" altLang="zh-CN" sz="1200" dirty="0"/>
-            <a:t>3D</a:t>
-          </a:r>
-          <a:r>
-            <a:rPr lang="zh-CN" altLang="zh-CN" sz="1200" dirty="0"/>
-            <a:t>测星，光学系统自动对焦；配置底光、线光、同轴光多种程控光源，适应不同测量需求。</a:t>
-          </a:r>
-          <a:endParaRPr lang="en-US" altLang="zh-CN" sz="1200" dirty="0"/>
-        </a:p>
-        <a:p>
-          <a:r>
-            <a:rPr lang="en-US" altLang="zh-CN" sz="1200" dirty="0"/>
-            <a:t>4.</a:t>
-          </a:r>
-          <a:r>
-            <a:rPr lang="zh-CN" altLang="zh-CN" sz="1200" dirty="0"/>
-            <a:t>在测量视野内任意放置同规格多个产品，无需治具或夹具，即可同时对各产品进行测量。</a:t>
-          </a:r>
-          <a:endParaRPr lang="en-US" altLang="zh-CN" sz="1200" dirty="0"/>
-        </a:p>
-        <a:p>
-          <a:r>
-            <a:rPr lang="en-US" altLang="zh-CN" sz="1200" dirty="0"/>
-            <a:t>5.</a:t>
-          </a:r>
-          <a:r>
-            <a:rPr lang="zh-CN" altLang="zh-CN" sz="1200" dirty="0"/>
-            <a:t>采用高远心度的双侧远心镜头和高分辨率线阵扫描相机，搭配分辨率</a:t>
-          </a:r>
-          <a:r>
-            <a:rPr lang="en-US" altLang="zh-CN" sz="1200" dirty="0" err="1"/>
-            <a:t>O.lµm</a:t>
-          </a:r>
-          <a:r>
-            <a:rPr lang="zh-CN" altLang="zh-CN" sz="1200" dirty="0"/>
-            <a:t>的光栅系统，检测精度可达微米级。</a:t>
-          </a:r>
-          <a:endParaRPr lang="en-US" altLang="zh-CN" sz="1200" dirty="0"/>
-        </a:p>
-        <a:p>
-          <a:r>
-            <a:rPr lang="en-US" altLang="zh-CN" sz="1200" dirty="0"/>
-            <a:t>6.</a:t>
-          </a:r>
-          <a:r>
-            <a:rPr lang="zh-CN" altLang="zh-CN" sz="1200" dirty="0"/>
-            <a:t>软件橾作简单，支持</a:t>
-          </a:r>
-          <a:r>
-            <a:rPr lang="en-US" altLang="zh-CN" sz="1200" dirty="0"/>
-            <a:t>CAD</a:t>
-          </a:r>
-          <a:r>
-            <a:rPr lang="zh-CN" altLang="zh-CN" sz="1200" dirty="0"/>
-            <a:t>图纸导入、三轴全自动编程检测，实现自动匹配检测、批量检测；内置数据统计分析功能，帮助客户分析改善制程。</a:t>
-          </a:r>
-          <a:endParaRPr lang="zh-CN" altLang="en-US" sz="1200" dirty="0"/>
-        </a:p>
-      </dgm:t>
-    </dgm:pt>
-    <dgm:pt modelId="{00A948BE-90E8-45EA-989A-CC82CB426C5E}" type="parTrans" cxnId="{1702D6A9-C954-4185-8F06-625EB48C769A}">
-      <dgm:prSet/>
-      <dgm:spPr/>
-      <dgm:t>
-        <a:bodyPr/>
-        <a:lstStyle/>
-        <a:p>
-          <a:endParaRPr lang="zh-CN" altLang="en-US"/>
-        </a:p>
-      </dgm:t>
-    </dgm:pt>
-    <dgm:pt modelId="{16324460-D9A3-4BD7-9B25-BB86C8889637}" type="sibTrans" cxnId="{1702D6A9-C954-4185-8F06-625EB48C769A}">
-      <dgm:prSet/>
-      <dgm:spPr/>
-      <dgm:t>
-        <a:bodyPr/>
-        <a:lstStyle/>
-        <a:p>
-          <a:endParaRPr lang="zh-CN" altLang="en-US"/>
-        </a:p>
-      </dgm:t>
-    </dgm:pt>
-    <dgm:pt modelId="{658B17E4-5CA1-41B6-B464-458CABCEC6C8}" type="pres">
-      <dgm:prSet presAssocID="{B12D25EB-1480-4FBB-A2A0-EB1379363C8B}" presName="linear" presStyleCnt="0">
-        <dgm:presLayoutVars>
-          <dgm:dir/>
-          <dgm:resizeHandles val="exact"/>
-        </dgm:presLayoutVars>
-      </dgm:prSet>
-      <dgm:spPr/>
-    </dgm:pt>
-    <dgm:pt modelId="{9CABD1E3-61FB-41BA-A16A-C3DDFF6BBA1D}" type="pres">
-      <dgm:prSet presAssocID="{16DDBA8E-5A08-4609-9360-F715D535E8CC}" presName="comp" presStyleCnt="0"/>
-      <dgm:spPr/>
-    </dgm:pt>
-    <dgm:pt modelId="{726E8738-05BF-42F8-81BD-0D7C6ABD5860}" type="pres">
-      <dgm:prSet presAssocID="{16DDBA8E-5A08-4609-9360-F715D535E8CC}" presName="box" presStyleLbl="node1" presStyleIdx="0" presStyleCnt="2" custLinFactNeighborX="445" custLinFactNeighborY="4916"/>
-      <dgm:spPr/>
-    </dgm:pt>
-    <dgm:pt modelId="{368FF099-045D-495D-A881-1ED18104B033}" type="pres">
-      <dgm:prSet presAssocID="{16DDBA8E-5A08-4609-9360-F715D535E8CC}" presName="img" presStyleLbl="fgImgPlace1" presStyleIdx="0" presStyleCnt="2" custScaleX="101148" custScaleY="77983" custLinFactNeighborX="-2802" custLinFactNeighborY="5467"/>
-      <dgm:spPr>
-        <a:blipFill>
-          <a:blip xmlns:r="http://schemas.openxmlformats.org/officeDocument/2006/relationships" r:embed="rId1"/>
-          <a:srcRect/>
-          <a:stretch>
-            <a:fillRect l="-9000" r="-9000"/>
-          </a:stretch>
-        </a:blipFill>
-      </dgm:spPr>
-    </dgm:pt>
-    <dgm:pt modelId="{F43E1122-F33B-42A4-9C63-F9B1B2F882A2}" type="pres">
-      <dgm:prSet presAssocID="{16DDBA8E-5A08-4609-9360-F715D535E8CC}" presName="text" presStyleLbl="node1" presStyleIdx="0" presStyleCnt="2">
-        <dgm:presLayoutVars>
-          <dgm:bulletEnabled val="1"/>
-        </dgm:presLayoutVars>
-      </dgm:prSet>
-      <dgm:spPr/>
-    </dgm:pt>
-    <dgm:pt modelId="{71FABA8E-0B75-4D1A-B7D1-01B86C526CD1}" type="pres">
-      <dgm:prSet presAssocID="{006E442E-E5B3-4E98-8392-42362DEC2F7C}" presName="spacer" presStyleCnt="0"/>
-      <dgm:spPr/>
-    </dgm:pt>
-    <dgm:pt modelId="{75F8AA38-E2AA-40EF-8CF0-EC41966848FA}" type="pres">
-      <dgm:prSet presAssocID="{DD883F81-9DB3-47E9-B672-D62836DDF78D}" presName="comp" presStyleCnt="0"/>
-      <dgm:spPr/>
-    </dgm:pt>
-    <dgm:pt modelId="{E2DA3C9C-CDB0-4875-818D-A83CAA09597C}" type="pres">
-      <dgm:prSet presAssocID="{DD883F81-9DB3-47E9-B672-D62836DDF78D}" presName="box" presStyleLbl="node1" presStyleIdx="1" presStyleCnt="2" custLinFactNeighborX="452" custLinFactNeighborY="4916"/>
-      <dgm:spPr/>
-    </dgm:pt>
-    <dgm:pt modelId="{3EA6F3EC-5CC9-4D80-984D-F0D436EC3E5C}" type="pres">
-      <dgm:prSet presAssocID="{DD883F81-9DB3-47E9-B672-D62836DDF78D}" presName="img" presStyleLbl="fgImgPlace1" presStyleIdx="1" presStyleCnt="2" custScaleX="98076" custScaleY="77791" custLinFactNeighborX="-2802" custLinFactNeighborY="0"/>
-      <dgm:spPr>
-        <a:blipFill>
-          <a:blip xmlns:r="http://schemas.openxmlformats.org/officeDocument/2006/relationships" r:embed="rId2"/>
-          <a:srcRect/>
-          <a:stretch>
-            <a:fillRect l="-9000" r="-9000"/>
-          </a:stretch>
-        </a:blipFill>
-      </dgm:spPr>
-    </dgm:pt>
-    <dgm:pt modelId="{F09F3927-6910-4E77-90E5-EFD59988B51F}" type="pres">
-      <dgm:prSet presAssocID="{DD883F81-9DB3-47E9-B672-D62836DDF78D}" presName="text" presStyleLbl="node1" presStyleIdx="1" presStyleCnt="2">
-        <dgm:presLayoutVars>
-          <dgm:bulletEnabled val="1"/>
-        </dgm:presLayoutVars>
-      </dgm:prSet>
-      <dgm:spPr/>
-    </dgm:pt>
-  </dgm:ptLst>
-  <dgm:cxnLst>
-    <dgm:cxn modelId="{0D86F94E-DA34-4616-B035-9DE52334BEA4}" type="presOf" srcId="{16DDBA8E-5A08-4609-9360-F715D535E8CC}" destId="{726E8738-05BF-42F8-81BD-0D7C6ABD5860}" srcOrd="0" destOrd="0" presId="urn:microsoft.com/office/officeart/2005/8/layout/vList4"/>
-    <dgm:cxn modelId="{FD1E1A7A-749F-45F5-A393-6603B66F2166}" type="presOf" srcId="{B12D25EB-1480-4FBB-A2A0-EB1379363C8B}" destId="{658B17E4-5CA1-41B6-B464-458CABCEC6C8}" srcOrd="0" destOrd="0" presId="urn:microsoft.com/office/officeart/2005/8/layout/vList4"/>
-    <dgm:cxn modelId="{7554027B-9EDC-4447-91A4-84994013DF5F}" type="presOf" srcId="{DD883F81-9DB3-47E9-B672-D62836DDF78D}" destId="{E2DA3C9C-CDB0-4875-818D-A83CAA09597C}" srcOrd="0" destOrd="0" presId="urn:microsoft.com/office/officeart/2005/8/layout/vList4"/>
-    <dgm:cxn modelId="{F3BCB782-DB10-48E3-A92D-0A639B62F322}" srcId="{B12D25EB-1480-4FBB-A2A0-EB1379363C8B}" destId="{16DDBA8E-5A08-4609-9360-F715D535E8CC}" srcOrd="0" destOrd="0" parTransId="{F46792CF-B8CE-4F23-A40C-786B4FC26AB0}" sibTransId="{006E442E-E5B3-4E98-8392-42362DEC2F7C}"/>
-    <dgm:cxn modelId="{53EC218C-5AFD-435F-9FFD-003F655CC14A}" type="presOf" srcId="{DD883F81-9DB3-47E9-B672-D62836DDF78D}" destId="{F09F3927-6910-4E77-90E5-EFD59988B51F}" srcOrd="1" destOrd="0" presId="urn:microsoft.com/office/officeart/2005/8/layout/vList4"/>
-    <dgm:cxn modelId="{1702D6A9-C954-4185-8F06-625EB48C769A}" srcId="{B12D25EB-1480-4FBB-A2A0-EB1379363C8B}" destId="{DD883F81-9DB3-47E9-B672-D62836DDF78D}" srcOrd="1" destOrd="0" parTransId="{00A948BE-90E8-45EA-989A-CC82CB426C5E}" sibTransId="{16324460-D9A3-4BD7-9B25-BB86C8889637}"/>
-    <dgm:cxn modelId="{959038BC-0475-449F-B2D4-454DD744AC24}" type="presOf" srcId="{16DDBA8E-5A08-4609-9360-F715D535E8CC}" destId="{F43E1122-F33B-42A4-9C63-F9B1B2F882A2}" srcOrd="1" destOrd="0" presId="urn:microsoft.com/office/officeart/2005/8/layout/vList4"/>
-    <dgm:cxn modelId="{3F5C6019-AC8F-4F63-87BB-DFA8C55A88C5}" type="presParOf" srcId="{658B17E4-5CA1-41B6-B464-458CABCEC6C8}" destId="{9CABD1E3-61FB-41BA-A16A-C3DDFF6BBA1D}" srcOrd="0" destOrd="0" presId="urn:microsoft.com/office/officeart/2005/8/layout/vList4"/>
-    <dgm:cxn modelId="{7EC9D27A-D7BE-49AE-AF1E-E7B72E5F8435}" type="presParOf" srcId="{9CABD1E3-61FB-41BA-A16A-C3DDFF6BBA1D}" destId="{726E8738-05BF-42F8-81BD-0D7C6ABD5860}" srcOrd="0" destOrd="0" presId="urn:microsoft.com/office/officeart/2005/8/layout/vList4"/>
-    <dgm:cxn modelId="{770BF8B0-D4AE-4433-B219-5B2899E37EB5}" type="presParOf" srcId="{9CABD1E3-61FB-41BA-A16A-C3DDFF6BBA1D}" destId="{368FF099-045D-495D-A881-1ED18104B033}" srcOrd="1" destOrd="0" presId="urn:microsoft.com/office/officeart/2005/8/layout/vList4"/>
-    <dgm:cxn modelId="{E38E68B4-B444-410E-AA8F-9A1C08604E7A}" type="presParOf" srcId="{9CABD1E3-61FB-41BA-A16A-C3DDFF6BBA1D}" destId="{F43E1122-F33B-42A4-9C63-F9B1B2F882A2}" srcOrd="2" destOrd="0" presId="urn:microsoft.com/office/officeart/2005/8/layout/vList4"/>
-    <dgm:cxn modelId="{337708E7-9F1B-4D61-B463-707A2961C816}" type="presParOf" srcId="{658B17E4-5CA1-41B6-B464-458CABCEC6C8}" destId="{71FABA8E-0B75-4D1A-B7D1-01B86C526CD1}" srcOrd="1" destOrd="0" presId="urn:microsoft.com/office/officeart/2005/8/layout/vList4"/>
-    <dgm:cxn modelId="{0CDAC8FA-4C6A-4CCE-821D-D72B80F9DFBA}" type="presParOf" srcId="{658B17E4-5CA1-41B6-B464-458CABCEC6C8}" destId="{75F8AA38-E2AA-40EF-8CF0-EC41966848FA}" srcOrd="2" destOrd="0" presId="urn:microsoft.com/office/officeart/2005/8/layout/vList4"/>
-    <dgm:cxn modelId="{014D304B-132E-4038-BCB2-31A89A7F6C5B}" type="presParOf" srcId="{75F8AA38-E2AA-40EF-8CF0-EC41966848FA}" destId="{E2DA3C9C-CDB0-4875-818D-A83CAA09597C}" srcOrd="0" destOrd="0" presId="urn:microsoft.com/office/officeart/2005/8/layout/vList4"/>
-    <dgm:cxn modelId="{D995D1F5-F9B6-4C0C-A587-79F597D0BFDA}" type="presParOf" srcId="{75F8AA38-E2AA-40EF-8CF0-EC41966848FA}" destId="{3EA6F3EC-5CC9-4D80-984D-F0D436EC3E5C}" srcOrd="1" destOrd="0" presId="urn:microsoft.com/office/officeart/2005/8/layout/vList4"/>
-    <dgm:cxn modelId="{BAFB7FD6-7005-408A-A493-1463B8D46A52}" type="presParOf" srcId="{75F8AA38-E2AA-40EF-8CF0-EC41966848FA}" destId="{F09F3927-6910-4E77-90E5-EFD59988B51F}" srcOrd="2" destOrd="0" presId="urn:microsoft.com/office/officeart/2005/8/layout/vList4"/>
   </dgm:cxnLst>
   <dgm:bg/>
   <dgm:whole/>
@@ -5715,581 +4504,6 @@
 </dsp:drawing>
 </file>
 
-<file path=ppt/diagrams/drawing3.xml><?xml version="1.0" encoding="utf-8"?>
-<dsp:drawing xmlns:dgm="http://schemas.openxmlformats.org/drawingml/2006/diagram" xmlns:dsp="http://schemas.microsoft.com/office/drawing/2008/diagram" xmlns:a="http://schemas.openxmlformats.org/drawingml/2006/main">
-  <dsp:spTree>
-    <dsp:nvGrpSpPr>
-      <dsp:cNvPr id="0" name=""/>
-      <dsp:cNvGrpSpPr/>
-    </dsp:nvGrpSpPr>
-    <dsp:grpSpPr/>
-    <dsp:sp modelId="{726E8738-05BF-42F8-81BD-0D7C6ABD5860}">
-      <dsp:nvSpPr>
-        <dsp:cNvPr id="0" name=""/>
-        <dsp:cNvSpPr/>
-      </dsp:nvSpPr>
-      <dsp:spPr>
-        <a:xfrm>
-          <a:off x="0" y="133253"/>
-          <a:ext cx="11812518" cy="2710604"/>
-        </a:xfrm>
-        <a:prstGeom prst="roundRect">
-          <a:avLst>
-            <a:gd name="adj" fmla="val 10000"/>
-          </a:avLst>
-        </a:prstGeom>
-        <a:gradFill rotWithShape="0">
-          <a:gsLst>
-            <a:gs pos="0">
-              <a:schemeClr val="accent5">
-                <a:shade val="80000"/>
-                <a:hueOff val="0"/>
-                <a:satOff val="0"/>
-                <a:lumOff val="0"/>
-                <a:alphaOff val="0"/>
-                <a:lumMod val="110000"/>
-                <a:satMod val="105000"/>
-                <a:tint val="67000"/>
-              </a:schemeClr>
-            </a:gs>
-            <a:gs pos="50000">
-              <a:schemeClr val="accent5">
-                <a:shade val="80000"/>
-                <a:hueOff val="0"/>
-                <a:satOff val="0"/>
-                <a:lumOff val="0"/>
-                <a:alphaOff val="0"/>
-                <a:lumMod val="105000"/>
-                <a:satMod val="103000"/>
-                <a:tint val="73000"/>
-              </a:schemeClr>
-            </a:gs>
-            <a:gs pos="100000">
-              <a:schemeClr val="accent5">
-                <a:shade val="80000"/>
-                <a:hueOff val="0"/>
-                <a:satOff val="0"/>
-                <a:lumOff val="0"/>
-                <a:alphaOff val="0"/>
-                <a:lumMod val="105000"/>
-                <a:satMod val="109000"/>
-                <a:tint val="81000"/>
-              </a:schemeClr>
-            </a:gs>
-          </a:gsLst>
-          <a:lin ang="5400000" scaled="0"/>
-        </a:gradFill>
-        <a:ln>
-          <a:noFill/>
-        </a:ln>
-        <a:effectLst/>
-        <a:scene3d>
-          <a:camera prst="orthographicFront"/>
-          <a:lightRig rig="flat" dir="t"/>
-        </a:scene3d>
-        <a:sp3d prstMaterial="dkEdge">
-          <a:bevelT w="8200" h="38100"/>
-        </a:sp3d>
-      </dsp:spPr>
-      <dsp:style>
-        <a:lnRef idx="0">
-          <a:scrgbClr r="0" g="0" b="0"/>
-        </a:lnRef>
-        <a:fillRef idx="2">
-          <a:scrgbClr r="0" g="0" b="0"/>
-        </a:fillRef>
-        <a:effectRef idx="1">
-          <a:scrgbClr r="0" g="0" b="0"/>
-        </a:effectRef>
-        <a:fontRef idx="minor">
-          <a:schemeClr val="dk1"/>
-        </a:fontRef>
-      </dsp:style>
-      <dsp:txBody>
-        <a:bodyPr spcFirstLastPara="0" vert="horz" wrap="square" lIns="53340" tIns="53340" rIns="53340" bIns="53340" numCol="1" spcCol="1270" anchor="ctr" anchorCtr="0">
-          <a:noAutofit/>
-        </a:bodyPr>
-        <a:lstStyle/>
-        <a:p>
-          <a:pPr marL="0" lvl="0" indent="0" algn="l" defTabSz="622300">
-            <a:lnSpc>
-              <a:spcPct val="90000"/>
-            </a:lnSpc>
-            <a:spcBef>
-              <a:spcPct val="0"/>
-            </a:spcBef>
-            <a:spcAft>
-              <a:spcPct val="35000"/>
-            </a:spcAft>
-            <a:buNone/>
-          </a:pPr>
-          <a:r>
-            <a:rPr lang="zh-CN" altLang="en-US" sz="1400" b="1" kern="1200" dirty="0"/>
-            <a:t>设备简介</a:t>
-          </a:r>
-          <a:endParaRPr lang="en-US" altLang="en-US" sz="1400" b="1" kern="1200" dirty="0"/>
-        </a:p>
-        <a:p>
-          <a:pPr marL="0" lvl="0" indent="0" algn="l" defTabSz="622300">
-            <a:lnSpc>
-              <a:spcPct val="90000"/>
-            </a:lnSpc>
-            <a:spcBef>
-              <a:spcPct val="0"/>
-            </a:spcBef>
-            <a:spcAft>
-              <a:spcPct val="35000"/>
-            </a:spcAft>
-            <a:buNone/>
-          </a:pPr>
-          <a:r>
-            <a:rPr lang="en-US" altLang="en-US" sz="1200" kern="1200" dirty="0"/>
-            <a:t>IC</a:t>
-          </a:r>
-          <a:r>
-            <a:rPr lang="zh-CN" altLang="en-US" sz="1200" kern="1200" dirty="0"/>
-            <a:t>载板大靶面三次元高精度测量机，基于光学影像测量系统，配合高精度运动机构和花岗岩龙门式底座，实现了测量精度、速度、稳定的完美结合；依托高精度图像分析算法与闪测原理，在测量范围内，不同位置、任意姿态摆放工件，设备都可自动定位测量对象、匹配模板、测量评价、生成报表，实现快速精准测噩。
-设备采用高远心度的双侧远心镜头和高分辨率线阵扫描相机，搭配分辨率</a:t>
-          </a:r>
-          <a:r>
-            <a:rPr lang="en-US" altLang="en-US" sz="1200" kern="1200" dirty="0"/>
-            <a:t>0.1 m</a:t>
-          </a:r>
-          <a:r>
-            <a:rPr lang="zh-CN" altLang="en-US" sz="1200" kern="1200" dirty="0"/>
-            <a:t>的光栅系统，以微米级的检测精度和</a:t>
-          </a:r>
-          <a:r>
-            <a:rPr lang="en-US" altLang="en-US" sz="1200" kern="1200" dirty="0"/>
-            <a:t>200mm/s</a:t>
-          </a:r>
-          <a:r>
-            <a:rPr lang="zh-CN" altLang="en-US" sz="1200" kern="1200" dirty="0"/>
-            <a:t>的检测速度，对大靶面</a:t>
-          </a:r>
-          <a:r>
-            <a:rPr lang="en-US" altLang="en-US" sz="1200" kern="1200" dirty="0"/>
-            <a:t>IC</a:t>
-          </a:r>
-          <a:r>
-            <a:rPr lang="zh-CN" altLang="en-US" sz="1200" kern="1200" dirty="0"/>
-            <a:t>载板实现精度高、速度快的高质量检测。同时，设备可对在测量视野内的任意多个同规格产品同时进行测量，全面助力企业产线的智造转型。</a:t>
-          </a:r>
-        </a:p>
-      </dsp:txBody>
-      <dsp:txXfrm>
-        <a:off x="2633564" y="133253"/>
-        <a:ext cx="9178953" cy="2710604"/>
-      </dsp:txXfrm>
-    </dsp:sp>
-    <dsp:sp modelId="{368FF099-045D-495D-A881-1ED18104B033}">
-      <dsp:nvSpPr>
-        <dsp:cNvPr id="0" name=""/>
-        <dsp:cNvSpPr/>
-      </dsp:nvSpPr>
-      <dsp:spPr>
-        <a:xfrm>
-          <a:off x="191302" y="628329"/>
-          <a:ext cx="2389625" cy="1691048"/>
-        </a:xfrm>
-        <a:prstGeom prst="roundRect">
-          <a:avLst>
-            <a:gd name="adj" fmla="val 10000"/>
-          </a:avLst>
-        </a:prstGeom>
-        <a:blipFill>
-          <a:blip xmlns:r="http://schemas.openxmlformats.org/officeDocument/2006/relationships" r:embed="rId1"/>
-          <a:srcRect/>
-          <a:stretch>
-            <a:fillRect l="-9000" r="-9000"/>
-          </a:stretch>
-        </a:blipFill>
-        <a:ln w="6350" cap="flat" cmpd="sng" algn="ctr">
-          <a:solidFill>
-            <a:schemeClr val="lt1">
-              <a:hueOff val="0"/>
-              <a:satOff val="0"/>
-              <a:lumOff val="0"/>
-              <a:alphaOff val="0"/>
-            </a:schemeClr>
-          </a:solidFill>
-          <a:prstDash val="solid"/>
-          <a:miter lim="800000"/>
-        </a:ln>
-        <a:effectLst/>
-      </dsp:spPr>
-      <dsp:style>
-        <a:lnRef idx="1">
-          <a:scrgbClr r="0" g="0" b="0"/>
-        </a:lnRef>
-        <a:fillRef idx="1">
-          <a:scrgbClr r="0" g="0" b="0"/>
-        </a:fillRef>
-        <a:effectRef idx="1">
-          <a:scrgbClr r="0" g="0" b="0"/>
-        </a:effectRef>
-        <a:fontRef idx="minor"/>
-      </dsp:style>
-    </dsp:sp>
-    <dsp:sp modelId="{E2DA3C9C-CDB0-4875-818D-A83CAA09597C}">
-      <dsp:nvSpPr>
-        <dsp:cNvPr id="0" name=""/>
-        <dsp:cNvSpPr/>
-      </dsp:nvSpPr>
-      <dsp:spPr>
-        <a:xfrm>
-          <a:off x="0" y="2983055"/>
-          <a:ext cx="11812518" cy="2710604"/>
-        </a:xfrm>
-        <a:prstGeom prst="roundRect">
-          <a:avLst>
-            <a:gd name="adj" fmla="val 10000"/>
-          </a:avLst>
-        </a:prstGeom>
-        <a:gradFill rotWithShape="0">
-          <a:gsLst>
-            <a:gs pos="0">
-              <a:schemeClr val="accent5">
-                <a:shade val="80000"/>
-                <a:hueOff val="271263"/>
-                <a:satOff val="5175"/>
-                <a:lumOff val="22855"/>
-                <a:alphaOff val="0"/>
-                <a:lumMod val="110000"/>
-                <a:satMod val="105000"/>
-                <a:tint val="67000"/>
-              </a:schemeClr>
-            </a:gs>
-            <a:gs pos="50000">
-              <a:schemeClr val="accent5">
-                <a:shade val="80000"/>
-                <a:hueOff val="271263"/>
-                <a:satOff val="5175"/>
-                <a:lumOff val="22855"/>
-                <a:alphaOff val="0"/>
-                <a:lumMod val="105000"/>
-                <a:satMod val="103000"/>
-                <a:tint val="73000"/>
-              </a:schemeClr>
-            </a:gs>
-            <a:gs pos="100000">
-              <a:schemeClr val="accent5">
-                <a:shade val="80000"/>
-                <a:hueOff val="271263"/>
-                <a:satOff val="5175"/>
-                <a:lumOff val="22855"/>
-                <a:alphaOff val="0"/>
-                <a:lumMod val="105000"/>
-                <a:satMod val="109000"/>
-                <a:tint val="81000"/>
-              </a:schemeClr>
-            </a:gs>
-          </a:gsLst>
-          <a:lin ang="5400000" scaled="0"/>
-        </a:gradFill>
-        <a:ln>
-          <a:noFill/>
-        </a:ln>
-        <a:effectLst/>
-        <a:scene3d>
-          <a:camera prst="orthographicFront"/>
-          <a:lightRig rig="flat" dir="t"/>
-        </a:scene3d>
-        <a:sp3d prstMaterial="dkEdge">
-          <a:bevelT w="8200" h="38100"/>
-        </a:sp3d>
-      </dsp:spPr>
-      <dsp:style>
-        <a:lnRef idx="0">
-          <a:scrgbClr r="0" g="0" b="0"/>
-        </a:lnRef>
-        <a:fillRef idx="2">
-          <a:scrgbClr r="0" g="0" b="0"/>
-        </a:fillRef>
-        <a:effectRef idx="1">
-          <a:scrgbClr r="0" g="0" b="0"/>
-        </a:effectRef>
-        <a:fontRef idx="minor">
-          <a:schemeClr val="dk1"/>
-        </a:fontRef>
-      </dsp:style>
-      <dsp:txBody>
-        <a:bodyPr spcFirstLastPara="0" vert="horz" wrap="square" lIns="53340" tIns="53340" rIns="53340" bIns="53340" numCol="1" spcCol="1270" anchor="ctr" anchorCtr="0">
-          <a:noAutofit/>
-        </a:bodyPr>
-        <a:lstStyle/>
-        <a:p>
-          <a:pPr marL="0" lvl="0" indent="0" algn="l" defTabSz="622300">
-            <a:lnSpc>
-              <a:spcPct val="90000"/>
-            </a:lnSpc>
-            <a:spcBef>
-              <a:spcPct val="0"/>
-            </a:spcBef>
-            <a:spcAft>
-              <a:spcPct val="35000"/>
-            </a:spcAft>
-            <a:buNone/>
-          </a:pPr>
-          <a:r>
-            <a:rPr lang="zh-CN" altLang="en-US" sz="1400" b="1" kern="1200" dirty="0"/>
-            <a:t>性能优势</a:t>
-          </a:r>
-          <a:endParaRPr lang="en-US" altLang="zh-CN" sz="1400" b="1" kern="1200" dirty="0"/>
-        </a:p>
-        <a:p>
-          <a:pPr marL="0" lvl="0" indent="0" algn="l" defTabSz="622300">
-            <a:lnSpc>
-              <a:spcPct val="90000"/>
-            </a:lnSpc>
-            <a:spcBef>
-              <a:spcPct val="0"/>
-            </a:spcBef>
-            <a:spcAft>
-              <a:spcPct val="35000"/>
-            </a:spcAft>
-            <a:buNone/>
-          </a:pPr>
-          <a:r>
-            <a:rPr lang="en-US" altLang="zh-CN" sz="1200" kern="1200" dirty="0"/>
-            <a:t>1.</a:t>
-          </a:r>
-          <a:r>
-            <a:rPr lang="zh-CN" altLang="en-US" sz="1200" kern="1200" dirty="0"/>
-            <a:t>采用高精度运动结构、花岗岩龙门式底座，保证设备高稳定性。</a:t>
-          </a:r>
-          <a:endParaRPr lang="en-US" altLang="zh-CN" sz="1200" kern="1200" dirty="0"/>
-        </a:p>
-        <a:p>
-          <a:pPr marL="0" lvl="0" indent="0" algn="l" defTabSz="622300">
-            <a:lnSpc>
-              <a:spcPct val="90000"/>
-            </a:lnSpc>
-            <a:spcBef>
-              <a:spcPct val="0"/>
-            </a:spcBef>
-            <a:spcAft>
-              <a:spcPct val="35000"/>
-            </a:spcAft>
-            <a:buNone/>
-          </a:pPr>
-          <a:r>
-            <a:rPr lang="en-US" altLang="zh-CN" sz="1200" kern="1200" dirty="0"/>
-            <a:t>2.</a:t>
-          </a:r>
-          <a:r>
-            <a:rPr lang="zh-CN" altLang="zh-CN" sz="1200" kern="1200" dirty="0"/>
-            <a:t>超大测量行程</a:t>
-          </a:r>
-          <a:r>
-            <a:rPr lang="en-US" altLang="zh-CN" sz="1200" kern="1200" dirty="0"/>
-            <a:t>(620x540mm-920x840mm), </a:t>
-          </a:r>
-          <a:r>
-            <a:rPr lang="zh-CN" altLang="zh-CN" sz="1200" kern="1200" dirty="0"/>
-            <a:t>测量速度</a:t>
-          </a:r>
-          <a:r>
-            <a:rPr lang="en-US" altLang="zh-CN" sz="1200" kern="1200" dirty="0"/>
-            <a:t>200mm/s, </a:t>
-          </a:r>
-          <a:r>
-            <a:rPr lang="zh-CN" altLang="zh-CN" sz="1200" kern="1200" dirty="0"/>
-            <a:t>移动速度</a:t>
-          </a:r>
-          <a:r>
-            <a:rPr lang="en-US" altLang="zh-CN" sz="1200" kern="1200" dirty="0"/>
-            <a:t>500mm/s</a:t>
-          </a:r>
-          <a:r>
-            <a:rPr lang="zh-CN" altLang="zh-CN" sz="1200" kern="1200" dirty="0"/>
-            <a:t>。</a:t>
-          </a:r>
-          <a:endParaRPr lang="en-US" altLang="zh-CN" sz="1200" kern="1200" dirty="0"/>
-        </a:p>
-        <a:p>
-          <a:pPr marL="0" lvl="0" indent="0" algn="l" defTabSz="622300">
-            <a:lnSpc>
-              <a:spcPct val="90000"/>
-            </a:lnSpc>
-            <a:spcBef>
-              <a:spcPct val="0"/>
-            </a:spcBef>
-            <a:spcAft>
-              <a:spcPct val="35000"/>
-            </a:spcAft>
-            <a:buNone/>
-          </a:pPr>
-          <a:r>
-            <a:rPr lang="en-US" altLang="zh-CN" sz="1200" kern="1200" dirty="0"/>
-            <a:t>3.</a:t>
-          </a:r>
-          <a:r>
-            <a:rPr lang="zh-CN" altLang="zh-CN" sz="1200" kern="1200" dirty="0"/>
-            <a:t>支持</a:t>
-          </a:r>
-          <a:r>
-            <a:rPr lang="en-US" altLang="zh-CN" sz="1200" kern="1200" dirty="0"/>
-            <a:t>2D</a:t>
-          </a:r>
-          <a:r>
-            <a:rPr lang="zh-CN" altLang="zh-CN" sz="1200" kern="1200" dirty="0"/>
-            <a:t>、</a:t>
-          </a:r>
-          <a:r>
-            <a:rPr lang="en-US" altLang="zh-CN" sz="1200" kern="1200" dirty="0"/>
-            <a:t>3D</a:t>
-          </a:r>
-          <a:r>
-            <a:rPr lang="zh-CN" altLang="zh-CN" sz="1200" kern="1200" dirty="0"/>
-            <a:t>测星，光学系统自动对焦；配置底光、线光、同轴光多种程控光源，适应不同测量需求。</a:t>
-          </a:r>
-          <a:endParaRPr lang="en-US" altLang="zh-CN" sz="1200" kern="1200" dirty="0"/>
-        </a:p>
-        <a:p>
-          <a:pPr marL="0" lvl="0" indent="0" algn="l" defTabSz="622300">
-            <a:lnSpc>
-              <a:spcPct val="90000"/>
-            </a:lnSpc>
-            <a:spcBef>
-              <a:spcPct val="0"/>
-            </a:spcBef>
-            <a:spcAft>
-              <a:spcPct val="35000"/>
-            </a:spcAft>
-            <a:buNone/>
-          </a:pPr>
-          <a:r>
-            <a:rPr lang="en-US" altLang="zh-CN" sz="1200" kern="1200" dirty="0"/>
-            <a:t>4.</a:t>
-          </a:r>
-          <a:r>
-            <a:rPr lang="zh-CN" altLang="zh-CN" sz="1200" kern="1200" dirty="0"/>
-            <a:t>在测量视野内任意放置同规格多个产品，无需治具或夹具，即可同时对各产品进行测量。</a:t>
-          </a:r>
-          <a:endParaRPr lang="en-US" altLang="zh-CN" sz="1200" kern="1200" dirty="0"/>
-        </a:p>
-        <a:p>
-          <a:pPr marL="0" lvl="0" indent="0" algn="l" defTabSz="622300">
-            <a:lnSpc>
-              <a:spcPct val="90000"/>
-            </a:lnSpc>
-            <a:spcBef>
-              <a:spcPct val="0"/>
-            </a:spcBef>
-            <a:spcAft>
-              <a:spcPct val="35000"/>
-            </a:spcAft>
-            <a:buNone/>
-          </a:pPr>
-          <a:r>
-            <a:rPr lang="en-US" altLang="zh-CN" sz="1200" kern="1200" dirty="0"/>
-            <a:t>5.</a:t>
-          </a:r>
-          <a:r>
-            <a:rPr lang="zh-CN" altLang="zh-CN" sz="1200" kern="1200" dirty="0"/>
-            <a:t>采用高远心度的双侧远心镜头和高分辨率线阵扫描相机，搭配分辨率</a:t>
-          </a:r>
-          <a:r>
-            <a:rPr lang="en-US" altLang="zh-CN" sz="1200" kern="1200" dirty="0" err="1"/>
-            <a:t>O.lµm</a:t>
-          </a:r>
-          <a:r>
-            <a:rPr lang="zh-CN" altLang="zh-CN" sz="1200" kern="1200" dirty="0"/>
-            <a:t>的光栅系统，检测精度可达微米级。</a:t>
-          </a:r>
-          <a:endParaRPr lang="en-US" altLang="zh-CN" sz="1200" kern="1200" dirty="0"/>
-        </a:p>
-        <a:p>
-          <a:pPr marL="0" lvl="0" indent="0" algn="l" defTabSz="622300">
-            <a:lnSpc>
-              <a:spcPct val="90000"/>
-            </a:lnSpc>
-            <a:spcBef>
-              <a:spcPct val="0"/>
-            </a:spcBef>
-            <a:spcAft>
-              <a:spcPct val="35000"/>
-            </a:spcAft>
-            <a:buNone/>
-          </a:pPr>
-          <a:r>
-            <a:rPr lang="en-US" altLang="zh-CN" sz="1200" kern="1200" dirty="0"/>
-            <a:t>6.</a:t>
-          </a:r>
-          <a:r>
-            <a:rPr lang="zh-CN" altLang="zh-CN" sz="1200" kern="1200" dirty="0"/>
-            <a:t>软件橾作简单，支持</a:t>
-          </a:r>
-          <a:r>
-            <a:rPr lang="en-US" altLang="zh-CN" sz="1200" kern="1200" dirty="0"/>
-            <a:t>CAD</a:t>
-          </a:r>
-          <a:r>
-            <a:rPr lang="zh-CN" altLang="zh-CN" sz="1200" kern="1200" dirty="0"/>
-            <a:t>图纸导入、三轴全自动编程检测，实现自动匹配检测、批量检测；内置数据统计分析功能，帮助客户分析改善制程。</a:t>
-          </a:r>
-          <a:endParaRPr lang="zh-CN" altLang="en-US" sz="1200" kern="1200" dirty="0"/>
-        </a:p>
-      </dsp:txBody>
-      <dsp:txXfrm>
-        <a:off x="2633564" y="2983055"/>
-        <a:ext cx="9178953" cy="2710604"/>
-      </dsp:txXfrm>
-    </dsp:sp>
-    <dsp:sp modelId="{3EA6F3EC-5CC9-4D80-984D-F0D436EC3E5C}">
-      <dsp:nvSpPr>
-        <dsp:cNvPr id="0" name=""/>
-        <dsp:cNvSpPr/>
-      </dsp:nvSpPr>
-      <dsp:spPr>
-        <a:xfrm>
-          <a:off x="227590" y="3493524"/>
-          <a:ext cx="2317049" cy="1686885"/>
-        </a:xfrm>
-        <a:prstGeom prst="roundRect">
-          <a:avLst>
-            <a:gd name="adj" fmla="val 10000"/>
-          </a:avLst>
-        </a:prstGeom>
-        <a:blipFill>
-          <a:blip xmlns:r="http://schemas.openxmlformats.org/officeDocument/2006/relationships" r:embed="rId2"/>
-          <a:srcRect/>
-          <a:stretch>
-            <a:fillRect l="-9000" r="-9000"/>
-          </a:stretch>
-        </a:blipFill>
-        <a:ln w="6350" cap="flat" cmpd="sng" algn="ctr">
-          <a:solidFill>
-            <a:schemeClr val="lt1">
-              <a:hueOff val="0"/>
-              <a:satOff val="0"/>
-              <a:lumOff val="0"/>
-              <a:alphaOff val="0"/>
-            </a:schemeClr>
-          </a:solidFill>
-          <a:prstDash val="solid"/>
-          <a:miter lim="800000"/>
-        </a:ln>
-        <a:effectLst/>
-      </dsp:spPr>
-      <dsp:style>
-        <a:lnRef idx="1">
-          <a:scrgbClr r="0" g="0" b="0"/>
-        </a:lnRef>
-        <a:fillRef idx="1">
-          <a:scrgbClr r="0" g="0" b="0"/>
-        </a:fillRef>
-        <a:effectRef idx="1">
-          <a:scrgbClr r="0" g="0" b="0"/>
-        </a:effectRef>
-        <a:fontRef idx="minor"/>
-      </dsp:style>
-    </dsp:sp>
-  </dsp:spTree>
-</dsp:drawing>
-</file>
-
 <file path=ppt/diagrams/layout1.xml><?xml version="1.0" encoding="utf-8"?>
 <dgm:layoutDef xmlns:dgm="http://schemas.openxmlformats.org/drawingml/2006/diagram" xmlns:a="http://schemas.openxmlformats.org/drawingml/2006/main" uniqueId="urn:microsoft.com/office/officeart/2005/8/layout/vList3">
   <dgm:title val=""/>
@@ -6697,213 +4911,6 @@
 </dgm:layoutDef>
 </file>
 
-<file path=ppt/diagrams/layout3.xml><?xml version="1.0" encoding="utf-8"?>
-<dgm:layoutDef xmlns:dgm="http://schemas.openxmlformats.org/drawingml/2006/diagram" xmlns:a="http://schemas.openxmlformats.org/drawingml/2006/main" uniqueId="urn:microsoft.com/office/officeart/2005/8/layout/vList4">
-  <dgm:title val=""/>
-  <dgm:desc val=""/>
-  <dgm:catLst>
-    <dgm:cat type="list" pri="13000"/>
-    <dgm:cat type="picture" pri="26000"/>
-    <dgm:cat type="pictureconvert" pri="26000"/>
-  </dgm:catLst>
-  <dgm:sampData>
-    <dgm:dataModel>
-      <dgm:ptLst>
-        <dgm:pt modelId="0" type="doc"/>
-        <dgm:pt modelId="1">
-          <dgm:prSet phldr="1"/>
-        </dgm:pt>
-        <dgm:pt modelId="11">
-          <dgm:prSet phldr="1"/>
-        </dgm:pt>
-        <dgm:pt modelId="12">
-          <dgm:prSet phldr="1"/>
-        </dgm:pt>
-        <dgm:pt modelId="2">
-          <dgm:prSet phldr="1"/>
-        </dgm:pt>
-        <dgm:pt modelId="21">
-          <dgm:prSet phldr="1"/>
-        </dgm:pt>
-        <dgm:pt modelId="22">
-          <dgm:prSet phldr="1"/>
-        </dgm:pt>
-        <dgm:pt modelId="3">
-          <dgm:prSet phldr="1"/>
-        </dgm:pt>
-        <dgm:pt modelId="31">
-          <dgm:prSet phldr="1"/>
-        </dgm:pt>
-        <dgm:pt modelId="32">
-          <dgm:prSet phldr="1"/>
-        </dgm:pt>
-      </dgm:ptLst>
-      <dgm:cxnLst>
-        <dgm:cxn modelId="4" srcId="0" destId="1" srcOrd="0" destOrd="0"/>
-        <dgm:cxn modelId="5" srcId="0" destId="2" srcOrd="1" destOrd="0"/>
-        <dgm:cxn modelId="13" srcId="1" destId="11" srcOrd="0" destOrd="0"/>
-        <dgm:cxn modelId="14" srcId="1" destId="12" srcOrd="0" destOrd="0"/>
-        <dgm:cxn modelId="23" srcId="2" destId="21" srcOrd="0" destOrd="0"/>
-        <dgm:cxn modelId="24" srcId="2" destId="22" srcOrd="0" destOrd="0"/>
-        <dgm:cxn modelId="33" srcId="3" destId="31" srcOrd="0" destOrd="0"/>
-        <dgm:cxn modelId="34" srcId="3" destId="32" srcOrd="0" destOrd="0"/>
-      </dgm:cxnLst>
-      <dgm:bg/>
-      <dgm:whole/>
-    </dgm:dataModel>
-  </dgm:sampData>
-  <dgm:styleData>
-    <dgm:dataModel>
-      <dgm:ptLst>
-        <dgm:pt modelId="0" type="doc"/>
-        <dgm:pt modelId="1"/>
-        <dgm:pt modelId="2"/>
-      </dgm:ptLst>
-      <dgm:cxnLst>
-        <dgm:cxn modelId="3" srcId="0" destId="1" srcOrd="0" destOrd="0"/>
-        <dgm:cxn modelId="4" srcId="0" destId="2" srcOrd="1" destOrd="0"/>
-      </dgm:cxnLst>
-      <dgm:bg/>
-      <dgm:whole/>
-    </dgm:dataModel>
-  </dgm:styleData>
-  <dgm:clrData>
-    <dgm:dataModel>
-      <dgm:ptLst>
-        <dgm:pt modelId="0" type="doc"/>
-        <dgm:pt modelId="1"/>
-        <dgm:pt modelId="2"/>
-        <dgm:pt modelId="3"/>
-        <dgm:pt modelId="4"/>
-      </dgm:ptLst>
-      <dgm:cxnLst>
-        <dgm:cxn modelId="5" srcId="0" destId="1" srcOrd="0" destOrd="0"/>
-        <dgm:cxn modelId="6" srcId="0" destId="2" srcOrd="1" destOrd="0"/>
-        <dgm:cxn modelId="7" srcId="0" destId="3" srcOrd="2" destOrd="0"/>
-        <dgm:cxn modelId="8" srcId="0" destId="4" srcOrd="3" destOrd="0"/>
-      </dgm:cxnLst>
-      <dgm:bg/>
-      <dgm:whole/>
-    </dgm:dataModel>
-  </dgm:clrData>
-  <dgm:layoutNode name="linear">
-    <dgm:varLst>
-      <dgm:dir/>
-      <dgm:resizeHandles val="exact"/>
-    </dgm:varLst>
-    <dgm:alg type="lin">
-      <dgm:param type="linDir" val="fromT"/>
-      <dgm:param type="vertAlign" val="t"/>
-    </dgm:alg>
-    <dgm:shape xmlns:r="http://schemas.openxmlformats.org/officeDocument/2006/relationships" r:blip="">
-      <dgm:adjLst/>
-    </dgm:shape>
-    <dgm:presOf/>
-    <dgm:constrLst>
-      <dgm:constr type="w" for="ch" forName="comp" refType="w"/>
-      <dgm:constr type="h" for="ch" forName="comp" refType="h"/>
-      <dgm:constr type="h" for="ch" forName="spacer" refType="h" refFor="ch" refForName="comp" op="equ" fact="0.1"/>
-      <dgm:constr type="primFontSz" for="des" forName="text" op="equ" val="65"/>
-    </dgm:constrLst>
-    <dgm:ruleLst/>
-    <dgm:forEach name="Name0" axis="ch" ptType="node">
-      <dgm:layoutNode name="comp" styleLbl="node1">
-        <dgm:alg type="composite"/>
-        <dgm:shape xmlns:r="http://schemas.openxmlformats.org/officeDocument/2006/relationships" r:blip="">
-          <dgm:adjLst/>
-        </dgm:shape>
-        <dgm:presOf/>
-        <dgm:choose name="Name1">
-          <dgm:if name="Name2" func="var" arg="dir" op="equ" val="norm">
-            <dgm:constrLst>
-              <dgm:constr type="h" for="ch" forName="box" refType="h"/>
-              <dgm:constr type="w" for="ch" forName="box" refType="w"/>
-              <dgm:constr type="w" for="ch" forName="img" refType="w" refFor="ch" refForName="box" fact="0.2"/>
-              <dgm:constr type="h" for="ch" forName="img" refType="h" refFor="ch" refForName="box" fact="0.8"/>
-              <dgm:constr type="t" for="ch" forName="img" refType="h" refFor="ch" refForName="box" fact="0.1"/>
-              <dgm:constr type="l" for="ch" forName="img" refType="h" refFor="ch" refForName="box" fact="0.1"/>
-              <dgm:constr type="h" for="ch" forName="text" refType="h"/>
-              <dgm:constr type="l" for="ch" forName="text" refType="r" refFor="ch" refForName="img"/>
-              <dgm:constr type="r" for="ch" forName="text" refType="w"/>
-            </dgm:constrLst>
-          </dgm:if>
-          <dgm:else name="Name3">
-            <dgm:constrLst>
-              <dgm:constr type="h" for="ch" forName="box" refType="h"/>
-              <dgm:constr type="w" for="ch" forName="box" refType="w"/>
-              <dgm:constr type="w" for="ch" forName="img" refType="w" refFor="ch" refForName="box" fact="0.2"/>
-              <dgm:constr type="h" for="ch" forName="img" refType="h" refFor="ch" refForName="box" fact="0.8"/>
-              <dgm:constr type="t" for="ch" forName="img" refType="h" refFor="ch" refForName="box" fact="0.1"/>
-              <dgm:constr type="r" for="ch" forName="img" refType="w" refFor="ch" refForName="box"/>
-              <dgm:constr type="rOff" for="ch" forName="img" refType="h" refFor="ch" refForName="box" fact="-0.1"/>
-              <dgm:constr type="h" for="ch" forName="text" refType="h"/>
-              <dgm:constr type="r" for="ch" forName="text" refType="l" refFor="ch" refForName="img"/>
-              <dgm:constr type="l" for="ch" forName="text"/>
-            </dgm:constrLst>
-          </dgm:else>
-        </dgm:choose>
-        <dgm:ruleLst/>
-        <dgm:layoutNode name="box" styleLbl="node1">
-          <dgm:alg type="sp"/>
-          <dgm:shape xmlns:r="http://schemas.openxmlformats.org/officeDocument/2006/relationships" type="roundRect" r:blip="">
-            <dgm:adjLst>
-              <dgm:adj idx="1" val="0.1"/>
-            </dgm:adjLst>
-          </dgm:shape>
-          <dgm:presOf axis="desOrSelf" ptType="node"/>
-          <dgm:constrLst/>
-          <dgm:ruleLst/>
-        </dgm:layoutNode>
-        <dgm:layoutNode name="img" styleLbl="fgImgPlace1">
-          <dgm:alg type="sp"/>
-          <dgm:shape xmlns:r="http://schemas.openxmlformats.org/officeDocument/2006/relationships" type="roundRect" r:blip="" blipPhldr="1">
-            <dgm:adjLst>
-              <dgm:adj idx="1" val="0.1"/>
-            </dgm:adjLst>
-          </dgm:shape>
-          <dgm:presOf/>
-          <dgm:constrLst/>
-          <dgm:ruleLst/>
-        </dgm:layoutNode>
-        <dgm:layoutNode name="text">
-          <dgm:varLst>
-            <dgm:bulletEnabled val="1"/>
-          </dgm:varLst>
-          <dgm:alg type="tx">
-            <dgm:param type="parTxLTRAlign" val="l"/>
-            <dgm:param type="parTxRTLAlign" val="r"/>
-          </dgm:alg>
-          <dgm:shape xmlns:r="http://schemas.openxmlformats.org/officeDocument/2006/relationships" type="rect" r:blip="" hideGeom="1">
-            <dgm:adjLst/>
-          </dgm:shape>
-          <dgm:presOf axis="desOrSelf" ptType="node"/>
-          <dgm:constrLst>
-            <dgm:constr type="tMarg" refType="primFontSz" fact="0.3"/>
-            <dgm:constr type="bMarg" refType="primFontSz" fact="0.3"/>
-            <dgm:constr type="lMarg" refType="primFontSz" fact="0.3"/>
-            <dgm:constr type="rMarg" refType="primFontSz" fact="0.3"/>
-          </dgm:constrLst>
-          <dgm:ruleLst>
-            <dgm:rule type="primFontSz" val="5" fact="NaN" max="NaN"/>
-          </dgm:ruleLst>
-        </dgm:layoutNode>
-      </dgm:layoutNode>
-      <dgm:forEach name="Name4" axis="followSib" ptType="sibTrans" cnt="1">
-        <dgm:layoutNode name="spacer">
-          <dgm:alg type="sp"/>
-          <dgm:shape xmlns:r="http://schemas.openxmlformats.org/officeDocument/2006/relationships" r:blip="">
-            <dgm:adjLst/>
-          </dgm:shape>
-          <dgm:presOf axis="self"/>
-          <dgm:constrLst/>
-          <dgm:ruleLst/>
-        </dgm:layoutNode>
-      </dgm:forEach>
-    </dgm:forEach>
-  </dgm:layoutNode>
-</dgm:layoutDef>
-</file>
-
 <file path=ppt/diagrams/quickStyle1.xml><?xml version="1.0" encoding="utf-8"?>
 <dgm:styleDef xmlns:dgm="http://schemas.openxmlformats.org/drawingml/2006/diagram" xmlns:a="http://schemas.openxmlformats.org/drawingml/2006/main" uniqueId="urn:microsoft.com/office/officeart/2005/8/quickstyle/3d3">
   <dgm:title val=""/>
@@ -9471,1066 +7478,6 @@
       <a:fontRef idx="minor">
         <a:schemeClr val="lt1"/>
       </a:fontRef>
-    </dgm:style>
-  </dgm:styleLbl>
-  <dgm:styleLbl name="revTx">
-    <dgm:scene3d>
-      <a:camera prst="orthographicFront"/>
-      <a:lightRig rig="threePt" dir="t"/>
-    </dgm:scene3d>
-    <dgm:sp3d/>
-    <dgm:txPr/>
-    <dgm:style>
-      <a:lnRef idx="0">
-        <a:scrgbClr r="0" g="0" b="0"/>
-      </a:lnRef>
-      <a:fillRef idx="0">
-        <a:scrgbClr r="0" g="0" b="0"/>
-      </a:fillRef>
-      <a:effectRef idx="0">
-        <a:scrgbClr r="0" g="0" b="0"/>
-      </a:effectRef>
-      <a:fontRef idx="minor"/>
-    </dgm:style>
-  </dgm:styleLbl>
-</dgm:styleDef>
-</file>
-
-<file path=ppt/diagrams/quickStyle3.xml><?xml version="1.0" encoding="utf-8"?>
-<dgm:styleDef xmlns:dgm="http://schemas.openxmlformats.org/drawingml/2006/diagram" xmlns:a="http://schemas.openxmlformats.org/drawingml/2006/main" uniqueId="urn:microsoft.com/office/officeart/2005/8/quickstyle/simple3">
-  <dgm:title val=""/>
-  <dgm:desc val=""/>
-  <dgm:catLst>
-    <dgm:cat type="simple" pri="10300"/>
-  </dgm:catLst>
-  <dgm:scene3d>
-    <a:camera prst="orthographicFront"/>
-    <a:lightRig rig="threePt" dir="t"/>
-  </dgm:scene3d>
-  <dgm:styleLbl name="node0">
-    <dgm:scene3d>
-      <a:camera prst="orthographicFront"/>
-      <a:lightRig rig="flat" dir="t"/>
-    </dgm:scene3d>
-    <dgm:sp3d prstMaterial="dkEdge">
-      <a:bevelT w="8200" h="38100"/>
-    </dgm:sp3d>
-    <dgm:txPr/>
-    <dgm:style>
-      <a:lnRef idx="0">
-        <a:scrgbClr r="0" g="0" b="0"/>
-      </a:lnRef>
-      <a:fillRef idx="2">
-        <a:scrgbClr r="0" g="0" b="0"/>
-      </a:fillRef>
-      <a:effectRef idx="1">
-        <a:scrgbClr r="0" g="0" b="0"/>
-      </a:effectRef>
-      <a:fontRef idx="minor">
-        <a:schemeClr val="dk1"/>
-      </a:fontRef>
-    </dgm:style>
-  </dgm:styleLbl>
-  <dgm:styleLbl name="lnNode1">
-    <dgm:scene3d>
-      <a:camera prst="orthographicFront"/>
-      <a:lightRig rig="flat" dir="t"/>
-    </dgm:scene3d>
-    <dgm:sp3d prstMaterial="dkEdge">
-      <a:bevelT w="8200" h="38100"/>
-    </dgm:sp3d>
-    <dgm:txPr/>
-    <dgm:style>
-      <a:lnRef idx="1">
-        <a:scrgbClr r="0" g="0" b="0"/>
-      </a:lnRef>
-      <a:fillRef idx="2">
-        <a:scrgbClr r="0" g="0" b="0"/>
-      </a:fillRef>
-      <a:effectRef idx="0">
-        <a:scrgbClr r="0" g="0" b="0"/>
-      </a:effectRef>
-      <a:fontRef idx="minor">
-        <a:schemeClr val="dk1"/>
-      </a:fontRef>
-    </dgm:style>
-  </dgm:styleLbl>
-  <dgm:styleLbl name="vennNode1">
-    <dgm:scene3d>
-      <a:camera prst="orthographicFront"/>
-      <a:lightRig rig="flat" dir="t"/>
-    </dgm:scene3d>
-    <dgm:sp3d prstMaterial="dkEdge">
-      <a:bevelT w="8200" h="38100"/>
-    </dgm:sp3d>
-    <dgm:txPr/>
-    <dgm:style>
-      <a:lnRef idx="0">
-        <a:scrgbClr r="0" g="0" b="0"/>
-      </a:lnRef>
-      <a:fillRef idx="2">
-        <a:scrgbClr r="0" g="0" b="0"/>
-      </a:fillRef>
-      <a:effectRef idx="0">
-        <a:scrgbClr r="0" g="0" b="0"/>
-      </a:effectRef>
-      <a:fontRef idx="minor">
-        <a:schemeClr val="tx1"/>
-      </a:fontRef>
-    </dgm:style>
-  </dgm:styleLbl>
-  <dgm:styleLbl name="alignNode1">
-    <dgm:scene3d>
-      <a:camera prst="orthographicFront"/>
-      <a:lightRig rig="threePt" dir="t"/>
-    </dgm:scene3d>
-    <dgm:sp3d/>
-    <dgm:txPr/>
-    <dgm:style>
-      <a:lnRef idx="1">
-        <a:scrgbClr r="0" g="0" b="0"/>
-      </a:lnRef>
-      <a:fillRef idx="2">
-        <a:scrgbClr r="0" g="0" b="0"/>
-      </a:fillRef>
-      <a:effectRef idx="1">
-        <a:scrgbClr r="0" g="0" b="0"/>
-      </a:effectRef>
-      <a:fontRef idx="minor">
-        <a:schemeClr val="dk1"/>
-      </a:fontRef>
-    </dgm:style>
-  </dgm:styleLbl>
-  <dgm:styleLbl name="node1">
-    <dgm:scene3d>
-      <a:camera prst="orthographicFront"/>
-      <a:lightRig rig="flat" dir="t"/>
-    </dgm:scene3d>
-    <dgm:sp3d prstMaterial="dkEdge">
-      <a:bevelT w="8200" h="38100"/>
-    </dgm:sp3d>
-    <dgm:txPr/>
-    <dgm:style>
-      <a:lnRef idx="0">
-        <a:scrgbClr r="0" g="0" b="0"/>
-      </a:lnRef>
-      <a:fillRef idx="2">
-        <a:scrgbClr r="0" g="0" b="0"/>
-      </a:fillRef>
-      <a:effectRef idx="1">
-        <a:scrgbClr r="0" g="0" b="0"/>
-      </a:effectRef>
-      <a:fontRef idx="minor">
-        <a:schemeClr val="dk1"/>
-      </a:fontRef>
-    </dgm:style>
-  </dgm:styleLbl>
-  <dgm:styleLbl name="node2">
-    <dgm:scene3d>
-      <a:camera prst="orthographicFront"/>
-      <a:lightRig rig="flat" dir="t"/>
-    </dgm:scene3d>
-    <dgm:sp3d prstMaterial="dkEdge">
-      <a:bevelT w="8200" h="38100"/>
-    </dgm:sp3d>
-    <dgm:txPr/>
-    <dgm:style>
-      <a:lnRef idx="0">
-        <a:scrgbClr r="0" g="0" b="0"/>
-      </a:lnRef>
-      <a:fillRef idx="2">
-        <a:scrgbClr r="0" g="0" b="0"/>
-      </a:fillRef>
-      <a:effectRef idx="1">
-        <a:scrgbClr r="0" g="0" b="0"/>
-      </a:effectRef>
-      <a:fontRef idx="minor">
-        <a:schemeClr val="dk1"/>
-      </a:fontRef>
-    </dgm:style>
-  </dgm:styleLbl>
-  <dgm:styleLbl name="node3">
-    <dgm:scene3d>
-      <a:camera prst="orthographicFront"/>
-      <a:lightRig rig="flat" dir="t"/>
-    </dgm:scene3d>
-    <dgm:sp3d prstMaterial="dkEdge">
-      <a:bevelT w="8200" h="38100"/>
-    </dgm:sp3d>
-    <dgm:txPr/>
-    <dgm:style>
-      <a:lnRef idx="0">
-        <a:scrgbClr r="0" g="0" b="0"/>
-      </a:lnRef>
-      <a:fillRef idx="2">
-        <a:scrgbClr r="0" g="0" b="0"/>
-      </a:fillRef>
-      <a:effectRef idx="1">
-        <a:scrgbClr r="0" g="0" b="0"/>
-      </a:effectRef>
-      <a:fontRef idx="minor">
-        <a:schemeClr val="dk1"/>
-      </a:fontRef>
-    </dgm:style>
-  </dgm:styleLbl>
-  <dgm:styleLbl name="node4">
-    <dgm:scene3d>
-      <a:camera prst="orthographicFront"/>
-      <a:lightRig rig="flat" dir="t"/>
-    </dgm:scene3d>
-    <dgm:sp3d prstMaterial="dkEdge">
-      <a:bevelT w="8200" h="38100"/>
-    </dgm:sp3d>
-    <dgm:txPr/>
-    <dgm:style>
-      <a:lnRef idx="0">
-        <a:scrgbClr r="0" g="0" b="0"/>
-      </a:lnRef>
-      <a:fillRef idx="2">
-        <a:scrgbClr r="0" g="0" b="0"/>
-      </a:fillRef>
-      <a:effectRef idx="1">
-        <a:scrgbClr r="0" g="0" b="0"/>
-      </a:effectRef>
-      <a:fontRef idx="minor">
-        <a:schemeClr val="dk1"/>
-      </a:fontRef>
-    </dgm:style>
-  </dgm:styleLbl>
-  <dgm:styleLbl name="fgImgPlace1">
-    <dgm:scene3d>
-      <a:camera prst="orthographicFront"/>
-      <a:lightRig rig="threePt" dir="t"/>
-    </dgm:scene3d>
-    <dgm:sp3d/>
-    <dgm:txPr/>
-    <dgm:style>
-      <a:lnRef idx="1">
-        <a:scrgbClr r="0" g="0" b="0"/>
-      </a:lnRef>
-      <a:fillRef idx="1">
-        <a:scrgbClr r="0" g="0" b="0"/>
-      </a:fillRef>
-      <a:effectRef idx="1">
-        <a:scrgbClr r="0" g="0" b="0"/>
-      </a:effectRef>
-      <a:fontRef idx="minor"/>
-    </dgm:style>
-  </dgm:styleLbl>
-  <dgm:styleLbl name="alignImgPlace1">
-    <dgm:scene3d>
-      <a:camera prst="orthographicFront"/>
-      <a:lightRig rig="threePt" dir="t"/>
-    </dgm:scene3d>
-    <dgm:sp3d/>
-    <dgm:txPr/>
-    <dgm:style>
-      <a:lnRef idx="1">
-        <a:scrgbClr r="0" g="0" b="0"/>
-      </a:lnRef>
-      <a:fillRef idx="1">
-        <a:scrgbClr r="0" g="0" b="0"/>
-      </a:fillRef>
-      <a:effectRef idx="1">
-        <a:scrgbClr r="0" g="0" b="0"/>
-      </a:effectRef>
-      <a:fontRef idx="minor"/>
-    </dgm:style>
-  </dgm:styleLbl>
-  <dgm:styleLbl name="bgImgPlace1">
-    <dgm:scene3d>
-      <a:camera prst="orthographicFront"/>
-      <a:lightRig rig="threePt" dir="t"/>
-    </dgm:scene3d>
-    <dgm:sp3d/>
-    <dgm:txPr/>
-    <dgm:style>
-      <a:lnRef idx="1">
-        <a:scrgbClr r="0" g="0" b="0"/>
-      </a:lnRef>
-      <a:fillRef idx="1">
-        <a:scrgbClr r="0" g="0" b="0"/>
-      </a:fillRef>
-      <a:effectRef idx="1">
-        <a:scrgbClr r="0" g="0" b="0"/>
-      </a:effectRef>
-      <a:fontRef idx="minor"/>
-    </dgm:style>
-  </dgm:styleLbl>
-  <dgm:styleLbl name="sibTrans2D1">
-    <dgm:scene3d>
-      <a:camera prst="orthographicFront"/>
-      <a:lightRig rig="threePt" dir="t"/>
-    </dgm:scene3d>
-    <dgm:sp3d/>
-    <dgm:txPr/>
-    <dgm:style>
-      <a:lnRef idx="0">
-        <a:scrgbClr r="0" g="0" b="0"/>
-      </a:lnRef>
-      <a:fillRef idx="2">
-        <a:scrgbClr r="0" g="0" b="0"/>
-      </a:fillRef>
-      <a:effectRef idx="1">
-        <a:scrgbClr r="0" g="0" b="0"/>
-      </a:effectRef>
-      <a:fontRef idx="minor">
-        <a:schemeClr val="dk1"/>
-      </a:fontRef>
-    </dgm:style>
-  </dgm:styleLbl>
-  <dgm:styleLbl name="fgSibTrans2D1">
-    <dgm:scene3d>
-      <a:camera prst="orthographicFront"/>
-      <a:lightRig rig="threePt" dir="t"/>
-    </dgm:scene3d>
-    <dgm:sp3d/>
-    <dgm:txPr/>
-    <dgm:style>
-      <a:lnRef idx="0">
-        <a:scrgbClr r="0" g="0" b="0"/>
-      </a:lnRef>
-      <a:fillRef idx="2">
-        <a:scrgbClr r="0" g="0" b="0"/>
-      </a:fillRef>
-      <a:effectRef idx="1">
-        <a:scrgbClr r="0" g="0" b="0"/>
-      </a:effectRef>
-      <a:fontRef idx="minor">
-        <a:schemeClr val="dk1"/>
-      </a:fontRef>
-    </dgm:style>
-  </dgm:styleLbl>
-  <dgm:styleLbl name="bgSibTrans2D1">
-    <dgm:scene3d>
-      <a:camera prst="orthographicFront"/>
-      <a:lightRig rig="threePt" dir="t"/>
-    </dgm:scene3d>
-    <dgm:sp3d/>
-    <dgm:txPr/>
-    <dgm:style>
-      <a:lnRef idx="0">
-        <a:scrgbClr r="0" g="0" b="0"/>
-      </a:lnRef>
-      <a:fillRef idx="2">
-        <a:scrgbClr r="0" g="0" b="0"/>
-      </a:fillRef>
-      <a:effectRef idx="1">
-        <a:scrgbClr r="0" g="0" b="0"/>
-      </a:effectRef>
-      <a:fontRef idx="minor">
-        <a:schemeClr val="dk1"/>
-      </a:fontRef>
-    </dgm:style>
-  </dgm:styleLbl>
-  <dgm:styleLbl name="sibTrans1D1">
-    <dgm:scene3d>
-      <a:camera prst="orthographicFront"/>
-      <a:lightRig rig="threePt" dir="t"/>
-    </dgm:scene3d>
-    <dgm:sp3d/>
-    <dgm:txPr/>
-    <dgm:style>
-      <a:lnRef idx="1">
-        <a:scrgbClr r="0" g="0" b="0"/>
-      </a:lnRef>
-      <a:fillRef idx="0">
-        <a:scrgbClr r="0" g="0" b="0"/>
-      </a:fillRef>
-      <a:effectRef idx="0">
-        <a:scrgbClr r="0" g="0" b="0"/>
-      </a:effectRef>
-      <a:fontRef idx="minor"/>
-    </dgm:style>
-  </dgm:styleLbl>
-  <dgm:styleLbl name="callout">
-    <dgm:scene3d>
-      <a:camera prst="orthographicFront"/>
-      <a:lightRig rig="threePt" dir="t"/>
-    </dgm:scene3d>
-    <dgm:sp3d/>
-    <dgm:txPr/>
-    <dgm:style>
-      <a:lnRef idx="1">
-        <a:scrgbClr r="0" g="0" b="0"/>
-      </a:lnRef>
-      <a:fillRef idx="2">
-        <a:scrgbClr r="0" g="0" b="0"/>
-      </a:fillRef>
-      <a:effectRef idx="1">
-        <a:scrgbClr r="0" g="0" b="0"/>
-      </a:effectRef>
-      <a:fontRef idx="minor"/>
-    </dgm:style>
-  </dgm:styleLbl>
-  <dgm:styleLbl name="asst0">
-    <dgm:scene3d>
-      <a:camera prst="orthographicFront"/>
-      <a:lightRig rig="flat" dir="t"/>
-    </dgm:scene3d>
-    <dgm:sp3d prstMaterial="dkEdge">
-      <a:bevelT w="8200" h="38100"/>
-    </dgm:sp3d>
-    <dgm:txPr/>
-    <dgm:style>
-      <a:lnRef idx="0">
-        <a:scrgbClr r="0" g="0" b="0"/>
-      </a:lnRef>
-      <a:fillRef idx="2">
-        <a:scrgbClr r="0" g="0" b="0"/>
-      </a:fillRef>
-      <a:effectRef idx="1">
-        <a:scrgbClr r="0" g="0" b="0"/>
-      </a:effectRef>
-      <a:fontRef idx="minor">
-        <a:schemeClr val="dk1"/>
-      </a:fontRef>
-    </dgm:style>
-  </dgm:styleLbl>
-  <dgm:styleLbl name="asst1">
-    <dgm:scene3d>
-      <a:camera prst="orthographicFront"/>
-      <a:lightRig rig="flat" dir="t"/>
-    </dgm:scene3d>
-    <dgm:sp3d prstMaterial="dkEdge">
-      <a:bevelT w="8200" h="38100"/>
-    </dgm:sp3d>
-    <dgm:txPr/>
-    <dgm:style>
-      <a:lnRef idx="0">
-        <a:scrgbClr r="0" g="0" b="0"/>
-      </a:lnRef>
-      <a:fillRef idx="2">
-        <a:scrgbClr r="0" g="0" b="0"/>
-      </a:fillRef>
-      <a:effectRef idx="1">
-        <a:scrgbClr r="0" g="0" b="0"/>
-      </a:effectRef>
-      <a:fontRef idx="minor">
-        <a:schemeClr val="dk1"/>
-      </a:fontRef>
-    </dgm:style>
-  </dgm:styleLbl>
-  <dgm:styleLbl name="asst2">
-    <dgm:scene3d>
-      <a:camera prst="orthographicFront"/>
-      <a:lightRig rig="flat" dir="t"/>
-    </dgm:scene3d>
-    <dgm:sp3d prstMaterial="dkEdge">
-      <a:bevelT w="8200" h="38100"/>
-    </dgm:sp3d>
-    <dgm:txPr/>
-    <dgm:style>
-      <a:lnRef idx="0">
-        <a:scrgbClr r="0" g="0" b="0"/>
-      </a:lnRef>
-      <a:fillRef idx="2">
-        <a:scrgbClr r="0" g="0" b="0"/>
-      </a:fillRef>
-      <a:effectRef idx="1">
-        <a:scrgbClr r="0" g="0" b="0"/>
-      </a:effectRef>
-      <a:fontRef idx="minor">
-        <a:schemeClr val="dk1"/>
-      </a:fontRef>
-    </dgm:style>
-  </dgm:styleLbl>
-  <dgm:styleLbl name="asst3">
-    <dgm:scene3d>
-      <a:camera prst="orthographicFront"/>
-      <a:lightRig rig="flat" dir="t"/>
-    </dgm:scene3d>
-    <dgm:sp3d prstMaterial="dkEdge">
-      <a:bevelT w="8200" h="38100"/>
-    </dgm:sp3d>
-    <dgm:txPr/>
-    <dgm:style>
-      <a:lnRef idx="0">
-        <a:scrgbClr r="0" g="0" b="0"/>
-      </a:lnRef>
-      <a:fillRef idx="2">
-        <a:scrgbClr r="0" g="0" b="0"/>
-      </a:fillRef>
-      <a:effectRef idx="1">
-        <a:scrgbClr r="0" g="0" b="0"/>
-      </a:effectRef>
-      <a:fontRef idx="minor">
-        <a:schemeClr val="dk1"/>
-      </a:fontRef>
-    </dgm:style>
-  </dgm:styleLbl>
-  <dgm:styleLbl name="asst4">
-    <dgm:scene3d>
-      <a:camera prst="orthographicFront"/>
-      <a:lightRig rig="flat" dir="t"/>
-    </dgm:scene3d>
-    <dgm:sp3d prstMaterial="dkEdge">
-      <a:bevelT w="8200" h="38100"/>
-    </dgm:sp3d>
-    <dgm:txPr/>
-    <dgm:style>
-      <a:lnRef idx="0">
-        <a:scrgbClr r="0" g="0" b="0"/>
-      </a:lnRef>
-      <a:fillRef idx="2">
-        <a:scrgbClr r="0" g="0" b="0"/>
-      </a:fillRef>
-      <a:effectRef idx="1">
-        <a:scrgbClr r="0" g="0" b="0"/>
-      </a:effectRef>
-      <a:fontRef idx="minor">
-        <a:schemeClr val="dk1"/>
-      </a:fontRef>
-    </dgm:style>
-  </dgm:styleLbl>
-  <dgm:styleLbl name="parChTrans2D1">
-    <dgm:scene3d>
-      <a:camera prst="orthographicFront"/>
-      <a:lightRig rig="threePt" dir="t"/>
-    </dgm:scene3d>
-    <dgm:sp3d/>
-    <dgm:txPr/>
-    <dgm:style>
-      <a:lnRef idx="1">
-        <a:scrgbClr r="0" g="0" b="0"/>
-      </a:lnRef>
-      <a:fillRef idx="2">
-        <a:scrgbClr r="0" g="0" b="0"/>
-      </a:fillRef>
-      <a:effectRef idx="1">
-        <a:scrgbClr r="0" g="0" b="0"/>
-      </a:effectRef>
-      <a:fontRef idx="minor">
-        <a:schemeClr val="dk1"/>
-      </a:fontRef>
-    </dgm:style>
-  </dgm:styleLbl>
-  <dgm:styleLbl name="parChTrans2D2">
-    <dgm:scene3d>
-      <a:camera prst="orthographicFront"/>
-      <a:lightRig rig="threePt" dir="t"/>
-    </dgm:scene3d>
-    <dgm:sp3d/>
-    <dgm:txPr/>
-    <dgm:style>
-      <a:lnRef idx="1">
-        <a:scrgbClr r="0" g="0" b="0"/>
-      </a:lnRef>
-      <a:fillRef idx="2">
-        <a:scrgbClr r="0" g="0" b="0"/>
-      </a:fillRef>
-      <a:effectRef idx="1">
-        <a:scrgbClr r="0" g="0" b="0"/>
-      </a:effectRef>
-      <a:fontRef idx="minor">
-        <a:schemeClr val="dk1"/>
-      </a:fontRef>
-    </dgm:style>
-  </dgm:styleLbl>
-  <dgm:styleLbl name="parChTrans2D3">
-    <dgm:scene3d>
-      <a:camera prst="orthographicFront"/>
-      <a:lightRig rig="threePt" dir="t"/>
-    </dgm:scene3d>
-    <dgm:sp3d/>
-    <dgm:txPr/>
-    <dgm:style>
-      <a:lnRef idx="1">
-        <a:scrgbClr r="0" g="0" b="0"/>
-      </a:lnRef>
-      <a:fillRef idx="2">
-        <a:scrgbClr r="0" g="0" b="0"/>
-      </a:fillRef>
-      <a:effectRef idx="1">
-        <a:scrgbClr r="0" g="0" b="0"/>
-      </a:effectRef>
-      <a:fontRef idx="minor">
-        <a:schemeClr val="dk1"/>
-      </a:fontRef>
-    </dgm:style>
-  </dgm:styleLbl>
-  <dgm:styleLbl name="parChTrans2D4">
-    <dgm:scene3d>
-      <a:camera prst="orthographicFront"/>
-      <a:lightRig rig="threePt" dir="t"/>
-    </dgm:scene3d>
-    <dgm:sp3d/>
-    <dgm:txPr/>
-    <dgm:style>
-      <a:lnRef idx="1">
-        <a:scrgbClr r="0" g="0" b="0"/>
-      </a:lnRef>
-      <a:fillRef idx="2">
-        <a:scrgbClr r="0" g="0" b="0"/>
-      </a:fillRef>
-      <a:effectRef idx="1">
-        <a:scrgbClr r="0" g="0" b="0"/>
-      </a:effectRef>
-      <a:fontRef idx="minor">
-        <a:schemeClr val="dk1"/>
-      </a:fontRef>
-    </dgm:style>
-  </dgm:styleLbl>
-  <dgm:styleLbl name="parChTrans1D1">
-    <dgm:scene3d>
-      <a:camera prst="orthographicFront"/>
-      <a:lightRig rig="threePt" dir="t"/>
-    </dgm:scene3d>
-    <dgm:sp3d/>
-    <dgm:txPr/>
-    <dgm:style>
-      <a:lnRef idx="2">
-        <a:scrgbClr r="0" g="0" b="0"/>
-      </a:lnRef>
-      <a:fillRef idx="0">
-        <a:scrgbClr r="0" g="0" b="0"/>
-      </a:fillRef>
-      <a:effectRef idx="0">
-        <a:scrgbClr r="0" g="0" b="0"/>
-      </a:effectRef>
-      <a:fontRef idx="minor"/>
-    </dgm:style>
-  </dgm:styleLbl>
-  <dgm:styleLbl name="parChTrans1D2">
-    <dgm:scene3d>
-      <a:camera prst="orthographicFront"/>
-      <a:lightRig rig="threePt" dir="t"/>
-    </dgm:scene3d>
-    <dgm:sp3d/>
-    <dgm:txPr/>
-    <dgm:style>
-      <a:lnRef idx="2">
-        <a:scrgbClr r="0" g="0" b="0"/>
-      </a:lnRef>
-      <a:fillRef idx="0">
-        <a:scrgbClr r="0" g="0" b="0"/>
-      </a:fillRef>
-      <a:effectRef idx="0">
-        <a:scrgbClr r="0" g="0" b="0"/>
-      </a:effectRef>
-      <a:fontRef idx="minor"/>
-    </dgm:style>
-  </dgm:styleLbl>
-  <dgm:styleLbl name="parChTrans1D3">
-    <dgm:scene3d>
-      <a:camera prst="orthographicFront"/>
-      <a:lightRig rig="threePt" dir="t"/>
-    </dgm:scene3d>
-    <dgm:sp3d/>
-    <dgm:txPr/>
-    <dgm:style>
-      <a:lnRef idx="2">
-        <a:scrgbClr r="0" g="0" b="0"/>
-      </a:lnRef>
-      <a:fillRef idx="0">
-        <a:scrgbClr r="0" g="0" b="0"/>
-      </a:fillRef>
-      <a:effectRef idx="0">
-        <a:scrgbClr r="0" g="0" b="0"/>
-      </a:effectRef>
-      <a:fontRef idx="minor"/>
-    </dgm:style>
-  </dgm:styleLbl>
-  <dgm:styleLbl name="parChTrans1D4">
-    <dgm:scene3d>
-      <a:camera prst="orthographicFront"/>
-      <a:lightRig rig="threePt" dir="t"/>
-    </dgm:scene3d>
-    <dgm:sp3d/>
-    <dgm:txPr/>
-    <dgm:style>
-      <a:lnRef idx="2">
-        <a:scrgbClr r="0" g="0" b="0"/>
-      </a:lnRef>
-      <a:fillRef idx="0">
-        <a:scrgbClr r="0" g="0" b="0"/>
-      </a:fillRef>
-      <a:effectRef idx="0">
-        <a:scrgbClr r="0" g="0" b="0"/>
-      </a:effectRef>
-      <a:fontRef idx="minor"/>
-    </dgm:style>
-  </dgm:styleLbl>
-  <dgm:styleLbl name="fgAcc1">
-    <dgm:scene3d>
-      <a:camera prst="orthographicFront"/>
-      <a:lightRig rig="threePt" dir="t"/>
-    </dgm:scene3d>
-    <dgm:sp3d/>
-    <dgm:txPr/>
-    <dgm:style>
-      <a:lnRef idx="1">
-        <a:scrgbClr r="0" g="0" b="0"/>
-      </a:lnRef>
-      <a:fillRef idx="1">
-        <a:scrgbClr r="0" g="0" b="0"/>
-      </a:fillRef>
-      <a:effectRef idx="0">
-        <a:scrgbClr r="0" g="0" b="0"/>
-      </a:effectRef>
-      <a:fontRef idx="minor"/>
-    </dgm:style>
-  </dgm:styleLbl>
-  <dgm:styleLbl name="conFgAcc1">
-    <dgm:scene3d>
-      <a:camera prst="orthographicFront"/>
-      <a:lightRig rig="threePt" dir="t"/>
-    </dgm:scene3d>
-    <dgm:sp3d/>
-    <dgm:txPr/>
-    <dgm:style>
-      <a:lnRef idx="1">
-        <a:scrgbClr r="0" g="0" b="0"/>
-      </a:lnRef>
-      <a:fillRef idx="1">
-        <a:scrgbClr r="0" g="0" b="0"/>
-      </a:fillRef>
-      <a:effectRef idx="0">
-        <a:scrgbClr r="0" g="0" b="0"/>
-      </a:effectRef>
-      <a:fontRef idx="minor"/>
-    </dgm:style>
-  </dgm:styleLbl>
-  <dgm:styleLbl name="alignAcc1">
-    <dgm:scene3d>
-      <a:camera prst="orthographicFront"/>
-      <a:lightRig rig="threePt" dir="t"/>
-    </dgm:scene3d>
-    <dgm:sp3d/>
-    <dgm:txPr/>
-    <dgm:style>
-      <a:lnRef idx="1">
-        <a:scrgbClr r="0" g="0" b="0"/>
-      </a:lnRef>
-      <a:fillRef idx="1">
-        <a:scrgbClr r="0" g="0" b="0"/>
-      </a:fillRef>
-      <a:effectRef idx="0">
-        <a:scrgbClr r="0" g="0" b="0"/>
-      </a:effectRef>
-      <a:fontRef idx="minor"/>
-    </dgm:style>
-  </dgm:styleLbl>
-  <dgm:styleLbl name="trAlignAcc1">
-    <dgm:scene3d>
-      <a:camera prst="orthographicFront"/>
-      <a:lightRig rig="threePt" dir="t"/>
-    </dgm:scene3d>
-    <dgm:sp3d/>
-    <dgm:txPr/>
-    <dgm:style>
-      <a:lnRef idx="1">
-        <a:scrgbClr r="0" g="0" b="0"/>
-      </a:lnRef>
-      <a:fillRef idx="1">
-        <a:scrgbClr r="0" g="0" b="0"/>
-      </a:fillRef>
-      <a:effectRef idx="0">
-        <a:scrgbClr r="0" g="0" b="0"/>
-      </a:effectRef>
-      <a:fontRef idx="minor"/>
-    </dgm:style>
-  </dgm:styleLbl>
-  <dgm:styleLbl name="bgAcc1">
-    <dgm:scene3d>
-      <a:camera prst="orthographicFront"/>
-      <a:lightRig rig="threePt" dir="t"/>
-    </dgm:scene3d>
-    <dgm:sp3d/>
-    <dgm:txPr/>
-    <dgm:style>
-      <a:lnRef idx="1">
-        <a:scrgbClr r="0" g="0" b="0"/>
-      </a:lnRef>
-      <a:fillRef idx="1">
-        <a:scrgbClr r="0" g="0" b="0"/>
-      </a:fillRef>
-      <a:effectRef idx="0">
-        <a:scrgbClr r="0" g="0" b="0"/>
-      </a:effectRef>
-      <a:fontRef idx="minor"/>
-    </dgm:style>
-  </dgm:styleLbl>
-  <dgm:styleLbl name="solidFgAcc1">
-    <dgm:scene3d>
-      <a:camera prst="orthographicFront"/>
-      <a:lightRig rig="threePt" dir="t"/>
-    </dgm:scene3d>
-    <dgm:sp3d/>
-    <dgm:txPr/>
-    <dgm:style>
-      <a:lnRef idx="1">
-        <a:scrgbClr r="0" g="0" b="0"/>
-      </a:lnRef>
-      <a:fillRef idx="2">
-        <a:scrgbClr r="0" g="0" b="0"/>
-      </a:fillRef>
-      <a:effectRef idx="0">
-        <a:scrgbClr r="0" g="0" b="0"/>
-      </a:effectRef>
-      <a:fontRef idx="minor"/>
-    </dgm:style>
-  </dgm:styleLbl>
-  <dgm:styleLbl name="solidAlignAcc1">
-    <dgm:scene3d>
-      <a:camera prst="orthographicFront"/>
-      <a:lightRig rig="threePt" dir="t"/>
-    </dgm:scene3d>
-    <dgm:sp3d/>
-    <dgm:txPr/>
-    <dgm:style>
-      <a:lnRef idx="1">
-        <a:scrgbClr r="0" g="0" b="0"/>
-      </a:lnRef>
-      <a:fillRef idx="1">
-        <a:scrgbClr r="0" g="0" b="0"/>
-      </a:fillRef>
-      <a:effectRef idx="0">
-        <a:scrgbClr r="0" g="0" b="0"/>
-      </a:effectRef>
-      <a:fontRef idx="minor"/>
-    </dgm:style>
-  </dgm:styleLbl>
-  <dgm:styleLbl name="solidBgAcc1">
-    <dgm:scene3d>
-      <a:camera prst="orthographicFront"/>
-      <a:lightRig rig="threePt" dir="t"/>
-    </dgm:scene3d>
-    <dgm:sp3d/>
-    <dgm:txPr/>
-    <dgm:style>
-      <a:lnRef idx="1">
-        <a:scrgbClr r="0" g="0" b="0"/>
-      </a:lnRef>
-      <a:fillRef idx="1">
-        <a:scrgbClr r="0" g="0" b="0"/>
-      </a:fillRef>
-      <a:effectRef idx="0">
-        <a:scrgbClr r="0" g="0" b="0"/>
-      </a:effectRef>
-      <a:fontRef idx="minor"/>
-    </dgm:style>
-  </dgm:styleLbl>
-  <dgm:styleLbl name="fgAccFollowNode1">
-    <dgm:scene3d>
-      <a:camera prst="orthographicFront"/>
-      <a:lightRig rig="threePt" dir="t"/>
-    </dgm:scene3d>
-    <dgm:sp3d/>
-    <dgm:txPr/>
-    <dgm:style>
-      <a:lnRef idx="1">
-        <a:scrgbClr r="0" g="0" b="0"/>
-      </a:lnRef>
-      <a:fillRef idx="1">
-        <a:scrgbClr r="0" g="0" b="0"/>
-      </a:fillRef>
-      <a:effectRef idx="0">
-        <a:scrgbClr r="0" g="0" b="0"/>
-      </a:effectRef>
-      <a:fontRef idx="minor"/>
-    </dgm:style>
-  </dgm:styleLbl>
-  <dgm:styleLbl name="alignAccFollowNode1">
-    <dgm:scene3d>
-      <a:camera prst="orthographicFront"/>
-      <a:lightRig rig="threePt" dir="t"/>
-    </dgm:scene3d>
-    <dgm:sp3d/>
-    <dgm:txPr/>
-    <dgm:style>
-      <a:lnRef idx="1">
-        <a:scrgbClr r="0" g="0" b="0"/>
-      </a:lnRef>
-      <a:fillRef idx="1">
-        <a:scrgbClr r="0" g="0" b="0"/>
-      </a:fillRef>
-      <a:effectRef idx="0">
-        <a:scrgbClr r="0" g="0" b="0"/>
-      </a:effectRef>
-      <a:fontRef idx="minor"/>
-    </dgm:style>
-  </dgm:styleLbl>
-  <dgm:styleLbl name="bgAccFollowNode1">
-    <dgm:scene3d>
-      <a:camera prst="orthographicFront"/>
-      <a:lightRig rig="threePt" dir="t"/>
-    </dgm:scene3d>
-    <dgm:sp3d/>
-    <dgm:txPr/>
-    <dgm:style>
-      <a:lnRef idx="1">
-        <a:scrgbClr r="0" g="0" b="0"/>
-      </a:lnRef>
-      <a:fillRef idx="1">
-        <a:scrgbClr r="0" g="0" b="0"/>
-      </a:fillRef>
-      <a:effectRef idx="0">
-        <a:scrgbClr r="0" g="0" b="0"/>
-      </a:effectRef>
-      <a:fontRef idx="minor"/>
-    </dgm:style>
-  </dgm:styleLbl>
-  <dgm:styleLbl name="fgAcc0">
-    <dgm:scene3d>
-      <a:camera prst="orthographicFront"/>
-      <a:lightRig rig="threePt" dir="t"/>
-    </dgm:scene3d>
-    <dgm:sp3d/>
-    <dgm:txPr/>
-    <dgm:style>
-      <a:lnRef idx="1">
-        <a:scrgbClr r="0" g="0" b="0"/>
-      </a:lnRef>
-      <a:fillRef idx="1">
-        <a:scrgbClr r="0" g="0" b="0"/>
-      </a:fillRef>
-      <a:effectRef idx="0">
-        <a:scrgbClr r="0" g="0" b="0"/>
-      </a:effectRef>
-      <a:fontRef idx="minor"/>
-    </dgm:style>
-  </dgm:styleLbl>
-  <dgm:styleLbl name="fgAcc2">
-    <dgm:scene3d>
-      <a:camera prst="orthographicFront"/>
-      <a:lightRig rig="threePt" dir="t"/>
-    </dgm:scene3d>
-    <dgm:sp3d/>
-    <dgm:txPr/>
-    <dgm:style>
-      <a:lnRef idx="1">
-        <a:scrgbClr r="0" g="0" b="0"/>
-      </a:lnRef>
-      <a:fillRef idx="1">
-        <a:scrgbClr r="0" g="0" b="0"/>
-      </a:fillRef>
-      <a:effectRef idx="0">
-        <a:scrgbClr r="0" g="0" b="0"/>
-      </a:effectRef>
-      <a:fontRef idx="minor"/>
-    </dgm:style>
-  </dgm:styleLbl>
-  <dgm:styleLbl name="fgAcc3">
-    <dgm:scene3d>
-      <a:camera prst="orthographicFront"/>
-      <a:lightRig rig="threePt" dir="t"/>
-    </dgm:scene3d>
-    <dgm:sp3d/>
-    <dgm:txPr/>
-    <dgm:style>
-      <a:lnRef idx="1">
-        <a:scrgbClr r="0" g="0" b="0"/>
-      </a:lnRef>
-      <a:fillRef idx="1">
-        <a:scrgbClr r="0" g="0" b="0"/>
-      </a:fillRef>
-      <a:effectRef idx="0">
-        <a:scrgbClr r="0" g="0" b="0"/>
-      </a:effectRef>
-      <a:fontRef idx="minor"/>
-    </dgm:style>
-  </dgm:styleLbl>
-  <dgm:styleLbl name="fgAcc4">
-    <dgm:scene3d>
-      <a:camera prst="orthographicFront"/>
-      <a:lightRig rig="threePt" dir="t"/>
-    </dgm:scene3d>
-    <dgm:sp3d/>
-    <dgm:txPr/>
-    <dgm:style>
-      <a:lnRef idx="1">
-        <a:scrgbClr r="0" g="0" b="0"/>
-      </a:lnRef>
-      <a:fillRef idx="1">
-        <a:scrgbClr r="0" g="0" b="0"/>
-      </a:fillRef>
-      <a:effectRef idx="0">
-        <a:scrgbClr r="0" g="0" b="0"/>
-      </a:effectRef>
-      <a:fontRef idx="minor"/>
-    </dgm:style>
-  </dgm:styleLbl>
-  <dgm:styleLbl name="bgShp">
-    <dgm:scene3d>
-      <a:camera prst="orthographicFront"/>
-      <a:lightRig rig="threePt" dir="t"/>
-    </dgm:scene3d>
-    <dgm:sp3d/>
-    <dgm:txPr/>
-    <dgm:style>
-      <a:lnRef idx="0">
-        <a:scrgbClr r="0" g="0" b="0"/>
-      </a:lnRef>
-      <a:fillRef idx="1">
-        <a:scrgbClr r="0" g="0" b="0"/>
-      </a:fillRef>
-      <a:effectRef idx="1">
-        <a:scrgbClr r="0" g="0" b="0"/>
-      </a:effectRef>
-      <a:fontRef idx="minor"/>
-    </dgm:style>
-  </dgm:styleLbl>
-  <dgm:styleLbl name="dkBgShp">
-    <dgm:scene3d>
-      <a:camera prst="orthographicFront"/>
-      <a:lightRig rig="threePt" dir="t"/>
-    </dgm:scene3d>
-    <dgm:sp3d/>
-    <dgm:txPr/>
-    <dgm:style>
-      <a:lnRef idx="0">
-        <a:scrgbClr r="0" g="0" b="0"/>
-      </a:lnRef>
-      <a:fillRef idx="1">
-        <a:scrgbClr r="0" g="0" b="0"/>
-      </a:fillRef>
-      <a:effectRef idx="1">
-        <a:scrgbClr r="0" g="0" b="0"/>
-      </a:effectRef>
-      <a:fontRef idx="minor"/>
-    </dgm:style>
-  </dgm:styleLbl>
-  <dgm:styleLbl name="trBgShp">
-    <dgm:scene3d>
-      <a:camera prst="orthographicFront"/>
-      <a:lightRig rig="threePt" dir="t"/>
-    </dgm:scene3d>
-    <dgm:sp3d/>
-    <dgm:txPr/>
-    <dgm:style>
-      <a:lnRef idx="0">
-        <a:scrgbClr r="0" g="0" b="0"/>
-      </a:lnRef>
-      <a:fillRef idx="1">
-        <a:scrgbClr r="0" g="0" b="0"/>
-      </a:fillRef>
-      <a:effectRef idx="0">
-        <a:scrgbClr r="0" g="0" b="0"/>
-      </a:effectRef>
-      <a:fontRef idx="minor"/>
-    </dgm:style>
-  </dgm:styleLbl>
-  <dgm:styleLbl name="fgShp">
-    <dgm:scene3d>
-      <a:camera prst="orthographicFront"/>
-      <a:lightRig rig="flat" dir="t"/>
-    </dgm:scene3d>
-    <dgm:sp3d prstMaterial="dkEdge">
-      <a:bevelT w="8200" h="38100"/>
-    </dgm:sp3d>
-    <dgm:txPr/>
-    <dgm:style>
-      <a:lnRef idx="1">
-        <a:scrgbClr r="0" g="0" b="0"/>
-      </a:lnRef>
-      <a:fillRef idx="2">
-        <a:scrgbClr r="0" g="0" b="0"/>
-      </a:fillRef>
-      <a:effectRef idx="1">
-        <a:scrgbClr r="0" g="0" b="0"/>
-      </a:effectRef>
-      <a:fontRef idx="minor"/>
     </dgm:style>
   </dgm:styleLbl>
   <dgm:styleLbl name="revTx">
@@ -18980,6 +15927,12 @@
           <a:prstGeom prst="rect">
             <a:avLst/>
           </a:prstGeom>
+          <a:ln>
+            <a:noFill/>
+          </a:ln>
+          <a:effectLst>
+            <a:softEdge rad="112500"/>
+          </a:effectLst>
         </p:spPr>
       </p:pic>
       <p:pic>
@@ -19010,6 +15963,12 @@
           <a:prstGeom prst="rect">
             <a:avLst/>
           </a:prstGeom>
+          <a:ln>
+            <a:noFill/>
+          </a:ln>
+          <a:effectLst>
+            <a:softEdge rad="112500"/>
+          </a:effectLst>
         </p:spPr>
       </p:pic>
       <p:sp>
@@ -19075,13 +16034,13 @@
         </p:spPr>
         <p:style>
           <a:lnRef idx="2">
-            <a:schemeClr val="accent1"/>
+            <a:schemeClr val="accent5"/>
           </a:lnRef>
           <a:fillRef idx="1">
             <a:schemeClr val="lt1"/>
           </a:fillRef>
           <a:effectRef idx="0">
-            <a:schemeClr val="accent1"/>
+            <a:schemeClr val="accent5"/>
           </a:effectRef>
           <a:fontRef idx="minor">
             <a:schemeClr val="dk1"/>
@@ -19093,11 +16052,19 @@
           <a:p>
             <a:pPr algn="ctr"/>
             <a:r>
-              <a:rPr lang="en-US" altLang="zh-CN" sz="1400" dirty="0"/>
+              <a:rPr lang="en-US" altLang="zh-CN" sz="1400" dirty="0">
+                <a:solidFill>
+                  <a:schemeClr val="dk1"/>
+                </a:solidFill>
+              </a:rPr>
               <a:t>Z2</a:t>
             </a:r>
             <a:r>
-              <a:rPr lang="zh-CN" altLang="en-US" sz="1400" dirty="0"/>
+              <a:rPr lang="zh-CN" altLang="en-US" sz="1400" dirty="0">
+                <a:solidFill>
+                  <a:schemeClr val="dk1"/>
+                </a:solidFill>
+              </a:rPr>
               <a:t>通规、止规轴</a:t>
             </a:r>
           </a:p>
@@ -19131,13 +16098,13 @@
         </p:spPr>
         <p:style>
           <a:lnRef idx="2">
-            <a:schemeClr val="accent1"/>
+            <a:schemeClr val="accent5"/>
           </a:lnRef>
           <a:fillRef idx="1">
             <a:schemeClr val="lt1"/>
           </a:fillRef>
           <a:effectRef idx="0">
-            <a:schemeClr val="accent1"/>
+            <a:schemeClr val="accent5"/>
           </a:effectRef>
           <a:fontRef idx="minor">
             <a:schemeClr val="dk1"/>
@@ -19149,7 +16116,11 @@
           <a:p>
             <a:pPr algn="ctr"/>
             <a:r>
-              <a:rPr lang="zh-CN" altLang="en-US" sz="1400" dirty="0"/>
+              <a:rPr lang="zh-CN" altLang="en-US" sz="1400" dirty="0">
+                <a:solidFill>
+                  <a:schemeClr val="dk1"/>
+                </a:solidFill>
+              </a:rPr>
               <a:t>伺服通规检测</a:t>
             </a:r>
           </a:p>
@@ -19183,13 +16154,13 @@
         </p:spPr>
         <p:style>
           <a:lnRef idx="2">
-            <a:schemeClr val="accent1"/>
+            <a:schemeClr val="accent5"/>
           </a:lnRef>
           <a:fillRef idx="1">
             <a:schemeClr val="lt1"/>
           </a:fillRef>
           <a:effectRef idx="0">
-            <a:schemeClr val="accent1"/>
+            <a:schemeClr val="accent5"/>
           </a:effectRef>
           <a:fontRef idx="minor">
             <a:schemeClr val="dk1"/>
@@ -19235,13 +16206,13 @@
         </p:spPr>
         <p:style>
           <a:lnRef idx="2">
-            <a:schemeClr val="accent1"/>
+            <a:schemeClr val="accent5"/>
           </a:lnRef>
           <a:fillRef idx="1">
             <a:schemeClr val="lt1"/>
           </a:fillRef>
           <a:effectRef idx="0">
-            <a:schemeClr val="accent1"/>
+            <a:schemeClr val="accent5"/>
           </a:effectRef>
           <a:fontRef idx="minor">
             <a:schemeClr val="dk1"/>
@@ -19300,13 +16271,13 @@
         </p:spPr>
         <p:style>
           <a:lnRef idx="2">
-            <a:schemeClr val="accent1"/>
+            <a:schemeClr val="accent5"/>
           </a:lnRef>
           <a:fillRef idx="1">
             <a:schemeClr val="lt1"/>
           </a:fillRef>
           <a:effectRef idx="0">
-            <a:schemeClr val="accent1"/>
+            <a:schemeClr val="accent5"/>
           </a:effectRef>
           <a:fontRef idx="minor">
             <a:schemeClr val="dk1"/>
@@ -19356,13 +16327,13 @@
         </p:spPr>
         <p:style>
           <a:lnRef idx="2">
-            <a:schemeClr val="accent1"/>
+            <a:schemeClr val="accent5"/>
           </a:lnRef>
           <a:fillRef idx="1">
             <a:schemeClr val="lt1"/>
           </a:fillRef>
           <a:effectRef idx="0">
-            <a:schemeClr val="accent1"/>
+            <a:schemeClr val="accent5"/>
           </a:effectRef>
           <a:fontRef idx="minor">
             <a:schemeClr val="dk1"/>
@@ -19408,13 +16379,13 @@
         </p:spPr>
         <p:style>
           <a:lnRef idx="2">
-            <a:schemeClr val="accent1"/>
+            <a:schemeClr val="accent5"/>
           </a:lnRef>
           <a:fillRef idx="1">
             <a:schemeClr val="lt1"/>
           </a:fillRef>
           <a:effectRef idx="0">
-            <a:schemeClr val="accent1"/>
+            <a:schemeClr val="accent5"/>
           </a:effectRef>
           <a:fontRef idx="minor">
             <a:schemeClr val="dk1"/>
@@ -19460,13 +16431,13 @@
         </p:spPr>
         <p:style>
           <a:lnRef idx="2">
-            <a:schemeClr val="accent1"/>
+            <a:schemeClr val="accent5"/>
           </a:lnRef>
           <a:fillRef idx="1">
             <a:schemeClr val="lt1"/>
           </a:fillRef>
           <a:effectRef idx="0">
-            <a:schemeClr val="accent1"/>
+            <a:schemeClr val="accent5"/>
           </a:effectRef>
           <a:fontRef idx="minor">
             <a:schemeClr val="dk1"/>
@@ -19516,13 +16487,13 @@
         </p:spPr>
         <p:style>
           <a:lnRef idx="2">
-            <a:schemeClr val="accent1"/>
+            <a:schemeClr val="accent5"/>
           </a:lnRef>
           <a:fillRef idx="1">
             <a:schemeClr val="lt1"/>
           </a:fillRef>
           <a:effectRef idx="0">
-            <a:schemeClr val="accent1"/>
+            <a:schemeClr val="accent5"/>
           </a:effectRef>
           <a:fontRef idx="minor">
             <a:schemeClr val="dk1"/>
@@ -19641,6 +16612,12 @@
           <a:prstGeom prst="rect">
             <a:avLst/>
           </a:prstGeom>
+          <a:ln>
+            <a:noFill/>
+          </a:ln>
+          <a:effectLst>
+            <a:softEdge rad="112500"/>
+          </a:effectLst>
         </p:spPr>
       </p:pic>
       <p:sp>
@@ -19671,13 +16648,13 @@
         </p:spPr>
         <p:style>
           <a:lnRef idx="2">
-            <a:schemeClr val="accent1"/>
+            <a:schemeClr val="accent5"/>
           </a:lnRef>
           <a:fillRef idx="1">
             <a:schemeClr val="lt1"/>
           </a:fillRef>
           <a:effectRef idx="0">
-            <a:schemeClr val="accent1"/>
+            <a:schemeClr val="accent5"/>
           </a:effectRef>
           <a:fontRef idx="minor">
             <a:schemeClr val="dk1"/>
@@ -19728,13 +16705,13 @@
         </p:spPr>
         <p:style>
           <a:lnRef idx="2">
-            <a:schemeClr val="accent1"/>
+            <a:schemeClr val="accent5"/>
           </a:lnRef>
           <a:fillRef idx="1">
             <a:schemeClr val="lt1"/>
           </a:fillRef>
           <a:effectRef idx="0">
-            <a:schemeClr val="accent1"/>
+            <a:schemeClr val="accent5"/>
           </a:effectRef>
           <a:fontRef idx="minor">
             <a:schemeClr val="dk1"/>
@@ -19780,13 +16757,13 @@
         </p:spPr>
         <p:style>
           <a:lnRef idx="2">
-            <a:schemeClr val="accent1"/>
+            <a:schemeClr val="accent5"/>
           </a:lnRef>
           <a:fillRef idx="1">
             <a:schemeClr val="lt1"/>
           </a:fillRef>
           <a:effectRef idx="0">
-            <a:schemeClr val="accent1"/>
+            <a:schemeClr val="accent5"/>
           </a:effectRef>
           <a:fontRef idx="minor">
             <a:schemeClr val="dk1"/>
@@ -19837,13 +16814,13 @@
         </p:spPr>
         <p:style>
           <a:lnRef idx="2">
-            <a:schemeClr val="accent1"/>
+            <a:schemeClr val="accent5"/>
           </a:lnRef>
           <a:fillRef idx="1">
             <a:schemeClr val="lt1"/>
           </a:fillRef>
           <a:effectRef idx="0">
-            <a:schemeClr val="accent1"/>
+            <a:schemeClr val="accent5"/>
           </a:effectRef>
           <a:fontRef idx="minor">
             <a:schemeClr val="dk1"/>
@@ -19889,13 +16866,13 @@
         </p:spPr>
         <p:style>
           <a:lnRef idx="2">
-            <a:schemeClr val="accent1"/>
+            <a:schemeClr val="accent5"/>
           </a:lnRef>
           <a:fillRef idx="1">
             <a:schemeClr val="lt1"/>
           </a:fillRef>
           <a:effectRef idx="0">
-            <a:schemeClr val="accent1"/>
+            <a:schemeClr val="accent5"/>
           </a:effectRef>
           <a:fontRef idx="minor">
             <a:schemeClr val="dk1"/>
@@ -19949,13 +16926,13 @@
         </p:spPr>
         <p:style>
           <a:lnRef idx="2">
-            <a:schemeClr val="accent1"/>
+            <a:schemeClr val="accent5"/>
           </a:lnRef>
           <a:fillRef idx="1">
             <a:schemeClr val="lt1"/>
           </a:fillRef>
           <a:effectRef idx="0">
-            <a:schemeClr val="accent1"/>
+            <a:schemeClr val="accent5"/>
           </a:effectRef>
           <a:fontRef idx="minor">
             <a:schemeClr val="dk1"/>
@@ -20009,13 +16986,13 @@
         </p:spPr>
         <p:style>
           <a:lnRef idx="2">
-            <a:schemeClr val="accent1"/>
+            <a:schemeClr val="accent5"/>
           </a:lnRef>
           <a:fillRef idx="1">
             <a:schemeClr val="lt1"/>
           </a:fillRef>
           <a:effectRef idx="0">
-            <a:schemeClr val="accent1"/>
+            <a:schemeClr val="accent5"/>
           </a:effectRef>
           <a:fontRef idx="minor">
             <a:schemeClr val="dk1"/>
@@ -20121,6 +17098,12 @@
           <a:prstGeom prst="rect">
             <a:avLst/>
           </a:prstGeom>
+          <a:ln>
+            <a:noFill/>
+          </a:ln>
+          <a:effectLst>
+            <a:softEdge rad="112500"/>
+          </a:effectLst>
         </p:spPr>
       </p:pic>
       <p:sp>
@@ -20151,13 +17134,13 @@
         </p:spPr>
         <p:style>
           <a:lnRef idx="2">
-            <a:schemeClr val="accent1"/>
+            <a:schemeClr val="accent5"/>
           </a:lnRef>
           <a:fillRef idx="1">
             <a:schemeClr val="lt1"/>
           </a:fillRef>
           <a:effectRef idx="0">
-            <a:schemeClr val="accent1"/>
+            <a:schemeClr val="accent5"/>
           </a:effectRef>
           <a:fontRef idx="minor">
             <a:schemeClr val="dk1"/>
@@ -20210,13 +17193,13 @@
         </p:spPr>
         <p:style>
           <a:lnRef idx="2">
-            <a:schemeClr val="accent1"/>
+            <a:schemeClr val="accent5"/>
           </a:lnRef>
           <a:fillRef idx="1">
             <a:schemeClr val="lt1"/>
           </a:fillRef>
           <a:effectRef idx="0">
-            <a:schemeClr val="accent1"/>
+            <a:schemeClr val="accent5"/>
           </a:effectRef>
           <a:fontRef idx="minor">
             <a:schemeClr val="dk1"/>
@@ -20269,13 +17252,13 @@
         </p:spPr>
         <p:style>
           <a:lnRef idx="2">
-            <a:schemeClr val="accent1"/>
+            <a:schemeClr val="accent5"/>
           </a:lnRef>
           <a:fillRef idx="1">
             <a:schemeClr val="lt1"/>
           </a:fillRef>
           <a:effectRef idx="0">
-            <a:schemeClr val="accent1"/>
+            <a:schemeClr val="accent5"/>
           </a:effectRef>
           <a:fontRef idx="minor">
             <a:schemeClr val="dk1"/>
@@ -20328,13 +17311,13 @@
         </p:spPr>
         <p:style>
           <a:lnRef idx="2">
-            <a:schemeClr val="accent1"/>
+            <a:schemeClr val="accent5"/>
           </a:lnRef>
           <a:fillRef idx="1">
             <a:schemeClr val="lt1"/>
           </a:fillRef>
           <a:effectRef idx="0">
-            <a:schemeClr val="accent1"/>
+            <a:schemeClr val="accent5"/>
           </a:effectRef>
           <a:fontRef idx="minor">
             <a:schemeClr val="dk1"/>
@@ -20361,7 +17344,11 @@
               <a:t>规格更换</a:t>
             </a:r>
             <a:r>
-              <a:rPr lang="zh-CN" altLang="en-US" sz="1400" dirty="0"/>
+              <a:rPr lang="zh-CN" altLang="en-US" sz="1400" dirty="0">
+                <a:solidFill>
+                  <a:srgbClr val="FF0000"/>
+                </a:solidFill>
+              </a:rPr>
               <a:t>、</a:t>
             </a:r>
             <a:r>
@@ -20467,6 +17454,12 @@
           <a:prstGeom prst="rect">
             <a:avLst/>
           </a:prstGeom>
+          <a:ln>
+            <a:noFill/>
+          </a:ln>
+          <a:effectLst>
+            <a:softEdge rad="112500"/>
+          </a:effectLst>
         </p:spPr>
       </p:pic>
       <p:sp>
@@ -20497,13 +17490,13 @@
         </p:spPr>
         <p:style>
           <a:lnRef idx="2">
-            <a:schemeClr val="accent1"/>
+            <a:schemeClr val="accent5"/>
           </a:lnRef>
           <a:fillRef idx="1">
             <a:schemeClr val="lt1"/>
           </a:fillRef>
           <a:effectRef idx="0">
-            <a:schemeClr val="accent1"/>
+            <a:schemeClr val="accent5"/>
           </a:effectRef>
           <a:fontRef idx="minor">
             <a:schemeClr val="dk1"/>
@@ -20587,13 +17580,13 @@
         </p:spPr>
         <p:style>
           <a:lnRef idx="2">
-            <a:schemeClr val="accent1"/>
+            <a:schemeClr val="accent5"/>
           </a:lnRef>
           <a:fillRef idx="1">
             <a:schemeClr val="lt1"/>
           </a:fillRef>
           <a:effectRef idx="0">
-            <a:schemeClr val="accent1"/>
+            <a:schemeClr val="accent5"/>
           </a:effectRef>
           <a:fontRef idx="minor">
             <a:schemeClr val="dk1"/>
@@ -20669,13 +17662,13 @@
         </p:spPr>
         <p:style>
           <a:lnRef idx="2">
-            <a:schemeClr val="accent1"/>
+            <a:schemeClr val="accent5"/>
           </a:lnRef>
           <a:fillRef idx="1">
             <a:schemeClr val="lt1"/>
           </a:fillRef>
           <a:effectRef idx="0">
-            <a:schemeClr val="accent1"/>
+            <a:schemeClr val="accent5"/>
           </a:effectRef>
           <a:fontRef idx="minor">
             <a:schemeClr val="dk1"/>
@@ -20743,6 +17736,11 @@
           <a:prstGeom prst="rightArrow">
             <a:avLst/>
           </a:prstGeom>
+          <a:effectLst>
+            <a:outerShdw blurRad="63500" dist="37357" dir="2700000" rotWithShape="0">
+              <a:srgbClr val="B1CBE9"/>
+            </a:outerShdw>
+          </a:effectLst>
         </p:spPr>
         <p:style>
           <a:lnRef idx="1">
@@ -20787,6 +17785,11 @@
           <a:prstGeom prst="rightArrow">
             <a:avLst/>
           </a:prstGeom>
+          <a:effectLst>
+            <a:outerShdw blurRad="63500" dist="37357" dir="2700000" rotWithShape="0">
+              <a:srgbClr val="B1CBE9"/>
+            </a:outerShdw>
+          </a:effectLst>
         </p:spPr>
         <p:style>
           <a:lnRef idx="1">
@@ -20831,6 +17834,11 @@
           <a:prstGeom prst="rightArrow">
             <a:avLst/>
           </a:prstGeom>
+          <a:effectLst>
+            <a:outerShdw blurRad="63500" dist="37357" dir="2700000" rotWithShape="0">
+              <a:srgbClr val="B1CBE9"/>
+            </a:outerShdw>
+          </a:effectLst>
         </p:spPr>
         <p:style>
           <a:lnRef idx="1">
@@ -20968,16 +17976,16 @@
         </p:spPr>
         <p:style>
           <a:lnRef idx="1">
-            <a:schemeClr val="accent5"/>
+            <a:schemeClr val="accent1"/>
           </a:lnRef>
-          <a:fillRef idx="2">
-            <a:schemeClr val="accent5"/>
+          <a:fillRef idx="3">
+            <a:schemeClr val="accent1"/>
           </a:fillRef>
-          <a:effectRef idx="1">
-            <a:schemeClr val="accent5"/>
+          <a:effectRef idx="2">
+            <a:schemeClr val="accent1"/>
           </a:effectRef>
           <a:fontRef idx="minor">
-            <a:schemeClr val="dk1"/>
+            <a:schemeClr val="lt1"/>
           </a:fontRef>
         </p:style>
         <p:txBody>
@@ -21064,16 +18072,16 @@
         </p:spPr>
         <p:style>
           <a:lnRef idx="1">
-            <a:schemeClr val="accent5"/>
+            <a:schemeClr val="accent1"/>
           </a:lnRef>
-          <a:fillRef idx="2">
-            <a:schemeClr val="accent5"/>
+          <a:fillRef idx="3">
+            <a:schemeClr val="accent1"/>
           </a:fillRef>
-          <a:effectRef idx="1">
-            <a:schemeClr val="accent5"/>
+          <a:effectRef idx="2">
+            <a:schemeClr val="accent1"/>
           </a:effectRef>
           <a:fontRef idx="minor">
-            <a:schemeClr val="dk1"/>
+            <a:schemeClr val="lt1"/>
           </a:fontRef>
         </p:style>
         <p:txBody>
@@ -21113,16 +18121,16 @@
         </p:spPr>
         <p:style>
           <a:lnRef idx="1">
-            <a:schemeClr val="accent5"/>
+            <a:schemeClr val="accent1"/>
           </a:lnRef>
-          <a:fillRef idx="2">
-            <a:schemeClr val="accent5"/>
+          <a:fillRef idx="3">
+            <a:schemeClr val="accent1"/>
           </a:fillRef>
-          <a:effectRef idx="1">
-            <a:schemeClr val="accent5"/>
+          <a:effectRef idx="2">
+            <a:schemeClr val="accent1"/>
           </a:effectRef>
           <a:fontRef idx="minor">
-            <a:schemeClr val="dk1"/>
+            <a:schemeClr val="lt1"/>
           </a:fontRef>
         </p:style>
         <p:txBody>
@@ -21162,16 +18170,16 @@
         </p:spPr>
         <p:style>
           <a:lnRef idx="1">
-            <a:schemeClr val="accent5"/>
+            <a:schemeClr val="accent1"/>
           </a:lnRef>
-          <a:fillRef idx="2">
-            <a:schemeClr val="accent5"/>
+          <a:fillRef idx="3">
+            <a:schemeClr val="accent1"/>
           </a:fillRef>
-          <a:effectRef idx="1">
-            <a:schemeClr val="accent5"/>
+          <a:effectRef idx="2">
+            <a:schemeClr val="accent1"/>
           </a:effectRef>
           <a:fontRef idx="minor">
-            <a:schemeClr val="dk1"/>
+            <a:schemeClr val="lt1"/>
           </a:fontRef>
         </p:style>
         <p:txBody>
@@ -21216,13 +18224,13 @@
         </p:spPr>
         <p:style>
           <a:lnRef idx="2">
-            <a:schemeClr val="accent1"/>
+            <a:schemeClr val="accent5"/>
           </a:lnRef>
           <a:fillRef idx="1">
             <a:schemeClr val="lt1"/>
           </a:fillRef>
           <a:effectRef idx="0">
-            <a:schemeClr val="accent1"/>
+            <a:schemeClr val="accent5"/>
           </a:effectRef>
           <a:fontRef idx="minor">
             <a:schemeClr val="dk1"/>
@@ -21268,13 +18276,13 @@
         </p:spPr>
         <p:style>
           <a:lnRef idx="2">
-            <a:schemeClr val="accent1"/>
+            <a:schemeClr val="accent5"/>
           </a:lnRef>
           <a:fillRef idx="1">
             <a:schemeClr val="lt1"/>
           </a:fillRef>
           <a:effectRef idx="0">
-            <a:schemeClr val="accent1"/>
+            <a:schemeClr val="accent5"/>
           </a:effectRef>
           <a:fontRef idx="minor">
             <a:schemeClr val="dk1"/>
@@ -21320,13 +18328,13 @@
         </p:spPr>
         <p:style>
           <a:lnRef idx="2">
-            <a:schemeClr val="accent1"/>
+            <a:schemeClr val="accent5"/>
           </a:lnRef>
           <a:fillRef idx="1">
             <a:schemeClr val="lt1"/>
           </a:fillRef>
           <a:effectRef idx="0">
-            <a:schemeClr val="accent1"/>
+            <a:schemeClr val="accent5"/>
           </a:effectRef>
           <a:fontRef idx="minor">
             <a:schemeClr val="dk1"/>
@@ -21372,13 +18380,13 @@
         </p:spPr>
         <p:style>
           <a:lnRef idx="2">
-            <a:schemeClr val="accent1"/>
+            <a:schemeClr val="accent5"/>
           </a:lnRef>
           <a:fillRef idx="1">
             <a:schemeClr val="lt1"/>
           </a:fillRef>
           <a:effectRef idx="0">
-            <a:schemeClr val="accent1"/>
+            <a:schemeClr val="accent5"/>
           </a:effectRef>
           <a:fontRef idx="minor">
             <a:schemeClr val="dk1"/>
@@ -21658,13 +18666,13 @@
         </p:spPr>
         <p:style>
           <a:lnRef idx="2">
-            <a:schemeClr val="accent1"/>
+            <a:schemeClr val="accent5"/>
           </a:lnRef>
           <a:fillRef idx="1">
             <a:schemeClr val="lt1"/>
           </a:fillRef>
           <a:effectRef idx="0">
-            <a:schemeClr val="accent1"/>
+            <a:schemeClr val="accent5"/>
           </a:effectRef>
           <a:fontRef idx="minor">
             <a:schemeClr val="dk1"/>
@@ -21710,13 +18718,13 @@
         </p:spPr>
         <p:style>
           <a:lnRef idx="2">
-            <a:schemeClr val="accent1"/>
+            <a:schemeClr val="accent5"/>
           </a:lnRef>
           <a:fillRef idx="1">
             <a:schemeClr val="lt1"/>
           </a:fillRef>
           <a:effectRef idx="0">
-            <a:schemeClr val="accent1"/>
+            <a:schemeClr val="accent5"/>
           </a:effectRef>
           <a:fontRef idx="minor">
             <a:schemeClr val="dk1"/>
@@ -21762,13 +18770,13 @@
         </p:spPr>
         <p:style>
           <a:lnRef idx="2">
-            <a:schemeClr val="accent1"/>
+            <a:schemeClr val="accent5"/>
           </a:lnRef>
           <a:fillRef idx="1">
             <a:schemeClr val="lt1"/>
           </a:fillRef>
           <a:effectRef idx="0">
-            <a:schemeClr val="accent1"/>
+            <a:schemeClr val="accent5"/>
           </a:effectRef>
           <a:fontRef idx="minor">
             <a:schemeClr val="dk1"/>
@@ -21814,13 +18822,13 @@
         </p:spPr>
         <p:style>
           <a:lnRef idx="2">
-            <a:schemeClr val="accent1"/>
+            <a:schemeClr val="accent5"/>
           </a:lnRef>
           <a:fillRef idx="1">
             <a:schemeClr val="lt1"/>
           </a:fillRef>
           <a:effectRef idx="0">
-            <a:schemeClr val="accent1"/>
+            <a:schemeClr val="accent5"/>
           </a:effectRef>
           <a:fontRef idx="minor">
             <a:schemeClr val="dk1"/>
@@ -21942,7 +18950,7 @@
         </p:nvSpPr>
         <p:spPr>
           <a:xfrm rot="10800000" flipV="1">
-            <a:off x="1544436" y="4324985"/>
+            <a:off x="1908419" y="4324985"/>
             <a:ext cx="2834617" cy="203200"/>
           </a:xfrm>
           <a:prstGeom prst="roundRect">
@@ -22002,7 +19010,7 @@
         </p:blipFill>
         <p:spPr>
           <a:xfrm>
-            <a:off x="2378710" y="1221740"/>
+            <a:off x="2742693" y="1221740"/>
             <a:ext cx="929640" cy="2156460"/>
           </a:xfrm>
           <a:prstGeom prst="rect">
@@ -22032,7 +19040,7 @@
         </p:blipFill>
         <p:spPr>
           <a:xfrm>
-            <a:off x="1861820" y="5133340"/>
+            <a:off x="2225803" y="5133340"/>
             <a:ext cx="1963420" cy="525145"/>
           </a:xfrm>
           <a:prstGeom prst="rect">
@@ -22056,7 +19064,7 @@
         </p:nvCxnSpPr>
         <p:spPr>
           <a:xfrm>
-            <a:off x="2260600" y="3378200"/>
+            <a:off x="2624583" y="3378200"/>
             <a:ext cx="0" cy="946785"/>
           </a:xfrm>
           <a:prstGeom prst="straightConnector1">
@@ -22100,7 +19108,7 @@
         </p:nvCxnSpPr>
         <p:spPr>
           <a:xfrm>
-            <a:off x="1861820" y="4528185"/>
+            <a:off x="2225803" y="4528185"/>
             <a:ext cx="0" cy="575310"/>
           </a:xfrm>
           <a:prstGeom prst="straightConnector1">
@@ -22144,7 +19152,7 @@
         </p:nvSpPr>
         <p:spPr>
           <a:xfrm>
-            <a:off x="1706698" y="3700026"/>
+            <a:off x="2070681" y="3700026"/>
             <a:ext cx="487313" cy="287258"/>
           </a:xfrm>
           <a:prstGeom prst="rect">
@@ -22238,7 +19246,7 @@
         </p:nvSpPr>
         <p:spPr>
           <a:xfrm>
-            <a:off x="1939999" y="4718476"/>
+            <a:off x="2303982" y="4718476"/>
             <a:ext cx="641201" cy="287258"/>
           </a:xfrm>
           <a:prstGeom prst="rect">
@@ -22332,7 +19340,7 @@
         </p:nvSpPr>
         <p:spPr>
           <a:xfrm>
-            <a:off x="1615771" y="2298382"/>
+            <a:off x="1979754" y="2298382"/>
             <a:ext cx="613951" cy="287258"/>
           </a:xfrm>
           <a:prstGeom prst="rect">
@@ -22425,7 +19433,7 @@
         </p:nvCxnSpPr>
         <p:spPr>
           <a:xfrm flipH="1" flipV="1">
-            <a:off x="2240915" y="1243965"/>
+            <a:off x="2604898" y="1243965"/>
             <a:ext cx="19685" cy="2108835"/>
           </a:xfrm>
           <a:prstGeom prst="straightConnector1">
@@ -22469,7 +19477,7 @@
         </p:nvCxnSpPr>
         <p:spPr>
           <a:xfrm flipV="1">
-            <a:off x="2125980" y="3352800"/>
+            <a:off x="2489963" y="3352800"/>
             <a:ext cx="459740" cy="9525"/>
           </a:xfrm>
           <a:prstGeom prst="line">
@@ -22513,7 +19521,7 @@
         </p:nvCxnSpPr>
         <p:spPr>
           <a:xfrm flipH="1">
-            <a:off x="2016760" y="1243965"/>
+            <a:off x="2380743" y="1243965"/>
             <a:ext cx="636270" cy="0"/>
           </a:xfrm>
           <a:prstGeom prst="line">
@@ -23487,7 +20495,7 @@
         </p:nvCxnSpPr>
         <p:spPr>
           <a:xfrm>
-            <a:off x="1857375" y="5959475"/>
+            <a:off x="2221358" y="5959475"/>
             <a:ext cx="1936115" cy="0"/>
           </a:xfrm>
           <a:prstGeom prst="straightConnector1">
@@ -23531,7 +20539,7 @@
         </p:nvCxnSpPr>
         <p:spPr>
           <a:xfrm flipV="1">
-            <a:off x="1866900" y="5614670"/>
+            <a:off x="2230883" y="5614670"/>
             <a:ext cx="0" cy="383540"/>
           </a:xfrm>
           <a:prstGeom prst="line">
@@ -23573,7 +20581,7 @@
         </p:nvCxnSpPr>
         <p:spPr>
           <a:xfrm flipH="1" flipV="1">
-            <a:off x="3803015" y="5633720"/>
+            <a:off x="4166998" y="5633720"/>
             <a:ext cx="9525" cy="345440"/>
           </a:xfrm>
           <a:prstGeom prst="line">
@@ -23615,7 +20623,7 @@
         </p:nvSpPr>
         <p:spPr>
           <a:xfrm>
-            <a:off x="2513312" y="5979160"/>
+            <a:off x="2877295" y="5979160"/>
             <a:ext cx="660437" cy="287258"/>
           </a:xfrm>
           <a:prstGeom prst="rect">
@@ -23705,7 +20713,7 @@
         </p:nvCxnSpPr>
         <p:spPr>
           <a:xfrm flipH="1">
-            <a:off x="3950355" y="5140325"/>
+            <a:off x="4314338" y="5140325"/>
             <a:ext cx="9525" cy="488315"/>
           </a:xfrm>
           <a:prstGeom prst="straightConnector1">
@@ -23749,7 +20757,7 @@
         </p:nvCxnSpPr>
         <p:spPr>
           <a:xfrm flipH="1">
-            <a:off x="3857645" y="5125720"/>
+            <a:off x="4221628" y="5125720"/>
             <a:ext cx="248920" cy="9525"/>
           </a:xfrm>
           <a:prstGeom prst="line">
@@ -23791,7 +20799,7 @@
         </p:nvCxnSpPr>
         <p:spPr>
           <a:xfrm flipH="1">
-            <a:off x="3867170" y="5633720"/>
+            <a:off x="4231153" y="5633720"/>
             <a:ext cx="259080" cy="0"/>
           </a:xfrm>
           <a:prstGeom prst="line">
@@ -23833,7 +20841,7 @@
         </p:nvSpPr>
         <p:spPr>
           <a:xfrm>
-            <a:off x="4105577" y="5240853"/>
+            <a:off x="4469560" y="5240853"/>
             <a:ext cx="410369" cy="287258"/>
           </a:xfrm>
           <a:prstGeom prst="rect">
@@ -24357,8 +21365,8 @@
         </p:nvSpPr>
         <p:spPr>
           <a:xfrm>
-            <a:off x="323849" y="1719310"/>
-            <a:ext cx="1101952" cy="356664"/>
+            <a:off x="382904" y="1632775"/>
+            <a:ext cx="1454804" cy="443199"/>
           </a:xfrm>
           <a:prstGeom prst="borderCallout1">
             <a:avLst>
@@ -24368,24 +21376,19 @@
               <a:gd name="adj4" fmla="val 209150"/>
             </a:avLst>
           </a:prstGeom>
-          <a:solidFill>
-            <a:schemeClr val="bg1"/>
-          </a:solidFill>
         </p:spPr>
         <p:style>
           <a:lnRef idx="2">
-            <a:schemeClr val="accent1">
-              <a:shade val="50000"/>
-            </a:schemeClr>
+            <a:schemeClr val="accent5"/>
           </a:lnRef>
           <a:fillRef idx="1">
-            <a:schemeClr val="accent1"/>
+            <a:schemeClr val="lt1"/>
           </a:fillRef>
           <a:effectRef idx="0">
-            <a:schemeClr val="accent1"/>
+            <a:schemeClr val="accent5"/>
           </a:effectRef>
           <a:fontRef idx="minor">
-            <a:schemeClr val="lt1"/>
+            <a:schemeClr val="dk1"/>
           </a:fontRef>
         </p:style>
         <p:txBody>
@@ -24394,7 +21397,7 @@
           <a:p>
             <a:pPr algn="ctr"/>
             <a:r>
-              <a:rPr lang="en-US" altLang="zh-CN" sz="1200" dirty="0">
+              <a:rPr lang="en-US" altLang="zh-CN" sz="1400" dirty="0">
                 <a:solidFill>
                   <a:schemeClr val="tx1"/>
                 </a:solidFill>
@@ -24403,7 +21406,7 @@
               <a:t>8K</a:t>
             </a:r>
             <a:r>
-              <a:rPr lang="zh-CN" altLang="en-US" sz="1200" dirty="0">
+              <a:rPr lang="zh-CN" altLang="en-US" sz="1400" dirty="0">
                 <a:solidFill>
                   <a:schemeClr val="tx1"/>
                 </a:solidFill>
@@ -24428,8 +21431,8 @@
         </p:nvSpPr>
         <p:spPr>
           <a:xfrm>
-            <a:off x="323849" y="3051632"/>
-            <a:ext cx="1101952" cy="356664"/>
+            <a:off x="382904" y="2965097"/>
+            <a:ext cx="1454804" cy="443199"/>
           </a:xfrm>
           <a:prstGeom prst="borderCallout1">
             <a:avLst>
@@ -24439,24 +21442,19 @@
               <a:gd name="adj4" fmla="val 191146"/>
             </a:avLst>
           </a:prstGeom>
-          <a:solidFill>
-            <a:schemeClr val="bg1"/>
-          </a:solidFill>
         </p:spPr>
         <p:style>
           <a:lnRef idx="2">
-            <a:schemeClr val="accent1">
-              <a:shade val="50000"/>
-            </a:schemeClr>
+            <a:schemeClr val="accent5"/>
           </a:lnRef>
           <a:fillRef idx="1">
-            <a:schemeClr val="accent1"/>
+            <a:schemeClr val="lt1"/>
           </a:fillRef>
           <a:effectRef idx="0">
-            <a:schemeClr val="accent1"/>
+            <a:schemeClr val="accent5"/>
           </a:effectRef>
           <a:fontRef idx="minor">
-            <a:schemeClr val="lt1"/>
+            <a:schemeClr val="dk1"/>
           </a:fontRef>
         </p:style>
         <p:txBody>
@@ -24465,7 +21463,7 @@
           <a:p>
             <a:pPr algn="ctr"/>
             <a:r>
-              <a:rPr lang="zh-CN" altLang="en-US" sz="1200" dirty="0">
+              <a:rPr lang="zh-CN" altLang="en-US" sz="1400" dirty="0">
                 <a:solidFill>
                   <a:schemeClr val="tx1"/>
                 </a:solidFill>
@@ -24490,8 +21488,8 @@
         </p:nvSpPr>
         <p:spPr>
           <a:xfrm>
-            <a:off x="323849" y="5766125"/>
-            <a:ext cx="1101952" cy="356664"/>
+            <a:off x="382904" y="5679590"/>
+            <a:ext cx="1454804" cy="443199"/>
           </a:xfrm>
           <a:prstGeom prst="borderCallout1">
             <a:avLst>
@@ -24501,24 +21499,19 @@
               <a:gd name="adj4" fmla="val 148872"/>
             </a:avLst>
           </a:prstGeom>
-          <a:solidFill>
-            <a:schemeClr val="bg1"/>
-          </a:solidFill>
         </p:spPr>
         <p:style>
           <a:lnRef idx="2">
-            <a:schemeClr val="accent1">
-              <a:shade val="50000"/>
-            </a:schemeClr>
+            <a:schemeClr val="accent5"/>
           </a:lnRef>
           <a:fillRef idx="1">
-            <a:schemeClr val="accent1"/>
+            <a:schemeClr val="lt1"/>
           </a:fillRef>
           <a:effectRef idx="0">
-            <a:schemeClr val="accent1"/>
+            <a:schemeClr val="accent5"/>
           </a:effectRef>
           <a:fontRef idx="minor">
-            <a:schemeClr val="lt1"/>
+            <a:schemeClr val="dk1"/>
           </a:fontRef>
         </p:style>
         <p:txBody>
@@ -24527,7 +21520,7 @@
           <a:p>
             <a:pPr algn="ctr"/>
             <a:r>
-              <a:rPr lang="zh-CN" altLang="en-US" sz="1200" dirty="0">
+              <a:rPr lang="zh-CN" altLang="en-US" sz="1400" dirty="0">
                 <a:solidFill>
                   <a:schemeClr val="tx1"/>
                 </a:solidFill>
@@ -24536,7 +21529,7 @@
               <a:t>定制高亮线光</a:t>
             </a:r>
             <a:r>
-              <a:rPr lang="en-US" altLang="zh-CN" sz="1200" dirty="0">
+              <a:rPr lang="en-US" altLang="zh-CN" sz="1400" dirty="0">
                 <a:solidFill>
                   <a:schemeClr val="tx1"/>
                 </a:solidFill>
@@ -24545,7 +21538,7 @@
               <a:t>(</a:t>
             </a:r>
             <a:r>
-              <a:rPr lang="zh-CN" altLang="en-US" sz="1200" dirty="0">
+              <a:rPr lang="zh-CN" altLang="en-US" sz="1400" dirty="0">
                 <a:solidFill>
                   <a:schemeClr val="tx1"/>
                 </a:solidFill>
@@ -24554,7 +21547,7 @@
               <a:t>位置固定</a:t>
             </a:r>
             <a:r>
-              <a:rPr lang="en-US" altLang="zh-CN" sz="1200" dirty="0">
+              <a:rPr lang="en-US" altLang="zh-CN" sz="1400" dirty="0">
                 <a:solidFill>
                   <a:schemeClr val="tx1"/>
                 </a:solidFill>
@@ -24562,7 +21555,7 @@
               </a:rPr>
               <a:t>)</a:t>
             </a:r>
-            <a:endParaRPr lang="zh-CN" altLang="en-US" sz="1200" dirty="0">
+            <a:endParaRPr lang="zh-CN" altLang="en-US" sz="1400" dirty="0">
               <a:solidFill>
                 <a:schemeClr val="tx1"/>
               </a:solidFill>
@@ -24585,25 +21578,30 @@
         </p:nvSpPr>
         <p:spPr>
           <a:xfrm>
-            <a:off x="4261259" y="2962574"/>
-            <a:ext cx="2364105" cy="443198"/>
+            <a:off x="4628173" y="2962574"/>
+            <a:ext cx="1997191" cy="443198"/>
           </a:xfrm>
           <a:prstGeom prst="rightArrow">
             <a:avLst/>
           </a:prstGeom>
+          <a:effectLst>
+            <a:outerShdw blurRad="63500" dist="37357" dir="2700000" rotWithShape="0">
+              <a:srgbClr val="B1CBE9"/>
+            </a:outerShdw>
+          </a:effectLst>
         </p:spPr>
         <p:style>
-          <a:lnRef idx="0">
+          <a:lnRef idx="1">
             <a:schemeClr val="accent5"/>
           </a:lnRef>
-          <a:fillRef idx="3">
+          <a:fillRef idx="2">
             <a:schemeClr val="accent5"/>
           </a:fillRef>
-          <a:effectRef idx="3">
+          <a:effectRef idx="1">
             <a:schemeClr val="accent5"/>
           </a:effectRef>
           <a:fontRef idx="minor">
-            <a:schemeClr val="lt1"/>
+            <a:schemeClr val="dk1"/>
           </a:fontRef>
         </p:style>
         <p:txBody>
@@ -24612,9 +21610,9 @@
           <a:p>
             <a:pPr algn="ctr"/>
             <a:r>
-              <a:rPr lang="zh-CN" altLang="en-US" sz="1200" dirty="0">
+              <a:rPr lang="zh-CN" altLang="en-US" sz="1400" dirty="0">
                 <a:solidFill>
-                  <a:schemeClr val="tx1"/>
+                  <a:schemeClr val="dk1"/>
                 </a:solidFill>
               </a:rPr>
               <a:t>线扫相机分多次扫描</a:t>
@@ -24636,8 +21634,8 @@
         </p:nvSpPr>
         <p:spPr>
           <a:xfrm>
-            <a:off x="317211" y="4383954"/>
-            <a:ext cx="1101952" cy="576727"/>
+            <a:off x="376266" y="4244026"/>
+            <a:ext cx="1454804" cy="716655"/>
           </a:xfrm>
           <a:prstGeom prst="borderCallout1">
             <a:avLst>
@@ -24647,24 +21645,19 @@
               <a:gd name="adj4" fmla="val 115018"/>
             </a:avLst>
           </a:prstGeom>
-          <a:solidFill>
-            <a:schemeClr val="bg1"/>
-          </a:solidFill>
         </p:spPr>
         <p:style>
           <a:lnRef idx="2">
-            <a:schemeClr val="accent1">
-              <a:shade val="50000"/>
-            </a:schemeClr>
+            <a:schemeClr val="accent5"/>
           </a:lnRef>
           <a:fillRef idx="1">
-            <a:schemeClr val="accent1"/>
+            <a:schemeClr val="lt1"/>
           </a:fillRef>
           <a:effectRef idx="0">
-            <a:schemeClr val="accent1"/>
+            <a:schemeClr val="accent5"/>
           </a:effectRef>
           <a:fontRef idx="minor">
-            <a:schemeClr val="lt1"/>
+            <a:schemeClr val="dk1"/>
           </a:fontRef>
         </p:style>
         <p:txBody>
@@ -24672,7 +21665,7 @@
           <a:lstStyle/>
           <a:p>
             <a:r>
-              <a:rPr lang="zh-CN" altLang="en-US" sz="1200" dirty="0">
+              <a:rPr lang="zh-CN" altLang="en-US" sz="1400" dirty="0">
                 <a:solidFill>
                   <a:schemeClr val="tx1"/>
                 </a:solidFill>
@@ -24978,7 +21971,7 @@
         </p:blipFill>
         <p:spPr>
           <a:xfrm>
-            <a:off x="1976482" y="1245343"/>
+            <a:off x="2278323" y="1245343"/>
             <a:ext cx="7922528" cy="4749656"/>
           </a:xfrm>
           <a:prstGeom prst="rect">
@@ -25000,7 +21993,7 @@
         </p:nvSpPr>
         <p:spPr>
           <a:xfrm>
-            <a:off x="2046916" y="1442906"/>
+            <a:off x="2348757" y="1442906"/>
             <a:ext cx="4865238" cy="561091"/>
           </a:xfrm>
           <a:prstGeom prst="roundRect">
@@ -25053,33 +22046,30 @@
         </p:nvSpPr>
         <p:spPr>
           <a:xfrm>
-            <a:off x="164345" y="1245343"/>
-            <a:ext cx="1647677" cy="2554870"/>
+            <a:off x="164345" y="1200952"/>
+            <a:ext cx="2039874" cy="3015939"/>
           </a:xfrm>
           <a:prstGeom prst="borderCallout1">
             <a:avLst>
               <a:gd name="adj1" fmla="val 35397"/>
               <a:gd name="adj2" fmla="val 99846"/>
-              <a:gd name="adj3" fmla="val 27858"/>
-              <a:gd name="adj4" fmla="val 114799"/>
+              <a:gd name="adj3" fmla="val 26091"/>
+              <a:gd name="adj4" fmla="val 111701"/>
             </a:avLst>
           </a:prstGeom>
-          <a:noFill/>
         </p:spPr>
         <p:style>
           <a:lnRef idx="2">
-            <a:schemeClr val="accent1">
-              <a:shade val="50000"/>
-            </a:schemeClr>
+            <a:schemeClr val="accent5"/>
           </a:lnRef>
           <a:fillRef idx="1">
-            <a:schemeClr val="accent1"/>
+            <a:schemeClr val="lt1"/>
           </a:fillRef>
           <a:effectRef idx="0">
-            <a:schemeClr val="accent1"/>
+            <a:schemeClr val="accent5"/>
           </a:effectRef>
           <a:fontRef idx="minor">
-            <a:schemeClr val="lt1"/>
+            <a:schemeClr val="dk1"/>
           </a:fontRef>
         </p:style>
         <p:txBody>
@@ -25087,7 +22077,7 @@
           <a:lstStyle/>
           <a:p>
             <a:r>
-              <a:rPr lang="en-US" altLang="zh-CN" sz="1000" dirty="0">
+              <a:rPr lang="en-US" altLang="zh-CN" sz="1200" dirty="0">
                 <a:solidFill>
                   <a:schemeClr val="tx1"/>
                 </a:solidFill>
@@ -25095,7 +22085,7 @@
               <a:t>1.</a:t>
             </a:r>
             <a:r>
-              <a:rPr lang="zh-CN" altLang="en-US" sz="1000" b="1" dirty="0">
+              <a:rPr lang="zh-CN" altLang="en-US" sz="1200" b="1" dirty="0">
                 <a:solidFill>
                   <a:schemeClr val="tx1"/>
                 </a:solidFill>
@@ -25103,7 +22093,7 @@
               <a:t>一键检测</a:t>
             </a:r>
             <a:r>
-              <a:rPr lang="en-US" altLang="zh-CN" sz="1000" b="1" dirty="0">
+              <a:rPr lang="en-US" altLang="zh-CN" sz="1200" b="1" dirty="0">
                 <a:solidFill>
                   <a:schemeClr val="tx1"/>
                 </a:solidFill>
@@ -25111,7 +22101,7 @@
               <a:t>/</a:t>
             </a:r>
             <a:r>
-              <a:rPr lang="zh-CN" altLang="en-US" sz="1000" b="1" dirty="0">
+              <a:rPr lang="zh-CN" altLang="en-US" sz="1200" b="1" dirty="0">
                 <a:solidFill>
                   <a:schemeClr val="tx1"/>
                 </a:solidFill>
@@ -25119,7 +22109,7 @@
               <a:t>停止</a:t>
             </a:r>
             <a:r>
-              <a:rPr lang="en-US" altLang="zh-CN" sz="1000" dirty="0">
+              <a:rPr lang="en-US" altLang="zh-CN" sz="1200" dirty="0">
                 <a:solidFill>
                   <a:schemeClr val="tx1"/>
                 </a:solidFill>
@@ -25127,7 +22117,7 @@
               <a:t>:</a:t>
             </a:r>
             <a:r>
-              <a:rPr lang="zh-CN" altLang="en-US" sz="1000" dirty="0">
+              <a:rPr lang="zh-CN" altLang="en-US" sz="1200" dirty="0">
                 <a:solidFill>
                   <a:schemeClr val="tx1"/>
                 </a:solidFill>
@@ -25135,7 +22125,7 @@
               <a:t>操作设备自动测量</a:t>
             </a:r>
             <a:r>
-              <a:rPr lang="en-US" altLang="zh-CN" sz="1000" dirty="0">
+              <a:rPr lang="en-US" altLang="zh-CN" sz="1200" dirty="0">
                 <a:solidFill>
                   <a:schemeClr val="tx1"/>
                 </a:solidFill>
@@ -25143,7 +22133,7 @@
               <a:t>+</a:t>
             </a:r>
             <a:r>
-              <a:rPr lang="zh-CN" altLang="en-US" sz="1000" dirty="0">
+              <a:rPr lang="zh-CN" altLang="en-US" sz="1200" dirty="0">
                 <a:solidFill>
                   <a:schemeClr val="tx1"/>
                 </a:solidFill>
@@ -25151,7 +22141,7 @@
               <a:t>检测</a:t>
             </a:r>
             <a:r>
-              <a:rPr lang="en-US" altLang="zh-CN" sz="1000" dirty="0">
+              <a:rPr lang="en-US" altLang="zh-CN" sz="1200" dirty="0">
                 <a:solidFill>
                   <a:schemeClr val="tx1"/>
                 </a:solidFill>
@@ -25159,14 +22149,14 @@
               <a:t>/</a:t>
             </a:r>
             <a:r>
-              <a:rPr lang="zh-CN" altLang="en-US" sz="1000" dirty="0">
+              <a:rPr lang="zh-CN" altLang="en-US" sz="1200" dirty="0">
                 <a:solidFill>
                   <a:schemeClr val="tx1"/>
                 </a:solidFill>
               </a:rPr>
               <a:t>停止。</a:t>
             </a:r>
-            <a:endParaRPr lang="en-US" altLang="zh-CN" sz="1000" dirty="0">
+            <a:endParaRPr lang="en-US" altLang="zh-CN" sz="1200" dirty="0">
               <a:solidFill>
                 <a:schemeClr val="tx1"/>
               </a:solidFill>
@@ -25174,7 +22164,7 @@
           </a:p>
           <a:p>
             <a:r>
-              <a:rPr lang="en-US" altLang="zh-CN" sz="1000" dirty="0">
+              <a:rPr lang="en-US" altLang="zh-CN" sz="1200" dirty="0">
                 <a:solidFill>
                   <a:schemeClr val="tx1"/>
                 </a:solidFill>
@@ -25182,7 +22172,7 @@
               <a:t>2.</a:t>
             </a:r>
             <a:r>
-              <a:rPr lang="zh-CN" altLang="en-US" sz="1000" b="1" dirty="0">
+              <a:rPr lang="zh-CN" altLang="en-US" sz="1200" b="1" dirty="0">
                 <a:solidFill>
                   <a:schemeClr val="tx1"/>
                 </a:solidFill>
@@ -25190,7 +22180,7 @@
               <a:t>配方</a:t>
             </a:r>
             <a:r>
-              <a:rPr lang="en-US" altLang="zh-CN" sz="1000" dirty="0">
+              <a:rPr lang="en-US" altLang="zh-CN" sz="1200" dirty="0">
                 <a:solidFill>
                   <a:schemeClr val="tx1"/>
                 </a:solidFill>
@@ -25198,14 +22188,14 @@
               <a:t>:</a:t>
             </a:r>
             <a:r>
-              <a:rPr lang="zh-CN" altLang="en-US" sz="1000" dirty="0">
+              <a:rPr lang="zh-CN" altLang="en-US" sz="1200" dirty="0">
                 <a:solidFill>
                   <a:schemeClr val="tx1"/>
                 </a:solidFill>
               </a:rPr>
               <a:t>配置管理不同型号散热板工具和参数。</a:t>
             </a:r>
-            <a:endParaRPr lang="en-US" altLang="zh-CN" sz="1000" dirty="0">
+            <a:endParaRPr lang="en-US" altLang="zh-CN" sz="1200" dirty="0">
               <a:solidFill>
                 <a:schemeClr val="tx1"/>
               </a:solidFill>
@@ -25213,7 +22203,7 @@
           </a:p>
           <a:p>
             <a:r>
-              <a:rPr lang="en-US" altLang="zh-CN" sz="1000" dirty="0">
+              <a:rPr lang="en-US" altLang="zh-CN" sz="1200" dirty="0">
                 <a:solidFill>
                   <a:schemeClr val="tx1"/>
                 </a:solidFill>
@@ -25221,7 +22211,7 @@
               <a:t>3.</a:t>
             </a:r>
             <a:r>
-              <a:rPr lang="zh-CN" altLang="en-US" sz="1000" b="1" dirty="0">
+              <a:rPr lang="zh-CN" altLang="en-US" sz="1200" b="1" dirty="0">
                 <a:solidFill>
                   <a:schemeClr val="tx1"/>
                 </a:solidFill>
@@ -25229,7 +22219,7 @@
               <a:t>相机配置</a:t>
             </a:r>
             <a:r>
-              <a:rPr lang="en-US" altLang="zh-CN" sz="1000" dirty="0">
+              <a:rPr lang="en-US" altLang="zh-CN" sz="1200" dirty="0">
                 <a:solidFill>
                   <a:schemeClr val="tx1"/>
                 </a:solidFill>
@@ -25237,14 +22227,14 @@
               <a:t>:</a:t>
             </a:r>
             <a:r>
-              <a:rPr lang="zh-CN" altLang="en-US" sz="1000" dirty="0">
+              <a:rPr lang="zh-CN" altLang="en-US" sz="1200" dirty="0">
                 <a:solidFill>
                   <a:schemeClr val="tx1"/>
                 </a:solidFill>
               </a:rPr>
               <a:t>设置相机参数。</a:t>
             </a:r>
-            <a:endParaRPr lang="en-US" altLang="zh-CN" sz="1000" dirty="0">
+            <a:endParaRPr lang="en-US" altLang="zh-CN" sz="1200" dirty="0">
               <a:solidFill>
                 <a:schemeClr val="tx1"/>
               </a:solidFill>
@@ -25252,7 +22242,7 @@
           </a:p>
           <a:p>
             <a:r>
-              <a:rPr lang="en-US" altLang="zh-CN" sz="1000" dirty="0">
+              <a:rPr lang="en-US" altLang="zh-CN" sz="1200" dirty="0">
                 <a:solidFill>
                   <a:schemeClr val="tx1"/>
                 </a:solidFill>
@@ -25260,7 +22250,7 @@
               <a:t>4.</a:t>
             </a:r>
             <a:r>
-              <a:rPr lang="zh-CN" altLang="en-US" sz="1000" dirty="0">
+              <a:rPr lang="zh-CN" altLang="en-US" sz="1200" dirty="0">
                 <a:solidFill>
                   <a:schemeClr val="tx1"/>
                 </a:solidFill>
@@ -25268,7 +22258,7 @@
               <a:t>轴配置</a:t>
             </a:r>
             <a:r>
-              <a:rPr lang="en-US" altLang="zh-CN" sz="1000" dirty="0">
+              <a:rPr lang="en-US" altLang="zh-CN" sz="1200" dirty="0">
                 <a:solidFill>
                   <a:schemeClr val="tx1"/>
                 </a:solidFill>
@@ -25276,14 +22266,14 @@
               <a:t>:</a:t>
             </a:r>
             <a:r>
-              <a:rPr lang="zh-CN" altLang="en-US" sz="1000" dirty="0">
+              <a:rPr lang="zh-CN" altLang="en-US" sz="1200" dirty="0">
                 <a:solidFill>
                   <a:schemeClr val="tx1"/>
                 </a:solidFill>
               </a:rPr>
               <a:t>设置轴参数。</a:t>
             </a:r>
-            <a:endParaRPr lang="en-US" altLang="zh-CN" sz="1000" dirty="0">
+            <a:endParaRPr lang="en-US" altLang="zh-CN" sz="1200" dirty="0">
               <a:solidFill>
                 <a:schemeClr val="tx1"/>
               </a:solidFill>
@@ -25291,7 +22281,7 @@
           </a:p>
           <a:p>
             <a:r>
-              <a:rPr lang="en-US" altLang="zh-CN" sz="1000" dirty="0">
+              <a:rPr lang="en-US" altLang="zh-CN" sz="1200" dirty="0">
                 <a:solidFill>
                   <a:schemeClr val="tx1"/>
                 </a:solidFill>
@@ -25299,7 +22289,7 @@
               <a:t>5.</a:t>
             </a:r>
             <a:r>
-              <a:rPr lang="zh-CN" altLang="en-US" sz="1000" b="1" dirty="0">
+              <a:rPr lang="zh-CN" altLang="en-US" sz="1200" b="1" dirty="0">
                 <a:solidFill>
                   <a:schemeClr val="tx1"/>
                 </a:solidFill>
@@ -25307,7 +22297,7 @@
               <a:t>标定</a:t>
             </a:r>
             <a:r>
-              <a:rPr lang="en-US" altLang="zh-CN" sz="1000" dirty="0">
+              <a:rPr lang="en-US" altLang="zh-CN" sz="1200" dirty="0">
                 <a:solidFill>
                   <a:schemeClr val="tx1"/>
                 </a:solidFill>
@@ -25315,14 +22305,14 @@
               <a:t>:</a:t>
             </a:r>
             <a:r>
-              <a:rPr lang="zh-CN" altLang="en-US" sz="1000" dirty="0">
+              <a:rPr lang="zh-CN" altLang="en-US" sz="1200" dirty="0">
                 <a:solidFill>
                   <a:schemeClr val="tx1"/>
                 </a:solidFill>
               </a:rPr>
               <a:t>通规、止规机构关联相机。</a:t>
             </a:r>
-            <a:endParaRPr lang="en-US" altLang="zh-CN" sz="1000" dirty="0">
+            <a:endParaRPr lang="en-US" altLang="zh-CN" sz="1200" dirty="0">
               <a:solidFill>
                 <a:schemeClr val="tx1"/>
               </a:solidFill>
@@ -25330,7 +22320,7 @@
           </a:p>
           <a:p>
             <a:r>
-              <a:rPr lang="en-US" altLang="zh-CN" sz="1000" dirty="0">
+              <a:rPr lang="en-US" altLang="zh-CN" sz="1200" dirty="0">
                 <a:solidFill>
                   <a:schemeClr val="tx1"/>
                 </a:solidFill>
@@ -25338,7 +22328,7 @@
               <a:t>6.</a:t>
             </a:r>
             <a:r>
-              <a:rPr lang="en-US" altLang="zh-CN" sz="1000" b="1" dirty="0">
+              <a:rPr lang="en-US" altLang="zh-CN" sz="1200" b="1" dirty="0">
                 <a:solidFill>
                   <a:schemeClr val="tx1"/>
                 </a:solidFill>
@@ -25346,7 +22336,7 @@
               <a:t>CAD</a:t>
             </a:r>
             <a:r>
-              <a:rPr lang="zh-CN" altLang="en-US" sz="1000" b="1" dirty="0">
+              <a:rPr lang="zh-CN" altLang="en-US" sz="1200" b="1" dirty="0">
                 <a:solidFill>
                   <a:schemeClr val="tx1"/>
                 </a:solidFill>
@@ -25354,7 +22344,7 @@
               <a:t>导入</a:t>
             </a:r>
             <a:r>
-              <a:rPr lang="en-US" altLang="zh-CN" sz="1000" dirty="0">
+              <a:rPr lang="en-US" altLang="zh-CN" sz="1200" dirty="0">
                 <a:solidFill>
                   <a:schemeClr val="tx1"/>
                 </a:solidFill>
@@ -25362,14 +22352,14 @@
               <a:t>:</a:t>
             </a:r>
             <a:r>
-              <a:rPr lang="zh-CN" altLang="en-US" sz="1000" dirty="0">
+              <a:rPr lang="zh-CN" altLang="en-US" sz="1200" dirty="0">
                 <a:solidFill>
                   <a:schemeClr val="tx1"/>
                 </a:solidFill>
               </a:rPr>
               <a:t>一键导入检测位置信息和参数。</a:t>
             </a:r>
-            <a:endParaRPr lang="en-US" altLang="zh-CN" sz="1000" dirty="0">
+            <a:endParaRPr lang="en-US" altLang="zh-CN" sz="1200" dirty="0">
               <a:solidFill>
                 <a:schemeClr val="tx1"/>
               </a:solidFill>
@@ -25377,7 +22367,7 @@
           </a:p>
           <a:p>
             <a:r>
-              <a:rPr lang="en-US" altLang="zh-CN" sz="1000" dirty="0">
+              <a:rPr lang="en-US" altLang="zh-CN" sz="1200" dirty="0">
                 <a:solidFill>
                   <a:schemeClr val="tx1"/>
                 </a:solidFill>
@@ -25385,7 +22375,7 @@
               <a:t>7.</a:t>
             </a:r>
             <a:r>
-              <a:rPr lang="zh-CN" altLang="en-US" sz="1000" b="1" dirty="0">
+              <a:rPr lang="zh-CN" altLang="en-US" sz="1200" b="1" dirty="0">
                 <a:solidFill>
                   <a:schemeClr val="tx1"/>
                 </a:solidFill>
@@ -25393,7 +22383,7 @@
               <a:t>权限</a:t>
             </a:r>
             <a:r>
-              <a:rPr lang="en-US" altLang="zh-CN" sz="1000" dirty="0">
+              <a:rPr lang="en-US" altLang="zh-CN" sz="1200" dirty="0">
                 <a:solidFill>
                   <a:schemeClr val="tx1"/>
                 </a:solidFill>
@@ -25401,7 +22391,7 @@
               <a:t>:</a:t>
             </a:r>
             <a:r>
-              <a:rPr lang="zh-CN" altLang="en-US" sz="1000" dirty="0">
+              <a:rPr lang="zh-CN" altLang="en-US" sz="1200" dirty="0">
                 <a:solidFill>
                   <a:schemeClr val="tx1"/>
                 </a:solidFill>
@@ -25409,7 +22399,7 @@
               <a:t>三级权限</a:t>
             </a:r>
             <a:r>
-              <a:rPr lang="en-US" altLang="zh-CN" sz="1000" dirty="0">
+              <a:rPr lang="en-US" altLang="zh-CN" sz="1200" dirty="0">
                 <a:solidFill>
                   <a:schemeClr val="tx1"/>
                 </a:solidFill>
@@ -25417,7 +22407,7 @@
               <a:t>(</a:t>
             </a:r>
             <a:r>
-              <a:rPr lang="zh-CN" altLang="en-US" sz="1000" dirty="0">
+              <a:rPr lang="zh-CN" altLang="en-US" sz="1200" dirty="0">
                 <a:solidFill>
                   <a:schemeClr val="tx1"/>
                 </a:solidFill>
@@ -25425,7 +22415,7 @@
               <a:t>管理员、工程师、操作员</a:t>
             </a:r>
             <a:r>
-              <a:rPr lang="en-US" altLang="zh-CN" sz="1000" dirty="0">
+              <a:rPr lang="en-US" altLang="zh-CN" sz="1200" dirty="0">
                 <a:solidFill>
                   <a:schemeClr val="tx1"/>
                 </a:solidFill>
@@ -25433,14 +22423,14 @@
               <a:t>)</a:t>
             </a:r>
             <a:r>
-              <a:rPr lang="zh-CN" altLang="en-US" sz="1000" dirty="0">
+              <a:rPr lang="zh-CN" altLang="en-US" sz="1200" dirty="0">
                 <a:solidFill>
                   <a:schemeClr val="tx1"/>
                 </a:solidFill>
               </a:rPr>
               <a:t>。</a:t>
             </a:r>
-            <a:endParaRPr lang="en-US" altLang="zh-CN" sz="1000" dirty="0">
+            <a:endParaRPr lang="en-US" altLang="zh-CN" sz="1200" dirty="0">
               <a:solidFill>
                 <a:schemeClr val="tx1"/>
               </a:solidFill>
@@ -25448,7 +22438,7 @@
           </a:p>
           <a:p>
             <a:r>
-              <a:rPr lang="en-US" altLang="zh-CN" sz="1000" dirty="0">
+              <a:rPr lang="en-US" altLang="zh-CN" sz="1200" dirty="0">
                 <a:solidFill>
                   <a:schemeClr val="tx1"/>
                 </a:solidFill>
@@ -25456,7 +22446,7 @@
               <a:t>8.</a:t>
             </a:r>
             <a:r>
-              <a:rPr lang="zh-CN" altLang="en-US" sz="1000" b="1" dirty="0">
+              <a:rPr lang="zh-CN" altLang="en-US" sz="1200" b="1" dirty="0">
                 <a:solidFill>
                   <a:schemeClr val="tx1"/>
                 </a:solidFill>
@@ -25464,7 +22454,7 @@
               <a:t>报表</a:t>
             </a:r>
             <a:r>
-              <a:rPr lang="en-US" altLang="zh-CN" sz="1000" dirty="0">
+              <a:rPr lang="en-US" altLang="zh-CN" sz="1200" dirty="0">
                 <a:solidFill>
                   <a:schemeClr val="tx1"/>
                 </a:solidFill>
@@ -25472,14 +22462,14 @@
               <a:t>:</a:t>
             </a:r>
             <a:r>
-              <a:rPr lang="zh-CN" altLang="en-US" sz="1000" dirty="0">
+              <a:rPr lang="zh-CN" altLang="en-US" sz="1200" dirty="0">
                 <a:solidFill>
                   <a:schemeClr val="tx1"/>
                 </a:solidFill>
               </a:rPr>
               <a:t>生产数据报表设置和导出。</a:t>
             </a:r>
-            <a:endParaRPr lang="en-US" altLang="zh-CN" sz="1000" dirty="0">
+            <a:endParaRPr lang="en-US" altLang="zh-CN" sz="1200" dirty="0">
               <a:solidFill>
                 <a:schemeClr val="tx1"/>
               </a:solidFill>
@@ -25487,7 +22477,7 @@
           </a:p>
           <a:p>
             <a:r>
-              <a:rPr lang="en-US" altLang="zh-CN" sz="1000" dirty="0">
+              <a:rPr lang="en-US" altLang="zh-CN" sz="1200" dirty="0">
                 <a:solidFill>
                   <a:schemeClr val="tx1"/>
                 </a:solidFill>
@@ -25495,7 +22485,7 @@
               <a:t>9.</a:t>
             </a:r>
             <a:r>
-              <a:rPr lang="zh-CN" altLang="en-US" sz="1000" b="1" dirty="0">
+              <a:rPr lang="zh-CN" altLang="en-US" sz="1200" b="1" dirty="0">
                 <a:solidFill>
                   <a:schemeClr val="tx1"/>
                 </a:solidFill>
@@ -25503,7 +22493,7 @@
               <a:t>高级设置</a:t>
             </a:r>
             <a:r>
-              <a:rPr lang="en-US" altLang="zh-CN" sz="1000" dirty="0">
+              <a:rPr lang="en-US" altLang="zh-CN" sz="1200" dirty="0">
                 <a:solidFill>
                   <a:schemeClr val="tx1"/>
                 </a:solidFill>
@@ -25511,7 +22501,7 @@
               <a:t>:</a:t>
             </a:r>
             <a:r>
-              <a:rPr lang="zh-CN" altLang="en-US" sz="1000" dirty="0">
+              <a:rPr lang="zh-CN" altLang="en-US" sz="1200" dirty="0">
                 <a:solidFill>
                   <a:schemeClr val="tx1"/>
                 </a:solidFill>
@@ -25535,33 +22525,30 @@
         </p:nvSpPr>
         <p:spPr>
           <a:xfrm>
-            <a:off x="164344" y="3946793"/>
-            <a:ext cx="1647677" cy="239313"/>
+            <a:off x="164343" y="4428022"/>
+            <a:ext cx="1991465" cy="234671"/>
           </a:xfrm>
           <a:prstGeom prst="borderCallout1">
             <a:avLst>
               <a:gd name="adj1" fmla="val 49845"/>
               <a:gd name="adj2" fmla="val 101373"/>
-              <a:gd name="adj3" fmla="val -1288"/>
-              <a:gd name="adj4" fmla="val 114290"/>
+              <a:gd name="adj3" fmla="val 3743"/>
+              <a:gd name="adj4" fmla="val 115019"/>
             </a:avLst>
           </a:prstGeom>
-          <a:noFill/>
         </p:spPr>
         <p:style>
           <a:lnRef idx="2">
-            <a:schemeClr val="accent1">
-              <a:shade val="50000"/>
-            </a:schemeClr>
+            <a:schemeClr val="accent5"/>
           </a:lnRef>
           <a:fillRef idx="1">
-            <a:schemeClr val="accent1"/>
+            <a:schemeClr val="lt1"/>
           </a:fillRef>
           <a:effectRef idx="0">
-            <a:schemeClr val="accent1"/>
+            <a:schemeClr val="accent5"/>
           </a:effectRef>
           <a:fontRef idx="minor">
-            <a:schemeClr val="lt1"/>
+            <a:schemeClr val="dk1"/>
           </a:fontRef>
         </p:style>
         <p:txBody>
@@ -25570,7 +22557,7 @@
           <a:p>
             <a:pPr algn="ctr"/>
             <a:r>
-              <a:rPr lang="zh-CN" altLang="en-US" sz="1000" b="1" dirty="0">
+              <a:rPr lang="zh-CN" altLang="en-US" sz="1200" b="1" dirty="0">
                 <a:solidFill>
                   <a:schemeClr val="tx1"/>
                 </a:solidFill>
@@ -25594,33 +22581,30 @@
         </p:nvSpPr>
         <p:spPr>
           <a:xfrm>
-            <a:off x="164343" y="4662692"/>
-            <a:ext cx="1647677" cy="239313"/>
+            <a:off x="164343" y="4902005"/>
+            <a:ext cx="1991465" cy="234671"/>
           </a:xfrm>
           <a:prstGeom prst="borderCallout1">
             <a:avLst>
               <a:gd name="adj1" fmla="val 49845"/>
               <a:gd name="adj2" fmla="val 101373"/>
-              <a:gd name="adj3" fmla="val 16240"/>
-              <a:gd name="adj4" fmla="val 112252"/>
+              <a:gd name="adj3" fmla="val 2134"/>
+              <a:gd name="adj4" fmla="val 108727"/>
             </a:avLst>
           </a:prstGeom>
-          <a:noFill/>
         </p:spPr>
         <p:style>
           <a:lnRef idx="2">
-            <a:schemeClr val="accent1">
-              <a:shade val="50000"/>
-            </a:schemeClr>
+            <a:schemeClr val="accent5"/>
           </a:lnRef>
           <a:fillRef idx="1">
-            <a:schemeClr val="accent1"/>
+            <a:schemeClr val="lt1"/>
           </a:fillRef>
           <a:effectRef idx="0">
-            <a:schemeClr val="accent1"/>
+            <a:schemeClr val="accent5"/>
           </a:effectRef>
           <a:fontRef idx="minor">
-            <a:schemeClr val="lt1"/>
+            <a:schemeClr val="dk1"/>
           </a:fontRef>
         </p:style>
         <p:txBody>
@@ -25629,7 +22613,7 @@
           <a:p>
             <a:pPr algn="ctr"/>
             <a:r>
-              <a:rPr lang="zh-CN" altLang="en-US" sz="1000" b="1" dirty="0">
+              <a:rPr lang="zh-CN" altLang="en-US" sz="1200" b="1" dirty="0">
                 <a:solidFill>
                   <a:schemeClr val="tx1"/>
                 </a:solidFill>
@@ -25653,7 +22637,7 @@
         </p:nvSpPr>
         <p:spPr>
           <a:xfrm>
-            <a:off x="2031536" y="4662693"/>
+            <a:off x="2333377" y="4662693"/>
             <a:ext cx="3714923" cy="239312"/>
           </a:xfrm>
           <a:prstGeom prst="roundRect">
@@ -25706,7 +22690,7 @@
         </p:nvSpPr>
         <p:spPr>
           <a:xfrm>
-            <a:off x="2046916" y="2122416"/>
+            <a:off x="2348757" y="2122416"/>
             <a:ext cx="3632431" cy="2357306"/>
           </a:xfrm>
           <a:prstGeom prst="roundRect">
@@ -25760,32 +22744,29 @@
         <p:spPr>
           <a:xfrm>
             <a:off x="164343" y="5373344"/>
-            <a:ext cx="1647677" cy="239313"/>
+            <a:ext cx="1991465" cy="234671"/>
           </a:xfrm>
           <a:prstGeom prst="borderCallout1">
             <a:avLst>
               <a:gd name="adj1" fmla="val 49845"/>
               <a:gd name="adj2" fmla="val 101373"/>
-              <a:gd name="adj3" fmla="val 16240"/>
-              <a:gd name="adj4" fmla="val 112252"/>
+              <a:gd name="adj3" fmla="val -12336"/>
+              <a:gd name="adj4" fmla="val 110844"/>
             </a:avLst>
           </a:prstGeom>
-          <a:noFill/>
         </p:spPr>
         <p:style>
           <a:lnRef idx="2">
-            <a:schemeClr val="accent1">
-              <a:shade val="50000"/>
-            </a:schemeClr>
+            <a:schemeClr val="accent5"/>
           </a:lnRef>
           <a:fillRef idx="1">
-            <a:schemeClr val="accent1"/>
+            <a:schemeClr val="lt1"/>
           </a:fillRef>
           <a:effectRef idx="0">
-            <a:schemeClr val="accent1"/>
+            <a:schemeClr val="accent5"/>
           </a:effectRef>
           <a:fontRef idx="minor">
-            <a:schemeClr val="lt1"/>
+            <a:schemeClr val="dk1"/>
           </a:fontRef>
         </p:style>
         <p:txBody>
@@ -25794,7 +22775,7 @@
           <a:p>
             <a:pPr algn="ctr"/>
             <a:r>
-              <a:rPr lang="zh-CN" altLang="en-US" sz="1000" b="1" dirty="0">
+              <a:rPr lang="zh-CN" altLang="en-US" sz="1200" b="1" dirty="0">
                 <a:solidFill>
                   <a:schemeClr val="tx1"/>
                 </a:solidFill>
@@ -25826,25 +22807,22 @@
               <a:gd name="adj1" fmla="val 41185"/>
               <a:gd name="adj2" fmla="val -454"/>
               <a:gd name="adj3" fmla="val 42465"/>
-              <a:gd name="adj4" fmla="val -38961"/>
+              <a:gd name="adj4" fmla="val -21181"/>
             </a:avLst>
           </a:prstGeom>
-          <a:noFill/>
         </p:spPr>
         <p:style>
           <a:lnRef idx="2">
-            <a:schemeClr val="accent1">
-              <a:shade val="50000"/>
-            </a:schemeClr>
+            <a:schemeClr val="accent5"/>
           </a:lnRef>
           <a:fillRef idx="1">
-            <a:schemeClr val="accent1"/>
+            <a:schemeClr val="lt1"/>
           </a:fillRef>
           <a:effectRef idx="0">
-            <a:schemeClr val="accent1"/>
+            <a:schemeClr val="accent5"/>
           </a:effectRef>
           <a:fontRef idx="minor">
-            <a:schemeClr val="lt1"/>
+            <a:schemeClr val="dk1"/>
           </a:fontRef>
         </p:style>
         <p:txBody>
@@ -25852,7 +22830,7 @@
           <a:lstStyle/>
           <a:p>
             <a:r>
-              <a:rPr lang="en-US" altLang="zh-CN" sz="1000" b="1" dirty="0">
+              <a:rPr lang="en-US" altLang="zh-CN" sz="1200" b="1" dirty="0">
                 <a:solidFill>
                   <a:schemeClr val="tx1"/>
                 </a:solidFill>
@@ -25860,14 +22838,14 @@
               <a:t>1.</a:t>
             </a:r>
             <a:r>
-              <a:rPr lang="zh-CN" altLang="en-US" sz="1000" b="1" dirty="0">
+              <a:rPr lang="zh-CN" altLang="en-US" sz="1200" b="1" dirty="0">
                 <a:solidFill>
                   <a:schemeClr val="tx1"/>
                 </a:solidFill>
               </a:rPr>
               <a:t>定位工具集。</a:t>
             </a:r>
-            <a:endParaRPr lang="en-US" altLang="zh-CN" sz="1000" b="1" dirty="0">
+            <a:endParaRPr lang="en-US" altLang="zh-CN" sz="1200" b="1" dirty="0">
               <a:solidFill>
                 <a:schemeClr val="tx1"/>
               </a:solidFill>
@@ -25875,7 +22853,7 @@
           </a:p>
           <a:p>
             <a:r>
-              <a:rPr lang="en-US" altLang="zh-CN" sz="1000" b="1" dirty="0">
+              <a:rPr lang="en-US" altLang="zh-CN" sz="1200" b="1" dirty="0">
                 <a:solidFill>
                   <a:schemeClr val="tx1"/>
                 </a:solidFill>
@@ -25883,14 +22861,14 @@
               <a:t>2.</a:t>
             </a:r>
             <a:r>
-              <a:rPr lang="zh-CN" altLang="en-US" sz="1000" b="1" dirty="0">
+              <a:rPr lang="zh-CN" altLang="en-US" sz="1200" b="1" dirty="0">
                 <a:solidFill>
                   <a:schemeClr val="tx1"/>
                 </a:solidFill>
               </a:rPr>
               <a:t>测量工具集。</a:t>
             </a:r>
-            <a:endParaRPr lang="en-US" altLang="zh-CN" sz="1000" b="1" dirty="0">
+            <a:endParaRPr lang="en-US" altLang="zh-CN" sz="1200" b="1" dirty="0">
               <a:solidFill>
                 <a:schemeClr val="tx1"/>
               </a:solidFill>
@@ -25898,7 +22876,7 @@
           </a:p>
           <a:p>
             <a:r>
-              <a:rPr lang="en-US" altLang="zh-CN" sz="1000" b="1" dirty="0">
+              <a:rPr lang="en-US" altLang="zh-CN" sz="1200" b="1" dirty="0">
                 <a:solidFill>
                   <a:schemeClr val="tx1"/>
                 </a:solidFill>
@@ -25906,21 +22884,21 @@
               <a:t>3.</a:t>
             </a:r>
             <a:r>
-              <a:rPr lang="zh-CN" altLang="en-US" sz="1000" b="1" dirty="0">
+              <a:rPr lang="zh-CN" altLang="en-US" sz="1200" b="1" dirty="0">
                 <a:solidFill>
                   <a:schemeClr val="tx1"/>
                 </a:solidFill>
               </a:rPr>
               <a:t>逻辑工具集。</a:t>
             </a:r>
-            <a:endParaRPr lang="en-US" altLang="zh-CN" sz="1000" b="1" dirty="0">
+            <a:endParaRPr lang="en-US" altLang="zh-CN" sz="1200" b="1" dirty="0">
               <a:solidFill>
                 <a:schemeClr val="tx1"/>
               </a:solidFill>
             </a:endParaRPr>
           </a:p>
           <a:p>
-            <a:endParaRPr lang="zh-CN" altLang="en-US" sz="1000" dirty="0">
+            <a:endParaRPr lang="zh-CN" altLang="en-US" sz="1200" dirty="0">
               <a:solidFill>
                 <a:schemeClr val="tx1"/>
               </a:solidFill>
@@ -25942,7 +22920,7 @@
         </p:nvSpPr>
         <p:spPr>
           <a:xfrm>
-            <a:off x="7699697" y="2104783"/>
+            <a:off x="8001538" y="2104783"/>
             <a:ext cx="2006366" cy="973977"/>
           </a:xfrm>
           <a:prstGeom prst="roundRect">
@@ -26003,25 +22981,22 @@
               <a:gd name="adj1" fmla="val 38670"/>
               <a:gd name="adj2" fmla="val 55"/>
               <a:gd name="adj3" fmla="val 44979"/>
-              <a:gd name="adj4" fmla="val -165228"/>
+              <a:gd name="adj4" fmla="val -144754"/>
             </a:avLst>
           </a:prstGeom>
-          <a:noFill/>
         </p:spPr>
         <p:style>
           <a:lnRef idx="2">
-            <a:schemeClr val="accent1">
-              <a:shade val="50000"/>
-            </a:schemeClr>
+            <a:schemeClr val="accent5"/>
           </a:lnRef>
           <a:fillRef idx="1">
-            <a:schemeClr val="accent1"/>
+            <a:schemeClr val="lt1"/>
           </a:fillRef>
           <a:effectRef idx="0">
-            <a:schemeClr val="accent1"/>
+            <a:schemeClr val="accent5"/>
           </a:effectRef>
           <a:fontRef idx="minor">
-            <a:schemeClr val="lt1"/>
+            <a:schemeClr val="dk1"/>
           </a:fontRef>
         </p:style>
         <p:txBody>
@@ -26030,7 +23005,7 @@
           <a:p>
             <a:pPr algn="ctr"/>
             <a:r>
-              <a:rPr lang="zh-CN" altLang="en-US" sz="1000" b="1" dirty="0">
+              <a:rPr lang="zh-CN" altLang="en-US" sz="1200" b="1" dirty="0">
                 <a:solidFill>
                   <a:schemeClr val="tx1"/>
                 </a:solidFill>
@@ -26054,7 +23029,7 @@
         </p:nvSpPr>
         <p:spPr>
           <a:xfrm>
-            <a:off x="5774946" y="2054389"/>
+            <a:off x="6076787" y="2054389"/>
             <a:ext cx="1850647" cy="3859850"/>
           </a:xfrm>
           <a:prstGeom prst="roundRect">
@@ -26656,15 +23631,15 @@
         </p:spPr>
         <p:style>
           <a:lnRef idx="2">
-            <a:schemeClr val="accent4">
+            <a:schemeClr val="accent1">
               <a:shade val="50000"/>
             </a:schemeClr>
           </a:lnRef>
           <a:fillRef idx="1">
-            <a:schemeClr val="accent4"/>
+            <a:schemeClr val="accent1"/>
           </a:fillRef>
           <a:effectRef idx="0">
-            <a:schemeClr val="accent4"/>
+            <a:schemeClr val="accent1"/>
           </a:effectRef>
           <a:fontRef idx="minor">
             <a:schemeClr val="lt1"/>
@@ -26705,15 +23680,15 @@
         </p:spPr>
         <p:style>
           <a:lnRef idx="2">
-            <a:schemeClr val="accent4">
+            <a:schemeClr val="accent1">
               <a:shade val="50000"/>
             </a:schemeClr>
           </a:lnRef>
           <a:fillRef idx="1">
-            <a:schemeClr val="accent4"/>
+            <a:schemeClr val="accent1"/>
           </a:fillRef>
           <a:effectRef idx="0">
-            <a:schemeClr val="accent4"/>
+            <a:schemeClr val="accent1"/>
           </a:effectRef>
           <a:fontRef idx="minor">
             <a:schemeClr val="lt1"/>
@@ -26754,15 +23729,15 @@
         </p:spPr>
         <p:style>
           <a:lnRef idx="2">
-            <a:schemeClr val="accent4">
+            <a:schemeClr val="accent1">
               <a:shade val="50000"/>
             </a:schemeClr>
           </a:lnRef>
           <a:fillRef idx="1">
-            <a:schemeClr val="accent4"/>
+            <a:schemeClr val="accent1"/>
           </a:fillRef>
           <a:effectRef idx="0">
-            <a:schemeClr val="accent4"/>
+            <a:schemeClr val="accent1"/>
           </a:effectRef>
           <a:fontRef idx="minor">
             <a:schemeClr val="lt1"/>
@@ -26803,15 +23778,15 @@
         </p:spPr>
         <p:style>
           <a:lnRef idx="2">
-            <a:schemeClr val="accent4">
+            <a:schemeClr val="accent1">
               <a:shade val="50000"/>
             </a:schemeClr>
           </a:lnRef>
           <a:fillRef idx="1">
-            <a:schemeClr val="accent4"/>
+            <a:schemeClr val="accent1"/>
           </a:fillRef>
           <a:effectRef idx="0">
-            <a:schemeClr val="accent4"/>
+            <a:schemeClr val="accent1"/>
           </a:effectRef>
           <a:fontRef idx="minor">
             <a:schemeClr val="lt1"/>
@@ -26852,15 +23827,15 @@
         </p:spPr>
         <p:style>
           <a:lnRef idx="2">
-            <a:schemeClr val="accent4">
+            <a:schemeClr val="accent1">
               <a:shade val="50000"/>
             </a:schemeClr>
           </a:lnRef>
           <a:fillRef idx="1">
-            <a:schemeClr val="accent4"/>
+            <a:schemeClr val="accent1"/>
           </a:fillRef>
           <a:effectRef idx="0">
-            <a:schemeClr val="accent4"/>
+            <a:schemeClr val="accent1"/>
           </a:effectRef>
           <a:fontRef idx="minor">
             <a:schemeClr val="lt1"/>
@@ -26910,15 +23885,15 @@
         </p:spPr>
         <p:style>
           <a:lnRef idx="2">
-            <a:schemeClr val="accent4">
+            <a:schemeClr val="accent1">
               <a:shade val="50000"/>
             </a:schemeClr>
           </a:lnRef>
           <a:fillRef idx="1">
-            <a:schemeClr val="accent4"/>
+            <a:schemeClr val="accent1"/>
           </a:fillRef>
           <a:effectRef idx="0">
-            <a:schemeClr val="accent4"/>
+            <a:schemeClr val="accent1"/>
           </a:effectRef>
           <a:fontRef idx="minor">
             <a:schemeClr val="lt1"/>
@@ -26997,19 +23972,24 @@
           <a:prstGeom prst="rightArrow">
             <a:avLst/>
           </a:prstGeom>
+          <a:effectLst>
+            <a:outerShdw blurRad="63500" dist="37357" dir="2700000" rotWithShape="0">
+              <a:srgbClr val="B1CBE9"/>
+            </a:outerShdw>
+          </a:effectLst>
         </p:spPr>
         <p:style>
-          <a:lnRef idx="0">
+          <a:lnRef idx="1">
             <a:schemeClr val="accent5"/>
           </a:lnRef>
-          <a:fillRef idx="3">
+          <a:fillRef idx="2">
             <a:schemeClr val="accent5"/>
           </a:fillRef>
-          <a:effectRef idx="3">
+          <a:effectRef idx="1">
             <a:schemeClr val="accent5"/>
           </a:effectRef>
           <a:fontRef idx="minor">
-            <a:schemeClr val="lt1"/>
+            <a:schemeClr val="dk1"/>
           </a:fontRef>
         </p:style>
         <p:txBody>
@@ -27018,9 +23998,9 @@
           <a:p>
             <a:pPr algn="ctr"/>
             <a:r>
-              <a:rPr lang="zh-CN" altLang="en-US" sz="1200" dirty="0">
+              <a:rPr lang="zh-CN" altLang="en-US" sz="1400" dirty="0">
                 <a:solidFill>
-                  <a:schemeClr val="tx1"/>
+                  <a:schemeClr val="dk1"/>
                 </a:solidFill>
               </a:rPr>
               <a:t>运行逻辑</a:t>
@@ -27193,6 +24173,70 @@
       </p:grpSpPr>
       <p:sp>
         <p:nvSpPr>
+          <p:cNvPr id="9" name="矩形: 圆角 8">
+            <a:extLst>
+              <a:ext uri="{FF2B5EF4-FFF2-40B4-BE49-F238E27FC236}">
+                <a16:creationId xmlns:a16="http://schemas.microsoft.com/office/drawing/2014/main" id="{A1C50894-963F-4C08-8A15-1F8107902FCB}"/>
+              </a:ext>
+            </a:extLst>
+          </p:cNvPr>
+          <p:cNvSpPr/>
+          <p:nvPr/>
+        </p:nvSpPr>
+        <p:spPr>
+          <a:xfrm>
+            <a:off x="6649374" y="1664221"/>
+            <a:ext cx="5373950" cy="4221673"/>
+          </a:xfrm>
+          <a:prstGeom prst="roundRect">
+            <a:avLst>
+              <a:gd name="adj" fmla="val 10000"/>
+            </a:avLst>
+          </a:prstGeom>
+          <a:blipFill>
+            <a:blip r:embed="rId2"/>
+            <a:srcRect/>
+            <a:stretch>
+              <a:fillRect l="-9000" r="-9000"/>
+            </a:stretch>
+          </a:blipFill>
+          <a:ln>
+            <a:noFill/>
+          </a:ln>
+        </p:spPr>
+        <p:style>
+          <a:lnRef idx="1">
+            <a:schemeClr val="lt1">
+              <a:hueOff val="0"/>
+              <a:satOff val="0"/>
+              <a:lumOff val="0"/>
+              <a:alphaOff val="0"/>
+            </a:schemeClr>
+          </a:lnRef>
+          <a:fillRef idx="1">
+            <a:scrgbClr r="0" g="0" b="0"/>
+          </a:fillRef>
+          <a:effectRef idx="1">
+            <a:schemeClr val="accent5">
+              <a:tint val="50000"/>
+              <a:hueOff val="0"/>
+              <a:satOff val="0"/>
+              <a:lumOff val="0"/>
+              <a:alphaOff val="0"/>
+            </a:schemeClr>
+          </a:effectRef>
+          <a:fontRef idx="minor">
+            <a:schemeClr val="lt1">
+              <a:hueOff val="0"/>
+              <a:satOff val="0"/>
+              <a:lumOff val="0"/>
+              <a:alphaOff val="0"/>
+            </a:schemeClr>
+          </a:fontRef>
+        </p:style>
+      </p:sp>
+      <p:sp>
+        <p:nvSpPr>
           <p:cNvPr id="2" name="标题 1"/>
           <p:cNvSpPr>
             <a:spLocks noGrp="1"/>
@@ -27221,38 +24265,388 @@
           </a:p>
         </p:txBody>
       </p:sp>
-      <p:graphicFrame>
-        <p:nvGraphicFramePr>
-          <p:cNvPr id="19" name="图示 18">
+      <p:sp>
+        <p:nvSpPr>
+          <p:cNvPr id="3" name="矩形: 圆角 2">
             <a:extLst>
               <a:ext uri="{FF2B5EF4-FFF2-40B4-BE49-F238E27FC236}">
-                <a16:creationId xmlns:a16="http://schemas.microsoft.com/office/drawing/2014/main" id="{B9175D7E-EC5F-4CE8-8DDB-2A41B3A3E9FF}"/>
+                <a16:creationId xmlns:a16="http://schemas.microsoft.com/office/drawing/2014/main" id="{B75520A5-F7C1-4213-88DF-79889B54A918}"/>
               </a:ext>
             </a:extLst>
           </p:cNvPr>
-          <p:cNvGraphicFramePr/>
-          <p:nvPr>
-            <p:extLst>
-              <p:ext uri="{D42A27DB-BD31-4B8C-83A1-F6EECF244321}">
-                <p14:modId xmlns:p14="http://schemas.microsoft.com/office/powerpoint/2010/main" val="3655382167"/>
-              </p:ext>
-            </p:extLst>
-          </p:nvPr>
-        </p:nvGraphicFramePr>
-        <p:xfrm>
-          <a:off x="209406" y="923449"/>
-          <a:ext cx="11812518" cy="5693660"/>
-        </p:xfrm>
-        <a:graphic>
-          <a:graphicData uri="http://schemas.openxmlformats.org/drawingml/2006/diagram">
-            <dgm:relIds xmlns:dgm="http://schemas.openxmlformats.org/drawingml/2006/diagram" xmlns:r="http://schemas.openxmlformats.org/officeDocument/2006/relationships" r:dm="rId2" r:lo="rId3" r:qs="rId4" r:cs="rId5"/>
-          </a:graphicData>
-        </a:graphic>
-      </p:graphicFrame>
+          <p:cNvSpPr/>
+          <p:nvPr/>
+        </p:nvSpPr>
+        <p:spPr>
+          <a:xfrm>
+            <a:off x="323849" y="1041717"/>
+            <a:ext cx="1228225" cy="443198"/>
+          </a:xfrm>
+          <a:prstGeom prst="roundRect">
+            <a:avLst/>
+          </a:prstGeom>
+          <a:effectLst>
+            <a:outerShdw blurRad="63500" dist="37357" dir="2700000" rotWithShape="0">
+              <a:srgbClr val="4472C4"/>
+            </a:outerShdw>
+          </a:effectLst>
+        </p:spPr>
+        <p:style>
+          <a:lnRef idx="3">
+            <a:schemeClr val="lt1"/>
+          </a:lnRef>
+          <a:fillRef idx="1">
+            <a:schemeClr val="accent1"/>
+          </a:fillRef>
+          <a:effectRef idx="1">
+            <a:schemeClr val="accent1"/>
+          </a:effectRef>
+          <a:fontRef idx="minor">
+            <a:schemeClr val="lt1"/>
+          </a:fontRef>
+        </p:style>
+        <p:txBody>
+          <a:bodyPr rtlCol="0" anchor="ctr"/>
+          <a:lstStyle/>
+          <a:p>
+            <a:pPr algn="ctr"/>
+            <a:r>
+              <a:rPr lang="zh-CN" altLang="en-US" dirty="0"/>
+              <a:t>设备简介</a:t>
+            </a:r>
+          </a:p>
+        </p:txBody>
+      </p:sp>
+      <p:sp>
+        <p:nvSpPr>
+          <p:cNvPr id="7" name="文本框 6">
+            <a:extLst>
+              <a:ext uri="{FF2B5EF4-FFF2-40B4-BE49-F238E27FC236}">
+                <a16:creationId xmlns:a16="http://schemas.microsoft.com/office/drawing/2014/main" id="{C3394D2C-90AC-45E3-AFFF-671DC3B37F03}"/>
+              </a:ext>
+            </a:extLst>
+          </p:cNvPr>
+          <p:cNvSpPr txBox="1"/>
+          <p:nvPr/>
+        </p:nvSpPr>
+        <p:spPr>
+          <a:xfrm>
+            <a:off x="323848" y="1527617"/>
+            <a:ext cx="11767537" cy="1815882"/>
+          </a:xfrm>
+          <a:prstGeom prst="rect">
+            <a:avLst/>
+          </a:prstGeom>
+          <a:noFill/>
+        </p:spPr>
+        <p:txBody>
+          <a:bodyPr wrap="square" rtlCol="0">
+            <a:spAutoFit/>
+          </a:bodyPr>
+          <a:lstStyle/>
+          <a:p>
+            <a:r>
+              <a:rPr lang="en-US" altLang="zh-CN" sz="1400" dirty="0"/>
+              <a:t>IC</a:t>
+            </a:r>
+            <a:r>
+              <a:rPr lang="zh-CN" altLang="en-US" sz="1400" dirty="0"/>
+              <a:t>载板大靶面三次元高精度测量机</a:t>
+            </a:r>
+            <a:r>
+              <a:rPr lang="en-US" altLang="zh-CN" sz="1400" dirty="0"/>
+              <a:t>,</a:t>
+            </a:r>
+            <a:r>
+              <a:rPr lang="zh-CN" altLang="en-US" sz="1400" dirty="0"/>
+              <a:t>基于光学影像测量系统</a:t>
+            </a:r>
+            <a:r>
+              <a:rPr lang="en-US" altLang="zh-CN" sz="1400" dirty="0"/>
+              <a:t>,</a:t>
+            </a:r>
+            <a:r>
+              <a:rPr lang="zh-CN" altLang="en-US" sz="1400" dirty="0"/>
+              <a:t>配合高精度运动机构和花岗</a:t>
+            </a:r>
+            <a:endParaRPr lang="en-US" altLang="zh-CN" sz="1400" dirty="0"/>
+          </a:p>
+          <a:p>
+            <a:r>
+              <a:rPr lang="zh-CN" altLang="en-US" sz="1400" dirty="0"/>
+              <a:t>岩龙门式底座，实现了测量精度、速度、稳定的完美结合；依托高精度图像分析算法</a:t>
+            </a:r>
+            <a:endParaRPr lang="en-US" altLang="zh-CN" sz="1400" dirty="0"/>
+          </a:p>
+          <a:p>
+            <a:r>
+              <a:rPr lang="zh-CN" altLang="en-US" sz="1400" dirty="0"/>
+              <a:t>与闪测原理，在测量范围内，不同位置、任意姿态摆放工件，设备都可自动定位测量</a:t>
+            </a:r>
+          </a:p>
+          <a:p>
+            <a:r>
+              <a:rPr lang="zh-CN" altLang="en-US" sz="1400" dirty="0"/>
+              <a:t>对象、匹配模板、测量评价、生成报表，实现快速精准测量。</a:t>
+            </a:r>
+          </a:p>
+          <a:p>
+            <a:r>
+              <a:rPr lang="zh-CN" altLang="en-US" sz="1400" dirty="0"/>
+              <a:t>设备采用高远心度的双侧远心镜头和高分辨率线阵扫描相机，搭配分辨率</a:t>
+            </a:r>
+            <a:r>
+              <a:rPr lang="en-US" altLang="zh-CN" sz="1400" dirty="0"/>
+              <a:t>0.1 m</a:t>
+            </a:r>
+            <a:r>
+              <a:rPr lang="zh-CN" altLang="en-US" sz="1400" dirty="0"/>
+              <a:t>的光</a:t>
+            </a:r>
+          </a:p>
+          <a:p>
+            <a:r>
+              <a:rPr lang="zh-CN" altLang="en-US" sz="1400" dirty="0"/>
+              <a:t>栅系统，以微米级的检测精度和</a:t>
+            </a:r>
+            <a:r>
+              <a:rPr lang="en-US" altLang="zh-CN" sz="1400" dirty="0"/>
+              <a:t>200mm/s</a:t>
+            </a:r>
+            <a:r>
+              <a:rPr lang="zh-CN" altLang="en-US" sz="1400" dirty="0"/>
+              <a:t>的检测速度，对大靶面</a:t>
+            </a:r>
+            <a:r>
+              <a:rPr lang="en-US" altLang="zh-CN" sz="1400" dirty="0"/>
+              <a:t>IC</a:t>
+            </a:r>
+            <a:r>
+              <a:rPr lang="zh-CN" altLang="en-US" sz="1400" dirty="0"/>
+              <a:t>载板实现精度高、</a:t>
+            </a:r>
+          </a:p>
+          <a:p>
+            <a:r>
+              <a:rPr lang="zh-CN" altLang="en-US" sz="1400" dirty="0"/>
+              <a:t>速度快的高质量检测。同时，设备可对在测量视野内的任意多个同规格产品同时进行</a:t>
+            </a:r>
+          </a:p>
+          <a:p>
+            <a:r>
+              <a:rPr lang="zh-CN" altLang="en-US" sz="1400" dirty="0"/>
+              <a:t>测量，全面助力企业产线的智造转型。</a:t>
+            </a:r>
+          </a:p>
+        </p:txBody>
+      </p:sp>
+      <p:sp>
+        <p:nvSpPr>
+          <p:cNvPr id="10" name="矩形: 圆角 9">
+            <a:extLst>
+              <a:ext uri="{FF2B5EF4-FFF2-40B4-BE49-F238E27FC236}">
+                <a16:creationId xmlns:a16="http://schemas.microsoft.com/office/drawing/2014/main" id="{475B8BBF-EF30-4C19-B2AE-9B41963B43CE}"/>
+              </a:ext>
+            </a:extLst>
+          </p:cNvPr>
+          <p:cNvSpPr/>
+          <p:nvPr/>
+        </p:nvSpPr>
+        <p:spPr>
+          <a:xfrm>
+            <a:off x="323848" y="3476075"/>
+            <a:ext cx="1228225" cy="443198"/>
+          </a:xfrm>
+          <a:prstGeom prst="roundRect">
+            <a:avLst/>
+          </a:prstGeom>
+          <a:effectLst>
+            <a:outerShdw blurRad="63500" dist="37357" dir="2700000" rotWithShape="0">
+              <a:srgbClr val="4472C4"/>
+            </a:outerShdw>
+          </a:effectLst>
+        </p:spPr>
+        <p:style>
+          <a:lnRef idx="3">
+            <a:schemeClr val="lt1"/>
+          </a:lnRef>
+          <a:fillRef idx="1">
+            <a:schemeClr val="accent1"/>
+          </a:fillRef>
+          <a:effectRef idx="1">
+            <a:schemeClr val="accent1"/>
+          </a:effectRef>
+          <a:fontRef idx="minor">
+            <a:schemeClr val="lt1"/>
+          </a:fontRef>
+        </p:style>
+        <p:txBody>
+          <a:bodyPr rtlCol="0" anchor="ctr"/>
+          <a:lstStyle/>
+          <a:p>
+            <a:pPr algn="ctr"/>
+            <a:r>
+              <a:rPr lang="zh-CN" altLang="en-US" dirty="0"/>
+              <a:t>性能优势</a:t>
+            </a:r>
+          </a:p>
+        </p:txBody>
+      </p:sp>
+      <p:sp>
+        <p:nvSpPr>
+          <p:cNvPr id="12" name="文本框 11">
+            <a:extLst>
+              <a:ext uri="{FF2B5EF4-FFF2-40B4-BE49-F238E27FC236}">
+                <a16:creationId xmlns:a16="http://schemas.microsoft.com/office/drawing/2014/main" id="{2AE00E3C-DF6B-4842-A2C8-EF56DC1BB17F}"/>
+              </a:ext>
+            </a:extLst>
+          </p:cNvPr>
+          <p:cNvSpPr txBox="1"/>
+          <p:nvPr/>
+        </p:nvSpPr>
+        <p:spPr>
+          <a:xfrm>
+            <a:off x="323848" y="3954864"/>
+            <a:ext cx="6094520" cy="2462213"/>
+          </a:xfrm>
+          <a:prstGeom prst="rect">
+            <a:avLst/>
+          </a:prstGeom>
+          <a:noFill/>
+        </p:spPr>
+        <p:txBody>
+          <a:bodyPr wrap="square">
+            <a:spAutoFit/>
+          </a:bodyPr>
+          <a:lstStyle/>
+          <a:p>
+            <a:pPr marL="285750" lvl="0" indent="-285750">
+              <a:buFont typeface="Wingdings" panose="05000000000000000000" pitchFamily="2" charset="2"/>
+              <a:buChar char="Ø"/>
+            </a:pPr>
+            <a:r>
+              <a:rPr lang="zh-CN" altLang="en-US" sz="1400" dirty="0"/>
+              <a:t>采用高精度运动结构、花岗岩龙门式底座，保证设备高稳定性。</a:t>
+            </a:r>
+            <a:endParaRPr lang="en-US" altLang="zh-CN" sz="1400" dirty="0"/>
+          </a:p>
+          <a:p>
+            <a:pPr marL="285750" lvl="0" indent="-285750">
+              <a:buFont typeface="Wingdings" panose="05000000000000000000" pitchFamily="2" charset="2"/>
+              <a:buChar char="Ø"/>
+            </a:pPr>
+            <a:r>
+              <a:rPr lang="zh-CN" altLang="zh-CN" sz="1400" dirty="0"/>
+              <a:t>超大测量行程</a:t>
+            </a:r>
+            <a:r>
+              <a:rPr lang="en-US" altLang="zh-CN" sz="1400" dirty="0"/>
+              <a:t>(620x540mm-920x840mm), </a:t>
+            </a:r>
+            <a:r>
+              <a:rPr lang="zh-CN" altLang="zh-CN" sz="1400" dirty="0"/>
+              <a:t>测量速度</a:t>
+            </a:r>
+            <a:r>
+              <a:rPr lang="en-US" altLang="zh-CN" sz="1400" dirty="0"/>
+              <a:t>200mm/s, </a:t>
+            </a:r>
+            <a:r>
+              <a:rPr lang="zh-CN" altLang="zh-CN" sz="1400" dirty="0"/>
+              <a:t>移动速度</a:t>
+            </a:r>
+            <a:r>
+              <a:rPr lang="en-US" altLang="zh-CN" sz="1400" dirty="0"/>
+              <a:t>500mm/s</a:t>
+            </a:r>
+            <a:r>
+              <a:rPr lang="zh-CN" altLang="zh-CN" sz="1400" dirty="0"/>
+              <a:t>。</a:t>
+            </a:r>
+            <a:endParaRPr lang="en-US" altLang="zh-CN" sz="1400" dirty="0"/>
+          </a:p>
+          <a:p>
+            <a:pPr marL="285750" lvl="0" indent="-285750">
+              <a:buFont typeface="Wingdings" panose="05000000000000000000" pitchFamily="2" charset="2"/>
+              <a:buChar char="Ø"/>
+            </a:pPr>
+            <a:r>
+              <a:rPr lang="zh-CN" altLang="zh-CN" sz="1400" dirty="0"/>
+              <a:t>支持</a:t>
+            </a:r>
+            <a:r>
+              <a:rPr lang="en-US" altLang="zh-CN" sz="1400" dirty="0"/>
+              <a:t>2D</a:t>
+            </a:r>
+            <a:r>
+              <a:rPr lang="zh-CN" altLang="zh-CN" sz="1400" dirty="0"/>
+              <a:t>、</a:t>
+            </a:r>
+            <a:r>
+              <a:rPr lang="en-US" altLang="zh-CN" sz="1400" dirty="0"/>
+              <a:t>3D</a:t>
+            </a:r>
+            <a:r>
+              <a:rPr lang="zh-CN" altLang="zh-CN" sz="1400" dirty="0"/>
+              <a:t>测星，光学系统自动对焦；配置底光、线光、同轴光多种程控光源，适应不同测量需求。</a:t>
+            </a:r>
+            <a:endParaRPr lang="en-US" altLang="zh-CN" sz="1400" dirty="0"/>
+          </a:p>
+          <a:p>
+            <a:pPr marL="285750" lvl="0" indent="-285750">
+              <a:buFont typeface="Wingdings" panose="05000000000000000000" pitchFamily="2" charset="2"/>
+              <a:buChar char="Ø"/>
+            </a:pPr>
+            <a:r>
+              <a:rPr lang="zh-CN" altLang="zh-CN" sz="1400" dirty="0"/>
+              <a:t>在测量视野内任意放置同规格多个产品，无需治具或夹具，即可同时对各产品进行测量。</a:t>
+            </a:r>
+            <a:endParaRPr lang="en-US" altLang="zh-CN" sz="1400" dirty="0"/>
+          </a:p>
+          <a:p>
+            <a:pPr marL="285750" lvl="0" indent="-285750">
+              <a:buFont typeface="Wingdings" panose="05000000000000000000" pitchFamily="2" charset="2"/>
+              <a:buChar char="Ø"/>
+            </a:pPr>
+            <a:r>
+              <a:rPr lang="zh-CN" altLang="zh-CN" sz="1400" dirty="0"/>
+              <a:t>采用高远心度的双侧远心镜头和高分辨率线阵扫描相机，搭配分辨率</a:t>
+            </a:r>
+            <a:r>
+              <a:rPr lang="en-US" altLang="zh-CN" sz="1400" dirty="0"/>
+              <a:t>0.1um</a:t>
+            </a:r>
+            <a:r>
+              <a:rPr lang="zh-CN" altLang="zh-CN" sz="1400" dirty="0"/>
+              <a:t>的光栅系统，检测精度可达微米级。</a:t>
+            </a:r>
+            <a:endParaRPr lang="en-US" altLang="zh-CN" sz="1400" dirty="0"/>
+          </a:p>
+          <a:p>
+            <a:pPr marL="285750" lvl="0" indent="-285750">
+              <a:buFont typeface="Wingdings" panose="05000000000000000000" pitchFamily="2" charset="2"/>
+              <a:buChar char="Ø"/>
+            </a:pPr>
+            <a:r>
+              <a:rPr lang="zh-CN" altLang="zh-CN" sz="1400" dirty="0"/>
+              <a:t>软件橾作简单，支持</a:t>
+            </a:r>
+            <a:r>
+              <a:rPr lang="en-US" altLang="zh-CN" sz="1400" dirty="0"/>
+              <a:t>CAD</a:t>
+            </a:r>
+            <a:r>
+              <a:rPr lang="zh-CN" altLang="zh-CN" sz="1400" dirty="0"/>
+              <a:t>图纸导入、三轴全自动编程检测，实现自动匹配检测、批量检测；内置数据统计分析功能，帮助客户分析改善制程。</a:t>
+            </a:r>
+            <a:endParaRPr lang="zh-CN" altLang="en-US" sz="1400" dirty="0"/>
+          </a:p>
+        </p:txBody>
+      </p:sp>
     </p:spTree>
     <p:extLst>
       <p:ext uri="{BB962C8B-B14F-4D97-AF65-F5344CB8AC3E}">
-        <p14:creationId xmlns:p14="http://schemas.microsoft.com/office/powerpoint/2010/main" val="421806776"/>
+        <p14:creationId xmlns:p14="http://schemas.microsoft.com/office/powerpoint/2010/main" val="155183032"/>
       </p:ext>
     </p:extLst>
   </p:cSld>
@@ -28050,7 +25444,7 @@
         <p:spPr>
           <a:xfrm>
             <a:off x="323850" y="1000994"/>
-            <a:ext cx="7595358" cy="4204036"/>
+            <a:ext cx="7595358" cy="4214680"/>
           </a:xfrm>
           <a:prstGeom prst="rect">
             <a:avLst/>
@@ -28078,7 +25472,19 @@
               <a:rPr lang="zh-CN" altLang="en-US" sz="1200" dirty="0">
                 <a:latin typeface="+mn-ea"/>
               </a:rPr>
-              <a:t>适应范围：产品尺寸最大检测尺寸</a:t>
+              <a:t>产品信息</a:t>
+            </a:r>
+            <a:r>
+              <a:rPr lang="en-US" altLang="zh-CN" sz="1200" dirty="0">
+                <a:latin typeface="+mn-ea"/>
+              </a:rPr>
+              <a:t>: </a:t>
+            </a:r>
+            <a:r>
+              <a:rPr lang="zh-CN" altLang="en-US" sz="1200" dirty="0">
+                <a:latin typeface="+mn-ea"/>
+              </a:rPr>
+              <a:t>尺寸（</a:t>
             </a:r>
             <a:r>
               <a:rPr lang="en-US" altLang="zh-CN" sz="1200" dirty="0">
@@ -28087,13 +25493,13 @@
                 </a:solidFill>
                 <a:latin typeface="+mn-ea"/>
               </a:rPr>
-              <a:t>750*650</a:t>
+              <a:t> 300mm*300mm ~750mm*700mm </a:t>
             </a:r>
             <a:r>
               <a:rPr lang="zh-CN" altLang="en-US" sz="1200" dirty="0">
                 <a:latin typeface="+mn-ea"/>
               </a:rPr>
-              <a:t>，最小尺寸</a:t>
+              <a:t>），重量（</a:t>
             </a:r>
             <a:r>
               <a:rPr lang="en-US" altLang="zh-CN" sz="1200" dirty="0">
@@ -28102,31 +25508,7 @@
                 </a:solidFill>
                 <a:latin typeface="+mn-ea"/>
               </a:rPr>
-              <a:t>300*300</a:t>
-            </a:r>
-            <a:r>
-              <a:rPr lang="zh-CN" altLang="en-US" sz="1200" dirty="0">
-                <a:solidFill>
-                  <a:srgbClr val="FF0000"/>
-                </a:solidFill>
-                <a:latin typeface="+mn-ea"/>
-              </a:rPr>
-              <a:t>，</a:t>
-            </a:r>
-            <a:r>
-              <a:rPr lang="zh-CN" altLang="en-US" sz="1200" dirty="0">
-                <a:latin typeface="+mn-ea"/>
-              </a:rPr>
-              <a:t>重量范围：</a:t>
-            </a:r>
-            <a:r>
-              <a:rPr lang="en-US" altLang="zh-CN" sz="1200" dirty="0">
-                <a:solidFill>
-                  <a:srgbClr val="FF0000"/>
-                </a:solidFill>
-                <a:latin typeface="+mn-ea"/>
-              </a:rPr>
-              <a:t>5KG</a:t>
+              <a:t> 5KG</a:t>
             </a:r>
             <a:r>
               <a:rPr lang="zh-CN" altLang="en-US" sz="1200" dirty="0">
@@ -28144,13 +25526,13 @@
                 </a:solidFill>
                 <a:latin typeface="+mn-ea"/>
               </a:rPr>
-              <a:t>35KG</a:t>
+              <a:t>45KG </a:t>
             </a:r>
             <a:r>
               <a:rPr lang="zh-CN" altLang="en-US" sz="1200" dirty="0">
                 <a:latin typeface="+mn-ea"/>
               </a:rPr>
-              <a:t>，材质：</a:t>
+              <a:t>）， 材质（</a:t>
             </a:r>
             <a:r>
               <a:rPr lang="zh-CN" altLang="en-US" sz="1200" dirty="0">
@@ -28183,7 +25565,7 @@
               <a:rPr lang="zh-CN" altLang="en-US" sz="1200" dirty="0">
                 <a:latin typeface="+mn-ea"/>
               </a:rPr>
-              <a:t>；</a:t>
+              <a:t>）；</a:t>
             </a:r>
             <a:endParaRPr lang="en-US" altLang="zh-CN" sz="1200" dirty="0">
               <a:latin typeface="+mn-ea"/>
@@ -28223,7 +25605,7 @@
               <a:rPr lang="en-US" altLang="zh-CN" sz="1200" dirty="0">
                 <a:latin typeface="+mn-ea"/>
               </a:rPr>
-              <a:t>±0.02mm </a:t>
+              <a:t>±0.05mm </a:t>
             </a:r>
             <a:r>
               <a:rPr lang="zh-CN" altLang="en-US" sz="1200" dirty="0">
@@ -28755,58 +26137,6 @@
               </a:rPr>
               <a:t>220V 50HZ</a:t>
             </a:r>
-          </a:p>
-        </p:txBody>
-      </p:sp>
-      <p:sp>
-        <p:nvSpPr>
-          <p:cNvPr id="9" name="矩形 8">
-            <a:extLst>
-              <a:ext uri="{FF2B5EF4-FFF2-40B4-BE49-F238E27FC236}">
-                <a16:creationId xmlns:a16="http://schemas.microsoft.com/office/drawing/2014/main" id="{16751567-BAC2-46F1-9F04-ACE675B0C45B}"/>
-              </a:ext>
-            </a:extLst>
-          </p:cNvPr>
-          <p:cNvSpPr/>
-          <p:nvPr/>
-        </p:nvSpPr>
-        <p:spPr>
-          <a:xfrm>
-            <a:off x="8201027" y="1000993"/>
-            <a:ext cx="3667123" cy="5369591"/>
-          </a:xfrm>
-          <a:prstGeom prst="rect">
-            <a:avLst/>
-          </a:prstGeom>
-          <a:solidFill>
-            <a:schemeClr val="bg1"/>
-          </a:solidFill>
-          <a:ln>
-            <a:noFill/>
-          </a:ln>
-        </p:spPr>
-        <p:style>
-          <a:lnRef idx="2">
-            <a:schemeClr val="accent1">
-              <a:shade val="50000"/>
-            </a:schemeClr>
-          </a:lnRef>
-          <a:fillRef idx="1">
-            <a:schemeClr val="accent1"/>
-          </a:fillRef>
-          <a:effectRef idx="0">
-            <a:schemeClr val="accent1"/>
-          </a:effectRef>
-          <a:fontRef idx="minor">
-            <a:schemeClr val="lt1"/>
-          </a:fontRef>
-        </p:style>
-        <p:txBody>
-          <a:bodyPr rtlCol="0" anchor="ctr"/>
-          <a:lstStyle/>
-          <a:p>
-            <a:pPr algn="ctr"/>
-            <a:endParaRPr lang="zh-CN" altLang="en-US"/>
           </a:p>
         </p:txBody>
       </p:sp>
@@ -28823,13 +26153,13 @@
           <p:nvPr>
             <p:extLst>
               <p:ext uri="{D42A27DB-BD31-4B8C-83A1-F6EECF244321}">
-                <p14:modId xmlns:p14="http://schemas.microsoft.com/office/powerpoint/2010/main" val="377031129"/>
+                <p14:modId xmlns:p14="http://schemas.microsoft.com/office/powerpoint/2010/main" val="1584823984"/>
               </p:ext>
             </p:extLst>
           </p:nvPr>
         </p:nvGraphicFramePr>
         <p:xfrm>
-          <a:off x="7759083" y="781236"/>
+          <a:off x="7919208" y="696212"/>
           <a:ext cx="4261282" cy="5734974"/>
         </p:xfrm>
         <a:graphic>
@@ -29046,7 +26376,7 @@
         <p:spPr>
           <a:xfrm>
             <a:off x="323849" y="1046107"/>
-            <a:ext cx="5246441" cy="3003515"/>
+            <a:ext cx="5246441" cy="2639569"/>
           </a:xfrm>
           <a:prstGeom prst="rect">
             <a:avLst/>
@@ -29063,13 +26393,15 @@
           </a:bodyPr>
           <a:lstStyle/>
           <a:p>
-            <a:pPr>
+            <a:pPr marL="285750" indent="-285750">
               <a:lnSpc>
                 <a:spcPct val="150000"/>
               </a:lnSpc>
+              <a:buFont typeface="Wingdings" panose="05000000000000000000" pitchFamily="2" charset="2"/>
+              <a:buChar char="p"/>
             </a:pPr>
             <a:r>
-              <a:rPr lang="en-US" altLang="zh-CN" sz="1600" dirty="0">
+              <a:rPr lang="en-US" altLang="zh-CN" sz="1400" dirty="0">
                 <a:solidFill>
                   <a:schemeClr val="tx1"/>
                 </a:solidFill>
@@ -29085,7 +26417,7 @@
               <a:t>1</a:t>
             </a:r>
             <a:r>
-              <a:rPr lang="zh-CN" altLang="zh-CN" sz="1600" dirty="0">
+              <a:rPr lang="zh-CN" altLang="zh-CN" sz="1400" dirty="0">
                 <a:solidFill>
                   <a:schemeClr val="tx1"/>
                 </a:solidFill>
@@ -29101,7 +26433,7 @@
               <a:t>、</a:t>
             </a:r>
             <a:r>
-              <a:rPr lang="zh-CN" altLang="en-US" sz="1600" dirty="0">
+              <a:rPr lang="zh-CN" altLang="en-US" sz="1400" dirty="0">
                 <a:solidFill>
                   <a:schemeClr val="tx1"/>
                 </a:solidFill>
@@ -29117,7 +26449,7 @@
               <a:t>生产周期节拍</a:t>
             </a:r>
             <a:r>
-              <a:rPr lang="zh-CN" altLang="zh-CN" sz="1600" dirty="0">
+              <a:rPr lang="zh-CN" altLang="zh-CN" sz="1400" dirty="0">
                 <a:solidFill>
                   <a:schemeClr val="tx1"/>
                 </a:solidFill>
@@ -29133,7 +26465,7 @@
               <a:t>：</a:t>
             </a:r>
             <a:r>
-              <a:rPr lang="zh-CN" altLang="en-US" sz="1600" dirty="0">
+              <a:rPr lang="zh-CN" altLang="en-US" sz="1400" dirty="0">
                 <a:solidFill>
                   <a:schemeClr val="tx1"/>
                 </a:solidFill>
@@ -29149,7 +26481,7 @@
               <a:t> </a:t>
             </a:r>
             <a:r>
-              <a:rPr lang="zh-CN" sz="1600" dirty="0">
+              <a:rPr lang="zh-CN" sz="1400" dirty="0">
                 <a:solidFill>
                   <a:schemeClr val="tx1"/>
                 </a:solidFill>
@@ -29166,13 +26498,15 @@
             </a:r>
           </a:p>
           <a:p>
-            <a:pPr>
+            <a:pPr marL="285750" indent="-285750">
               <a:lnSpc>
                 <a:spcPct val="150000"/>
               </a:lnSpc>
+              <a:buFont typeface="Wingdings" panose="05000000000000000000" pitchFamily="2" charset="2"/>
+              <a:buChar char="p"/>
             </a:pPr>
             <a:r>
-              <a:rPr lang="en-US" altLang="zh-CN" sz="1600" dirty="0">
+              <a:rPr lang="en-US" altLang="zh-CN" sz="1400" dirty="0">
                 <a:solidFill>
                   <a:schemeClr val="tx1"/>
                 </a:solidFill>
@@ -29188,7 +26522,7 @@
               <a:t>2</a:t>
             </a:r>
             <a:r>
-              <a:rPr lang="zh-CN" altLang="en-US" sz="1600" dirty="0">
+              <a:rPr lang="zh-CN" altLang="en-US" sz="1400" dirty="0">
                 <a:solidFill>
                   <a:schemeClr val="tx1"/>
                 </a:solidFill>
@@ -29205,7 +26539,7 @@
               <a:t>、检测</a:t>
             </a:r>
             <a:r>
-              <a:rPr lang="zh-CN" altLang="en-US" sz="1600" dirty="0">
+              <a:rPr lang="zh-CN" altLang="en-US" sz="1400" dirty="0">
                 <a:effectLst>
                   <a:outerShdw blurRad="38100" dist="19050" dir="2700000" algn="tl" rotWithShape="0">
                     <a:schemeClr val="dk1">
@@ -29219,7 +26553,7 @@
               <a:t>效率：通规</a:t>
             </a:r>
             <a:r>
-              <a:rPr lang="en-US" altLang="zh-CN" sz="1600" dirty="0">
+              <a:rPr lang="en-US" altLang="zh-CN" sz="1400" dirty="0">
                 <a:effectLst>
                   <a:outerShdw blurRad="38100" dist="19050" dir="2700000" algn="tl" rotWithShape="0">
                     <a:schemeClr val="dk1">
@@ -29233,7 +26567,7 @@
               <a:t>6</a:t>
             </a:r>
             <a:r>
-              <a:rPr lang="zh-CN" altLang="en-US" sz="1600" dirty="0">
+              <a:rPr lang="zh-CN" altLang="en-US" sz="1400" dirty="0">
                 <a:effectLst>
                   <a:outerShdw blurRad="38100" dist="19050" dir="2700000" algn="tl" rotWithShape="0">
                     <a:schemeClr val="dk1">
@@ -29247,7 +26581,7 @@
               <a:t>秒</a:t>
             </a:r>
             <a:r>
-              <a:rPr lang="en-US" altLang="zh-CN" sz="1600" dirty="0">
+              <a:rPr lang="en-US" altLang="zh-CN" sz="1400" dirty="0">
                 <a:effectLst>
                   <a:outerShdw blurRad="38100" dist="19050" dir="2700000" algn="tl" rotWithShape="0">
                     <a:schemeClr val="dk1">
@@ -29261,7 +26595,7 @@
               <a:t>/</a:t>
             </a:r>
             <a:r>
-              <a:rPr lang="zh-CN" altLang="en-US" sz="1600" dirty="0">
+              <a:rPr lang="zh-CN" altLang="en-US" sz="1400" dirty="0">
                 <a:effectLst>
                   <a:outerShdw blurRad="38100" dist="19050" dir="2700000" algn="tl" rotWithShape="0">
                     <a:schemeClr val="dk1">
@@ -29275,7 +26609,7 @@
               <a:t>位置，止规</a:t>
             </a:r>
             <a:r>
-              <a:rPr lang="en-US" altLang="zh-CN" sz="1600" dirty="0">
+              <a:rPr lang="en-US" altLang="zh-CN" sz="1400" dirty="0">
                 <a:effectLst>
                   <a:outerShdw blurRad="38100" dist="19050" dir="2700000" algn="tl" rotWithShape="0">
                     <a:schemeClr val="dk1">
@@ -29289,7 +26623,7 @@
               <a:t>3</a:t>
             </a:r>
             <a:r>
-              <a:rPr lang="zh-CN" altLang="en-US" sz="1600" dirty="0">
+              <a:rPr lang="zh-CN" altLang="en-US" sz="1400" dirty="0">
                 <a:effectLst>
                   <a:outerShdw blurRad="38100" dist="19050" dir="2700000" algn="tl" rotWithShape="0">
                     <a:schemeClr val="dk1">
@@ -29303,7 +26637,7 @@
               <a:t>秒</a:t>
             </a:r>
             <a:r>
-              <a:rPr lang="en-US" altLang="zh-CN" sz="1600" dirty="0">
+              <a:rPr lang="en-US" altLang="zh-CN" sz="1400" dirty="0">
                 <a:effectLst>
                   <a:outerShdw blurRad="38100" dist="19050" dir="2700000" algn="tl" rotWithShape="0">
                     <a:schemeClr val="dk1">
@@ -29317,7 +26651,7 @@
               <a:t>/</a:t>
             </a:r>
             <a:r>
-              <a:rPr lang="zh-CN" altLang="en-US" sz="1600" dirty="0">
+              <a:rPr lang="zh-CN" altLang="en-US" sz="1400" dirty="0">
                 <a:effectLst>
                   <a:outerShdw blurRad="38100" dist="19050" dir="2700000" algn="tl" rotWithShape="0">
                     <a:schemeClr val="dk1">
@@ -29330,7 +26664,7 @@
               </a:rPr>
               <a:t>位置</a:t>
             </a:r>
-            <a:endParaRPr lang="en-US" altLang="zh-CN" sz="1600" dirty="0">
+            <a:endParaRPr lang="en-US" altLang="zh-CN" sz="1400" dirty="0">
               <a:solidFill>
                 <a:schemeClr val="tx1"/>
               </a:solidFill>
@@ -29346,13 +26680,15 @@
             </a:endParaRPr>
           </a:p>
           <a:p>
-            <a:pPr>
+            <a:pPr marL="285750" indent="-285750">
               <a:lnSpc>
                 <a:spcPct val="150000"/>
               </a:lnSpc>
+              <a:buFont typeface="Wingdings" panose="05000000000000000000" pitchFamily="2" charset="2"/>
+              <a:buChar char="p"/>
             </a:pPr>
             <a:r>
-              <a:rPr lang="en-US" altLang="zh-CN" sz="1600" dirty="0">
+              <a:rPr lang="en-US" altLang="zh-CN" sz="1400" dirty="0">
                 <a:solidFill>
                   <a:schemeClr val="tx1"/>
                 </a:solidFill>
@@ -29368,7 +26704,7 @@
               <a:t>3</a:t>
             </a:r>
             <a:r>
-              <a:rPr lang="zh-CN" altLang="en-US" sz="1600" dirty="0">
+              <a:rPr lang="zh-CN" altLang="en-US" sz="1400" dirty="0">
                 <a:solidFill>
                   <a:schemeClr val="tx1"/>
                 </a:solidFill>
@@ -29384,7 +26720,7 @@
               <a:t>、作业人员：</a:t>
             </a:r>
             <a:r>
-              <a:rPr lang="en-US" altLang="zh-CN" sz="1600" dirty="0">
+              <a:rPr lang="en-US" altLang="zh-CN" sz="1400" dirty="0">
                 <a:solidFill>
                   <a:schemeClr val="tx1"/>
                 </a:solidFill>
@@ -29400,7 +26736,7 @@
               <a:t>1</a:t>
             </a:r>
             <a:r>
-              <a:rPr lang="zh-CN" altLang="en-US" sz="1600" dirty="0">
+              <a:rPr lang="zh-CN" altLang="en-US" sz="1400" dirty="0">
                 <a:solidFill>
                   <a:schemeClr val="tx1"/>
                 </a:solidFill>
@@ -29417,13 +26753,15 @@
             </a:r>
           </a:p>
           <a:p>
-            <a:pPr>
+            <a:pPr marL="285750" indent="-285750">
               <a:lnSpc>
                 <a:spcPct val="150000"/>
               </a:lnSpc>
+              <a:buFont typeface="Wingdings" panose="05000000000000000000" pitchFamily="2" charset="2"/>
+              <a:buChar char="p"/>
             </a:pPr>
             <a:r>
-              <a:rPr lang="en-US" altLang="zh-CN" sz="1600" dirty="0">
+              <a:rPr lang="en-US" altLang="zh-CN" sz="1400" dirty="0">
                 <a:solidFill>
                   <a:schemeClr val="tx1"/>
                 </a:solidFill>
@@ -29439,7 +26777,7 @@
               <a:t>4</a:t>
             </a:r>
             <a:r>
-              <a:rPr lang="zh-CN" altLang="zh-CN" sz="1600" dirty="0">
+              <a:rPr lang="zh-CN" altLang="zh-CN" sz="1400" dirty="0">
                 <a:solidFill>
                   <a:schemeClr val="tx1"/>
                 </a:solidFill>
@@ -29456,7 +26794,7 @@
               <a:t>、</a:t>
             </a:r>
             <a:r>
-              <a:rPr lang="zh-CN" altLang="en-US" sz="1600" dirty="0">
+              <a:rPr lang="zh-CN" altLang="en-US" sz="1400" dirty="0">
                 <a:solidFill>
                   <a:schemeClr val="tx1"/>
                 </a:solidFill>
@@ -29472,7 +26810,7 @@
               </a:rPr>
               <a:t>上料方式：人工上料</a:t>
             </a:r>
-            <a:endParaRPr lang="en-US" altLang="zh-CN" sz="1600" dirty="0">
+            <a:endParaRPr lang="en-US" altLang="zh-CN" sz="1400" dirty="0">
               <a:solidFill>
                 <a:schemeClr val="tx1"/>
               </a:solidFill>
@@ -29488,13 +26826,15 @@
             </a:endParaRPr>
           </a:p>
           <a:p>
-            <a:pPr>
+            <a:pPr marL="285750" indent="-285750">
               <a:lnSpc>
                 <a:spcPct val="150000"/>
               </a:lnSpc>
+              <a:buFont typeface="Wingdings" panose="05000000000000000000" pitchFamily="2" charset="2"/>
+              <a:buChar char="p"/>
             </a:pPr>
             <a:r>
-              <a:rPr lang="en-US" altLang="zh-CN" sz="1600" dirty="0">
+              <a:rPr lang="en-US" altLang="zh-CN" sz="1400" dirty="0">
                 <a:solidFill>
                   <a:schemeClr val="tx1"/>
                 </a:solidFill>
@@ -29510,7 +26850,7 @@
               <a:t>5</a:t>
             </a:r>
             <a:r>
-              <a:rPr lang="zh-CN" altLang="zh-CN" sz="1600" dirty="0">
+              <a:rPr lang="zh-CN" altLang="zh-CN" sz="1400" dirty="0">
                 <a:solidFill>
                   <a:schemeClr val="tx1"/>
                 </a:solidFill>
@@ -29526,7 +26866,7 @@
               <a:t>、</a:t>
             </a:r>
             <a:r>
-              <a:rPr lang="zh-CN" altLang="en-US" sz="1600" dirty="0">
+              <a:rPr lang="zh-CN" altLang="en-US" sz="1400" dirty="0">
                 <a:solidFill>
                   <a:schemeClr val="tx1"/>
                 </a:solidFill>
@@ -29541,7 +26881,7 @@
               </a:rPr>
               <a:t>下料方式：人工下料</a:t>
             </a:r>
-            <a:endParaRPr lang="en-US" altLang="zh-CN" sz="1600" dirty="0">
+            <a:endParaRPr lang="en-US" altLang="zh-CN" sz="1400" dirty="0">
               <a:solidFill>
                 <a:schemeClr val="tx1"/>
               </a:solidFill>
@@ -29556,13 +26896,15 @@
             </a:endParaRPr>
           </a:p>
           <a:p>
-            <a:pPr>
+            <a:pPr marL="285750" indent="-285750">
               <a:lnSpc>
                 <a:spcPct val="150000"/>
               </a:lnSpc>
+              <a:buFont typeface="Wingdings" panose="05000000000000000000" pitchFamily="2" charset="2"/>
+              <a:buChar char="p"/>
             </a:pPr>
             <a:r>
-              <a:rPr lang="en-US" altLang="zh-CN" sz="1600" dirty="0">
+              <a:rPr lang="en-US" altLang="zh-CN" sz="1400" dirty="0">
                 <a:solidFill>
                   <a:schemeClr val="tx1"/>
                 </a:solidFill>
@@ -29578,7 +26920,7 @@
               <a:t>6</a:t>
             </a:r>
             <a:r>
-              <a:rPr lang="zh-CN" altLang="zh-CN" sz="1600" dirty="0">
+              <a:rPr lang="zh-CN" altLang="zh-CN" sz="1400" dirty="0">
                 <a:solidFill>
                   <a:schemeClr val="tx1"/>
                 </a:solidFill>
@@ -29594,7 +26936,7 @@
               <a:t>、气压：</a:t>
             </a:r>
             <a:r>
-              <a:rPr lang="zh-CN" altLang="en-US" sz="1600" dirty="0">
+              <a:rPr lang="zh-CN" altLang="en-US" sz="1400" dirty="0">
                 <a:solidFill>
                   <a:schemeClr val="tx1"/>
                 </a:solidFill>
@@ -29610,7 +26952,7 @@
               <a:t> ≥ </a:t>
             </a:r>
             <a:r>
-              <a:rPr lang="en-US" altLang="zh-CN" sz="1600" dirty="0">
+              <a:rPr lang="en-US" altLang="zh-CN" sz="1400" dirty="0">
                 <a:solidFill>
                   <a:schemeClr val="tx1"/>
                 </a:solidFill>
@@ -29625,7 +26967,7 @@
               </a:rPr>
               <a:t>0.6MPa</a:t>
             </a:r>
-            <a:endParaRPr lang="zh-CN" altLang="zh-CN" sz="1600" dirty="0">
+            <a:endParaRPr lang="zh-CN" altLang="zh-CN" sz="1400" dirty="0">
               <a:solidFill>
                 <a:schemeClr val="tx1"/>
               </a:solidFill>
@@ -29640,13 +26982,15 @@
             </a:endParaRPr>
           </a:p>
           <a:p>
-            <a:pPr>
+            <a:pPr marL="285750" indent="-285750">
               <a:lnSpc>
                 <a:spcPct val="150000"/>
               </a:lnSpc>
+              <a:buFont typeface="Wingdings" panose="05000000000000000000" pitchFamily="2" charset="2"/>
+              <a:buChar char="p"/>
             </a:pPr>
             <a:r>
-              <a:rPr lang="en-US" altLang="zh-CN" sz="1600" dirty="0">
+              <a:rPr lang="en-US" altLang="zh-CN" sz="1400" dirty="0">
                 <a:solidFill>
                   <a:schemeClr val="tx1"/>
                 </a:solidFill>
@@ -29662,7 +27006,7 @@
               <a:t>7</a:t>
             </a:r>
             <a:r>
-              <a:rPr lang="zh-CN" altLang="zh-CN" sz="1600" dirty="0">
+              <a:rPr lang="zh-CN" altLang="zh-CN" sz="1400" dirty="0">
                 <a:solidFill>
                   <a:schemeClr val="tx1"/>
                 </a:solidFill>
@@ -29678,7 +27022,7 @@
               <a:t>、电压：</a:t>
             </a:r>
             <a:r>
-              <a:rPr lang="en-US" altLang="zh-CN" sz="1600" dirty="0">
+              <a:rPr lang="en-US" altLang="zh-CN" sz="1400" dirty="0">
                 <a:solidFill>
                   <a:schemeClr val="tx1"/>
                 </a:solidFill>
@@ -29695,13 +27039,15 @@
             </a:r>
           </a:p>
           <a:p>
-            <a:pPr>
+            <a:pPr marL="285750" indent="-285750">
               <a:lnSpc>
                 <a:spcPct val="150000"/>
               </a:lnSpc>
+              <a:buFont typeface="Wingdings" panose="05000000000000000000" pitchFamily="2" charset="2"/>
+              <a:buChar char="p"/>
             </a:pPr>
             <a:r>
-              <a:rPr lang="en-US" altLang="zh-CN" sz="1600" dirty="0">
+              <a:rPr lang="en-US" altLang="zh-CN" sz="1400" dirty="0">
                 <a:solidFill>
                   <a:schemeClr val="tx1"/>
                 </a:solidFill>
@@ -29717,7 +27063,7 @@
               <a:t>8</a:t>
             </a:r>
             <a:r>
-              <a:rPr lang="zh-CN" altLang="en-US" sz="1600" dirty="0">
+              <a:rPr lang="zh-CN" altLang="en-US" sz="1400" dirty="0">
                 <a:solidFill>
                   <a:schemeClr val="tx1"/>
                 </a:solidFill>
@@ -29734,7 +27080,7 @@
               <a:t>、设备尺寸：</a:t>
             </a:r>
             <a:r>
-              <a:rPr lang="en-US" altLang="zh-CN" sz="1600" dirty="0">
+              <a:rPr lang="en-US" altLang="zh-CN" sz="1400" dirty="0">
                 <a:solidFill>
                   <a:schemeClr val="tx1"/>
                 </a:solidFill>
@@ -29753,36 +27099,736 @@
           </a:p>
         </p:txBody>
       </p:sp>
-      <p:pic>
-        <p:nvPicPr>
-          <p:cNvPr id="7" name="图片 6">
+      <p:grpSp>
+        <p:nvGrpSpPr>
+          <p:cNvPr id="36" name="组合 35">
             <a:extLst>
               <a:ext uri="{FF2B5EF4-FFF2-40B4-BE49-F238E27FC236}">
-                <a16:creationId xmlns:a16="http://schemas.microsoft.com/office/drawing/2014/main" id="{56031C8B-2592-4259-B917-6B05F48A2BE7}"/>
+                <a16:creationId xmlns:a16="http://schemas.microsoft.com/office/drawing/2014/main" id="{B6EA0A83-A912-4D60-92FB-350D03C44B6C}"/>
               </a:ext>
             </a:extLst>
           </p:cNvPr>
-          <p:cNvPicPr>
-            <a:picLocks noChangeAspect="1"/>
-          </p:cNvPicPr>
+          <p:cNvGrpSpPr/>
           <p:nvPr/>
-        </p:nvPicPr>
-        <p:blipFill>
-          <a:blip r:embed="rId2"/>
-          <a:stretch>
-            <a:fillRect/>
-          </a:stretch>
-        </p:blipFill>
-        <p:spPr>
+        </p:nvGrpSpPr>
+        <p:grpSpPr>
           <a:xfrm>
-            <a:off x="5707614" y="1046107"/>
-            <a:ext cx="5394960" cy="5539740"/>
+            <a:off x="5837168" y="884121"/>
+            <a:ext cx="5322533" cy="5436780"/>
+            <a:chOff x="5670020" y="884121"/>
+            <a:chExt cx="5322533" cy="5436780"/>
           </a:xfrm>
-          <a:prstGeom prst="rect">
-            <a:avLst/>
-          </a:prstGeom>
-        </p:spPr>
-      </p:pic>
+        </p:grpSpPr>
+        <p:pic>
+          <p:nvPicPr>
+            <p:cNvPr id="5" name="图片 4">
+              <a:extLst>
+                <a:ext uri="{FF2B5EF4-FFF2-40B4-BE49-F238E27FC236}">
+                  <a16:creationId xmlns:a16="http://schemas.microsoft.com/office/drawing/2014/main" id="{D28BBD0E-5C97-41C3-8731-9F4DC72E62C5}"/>
+                </a:ext>
+              </a:extLst>
+            </p:cNvPr>
+            <p:cNvPicPr>
+              <a:picLocks noChangeAspect="1"/>
+            </p:cNvPicPr>
+            <p:nvPr/>
+          </p:nvPicPr>
+          <p:blipFill>
+            <a:blip r:embed="rId2"/>
+            <a:stretch>
+              <a:fillRect/>
+            </a:stretch>
+          </p:blipFill>
+          <p:spPr>
+            <a:xfrm>
+              <a:off x="5670020" y="884121"/>
+              <a:ext cx="5273040" cy="5364480"/>
+            </a:xfrm>
+            <a:prstGeom prst="rect">
+              <a:avLst/>
+            </a:prstGeom>
+            <a:ln>
+              <a:noFill/>
+            </a:ln>
+            <a:effectLst>
+              <a:softEdge rad="112500"/>
+            </a:effectLst>
+          </p:spPr>
+        </p:pic>
+        <p:cxnSp>
+          <p:nvCxnSpPr>
+            <p:cNvPr id="8" name="直接连接符 7">
+              <a:extLst>
+                <a:ext uri="{FF2B5EF4-FFF2-40B4-BE49-F238E27FC236}">
+                  <a16:creationId xmlns:a16="http://schemas.microsoft.com/office/drawing/2014/main" id="{3A06F2A1-B2FB-434F-A0DB-6194CADD22E7}"/>
+                </a:ext>
+              </a:extLst>
+            </p:cNvPr>
+            <p:cNvCxnSpPr>
+              <a:cxnSpLocks/>
+            </p:cNvCxnSpPr>
+            <p:nvPr/>
+          </p:nvCxnSpPr>
+          <p:spPr>
+            <a:xfrm flipV="1">
+              <a:off x="5823751" y="5259564"/>
+              <a:ext cx="197898" cy="262347"/>
+            </a:xfrm>
+            <a:prstGeom prst="line">
+              <a:avLst/>
+            </a:prstGeom>
+            <a:noFill/>
+            <a:ln w="25400" cap="flat">
+              <a:solidFill>
+                <a:schemeClr val="accent1"/>
+              </a:solidFill>
+              <a:prstDash val="solid"/>
+              <a:round/>
+            </a:ln>
+          </p:spPr>
+          <p:style>
+            <a:lnRef idx="0">
+              <a:srgbClr val="FFFFFF"/>
+            </a:lnRef>
+            <a:fillRef idx="0">
+              <a:srgbClr val="FFFFFF"/>
+            </a:fillRef>
+            <a:effectRef idx="0">
+              <a:srgbClr val="FFFFFF"/>
+            </a:effectRef>
+            <a:fontRef idx="none"/>
+          </p:style>
+        </p:cxnSp>
+        <p:cxnSp>
+          <p:nvCxnSpPr>
+            <p:cNvPr id="9" name="直接连接符 8">
+              <a:extLst>
+                <a:ext uri="{FF2B5EF4-FFF2-40B4-BE49-F238E27FC236}">
+                  <a16:creationId xmlns:a16="http://schemas.microsoft.com/office/drawing/2014/main" id="{45EB761A-7B89-40B3-B989-984BCD02E19C}"/>
+                </a:ext>
+              </a:extLst>
+            </p:cNvPr>
+            <p:cNvCxnSpPr>
+              <a:cxnSpLocks/>
+            </p:cNvCxnSpPr>
+            <p:nvPr/>
+          </p:nvCxnSpPr>
+          <p:spPr>
+            <a:xfrm flipV="1">
+              <a:off x="8842159" y="6075881"/>
+              <a:ext cx="180926" cy="245020"/>
+            </a:xfrm>
+            <a:prstGeom prst="line">
+              <a:avLst/>
+            </a:prstGeom>
+            <a:noFill/>
+            <a:ln w="25400" cap="flat">
+              <a:solidFill>
+                <a:schemeClr val="accent1"/>
+              </a:solidFill>
+              <a:prstDash val="solid"/>
+              <a:round/>
+            </a:ln>
+          </p:spPr>
+          <p:style>
+            <a:lnRef idx="0">
+              <a:srgbClr val="FFFFFF"/>
+            </a:lnRef>
+            <a:fillRef idx="0">
+              <a:srgbClr val="FFFFFF"/>
+            </a:fillRef>
+            <a:effectRef idx="0">
+              <a:srgbClr val="FFFFFF"/>
+            </a:effectRef>
+            <a:fontRef idx="none"/>
+          </p:style>
+        </p:cxnSp>
+        <p:cxnSp>
+          <p:nvCxnSpPr>
+            <p:cNvPr id="13" name="直接箭头连接符 12">
+              <a:extLst>
+                <a:ext uri="{FF2B5EF4-FFF2-40B4-BE49-F238E27FC236}">
+                  <a16:creationId xmlns:a16="http://schemas.microsoft.com/office/drawing/2014/main" id="{DC5EBE9D-09A7-4F04-B6E4-B2236041170F}"/>
+                </a:ext>
+              </a:extLst>
+            </p:cNvPr>
+            <p:cNvCxnSpPr/>
+            <p:nvPr/>
+          </p:nvCxnSpPr>
+          <p:spPr>
+            <a:xfrm>
+              <a:off x="5922700" y="5390737"/>
+              <a:ext cx="3009922" cy="807654"/>
+            </a:xfrm>
+            <a:prstGeom prst="straightConnector1">
+              <a:avLst/>
+            </a:prstGeom>
+            <a:ln w="9525" cap="flat" cmpd="sng" algn="ctr">
+              <a:solidFill>
+                <a:schemeClr val="accent5"/>
+              </a:solidFill>
+              <a:prstDash val="dash"/>
+              <a:round/>
+              <a:headEnd type="triangle" w="med" len="med"/>
+              <a:tailEnd type="triangle" w="med" len="med"/>
+            </a:ln>
+          </p:spPr>
+          <p:style>
+            <a:lnRef idx="0">
+              <a:scrgbClr r="0" g="0" b="0"/>
+            </a:lnRef>
+            <a:fillRef idx="0">
+              <a:scrgbClr r="0" g="0" b="0"/>
+            </a:fillRef>
+            <a:effectRef idx="0">
+              <a:scrgbClr r="0" g="0" b="0"/>
+            </a:effectRef>
+            <a:fontRef idx="minor">
+              <a:schemeClr val="tx1"/>
+            </a:fontRef>
+          </p:style>
+        </p:cxnSp>
+        <p:sp>
+          <p:nvSpPr>
+            <p:cNvPr id="16" name="文本框 15">
+              <a:extLst>
+                <a:ext uri="{FF2B5EF4-FFF2-40B4-BE49-F238E27FC236}">
+                  <a16:creationId xmlns:a16="http://schemas.microsoft.com/office/drawing/2014/main" id="{015147FA-4676-4BB1-BB3E-87921D896086}"/>
+                </a:ext>
+              </a:extLst>
+            </p:cNvPr>
+            <p:cNvSpPr txBox="1"/>
+            <p:nvPr/>
+          </p:nvSpPr>
+          <p:spPr>
+            <a:xfrm rot="965207">
+              <a:off x="6877300" y="5788623"/>
+              <a:ext cx="750205" cy="287258"/>
+            </a:xfrm>
+            <a:prstGeom prst="rect">
+              <a:avLst/>
+            </a:prstGeom>
+            <a:noFill/>
+            <a:ln w="12700" cap="flat">
+              <a:noFill/>
+              <a:miter lim="400000"/>
+            </a:ln>
+          </p:spPr>
+          <p:style>
+            <a:lnRef idx="0">
+              <a:srgbClr val="FFFFFF"/>
+            </a:lnRef>
+            <a:fillRef idx="0">
+              <a:srgbClr val="FFFFFF"/>
+            </a:fillRef>
+            <a:effectRef idx="0">
+              <a:srgbClr val="FFFFFF"/>
+            </a:effectRef>
+            <a:fontRef idx="none"/>
+          </p:style>
+          <p:txBody>
+            <a:bodyPr rot="0" vertOverflow="overflow" horzOverflow="overflow" vert="horz" wrap="none" lIns="50800" tIns="50800" rIns="50800" bIns="50800" numCol="1" spcCol="38100" rtlCol="0" anchor="ctr" forceAA="0">
+              <a:spAutoFit/>
+              <a:scene3d>
+                <a:camera prst="orthographicFront"/>
+                <a:lightRig rig="threePt" dir="t"/>
+              </a:scene3d>
+            </a:bodyPr>
+            <a:lstStyle>
+              <a:defPPr>
+                <a:defRPr lang="zh-CN"/>
+              </a:defPPr>
+              <a:lvl1pPr marR="0" indent="0" algn="ctr" defTabSz="825500" fontAlgn="auto" hangingPunct="0">
+                <a:lnSpc>
+                  <a:spcPct val="100000"/>
+                </a:lnSpc>
+                <a:spcBef>
+                  <a:spcPts val="0"/>
+                </a:spcBef>
+                <a:spcAft>
+                  <a:spcPts val="0"/>
+                </a:spcAft>
+                <a:buClrTx/>
+                <a:buSzTx/>
+                <a:buFontTx/>
+                <a:buNone/>
+                <a:defRPr sz="1200">
+                  <a:solidFill>
+                    <a:schemeClr val="accent1"/>
+                  </a:solidFill>
+                  <a:effectLst>
+                    <a:outerShdw blurRad="38100" dist="25400" dir="5400000" algn="ctr" rotWithShape="0">
+                      <a:srgbClr val="6E747A">
+                        <a:alpha val="43000"/>
+                      </a:srgbClr>
+                    </a:outerShdw>
+                  </a:effectLst>
+                  <a:latin typeface="Helvetica Neue Medium" panose="02000503000000020004"/>
+                </a:defRPr>
+              </a:lvl1pPr>
+            </a:lstStyle>
+            <a:p>
+              <a:r>
+                <a:rPr lang="en-US" altLang="zh-CN" dirty="0">
+                  <a:latin typeface="+mn-ea"/>
+                  <a:sym typeface="Helvetica Neue Medium" panose="02000503000000020004"/>
+                </a:rPr>
+                <a:t>2200mm</a:t>
+              </a:r>
+            </a:p>
+          </p:txBody>
+        </p:sp>
+        <p:cxnSp>
+          <p:nvCxnSpPr>
+            <p:cNvPr id="19" name="直接连接符 18">
+              <a:extLst>
+                <a:ext uri="{FF2B5EF4-FFF2-40B4-BE49-F238E27FC236}">
+                  <a16:creationId xmlns:a16="http://schemas.microsoft.com/office/drawing/2014/main" id="{E5DEB0C3-90E4-4839-A79F-51AFB0A030D9}"/>
+                </a:ext>
+              </a:extLst>
+            </p:cNvPr>
+            <p:cNvCxnSpPr>
+              <a:cxnSpLocks/>
+            </p:cNvCxnSpPr>
+            <p:nvPr/>
+          </p:nvCxnSpPr>
+          <p:spPr>
+            <a:xfrm flipH="1" flipV="1">
+              <a:off x="9086783" y="6075881"/>
+              <a:ext cx="210595" cy="245020"/>
+            </a:xfrm>
+            <a:prstGeom prst="line">
+              <a:avLst/>
+            </a:prstGeom>
+            <a:noFill/>
+            <a:ln w="25400" cap="flat">
+              <a:solidFill>
+                <a:schemeClr val="accent1"/>
+              </a:solidFill>
+              <a:prstDash val="solid"/>
+              <a:round/>
+            </a:ln>
+          </p:spPr>
+          <p:style>
+            <a:lnRef idx="0">
+              <a:srgbClr val="FFFFFF"/>
+            </a:lnRef>
+            <a:fillRef idx="0">
+              <a:srgbClr val="FFFFFF"/>
+            </a:fillRef>
+            <a:effectRef idx="0">
+              <a:srgbClr val="FFFFFF"/>
+            </a:effectRef>
+            <a:fontRef idx="none"/>
+          </p:style>
+        </p:cxnSp>
+        <p:cxnSp>
+          <p:nvCxnSpPr>
+            <p:cNvPr id="24" name="直接连接符 23">
+              <a:extLst>
+                <a:ext uri="{FF2B5EF4-FFF2-40B4-BE49-F238E27FC236}">
+                  <a16:creationId xmlns:a16="http://schemas.microsoft.com/office/drawing/2014/main" id="{31E024C4-53DD-435A-9074-E30E7D7972F9}"/>
+                </a:ext>
+              </a:extLst>
+            </p:cNvPr>
+            <p:cNvCxnSpPr>
+              <a:cxnSpLocks/>
+            </p:cNvCxnSpPr>
+            <p:nvPr/>
+          </p:nvCxnSpPr>
+          <p:spPr>
+            <a:xfrm flipH="1" flipV="1">
+              <a:off x="10566538" y="4802604"/>
+              <a:ext cx="210595" cy="245020"/>
+            </a:xfrm>
+            <a:prstGeom prst="line">
+              <a:avLst/>
+            </a:prstGeom>
+            <a:noFill/>
+            <a:ln w="25400" cap="flat">
+              <a:solidFill>
+                <a:schemeClr val="accent1"/>
+              </a:solidFill>
+              <a:prstDash val="solid"/>
+              <a:round/>
+            </a:ln>
+          </p:spPr>
+          <p:style>
+            <a:lnRef idx="0">
+              <a:srgbClr val="FFFFFF"/>
+            </a:lnRef>
+            <a:fillRef idx="0">
+              <a:srgbClr val="FFFFFF"/>
+            </a:fillRef>
+            <a:effectRef idx="0">
+              <a:srgbClr val="FFFFFF"/>
+            </a:effectRef>
+            <a:fontRef idx="none"/>
+          </p:style>
+        </p:cxnSp>
+        <p:cxnSp>
+          <p:nvCxnSpPr>
+            <p:cNvPr id="25" name="直接箭头连接符 24">
+              <a:extLst>
+                <a:ext uri="{FF2B5EF4-FFF2-40B4-BE49-F238E27FC236}">
+                  <a16:creationId xmlns:a16="http://schemas.microsoft.com/office/drawing/2014/main" id="{030C8A27-9D81-4399-841D-35A8D606DD52}"/>
+                </a:ext>
+              </a:extLst>
+            </p:cNvPr>
+            <p:cNvCxnSpPr>
+              <a:cxnSpLocks/>
+            </p:cNvCxnSpPr>
+            <p:nvPr/>
+          </p:nvCxnSpPr>
+          <p:spPr>
+            <a:xfrm flipV="1">
+              <a:off x="9250612" y="4878177"/>
+              <a:ext cx="1374457" cy="1252872"/>
+            </a:xfrm>
+            <a:prstGeom prst="straightConnector1">
+              <a:avLst/>
+            </a:prstGeom>
+            <a:ln w="9525" cap="flat" cmpd="sng" algn="ctr">
+              <a:solidFill>
+                <a:schemeClr val="accent5"/>
+              </a:solidFill>
+              <a:prstDash val="dash"/>
+              <a:round/>
+              <a:headEnd type="triangle" w="med" len="med"/>
+              <a:tailEnd type="triangle" w="med" len="med"/>
+            </a:ln>
+          </p:spPr>
+          <p:style>
+            <a:lnRef idx="0">
+              <a:scrgbClr r="0" g="0" b="0"/>
+            </a:lnRef>
+            <a:fillRef idx="0">
+              <a:scrgbClr r="0" g="0" b="0"/>
+            </a:fillRef>
+            <a:effectRef idx="0">
+              <a:scrgbClr r="0" g="0" b="0"/>
+            </a:effectRef>
+            <a:fontRef idx="minor">
+              <a:schemeClr val="tx1"/>
+            </a:fontRef>
+          </p:style>
+        </p:cxnSp>
+        <p:sp>
+          <p:nvSpPr>
+            <p:cNvPr id="28" name="文本框 27">
+              <a:extLst>
+                <a:ext uri="{FF2B5EF4-FFF2-40B4-BE49-F238E27FC236}">
+                  <a16:creationId xmlns:a16="http://schemas.microsoft.com/office/drawing/2014/main" id="{AC9C6557-20D9-436A-BB19-71104E01D367}"/>
+                </a:ext>
+              </a:extLst>
+            </p:cNvPr>
+            <p:cNvSpPr txBox="1"/>
+            <p:nvPr/>
+          </p:nvSpPr>
+          <p:spPr>
+            <a:xfrm rot="18979042">
+              <a:off x="9708601" y="5478874"/>
+              <a:ext cx="750206" cy="287258"/>
+            </a:xfrm>
+            <a:prstGeom prst="rect">
+              <a:avLst/>
+            </a:prstGeom>
+            <a:noFill/>
+            <a:ln w="12700" cap="flat">
+              <a:noFill/>
+              <a:miter lim="400000"/>
+            </a:ln>
+          </p:spPr>
+          <p:style>
+            <a:lnRef idx="0">
+              <a:srgbClr val="FFFFFF"/>
+            </a:lnRef>
+            <a:fillRef idx="0">
+              <a:srgbClr val="FFFFFF"/>
+            </a:fillRef>
+            <a:effectRef idx="0">
+              <a:srgbClr val="FFFFFF"/>
+            </a:effectRef>
+            <a:fontRef idx="none"/>
+          </p:style>
+          <p:txBody>
+            <a:bodyPr rot="0" vertOverflow="overflow" horzOverflow="overflow" vert="horz" wrap="none" lIns="50800" tIns="50800" rIns="50800" bIns="50800" numCol="1" spcCol="38100" rtlCol="0" anchor="ctr" forceAA="0">
+              <a:spAutoFit/>
+              <a:scene3d>
+                <a:camera prst="orthographicFront"/>
+                <a:lightRig rig="threePt" dir="t"/>
+              </a:scene3d>
+            </a:bodyPr>
+            <a:lstStyle>
+              <a:defPPr>
+                <a:defRPr lang="zh-CN"/>
+              </a:defPPr>
+              <a:lvl1pPr marR="0" indent="0" algn="ctr" defTabSz="825500" fontAlgn="auto" hangingPunct="0">
+                <a:lnSpc>
+                  <a:spcPct val="100000"/>
+                </a:lnSpc>
+                <a:spcBef>
+                  <a:spcPts val="0"/>
+                </a:spcBef>
+                <a:spcAft>
+                  <a:spcPts val="0"/>
+                </a:spcAft>
+                <a:buClrTx/>
+                <a:buSzTx/>
+                <a:buFontTx/>
+                <a:buNone/>
+                <a:defRPr sz="1200">
+                  <a:solidFill>
+                    <a:schemeClr val="accent1"/>
+                  </a:solidFill>
+                  <a:effectLst>
+                    <a:outerShdw blurRad="38100" dist="25400" dir="5400000" algn="ctr" rotWithShape="0">
+                      <a:srgbClr val="6E747A">
+                        <a:alpha val="43000"/>
+                      </a:srgbClr>
+                    </a:outerShdw>
+                  </a:effectLst>
+                  <a:latin typeface="Helvetica Neue Medium" panose="02000503000000020004"/>
+                </a:defRPr>
+              </a:lvl1pPr>
+            </a:lstStyle>
+            <a:p>
+              <a:r>
+                <a:rPr lang="en-US" altLang="zh-CN" dirty="0">
+                  <a:latin typeface="+mn-ea"/>
+                  <a:sym typeface="Helvetica Neue Medium" panose="02000503000000020004"/>
+                </a:rPr>
+                <a:t>1800mm</a:t>
+              </a:r>
+            </a:p>
+          </p:txBody>
+        </p:sp>
+        <p:cxnSp>
+          <p:nvCxnSpPr>
+            <p:cNvPr id="29" name="直接连接符 28">
+              <a:extLst>
+                <a:ext uri="{FF2B5EF4-FFF2-40B4-BE49-F238E27FC236}">
+                  <a16:creationId xmlns:a16="http://schemas.microsoft.com/office/drawing/2014/main" id="{BD0C2066-1104-491E-89DE-D490750742A0}"/>
+                </a:ext>
+              </a:extLst>
+            </p:cNvPr>
+            <p:cNvCxnSpPr>
+              <a:cxnSpLocks/>
+            </p:cNvCxnSpPr>
+            <p:nvPr/>
+          </p:nvCxnSpPr>
+          <p:spPr>
+            <a:xfrm flipH="1">
+              <a:off x="10576886" y="4715373"/>
+              <a:ext cx="350198" cy="45252"/>
+            </a:xfrm>
+            <a:prstGeom prst="line">
+              <a:avLst/>
+            </a:prstGeom>
+            <a:noFill/>
+            <a:ln w="25400" cap="flat">
+              <a:solidFill>
+                <a:schemeClr val="accent1"/>
+              </a:solidFill>
+              <a:prstDash val="solid"/>
+              <a:round/>
+            </a:ln>
+          </p:spPr>
+          <p:style>
+            <a:lnRef idx="0">
+              <a:srgbClr val="FFFFFF"/>
+            </a:lnRef>
+            <a:fillRef idx="0">
+              <a:srgbClr val="FFFFFF"/>
+            </a:fillRef>
+            <a:effectRef idx="0">
+              <a:srgbClr val="FFFFFF"/>
+            </a:effectRef>
+            <a:fontRef idx="none"/>
+          </p:style>
+        </p:cxnSp>
+        <p:cxnSp>
+          <p:nvCxnSpPr>
+            <p:cNvPr id="32" name="直接连接符 31">
+              <a:extLst>
+                <a:ext uri="{FF2B5EF4-FFF2-40B4-BE49-F238E27FC236}">
+                  <a16:creationId xmlns:a16="http://schemas.microsoft.com/office/drawing/2014/main" id="{EAB3CD22-710F-44E2-813E-334B8D336179}"/>
+                </a:ext>
+              </a:extLst>
+            </p:cNvPr>
+            <p:cNvCxnSpPr>
+              <a:cxnSpLocks/>
+            </p:cNvCxnSpPr>
+            <p:nvPr/>
+          </p:nvCxnSpPr>
+          <p:spPr>
+            <a:xfrm flipH="1">
+              <a:off x="10362214" y="2106360"/>
+              <a:ext cx="350198" cy="45252"/>
+            </a:xfrm>
+            <a:prstGeom prst="line">
+              <a:avLst/>
+            </a:prstGeom>
+            <a:noFill/>
+            <a:ln w="25400" cap="flat">
+              <a:solidFill>
+                <a:schemeClr val="accent1"/>
+              </a:solidFill>
+              <a:prstDash val="solid"/>
+              <a:round/>
+            </a:ln>
+          </p:spPr>
+          <p:style>
+            <a:lnRef idx="0">
+              <a:srgbClr val="FFFFFF"/>
+            </a:lnRef>
+            <a:fillRef idx="0">
+              <a:srgbClr val="FFFFFF"/>
+            </a:fillRef>
+            <a:effectRef idx="0">
+              <a:srgbClr val="FFFFFF"/>
+            </a:effectRef>
+            <a:fontRef idx="none"/>
+          </p:style>
+        </p:cxnSp>
+        <p:cxnSp>
+          <p:nvCxnSpPr>
+            <p:cNvPr id="33" name="直接箭头连接符 32">
+              <a:extLst>
+                <a:ext uri="{FF2B5EF4-FFF2-40B4-BE49-F238E27FC236}">
+                  <a16:creationId xmlns:a16="http://schemas.microsoft.com/office/drawing/2014/main" id="{A43A91F9-F8D3-410E-A9B5-0E4802725A11}"/>
+                </a:ext>
+              </a:extLst>
+            </p:cNvPr>
+            <p:cNvCxnSpPr>
+              <a:cxnSpLocks/>
+            </p:cNvCxnSpPr>
+            <p:nvPr/>
+          </p:nvCxnSpPr>
+          <p:spPr>
+            <a:xfrm flipH="1" flipV="1">
+              <a:off x="10572081" y="2151612"/>
+              <a:ext cx="180380" cy="2563761"/>
+            </a:xfrm>
+            <a:prstGeom prst="straightConnector1">
+              <a:avLst/>
+            </a:prstGeom>
+            <a:ln w="9525" cap="flat" cmpd="sng" algn="ctr">
+              <a:solidFill>
+                <a:schemeClr val="accent5"/>
+              </a:solidFill>
+              <a:prstDash val="dash"/>
+              <a:round/>
+              <a:headEnd type="triangle" w="med" len="med"/>
+              <a:tailEnd type="triangle" w="med" len="med"/>
+            </a:ln>
+          </p:spPr>
+          <p:style>
+            <a:lnRef idx="0">
+              <a:scrgbClr r="0" g="0" b="0"/>
+            </a:lnRef>
+            <a:fillRef idx="0">
+              <a:scrgbClr r="0" g="0" b="0"/>
+            </a:fillRef>
+            <a:effectRef idx="0">
+              <a:scrgbClr r="0" g="0" b="0"/>
+            </a:effectRef>
+            <a:fontRef idx="minor">
+              <a:schemeClr val="tx1"/>
+            </a:fontRef>
+          </p:style>
+        </p:cxnSp>
+        <p:sp>
+          <p:nvSpPr>
+            <p:cNvPr id="35" name="文本框 34">
+              <a:extLst>
+                <a:ext uri="{FF2B5EF4-FFF2-40B4-BE49-F238E27FC236}">
+                  <a16:creationId xmlns:a16="http://schemas.microsoft.com/office/drawing/2014/main" id="{8273CEE3-6982-4916-B7B8-4AE80DF59395}"/>
+                </a:ext>
+              </a:extLst>
+            </p:cNvPr>
+            <p:cNvSpPr txBox="1"/>
+            <p:nvPr/>
+          </p:nvSpPr>
+          <p:spPr>
+            <a:xfrm rot="5115875">
+              <a:off x="10473821" y="3178570"/>
+              <a:ext cx="750206" cy="287258"/>
+            </a:xfrm>
+            <a:prstGeom prst="rect">
+              <a:avLst/>
+            </a:prstGeom>
+            <a:noFill/>
+            <a:ln w="12700" cap="flat">
+              <a:noFill/>
+              <a:miter lim="400000"/>
+            </a:ln>
+          </p:spPr>
+          <p:style>
+            <a:lnRef idx="0">
+              <a:srgbClr val="FFFFFF"/>
+            </a:lnRef>
+            <a:fillRef idx="0">
+              <a:srgbClr val="FFFFFF"/>
+            </a:fillRef>
+            <a:effectRef idx="0">
+              <a:srgbClr val="FFFFFF"/>
+            </a:effectRef>
+            <a:fontRef idx="none"/>
+          </p:style>
+          <p:txBody>
+            <a:bodyPr rot="0" vertOverflow="overflow" horzOverflow="overflow" vert="horz" wrap="none" lIns="50800" tIns="50800" rIns="50800" bIns="50800" numCol="1" spcCol="38100" rtlCol="0" anchor="ctr" forceAA="0">
+              <a:spAutoFit/>
+              <a:scene3d>
+                <a:camera prst="orthographicFront"/>
+                <a:lightRig rig="threePt" dir="t"/>
+              </a:scene3d>
+            </a:bodyPr>
+            <a:lstStyle>
+              <a:defPPr>
+                <a:defRPr lang="zh-CN"/>
+              </a:defPPr>
+              <a:lvl1pPr marR="0" indent="0" algn="ctr" defTabSz="825500" fontAlgn="auto" hangingPunct="0">
+                <a:lnSpc>
+                  <a:spcPct val="100000"/>
+                </a:lnSpc>
+                <a:spcBef>
+                  <a:spcPts val="0"/>
+                </a:spcBef>
+                <a:spcAft>
+                  <a:spcPts val="0"/>
+                </a:spcAft>
+                <a:buClrTx/>
+                <a:buSzTx/>
+                <a:buFontTx/>
+                <a:buNone/>
+                <a:defRPr sz="1200">
+                  <a:solidFill>
+                    <a:schemeClr val="accent1"/>
+                  </a:solidFill>
+                  <a:effectLst>
+                    <a:outerShdw blurRad="38100" dist="25400" dir="5400000" algn="ctr" rotWithShape="0">
+                      <a:srgbClr val="6E747A">
+                        <a:alpha val="43000"/>
+                      </a:srgbClr>
+                    </a:outerShdw>
+                  </a:effectLst>
+                  <a:latin typeface="Helvetica Neue Medium" panose="02000503000000020004"/>
+                </a:defRPr>
+              </a:lvl1pPr>
+            </a:lstStyle>
+            <a:p>
+              <a:r>
+                <a:rPr lang="en-US" altLang="zh-CN" dirty="0">
+                  <a:latin typeface="+mn-ea"/>
+                  <a:sym typeface="Helvetica Neue Medium" panose="02000503000000020004"/>
+                </a:rPr>
+                <a:t>2000mm</a:t>
+              </a:r>
+            </a:p>
+          </p:txBody>
+        </p:sp>
+      </p:grpSp>
     </p:spTree>
     <p:extLst>
       <p:ext uri="{BB962C8B-B14F-4D97-AF65-F5344CB8AC3E}">
@@ -29835,12 +27881,18 @@
         </p:blipFill>
         <p:spPr>
           <a:xfrm>
-            <a:off x="2575420" y="1285887"/>
+            <a:off x="3214616" y="1285887"/>
             <a:ext cx="5538109" cy="5292000"/>
           </a:xfrm>
           <a:prstGeom prst="rect">
             <a:avLst/>
           </a:prstGeom>
+          <a:ln>
+            <a:noFill/>
+          </a:ln>
+          <a:effectLst>
+            <a:softEdge rad="112500"/>
+          </a:effectLst>
         </p:spPr>
       </p:pic>
       <p:sp>
@@ -29892,7 +27944,7 @@
         </p:nvSpPr>
         <p:spPr>
           <a:xfrm>
-            <a:off x="813732" y="1761688"/>
+            <a:off x="1452928" y="1761688"/>
             <a:ext cx="1379989" cy="443198"/>
           </a:xfrm>
           <a:prstGeom prst="borderCallout1">
@@ -29906,13 +27958,13 @@
         </p:spPr>
         <p:style>
           <a:lnRef idx="2">
-            <a:schemeClr val="accent1"/>
+            <a:schemeClr val="accent5"/>
           </a:lnRef>
           <a:fillRef idx="1">
             <a:schemeClr val="lt1"/>
           </a:fillRef>
           <a:effectRef idx="0">
-            <a:schemeClr val="accent1"/>
+            <a:schemeClr val="accent5"/>
           </a:effectRef>
           <a:fontRef idx="minor">
             <a:schemeClr val="dk1"/>
@@ -29944,7 +27996,7 @@
         </p:nvSpPr>
         <p:spPr>
           <a:xfrm>
-            <a:off x="813732" y="2392260"/>
+            <a:off x="1452928" y="2392260"/>
             <a:ext cx="1379989" cy="443198"/>
           </a:xfrm>
           <a:prstGeom prst="borderCallout1">
@@ -29958,13 +28010,13 @@
         </p:spPr>
         <p:style>
           <a:lnRef idx="2">
-            <a:schemeClr val="accent1"/>
+            <a:schemeClr val="accent5"/>
           </a:lnRef>
           <a:fillRef idx="1">
             <a:schemeClr val="lt1"/>
           </a:fillRef>
           <a:effectRef idx="0">
-            <a:schemeClr val="accent1"/>
+            <a:schemeClr val="accent5"/>
           </a:effectRef>
           <a:fontRef idx="minor">
             <a:schemeClr val="dk1"/>
@@ -29996,7 +28048,7 @@
         </p:nvSpPr>
         <p:spPr>
           <a:xfrm>
-            <a:off x="813731" y="3022832"/>
+            <a:off x="1452927" y="3022832"/>
             <a:ext cx="1379989" cy="443198"/>
           </a:xfrm>
           <a:prstGeom prst="borderCallout1">
@@ -30010,13 +28062,13 @@
         </p:spPr>
         <p:style>
           <a:lnRef idx="2">
-            <a:schemeClr val="accent1"/>
+            <a:schemeClr val="accent5"/>
           </a:lnRef>
           <a:fillRef idx="1">
             <a:schemeClr val="lt1"/>
           </a:fillRef>
           <a:effectRef idx="0">
-            <a:schemeClr val="accent1"/>
+            <a:schemeClr val="accent5"/>
           </a:effectRef>
           <a:fontRef idx="minor">
             <a:schemeClr val="dk1"/>
@@ -30056,7 +28108,7 @@
         </p:nvSpPr>
         <p:spPr>
           <a:xfrm>
-            <a:off x="813730" y="3653404"/>
+            <a:off x="1452926" y="3653404"/>
             <a:ext cx="1379989" cy="443198"/>
           </a:xfrm>
           <a:prstGeom prst="borderCallout1">
@@ -30070,13 +28122,13 @@
         </p:spPr>
         <p:style>
           <a:lnRef idx="2">
-            <a:schemeClr val="accent1"/>
+            <a:schemeClr val="accent5"/>
           </a:lnRef>
           <a:fillRef idx="1">
             <a:schemeClr val="lt1"/>
           </a:fillRef>
           <a:effectRef idx="0">
-            <a:schemeClr val="accent1"/>
+            <a:schemeClr val="accent5"/>
           </a:effectRef>
           <a:fontRef idx="minor">
             <a:schemeClr val="dk1"/>
@@ -30108,7 +28160,7 @@
         </p:nvSpPr>
         <p:spPr>
           <a:xfrm>
-            <a:off x="813729" y="4283976"/>
+            <a:off x="1452925" y="4283976"/>
             <a:ext cx="1379989" cy="443198"/>
           </a:xfrm>
           <a:prstGeom prst="borderCallout1">
@@ -30122,13 +28174,13 @@
         </p:spPr>
         <p:style>
           <a:lnRef idx="2">
-            <a:schemeClr val="accent1"/>
+            <a:schemeClr val="accent5"/>
           </a:lnRef>
           <a:fillRef idx="1">
             <a:schemeClr val="lt1"/>
           </a:fillRef>
           <a:effectRef idx="0">
-            <a:schemeClr val="accent1"/>
+            <a:schemeClr val="accent5"/>
           </a:effectRef>
           <a:fontRef idx="minor">
             <a:schemeClr val="dk1"/>
@@ -30160,7 +28212,7 @@
         </p:nvSpPr>
         <p:spPr>
           <a:xfrm>
-            <a:off x="813729" y="4914548"/>
+            <a:off x="1452925" y="4914548"/>
             <a:ext cx="1379989" cy="443198"/>
           </a:xfrm>
           <a:prstGeom prst="borderCallout1">
@@ -30174,13 +28226,13 @@
         </p:spPr>
         <p:style>
           <a:lnRef idx="2">
-            <a:schemeClr val="accent1"/>
+            <a:schemeClr val="accent5"/>
           </a:lnRef>
           <a:fillRef idx="1">
             <a:schemeClr val="lt1"/>
           </a:fillRef>
           <a:effectRef idx="0">
-            <a:schemeClr val="accent1"/>
+            <a:schemeClr val="accent5"/>
           </a:effectRef>
           <a:fontRef idx="minor">
             <a:schemeClr val="dk1"/>
@@ -30212,7 +28264,7 @@
         </p:nvSpPr>
         <p:spPr>
           <a:xfrm>
-            <a:off x="8471762" y="1983287"/>
+            <a:off x="9110958" y="1983287"/>
             <a:ext cx="1379989" cy="443198"/>
           </a:xfrm>
           <a:prstGeom prst="borderCallout1">
@@ -30226,13 +28278,13 @@
         </p:spPr>
         <p:style>
           <a:lnRef idx="2">
-            <a:schemeClr val="accent1"/>
+            <a:schemeClr val="accent5"/>
           </a:lnRef>
           <a:fillRef idx="1">
             <a:schemeClr val="lt1"/>
           </a:fillRef>
           <a:effectRef idx="0">
-            <a:schemeClr val="accent1"/>
+            <a:schemeClr val="accent5"/>
           </a:effectRef>
           <a:fontRef idx="minor">
             <a:schemeClr val="dk1"/>
@@ -30264,7 +28316,7 @@
         </p:nvSpPr>
         <p:spPr>
           <a:xfrm>
-            <a:off x="8471761" y="2611771"/>
+            <a:off x="9110957" y="2611771"/>
             <a:ext cx="1379989" cy="443198"/>
           </a:xfrm>
           <a:prstGeom prst="borderCallout1">
@@ -30278,13 +28330,13 @@
         </p:spPr>
         <p:style>
           <a:lnRef idx="2">
-            <a:schemeClr val="accent1"/>
+            <a:schemeClr val="accent5"/>
           </a:lnRef>
           <a:fillRef idx="1">
             <a:schemeClr val="lt1"/>
           </a:fillRef>
           <a:effectRef idx="0">
-            <a:schemeClr val="accent1"/>
+            <a:schemeClr val="accent5"/>
           </a:effectRef>
           <a:fontRef idx="minor">
             <a:schemeClr val="dk1"/>
@@ -30320,7 +28372,7 @@
         </p:nvSpPr>
         <p:spPr>
           <a:xfrm>
-            <a:off x="8471760" y="3240255"/>
+            <a:off x="9110956" y="3240255"/>
             <a:ext cx="1379989" cy="443198"/>
           </a:xfrm>
           <a:prstGeom prst="borderCallout1">
@@ -30334,13 +28386,13 @@
         </p:spPr>
         <p:style>
           <a:lnRef idx="2">
-            <a:schemeClr val="accent1"/>
+            <a:schemeClr val="accent5"/>
           </a:lnRef>
           <a:fillRef idx="1">
             <a:schemeClr val="lt1"/>
           </a:fillRef>
           <a:effectRef idx="0">
-            <a:schemeClr val="accent1"/>
+            <a:schemeClr val="accent5"/>
           </a:effectRef>
           <a:fontRef idx="minor">
             <a:schemeClr val="dk1"/>
@@ -30372,7 +28424,7 @@
         </p:nvSpPr>
         <p:spPr>
           <a:xfrm>
-            <a:off x="8471760" y="3868739"/>
+            <a:off x="9110956" y="3868739"/>
             <a:ext cx="1379989" cy="443198"/>
           </a:xfrm>
           <a:prstGeom prst="borderCallout1">
@@ -30386,13 +28438,13 @@
         </p:spPr>
         <p:style>
           <a:lnRef idx="2">
-            <a:schemeClr val="accent1"/>
+            <a:schemeClr val="accent5"/>
           </a:lnRef>
           <a:fillRef idx="1">
             <a:schemeClr val="lt1"/>
           </a:fillRef>
           <a:effectRef idx="0">
-            <a:schemeClr val="accent1"/>
+            <a:schemeClr val="accent5"/>
           </a:effectRef>
           <a:fontRef idx="minor">
             <a:schemeClr val="dk1"/>
@@ -30424,7 +28476,7 @@
         </p:nvSpPr>
         <p:spPr>
           <a:xfrm>
-            <a:off x="8471759" y="4497223"/>
+            <a:off x="9110955" y="4497223"/>
             <a:ext cx="1379989" cy="443198"/>
           </a:xfrm>
           <a:prstGeom prst="borderCallout1">
@@ -30438,13 +28490,13 @@
         </p:spPr>
         <p:style>
           <a:lnRef idx="2">
-            <a:schemeClr val="accent1"/>
+            <a:schemeClr val="accent5"/>
           </a:lnRef>
           <a:fillRef idx="1">
             <a:schemeClr val="lt1"/>
           </a:fillRef>
           <a:effectRef idx="0">
-            <a:schemeClr val="accent1"/>
+            <a:schemeClr val="accent5"/>
           </a:effectRef>
           <a:fontRef idx="minor">
             <a:schemeClr val="dk1"/>
@@ -30484,7 +28536,7 @@
         </p:nvSpPr>
         <p:spPr>
           <a:xfrm>
-            <a:off x="8471758" y="5125707"/>
+            <a:off x="9110954" y="5125707"/>
             <a:ext cx="1379989" cy="443198"/>
           </a:xfrm>
           <a:prstGeom prst="borderCallout1">
@@ -30498,13 +28550,13 @@
         </p:spPr>
         <p:style>
           <a:lnRef idx="2">
-            <a:schemeClr val="accent1"/>
+            <a:schemeClr val="accent5"/>
           </a:lnRef>
           <a:fillRef idx="1">
             <a:schemeClr val="lt1"/>
           </a:fillRef>
           <a:effectRef idx="0">
-            <a:schemeClr val="accent1"/>
+            <a:schemeClr val="accent5"/>
           </a:effectRef>
           <a:fontRef idx="minor">
             <a:schemeClr val="dk1"/>
@@ -30536,7 +28588,7 @@
         </p:nvSpPr>
         <p:spPr>
           <a:xfrm>
-            <a:off x="813729" y="5545120"/>
+            <a:off x="1452925" y="5545120"/>
             <a:ext cx="1379989" cy="443198"/>
           </a:xfrm>
           <a:prstGeom prst="borderCallout1">
@@ -30550,13 +28602,13 @@
         </p:spPr>
         <p:style>
           <a:lnRef idx="2">
-            <a:schemeClr val="accent1"/>
+            <a:schemeClr val="accent5"/>
           </a:lnRef>
           <a:fillRef idx="1">
             <a:schemeClr val="lt1"/>
           </a:fillRef>
           <a:effectRef idx="0">
-            <a:schemeClr val="accent1"/>
+            <a:schemeClr val="accent5"/>
           </a:effectRef>
           <a:fontRef idx="minor">
             <a:schemeClr val="dk1"/>
